--- a/cse106/slides/Propositional_Logic.pptx
+++ b/cse106/slides/Propositional_Logic.pptx
@@ -351,7 +351,7 @@
             <a:fld id="{1D8BD707-D9CF-40AE-B4C6-C98DA3205C09}" type="datetimeFigureOut">
               <a:rPr lang="en-US" smtClean="0"/>
               <a:pPr/>
-              <a:t>7/3/2020</a:t>
+              <a:t>7/4/2020</a:t>
             </a:fld>
             <a:endParaRPr lang="en-US"/>
           </a:p>
@@ -518,7 +518,7 @@
             <a:fld id="{1D8BD707-D9CF-40AE-B4C6-C98DA3205C09}" type="datetimeFigureOut">
               <a:rPr lang="en-US" smtClean="0"/>
               <a:pPr/>
-              <a:t>7/3/2020</a:t>
+              <a:t>7/4/2020</a:t>
             </a:fld>
             <a:endParaRPr lang="en-US"/>
           </a:p>
@@ -695,7 +695,7 @@
             <a:fld id="{1D8BD707-D9CF-40AE-B4C6-C98DA3205C09}" type="datetimeFigureOut">
               <a:rPr lang="en-US" smtClean="0"/>
               <a:pPr/>
-              <a:t>7/3/2020</a:t>
+              <a:t>7/4/2020</a:t>
             </a:fld>
             <a:endParaRPr lang="en-US"/>
           </a:p>
@@ -862,7 +862,7 @@
             <a:fld id="{1D8BD707-D9CF-40AE-B4C6-C98DA3205C09}" type="datetimeFigureOut">
               <a:rPr lang="en-US" smtClean="0"/>
               <a:pPr/>
-              <a:t>7/3/2020</a:t>
+              <a:t>7/4/2020</a:t>
             </a:fld>
             <a:endParaRPr lang="en-US"/>
           </a:p>
@@ -1105,7 +1105,7 @@
             <a:fld id="{1D8BD707-D9CF-40AE-B4C6-C98DA3205C09}" type="datetimeFigureOut">
               <a:rPr lang="en-US" smtClean="0"/>
               <a:pPr/>
-              <a:t>7/3/2020</a:t>
+              <a:t>7/4/2020</a:t>
             </a:fld>
             <a:endParaRPr lang="en-US"/>
           </a:p>
@@ -1390,7 +1390,7 @@
             <a:fld id="{1D8BD707-D9CF-40AE-B4C6-C98DA3205C09}" type="datetimeFigureOut">
               <a:rPr lang="en-US" smtClean="0"/>
               <a:pPr/>
-              <a:t>7/3/2020</a:t>
+              <a:t>7/4/2020</a:t>
             </a:fld>
             <a:endParaRPr lang="en-US"/>
           </a:p>
@@ -1809,7 +1809,7 @@
             <a:fld id="{1D8BD707-D9CF-40AE-B4C6-C98DA3205C09}" type="datetimeFigureOut">
               <a:rPr lang="en-US" smtClean="0"/>
               <a:pPr/>
-              <a:t>7/3/2020</a:t>
+              <a:t>7/4/2020</a:t>
             </a:fld>
             <a:endParaRPr lang="en-US"/>
           </a:p>
@@ -1924,7 +1924,7 @@
             <a:fld id="{1D8BD707-D9CF-40AE-B4C6-C98DA3205C09}" type="datetimeFigureOut">
               <a:rPr lang="en-US" smtClean="0"/>
               <a:pPr/>
-              <a:t>7/3/2020</a:t>
+              <a:t>7/4/2020</a:t>
             </a:fld>
             <a:endParaRPr lang="en-US"/>
           </a:p>
@@ -2016,7 +2016,7 @@
             <a:fld id="{1D8BD707-D9CF-40AE-B4C6-C98DA3205C09}" type="datetimeFigureOut">
               <a:rPr lang="en-US" smtClean="0"/>
               <a:pPr/>
-              <a:t>7/3/2020</a:t>
+              <a:t>7/4/2020</a:t>
             </a:fld>
             <a:endParaRPr lang="en-US"/>
           </a:p>
@@ -2290,7 +2290,7 @@
             <a:fld id="{1D8BD707-D9CF-40AE-B4C6-C98DA3205C09}" type="datetimeFigureOut">
               <a:rPr lang="en-US" smtClean="0"/>
               <a:pPr/>
-              <a:t>7/3/2020</a:t>
+              <a:t>7/4/2020</a:t>
             </a:fld>
             <a:endParaRPr lang="en-US"/>
           </a:p>
@@ -2540,7 +2540,7 @@
             <a:fld id="{1D8BD707-D9CF-40AE-B4C6-C98DA3205C09}" type="datetimeFigureOut">
               <a:rPr lang="en-US" smtClean="0"/>
               <a:pPr/>
-              <a:t>7/3/2020</a:t>
+              <a:t>7/4/2020</a:t>
             </a:fld>
             <a:endParaRPr lang="en-US"/>
           </a:p>
@@ -2750,7 +2750,7 @@
             <a:fld id="{1D8BD707-D9CF-40AE-B4C6-C98DA3205C09}" type="datetimeFigureOut">
               <a:rPr lang="en-US" smtClean="0"/>
               <a:pPr/>
-              <a:t>7/3/2020</a:t>
+              <a:t>7/4/2020</a:t>
             </a:fld>
             <a:endParaRPr lang="en-US"/>
           </a:p>
@@ -23314,6 +23314,13 @@
   <p:clrMapOvr>
     <a:masterClrMapping/>
   </p:clrMapOvr>
+  <p:timing>
+    <p:tnLst>
+      <p:par>
+        <p:cTn id="1" dur="indefinite" restart="never" nodeType="tmRoot"/>
+      </p:par>
+    </p:tnLst>
+  </p:timing>
 </p:sld>
 </file>
 

--- a/cse106/slides/Propositional_Logic.pptx
+++ b/cse106/slides/Propositional_Logic.pptx
@@ -52,6 +52,17 @@
     <p:sldId id="303" r:id="rId46"/>
     <p:sldId id="304" r:id="rId47"/>
     <p:sldId id="305" r:id="rId48"/>
+    <p:sldId id="306" r:id="rId49"/>
+    <p:sldId id="308" r:id="rId50"/>
+    <p:sldId id="309" r:id="rId51"/>
+    <p:sldId id="310" r:id="rId52"/>
+    <p:sldId id="311" r:id="rId53"/>
+    <p:sldId id="312" r:id="rId54"/>
+    <p:sldId id="313" r:id="rId55"/>
+    <p:sldId id="314" r:id="rId56"/>
+    <p:sldId id="316" r:id="rId57"/>
+    <p:sldId id="317" r:id="rId58"/>
+    <p:sldId id="318" r:id="rId59"/>
   </p:sldIdLst>
   <p:sldSz cx="9144000" cy="6858000" type="screen4x3"/>
   <p:notesSz cx="6858000" cy="9144000"/>
@@ -351,7 +362,7 @@
             <a:fld id="{1D8BD707-D9CF-40AE-B4C6-C98DA3205C09}" type="datetimeFigureOut">
               <a:rPr lang="en-US" smtClean="0"/>
               <a:pPr/>
-              <a:t>7/4/2020</a:t>
+              <a:t>7/6/2020</a:t>
             </a:fld>
             <a:endParaRPr lang="en-US"/>
           </a:p>
@@ -518,7 +529,7 @@
             <a:fld id="{1D8BD707-D9CF-40AE-B4C6-C98DA3205C09}" type="datetimeFigureOut">
               <a:rPr lang="en-US" smtClean="0"/>
               <a:pPr/>
-              <a:t>7/4/2020</a:t>
+              <a:t>7/6/2020</a:t>
             </a:fld>
             <a:endParaRPr lang="en-US"/>
           </a:p>
@@ -695,7 +706,7 @@
             <a:fld id="{1D8BD707-D9CF-40AE-B4C6-C98DA3205C09}" type="datetimeFigureOut">
               <a:rPr lang="en-US" smtClean="0"/>
               <a:pPr/>
-              <a:t>7/4/2020</a:t>
+              <a:t>7/6/2020</a:t>
             </a:fld>
             <a:endParaRPr lang="en-US"/>
           </a:p>
@@ -862,7 +873,7 @@
             <a:fld id="{1D8BD707-D9CF-40AE-B4C6-C98DA3205C09}" type="datetimeFigureOut">
               <a:rPr lang="en-US" smtClean="0"/>
               <a:pPr/>
-              <a:t>7/4/2020</a:t>
+              <a:t>7/6/2020</a:t>
             </a:fld>
             <a:endParaRPr lang="en-US"/>
           </a:p>
@@ -1105,7 +1116,7 @@
             <a:fld id="{1D8BD707-D9CF-40AE-B4C6-C98DA3205C09}" type="datetimeFigureOut">
               <a:rPr lang="en-US" smtClean="0"/>
               <a:pPr/>
-              <a:t>7/4/2020</a:t>
+              <a:t>7/6/2020</a:t>
             </a:fld>
             <a:endParaRPr lang="en-US"/>
           </a:p>
@@ -1390,7 +1401,7 @@
             <a:fld id="{1D8BD707-D9CF-40AE-B4C6-C98DA3205C09}" type="datetimeFigureOut">
               <a:rPr lang="en-US" smtClean="0"/>
               <a:pPr/>
-              <a:t>7/4/2020</a:t>
+              <a:t>7/6/2020</a:t>
             </a:fld>
             <a:endParaRPr lang="en-US"/>
           </a:p>
@@ -1809,7 +1820,7 @@
             <a:fld id="{1D8BD707-D9CF-40AE-B4C6-C98DA3205C09}" type="datetimeFigureOut">
               <a:rPr lang="en-US" smtClean="0"/>
               <a:pPr/>
-              <a:t>7/4/2020</a:t>
+              <a:t>7/6/2020</a:t>
             </a:fld>
             <a:endParaRPr lang="en-US"/>
           </a:p>
@@ -1924,7 +1935,7 @@
             <a:fld id="{1D8BD707-D9CF-40AE-B4C6-C98DA3205C09}" type="datetimeFigureOut">
               <a:rPr lang="en-US" smtClean="0"/>
               <a:pPr/>
-              <a:t>7/4/2020</a:t>
+              <a:t>7/6/2020</a:t>
             </a:fld>
             <a:endParaRPr lang="en-US"/>
           </a:p>
@@ -2016,7 +2027,7 @@
             <a:fld id="{1D8BD707-D9CF-40AE-B4C6-C98DA3205C09}" type="datetimeFigureOut">
               <a:rPr lang="en-US" smtClean="0"/>
               <a:pPr/>
-              <a:t>7/4/2020</a:t>
+              <a:t>7/6/2020</a:t>
             </a:fld>
             <a:endParaRPr lang="en-US"/>
           </a:p>
@@ -2290,7 +2301,7 @@
             <a:fld id="{1D8BD707-D9CF-40AE-B4C6-C98DA3205C09}" type="datetimeFigureOut">
               <a:rPr lang="en-US" smtClean="0"/>
               <a:pPr/>
-              <a:t>7/4/2020</a:t>
+              <a:t>7/6/2020</a:t>
             </a:fld>
             <a:endParaRPr lang="en-US"/>
           </a:p>
@@ -2540,7 +2551,7 @@
             <a:fld id="{1D8BD707-D9CF-40AE-B4C6-C98DA3205C09}" type="datetimeFigureOut">
               <a:rPr lang="en-US" smtClean="0"/>
               <a:pPr/>
-              <a:t>7/4/2020</a:t>
+              <a:t>7/6/2020</a:t>
             </a:fld>
             <a:endParaRPr lang="en-US"/>
           </a:p>
@@ -2750,7 +2761,7 @@
             <a:fld id="{1D8BD707-D9CF-40AE-B4C6-C98DA3205C09}" type="datetimeFigureOut">
               <a:rPr lang="en-US" smtClean="0"/>
               <a:pPr/>
-              <a:t>7/4/2020</a:t>
+              <a:t>7/6/2020</a:t>
             </a:fld>
             <a:endParaRPr lang="en-US"/>
           </a:p>
@@ -23213,6 +23224,972 @@
 </p:sld>
 </file>
 
+<file path=ppt/slides/slide48.xml><?xml version="1.0" encoding="utf-8"?>
+<p:sld xmlns:a="http://schemas.openxmlformats.org/drawingml/2006/main" xmlns:r="http://schemas.openxmlformats.org/officeDocument/2006/relationships" xmlns:p="http://schemas.openxmlformats.org/presentationml/2006/main">
+  <p:cSld>
+    <p:spTree>
+      <p:nvGrpSpPr>
+        <p:cNvPr id="1" name=""/>
+        <p:cNvGrpSpPr/>
+        <p:nvPr/>
+      </p:nvGrpSpPr>
+      <p:grpSpPr>
+        <a:xfrm>
+          <a:off x="0" y="0"/>
+          <a:ext cx="0" cy="0"/>
+          <a:chOff x="0" y="0"/>
+          <a:chExt cx="0" cy="0"/>
+        </a:xfrm>
+      </p:grpSpPr>
+      <p:sp>
+        <p:nvSpPr>
+          <p:cNvPr id="2" name="Title 1"/>
+          <p:cNvSpPr>
+            <a:spLocks noGrp="1"/>
+          </p:cNvSpPr>
+          <p:nvPr>
+            <p:ph type="ctrTitle"/>
+          </p:nvPr>
+        </p:nvSpPr>
+        <p:spPr/>
+        <p:txBody>
+          <a:bodyPr/>
+          <a:lstStyle/>
+          <a:p>
+            <a:r>
+              <a:rPr lang="en-US" dirty="0" smtClean="0">
+                <a:latin typeface="Comic Sans MS" pitchFamily="66" charset="0"/>
+              </a:rPr>
+              <a:t>Translating into propositional logic</a:t>
+            </a:r>
+            <a:endParaRPr lang="en-US" dirty="0">
+              <a:latin typeface="Comic Sans MS" pitchFamily="66" charset="0"/>
+            </a:endParaRPr>
+          </a:p>
+        </p:txBody>
+      </p:sp>
+    </p:spTree>
+    <p:extLst>
+      <p:ext uri="{BB962C8B-B14F-4D97-AF65-F5344CB8AC3E}">
+        <p14:creationId xmlns:p14="http://schemas.microsoft.com/office/powerpoint/2010/main" val="634654984"/>
+      </p:ext>
+    </p:extLst>
+  </p:cSld>
+  <p:clrMapOvr>
+    <a:masterClrMapping/>
+  </p:clrMapOvr>
+  <p:timing>
+    <p:tnLst>
+      <p:par>
+        <p:cTn id="1" dur="indefinite" restart="never" nodeType="tmRoot"/>
+      </p:par>
+    </p:tnLst>
+  </p:timing>
+</p:sld>
+</file>
+
+<file path=ppt/slides/slide49.xml><?xml version="1.0" encoding="utf-8"?>
+<p:sld xmlns:a="http://schemas.openxmlformats.org/drawingml/2006/main" xmlns:r="http://schemas.openxmlformats.org/officeDocument/2006/relationships" xmlns:p="http://schemas.openxmlformats.org/presentationml/2006/main">
+  <p:cSld>
+    <p:spTree>
+      <p:nvGrpSpPr>
+        <p:cNvPr id="1" name=""/>
+        <p:cNvGrpSpPr/>
+        <p:nvPr/>
+      </p:nvGrpSpPr>
+      <p:grpSpPr>
+        <a:xfrm>
+          <a:off x="0" y="0"/>
+          <a:ext cx="0" cy="0"/>
+          <a:chOff x="0" y="0"/>
+          <a:chExt cx="0" cy="0"/>
+        </a:xfrm>
+      </p:grpSpPr>
+      <p:sp>
+        <p:nvSpPr>
+          <p:cNvPr id="2" name="Title 1"/>
+          <p:cNvSpPr>
+            <a:spLocks noGrp="1"/>
+          </p:cNvSpPr>
+          <p:nvPr>
+            <p:ph type="title"/>
+          </p:nvPr>
+        </p:nvSpPr>
+        <p:spPr/>
+        <p:txBody>
+          <a:bodyPr>
+            <a:normAutofit/>
+          </a:bodyPr>
+          <a:lstStyle/>
+          <a:p>
+            <a:pPr algn="l"/>
+            <a:r>
+              <a:rPr lang="en-US" sz="2400" dirty="0">
+                <a:latin typeface="Comic Sans MS" panose="030F0702030302020204" pitchFamily="66" charset="0"/>
+              </a:rPr>
+              <a:t>Translating into propositional logic</a:t>
+            </a:r>
+            <a:endParaRPr lang="en-US" sz="2400" dirty="0">
+              <a:latin typeface="Comic Sans MS" pitchFamily="66" charset="0"/>
+            </a:endParaRPr>
+          </a:p>
+        </p:txBody>
+      </p:sp>
+      <p:sp>
+        <p:nvSpPr>
+          <p:cNvPr id="3" name="Content Placeholder 2"/>
+          <p:cNvSpPr>
+            <a:spLocks noGrp="1"/>
+          </p:cNvSpPr>
+          <p:nvPr>
+            <p:ph idx="1"/>
+          </p:nvPr>
+        </p:nvSpPr>
+        <p:spPr>
+          <a:xfrm>
+            <a:off x="2133600" y="3276600"/>
+            <a:ext cx="4648200" cy="1066799"/>
+          </a:xfrm>
+        </p:spPr>
+        <p:txBody>
+          <a:bodyPr>
+            <a:normAutofit fontScale="92500"/>
+          </a:bodyPr>
+          <a:lstStyle/>
+          <a:p>
+            <a:pPr marL="0" indent="0">
+              <a:buNone/>
+            </a:pPr>
+            <a:r>
+              <a:rPr lang="en-US" sz="2400" dirty="0">
+                <a:solidFill>
+                  <a:srgbClr val="00B0F0"/>
+                </a:solidFill>
+                <a:latin typeface="Comic Sans MS" panose="030F0702030302020204" pitchFamily="66" charset="0"/>
+              </a:rPr>
+              <a:t>a</a:t>
+            </a:r>
+            <a:r>
+              <a:rPr lang="en-US" sz="2400" dirty="0" smtClean="0">
+                <a:solidFill>
+                  <a:srgbClr val="00B0F0"/>
+                </a:solidFill>
+                <a:latin typeface="Comic Sans MS" panose="030F0702030302020204" pitchFamily="66" charset="0"/>
+              </a:rPr>
+              <a:t>: </a:t>
+            </a:r>
+            <a:r>
+              <a:rPr lang="en-US" sz="2400" dirty="0">
+                <a:latin typeface="Comic Sans MS" panose="030F0702030302020204" pitchFamily="66" charset="0"/>
+              </a:rPr>
+              <a:t>Aang is </a:t>
+            </a:r>
+            <a:r>
+              <a:rPr lang="en-US" sz="2400" dirty="0" smtClean="0">
+                <a:latin typeface="Comic Sans MS" panose="030F0702030302020204" pitchFamily="66" charset="0"/>
+              </a:rPr>
+              <a:t>in </a:t>
+            </a:r>
+            <a:r>
+              <a:rPr lang="en-US" sz="2400" dirty="0">
+                <a:latin typeface="Comic Sans MS" panose="030F0702030302020204" pitchFamily="66" charset="0"/>
+              </a:rPr>
+              <a:t>the path of totality</a:t>
+            </a:r>
+            <a:r>
+              <a:rPr lang="en-US" sz="2400" dirty="0" smtClean="0">
+                <a:latin typeface="Comic Sans MS" panose="030F0702030302020204" pitchFamily="66" charset="0"/>
+              </a:rPr>
+              <a:t> </a:t>
+            </a:r>
+          </a:p>
+          <a:p>
+            <a:pPr marL="0" indent="0">
+              <a:buNone/>
+            </a:pPr>
+            <a:r>
+              <a:rPr lang="en-US" sz="2400" dirty="0">
+                <a:solidFill>
+                  <a:srgbClr val="00B0F0"/>
+                </a:solidFill>
+                <a:latin typeface="Comic Sans MS" panose="030F0702030302020204" pitchFamily="66" charset="0"/>
+              </a:rPr>
+              <a:t>b</a:t>
+            </a:r>
+            <a:r>
+              <a:rPr lang="en-US" sz="2400" dirty="0" smtClean="0">
+                <a:solidFill>
+                  <a:srgbClr val="00B0F0"/>
+                </a:solidFill>
+                <a:latin typeface="Comic Sans MS" panose="030F0702030302020204" pitchFamily="66" charset="0"/>
+              </a:rPr>
+              <a:t>: </a:t>
+            </a:r>
+            <a:r>
+              <a:rPr lang="en-US" sz="2400" dirty="0">
+                <a:latin typeface="Comic Sans MS" panose="030F0702030302020204" pitchFamily="66" charset="0"/>
+              </a:rPr>
+              <a:t>Aang </a:t>
+            </a:r>
+            <a:r>
+              <a:rPr lang="en-US" sz="2400" dirty="0" smtClean="0">
+                <a:latin typeface="Comic Sans MS" panose="030F0702030302020204" pitchFamily="66" charset="0"/>
+              </a:rPr>
+              <a:t>will </a:t>
+            </a:r>
+            <a:r>
+              <a:rPr lang="en-US" sz="2400" dirty="0">
+                <a:latin typeface="Comic Sans MS" panose="030F0702030302020204" pitchFamily="66" charset="0"/>
+              </a:rPr>
+              <a:t>defeat the firelord. </a:t>
+            </a:r>
+            <a:endParaRPr lang="en-US" sz="2400" dirty="0" smtClean="0">
+              <a:latin typeface="Comic Sans MS" panose="030F0702030302020204" pitchFamily="66" charset="0"/>
+            </a:endParaRPr>
+          </a:p>
+        </p:txBody>
+      </p:sp>
+      <p:sp>
+        <p:nvSpPr>
+          <p:cNvPr id="4" name="Content Placeholder 2"/>
+          <p:cNvSpPr txBox="1">
+            <a:spLocks/>
+          </p:cNvSpPr>
+          <p:nvPr/>
+        </p:nvSpPr>
+        <p:spPr>
+          <a:xfrm>
+            <a:off x="2362200" y="1371600"/>
+            <a:ext cx="4038600" cy="1752600"/>
+          </a:xfrm>
+          <a:prstGeom prst="rect">
+            <a:avLst/>
+          </a:prstGeom>
+        </p:spPr>
+        <p:txBody>
+          <a:bodyPr vert="horz" lIns="91440" tIns="45720" rIns="91440" bIns="45720" rtlCol="0">
+            <a:normAutofit/>
+          </a:bodyPr>
+          <a:lstStyle>
+            <a:lvl1pPr marL="342900" indent="-342900" algn="l" defTabSz="914400" rtl="0" eaLnBrk="1" latinLnBrk="0" hangingPunct="1">
+              <a:spcBef>
+                <a:spcPct val="20000"/>
+              </a:spcBef>
+              <a:buFont typeface="Arial" pitchFamily="34" charset="0"/>
+              <a:buChar char="•"/>
+              <a:defRPr sz="3200" kern="1200">
+                <a:solidFill>
+                  <a:schemeClr val="tx1"/>
+                </a:solidFill>
+                <a:latin typeface="+mn-lt"/>
+                <a:ea typeface="+mn-ea"/>
+                <a:cs typeface="+mn-cs"/>
+              </a:defRPr>
+            </a:lvl1pPr>
+            <a:lvl2pPr marL="742950" indent="-285750" algn="l" defTabSz="914400" rtl="0" eaLnBrk="1" latinLnBrk="0" hangingPunct="1">
+              <a:spcBef>
+                <a:spcPct val="20000"/>
+              </a:spcBef>
+              <a:buFont typeface="Arial" pitchFamily="34" charset="0"/>
+              <a:buChar char="–"/>
+              <a:defRPr sz="2800" kern="1200">
+                <a:solidFill>
+                  <a:schemeClr val="tx1"/>
+                </a:solidFill>
+                <a:latin typeface="+mn-lt"/>
+                <a:ea typeface="+mn-ea"/>
+                <a:cs typeface="+mn-cs"/>
+              </a:defRPr>
+            </a:lvl2pPr>
+            <a:lvl3pPr marL="1143000" indent="-228600" algn="l" defTabSz="914400" rtl="0" eaLnBrk="1" latinLnBrk="0" hangingPunct="1">
+              <a:spcBef>
+                <a:spcPct val="20000"/>
+              </a:spcBef>
+              <a:buFont typeface="Arial" pitchFamily="34" charset="0"/>
+              <a:buChar char="•"/>
+              <a:defRPr sz="2400" kern="1200">
+                <a:solidFill>
+                  <a:schemeClr val="tx1"/>
+                </a:solidFill>
+                <a:latin typeface="+mn-lt"/>
+                <a:ea typeface="+mn-ea"/>
+                <a:cs typeface="+mn-cs"/>
+              </a:defRPr>
+            </a:lvl3pPr>
+            <a:lvl4pPr marL="1600200" indent="-228600" algn="l" defTabSz="914400" rtl="0" eaLnBrk="1" latinLnBrk="0" hangingPunct="1">
+              <a:spcBef>
+                <a:spcPct val="20000"/>
+              </a:spcBef>
+              <a:buFont typeface="Arial" pitchFamily="34" charset="0"/>
+              <a:buChar char="–"/>
+              <a:defRPr sz="2000" kern="1200">
+                <a:solidFill>
+                  <a:schemeClr val="tx1"/>
+                </a:solidFill>
+                <a:latin typeface="+mn-lt"/>
+                <a:ea typeface="+mn-ea"/>
+                <a:cs typeface="+mn-cs"/>
+              </a:defRPr>
+            </a:lvl4pPr>
+            <a:lvl5pPr marL="2057400" indent="-228600" algn="l" defTabSz="914400" rtl="0" eaLnBrk="1" latinLnBrk="0" hangingPunct="1">
+              <a:spcBef>
+                <a:spcPct val="20000"/>
+              </a:spcBef>
+              <a:buFont typeface="Arial" pitchFamily="34" charset="0"/>
+              <a:buChar char="»"/>
+              <a:defRPr sz="2000" kern="1200">
+                <a:solidFill>
+                  <a:schemeClr val="tx1"/>
+                </a:solidFill>
+                <a:latin typeface="+mn-lt"/>
+                <a:ea typeface="+mn-ea"/>
+                <a:cs typeface="+mn-cs"/>
+              </a:defRPr>
+            </a:lvl5pPr>
+            <a:lvl6pPr marL="2514600" indent="-228600" algn="l" defTabSz="914400" rtl="0" eaLnBrk="1" latinLnBrk="0" hangingPunct="1">
+              <a:spcBef>
+                <a:spcPct val="20000"/>
+              </a:spcBef>
+              <a:buFont typeface="Arial" pitchFamily="34" charset="0"/>
+              <a:buChar char="•"/>
+              <a:defRPr sz="2000" kern="1200">
+                <a:solidFill>
+                  <a:schemeClr val="tx1"/>
+                </a:solidFill>
+                <a:latin typeface="+mn-lt"/>
+                <a:ea typeface="+mn-ea"/>
+                <a:cs typeface="+mn-cs"/>
+              </a:defRPr>
+            </a:lvl6pPr>
+            <a:lvl7pPr marL="2971800" indent="-228600" algn="l" defTabSz="914400" rtl="0" eaLnBrk="1" latinLnBrk="0" hangingPunct="1">
+              <a:spcBef>
+                <a:spcPct val="20000"/>
+              </a:spcBef>
+              <a:buFont typeface="Arial" pitchFamily="34" charset="0"/>
+              <a:buChar char="•"/>
+              <a:defRPr sz="2000" kern="1200">
+                <a:solidFill>
+                  <a:schemeClr val="tx1"/>
+                </a:solidFill>
+                <a:latin typeface="+mn-lt"/>
+                <a:ea typeface="+mn-ea"/>
+                <a:cs typeface="+mn-cs"/>
+              </a:defRPr>
+            </a:lvl7pPr>
+            <a:lvl8pPr marL="3429000" indent="-228600" algn="l" defTabSz="914400" rtl="0" eaLnBrk="1" latinLnBrk="0" hangingPunct="1">
+              <a:spcBef>
+                <a:spcPct val="20000"/>
+              </a:spcBef>
+              <a:buFont typeface="Arial" pitchFamily="34" charset="0"/>
+              <a:buChar char="•"/>
+              <a:defRPr sz="2000" kern="1200">
+                <a:solidFill>
+                  <a:schemeClr val="tx1"/>
+                </a:solidFill>
+                <a:latin typeface="+mn-lt"/>
+                <a:ea typeface="+mn-ea"/>
+                <a:cs typeface="+mn-cs"/>
+              </a:defRPr>
+            </a:lvl8pPr>
+            <a:lvl9pPr marL="3886200" indent="-228600" algn="l" defTabSz="914400" rtl="0" eaLnBrk="1" latinLnBrk="0" hangingPunct="1">
+              <a:spcBef>
+                <a:spcPct val="20000"/>
+              </a:spcBef>
+              <a:buFont typeface="Arial" pitchFamily="34" charset="0"/>
+              <a:buChar char="•"/>
+              <a:defRPr sz="2000" kern="1200">
+                <a:solidFill>
+                  <a:schemeClr val="tx1"/>
+                </a:solidFill>
+                <a:latin typeface="+mn-lt"/>
+                <a:ea typeface="+mn-ea"/>
+                <a:cs typeface="+mn-cs"/>
+              </a:defRPr>
+            </a:lvl9pPr>
+          </a:lstStyle>
+          <a:p>
+            <a:pPr marL="0" indent="0" algn="ctr">
+              <a:buFont typeface="Arial" pitchFamily="34" charset="0"/>
+              <a:buNone/>
+            </a:pPr>
+            <a:r>
+              <a:rPr lang="en-US" sz="2400" dirty="0" smtClean="0">
+                <a:latin typeface="Comic Sans MS" panose="030F0702030302020204" pitchFamily="66" charset="0"/>
+              </a:rPr>
+              <a:t> if Aang is not in the path of totality during the solar eclipse, Aang won’t defeat the firelord. </a:t>
+            </a:r>
+          </a:p>
+          <a:p>
+            <a:pPr marL="0" indent="0" algn="ctr">
+              <a:buFont typeface="Arial" pitchFamily="34" charset="0"/>
+              <a:buNone/>
+            </a:pPr>
+            <a:endParaRPr lang="en-US" sz="2400" dirty="0" smtClean="0">
+              <a:latin typeface="Comic Sans MS" pitchFamily="66" charset="0"/>
+            </a:endParaRPr>
+          </a:p>
+        </p:txBody>
+      </p:sp>
+      <p:sp>
+        <p:nvSpPr>
+          <p:cNvPr id="5" name="Content Placeholder 2"/>
+          <p:cNvSpPr txBox="1">
+            <a:spLocks/>
+          </p:cNvSpPr>
+          <p:nvPr/>
+        </p:nvSpPr>
+        <p:spPr>
+          <a:xfrm>
+            <a:off x="2438400" y="4724400"/>
+            <a:ext cx="4038600" cy="1752600"/>
+          </a:xfrm>
+          <a:prstGeom prst="rect">
+            <a:avLst/>
+          </a:prstGeom>
+        </p:spPr>
+        <p:txBody>
+          <a:bodyPr vert="horz" lIns="91440" tIns="45720" rIns="91440" bIns="45720" rtlCol="0">
+            <a:normAutofit/>
+          </a:bodyPr>
+          <a:lstStyle>
+            <a:lvl1pPr marL="342900" indent="-342900" algn="l" defTabSz="914400" rtl="0" eaLnBrk="1" latinLnBrk="0" hangingPunct="1">
+              <a:spcBef>
+                <a:spcPct val="20000"/>
+              </a:spcBef>
+              <a:buFont typeface="Arial" pitchFamily="34" charset="0"/>
+              <a:buChar char="•"/>
+              <a:defRPr sz="3200" kern="1200">
+                <a:solidFill>
+                  <a:schemeClr val="tx1"/>
+                </a:solidFill>
+                <a:latin typeface="+mn-lt"/>
+                <a:ea typeface="+mn-ea"/>
+                <a:cs typeface="+mn-cs"/>
+              </a:defRPr>
+            </a:lvl1pPr>
+            <a:lvl2pPr marL="742950" indent="-285750" algn="l" defTabSz="914400" rtl="0" eaLnBrk="1" latinLnBrk="0" hangingPunct="1">
+              <a:spcBef>
+                <a:spcPct val="20000"/>
+              </a:spcBef>
+              <a:buFont typeface="Arial" pitchFamily="34" charset="0"/>
+              <a:buChar char="–"/>
+              <a:defRPr sz="2800" kern="1200">
+                <a:solidFill>
+                  <a:schemeClr val="tx1"/>
+                </a:solidFill>
+                <a:latin typeface="+mn-lt"/>
+                <a:ea typeface="+mn-ea"/>
+                <a:cs typeface="+mn-cs"/>
+              </a:defRPr>
+            </a:lvl2pPr>
+            <a:lvl3pPr marL="1143000" indent="-228600" algn="l" defTabSz="914400" rtl="0" eaLnBrk="1" latinLnBrk="0" hangingPunct="1">
+              <a:spcBef>
+                <a:spcPct val="20000"/>
+              </a:spcBef>
+              <a:buFont typeface="Arial" pitchFamily="34" charset="0"/>
+              <a:buChar char="•"/>
+              <a:defRPr sz="2400" kern="1200">
+                <a:solidFill>
+                  <a:schemeClr val="tx1"/>
+                </a:solidFill>
+                <a:latin typeface="+mn-lt"/>
+                <a:ea typeface="+mn-ea"/>
+                <a:cs typeface="+mn-cs"/>
+              </a:defRPr>
+            </a:lvl3pPr>
+            <a:lvl4pPr marL="1600200" indent="-228600" algn="l" defTabSz="914400" rtl="0" eaLnBrk="1" latinLnBrk="0" hangingPunct="1">
+              <a:spcBef>
+                <a:spcPct val="20000"/>
+              </a:spcBef>
+              <a:buFont typeface="Arial" pitchFamily="34" charset="0"/>
+              <a:buChar char="–"/>
+              <a:defRPr sz="2000" kern="1200">
+                <a:solidFill>
+                  <a:schemeClr val="tx1"/>
+                </a:solidFill>
+                <a:latin typeface="+mn-lt"/>
+                <a:ea typeface="+mn-ea"/>
+                <a:cs typeface="+mn-cs"/>
+              </a:defRPr>
+            </a:lvl4pPr>
+            <a:lvl5pPr marL="2057400" indent="-228600" algn="l" defTabSz="914400" rtl="0" eaLnBrk="1" latinLnBrk="0" hangingPunct="1">
+              <a:spcBef>
+                <a:spcPct val="20000"/>
+              </a:spcBef>
+              <a:buFont typeface="Arial" pitchFamily="34" charset="0"/>
+              <a:buChar char="»"/>
+              <a:defRPr sz="2000" kern="1200">
+                <a:solidFill>
+                  <a:schemeClr val="tx1"/>
+                </a:solidFill>
+                <a:latin typeface="+mn-lt"/>
+                <a:ea typeface="+mn-ea"/>
+                <a:cs typeface="+mn-cs"/>
+              </a:defRPr>
+            </a:lvl5pPr>
+            <a:lvl6pPr marL="2514600" indent="-228600" algn="l" defTabSz="914400" rtl="0" eaLnBrk="1" latinLnBrk="0" hangingPunct="1">
+              <a:spcBef>
+                <a:spcPct val="20000"/>
+              </a:spcBef>
+              <a:buFont typeface="Arial" pitchFamily="34" charset="0"/>
+              <a:buChar char="•"/>
+              <a:defRPr sz="2000" kern="1200">
+                <a:solidFill>
+                  <a:schemeClr val="tx1"/>
+                </a:solidFill>
+                <a:latin typeface="+mn-lt"/>
+                <a:ea typeface="+mn-ea"/>
+                <a:cs typeface="+mn-cs"/>
+              </a:defRPr>
+            </a:lvl6pPr>
+            <a:lvl7pPr marL="2971800" indent="-228600" algn="l" defTabSz="914400" rtl="0" eaLnBrk="1" latinLnBrk="0" hangingPunct="1">
+              <a:spcBef>
+                <a:spcPct val="20000"/>
+              </a:spcBef>
+              <a:buFont typeface="Arial" pitchFamily="34" charset="0"/>
+              <a:buChar char="•"/>
+              <a:defRPr sz="2000" kern="1200">
+                <a:solidFill>
+                  <a:schemeClr val="tx1"/>
+                </a:solidFill>
+                <a:latin typeface="+mn-lt"/>
+                <a:ea typeface="+mn-ea"/>
+                <a:cs typeface="+mn-cs"/>
+              </a:defRPr>
+            </a:lvl7pPr>
+            <a:lvl8pPr marL="3429000" indent="-228600" algn="l" defTabSz="914400" rtl="0" eaLnBrk="1" latinLnBrk="0" hangingPunct="1">
+              <a:spcBef>
+                <a:spcPct val="20000"/>
+              </a:spcBef>
+              <a:buFont typeface="Arial" pitchFamily="34" charset="0"/>
+              <a:buChar char="•"/>
+              <a:defRPr sz="2000" kern="1200">
+                <a:solidFill>
+                  <a:schemeClr val="tx1"/>
+                </a:solidFill>
+                <a:latin typeface="+mn-lt"/>
+                <a:ea typeface="+mn-ea"/>
+                <a:cs typeface="+mn-cs"/>
+              </a:defRPr>
+            </a:lvl8pPr>
+            <a:lvl9pPr marL="3886200" indent="-228600" algn="l" defTabSz="914400" rtl="0" eaLnBrk="1" latinLnBrk="0" hangingPunct="1">
+              <a:spcBef>
+                <a:spcPct val="20000"/>
+              </a:spcBef>
+              <a:buFont typeface="Arial" pitchFamily="34" charset="0"/>
+              <a:buChar char="•"/>
+              <a:defRPr sz="2000" kern="1200">
+                <a:solidFill>
+                  <a:schemeClr val="tx1"/>
+                </a:solidFill>
+                <a:latin typeface="+mn-lt"/>
+                <a:ea typeface="+mn-ea"/>
+                <a:cs typeface="+mn-cs"/>
+              </a:defRPr>
+            </a:lvl9pPr>
+          </a:lstStyle>
+          <a:p>
+            <a:pPr marL="0" indent="0" algn="ctr">
+              <a:buFont typeface="Arial" pitchFamily="34" charset="0"/>
+              <a:buNone/>
+            </a:pPr>
+            <a:endParaRPr lang="en-US" sz="2400" dirty="0" smtClean="0">
+              <a:latin typeface="Comic Sans MS" panose="030F0702030302020204" pitchFamily="66" charset="0"/>
+            </a:endParaRPr>
+          </a:p>
+        </p:txBody>
+      </p:sp>
+      <p:sp>
+        <p:nvSpPr>
+          <p:cNvPr id="6" name="Content Placeholder 2"/>
+          <p:cNvSpPr txBox="1">
+            <a:spLocks/>
+          </p:cNvSpPr>
+          <p:nvPr/>
+        </p:nvSpPr>
+        <p:spPr>
+          <a:xfrm>
+            <a:off x="2362200" y="4800600"/>
+            <a:ext cx="4038600" cy="685800"/>
+          </a:xfrm>
+          <a:prstGeom prst="rect">
+            <a:avLst/>
+          </a:prstGeom>
+        </p:spPr>
+        <p:txBody>
+          <a:bodyPr vert="horz" lIns="91440" tIns="45720" rIns="91440" bIns="45720" rtlCol="0">
+            <a:normAutofit/>
+          </a:bodyPr>
+          <a:lstStyle>
+            <a:lvl1pPr marL="342900" indent="-342900" algn="l" defTabSz="914400" rtl="0" eaLnBrk="1" latinLnBrk="0" hangingPunct="1">
+              <a:spcBef>
+                <a:spcPct val="20000"/>
+              </a:spcBef>
+              <a:buFont typeface="Arial" pitchFamily="34" charset="0"/>
+              <a:buChar char="•"/>
+              <a:defRPr sz="3200" kern="1200">
+                <a:solidFill>
+                  <a:schemeClr val="tx1"/>
+                </a:solidFill>
+                <a:latin typeface="+mn-lt"/>
+                <a:ea typeface="+mn-ea"/>
+                <a:cs typeface="+mn-cs"/>
+              </a:defRPr>
+            </a:lvl1pPr>
+            <a:lvl2pPr marL="742950" indent="-285750" algn="l" defTabSz="914400" rtl="0" eaLnBrk="1" latinLnBrk="0" hangingPunct="1">
+              <a:spcBef>
+                <a:spcPct val="20000"/>
+              </a:spcBef>
+              <a:buFont typeface="Arial" pitchFamily="34" charset="0"/>
+              <a:buChar char="–"/>
+              <a:defRPr sz="2800" kern="1200">
+                <a:solidFill>
+                  <a:schemeClr val="tx1"/>
+                </a:solidFill>
+                <a:latin typeface="+mn-lt"/>
+                <a:ea typeface="+mn-ea"/>
+                <a:cs typeface="+mn-cs"/>
+              </a:defRPr>
+            </a:lvl2pPr>
+            <a:lvl3pPr marL="1143000" indent="-228600" algn="l" defTabSz="914400" rtl="0" eaLnBrk="1" latinLnBrk="0" hangingPunct="1">
+              <a:spcBef>
+                <a:spcPct val="20000"/>
+              </a:spcBef>
+              <a:buFont typeface="Arial" pitchFamily="34" charset="0"/>
+              <a:buChar char="•"/>
+              <a:defRPr sz="2400" kern="1200">
+                <a:solidFill>
+                  <a:schemeClr val="tx1"/>
+                </a:solidFill>
+                <a:latin typeface="+mn-lt"/>
+                <a:ea typeface="+mn-ea"/>
+                <a:cs typeface="+mn-cs"/>
+              </a:defRPr>
+            </a:lvl3pPr>
+            <a:lvl4pPr marL="1600200" indent="-228600" algn="l" defTabSz="914400" rtl="0" eaLnBrk="1" latinLnBrk="0" hangingPunct="1">
+              <a:spcBef>
+                <a:spcPct val="20000"/>
+              </a:spcBef>
+              <a:buFont typeface="Arial" pitchFamily="34" charset="0"/>
+              <a:buChar char="–"/>
+              <a:defRPr sz="2000" kern="1200">
+                <a:solidFill>
+                  <a:schemeClr val="tx1"/>
+                </a:solidFill>
+                <a:latin typeface="+mn-lt"/>
+                <a:ea typeface="+mn-ea"/>
+                <a:cs typeface="+mn-cs"/>
+              </a:defRPr>
+            </a:lvl4pPr>
+            <a:lvl5pPr marL="2057400" indent="-228600" algn="l" defTabSz="914400" rtl="0" eaLnBrk="1" latinLnBrk="0" hangingPunct="1">
+              <a:spcBef>
+                <a:spcPct val="20000"/>
+              </a:spcBef>
+              <a:buFont typeface="Arial" pitchFamily="34" charset="0"/>
+              <a:buChar char="»"/>
+              <a:defRPr sz="2000" kern="1200">
+                <a:solidFill>
+                  <a:schemeClr val="tx1"/>
+                </a:solidFill>
+                <a:latin typeface="+mn-lt"/>
+                <a:ea typeface="+mn-ea"/>
+                <a:cs typeface="+mn-cs"/>
+              </a:defRPr>
+            </a:lvl5pPr>
+            <a:lvl6pPr marL="2514600" indent="-228600" algn="l" defTabSz="914400" rtl="0" eaLnBrk="1" latinLnBrk="0" hangingPunct="1">
+              <a:spcBef>
+                <a:spcPct val="20000"/>
+              </a:spcBef>
+              <a:buFont typeface="Arial" pitchFamily="34" charset="0"/>
+              <a:buChar char="•"/>
+              <a:defRPr sz="2000" kern="1200">
+                <a:solidFill>
+                  <a:schemeClr val="tx1"/>
+                </a:solidFill>
+                <a:latin typeface="+mn-lt"/>
+                <a:ea typeface="+mn-ea"/>
+                <a:cs typeface="+mn-cs"/>
+              </a:defRPr>
+            </a:lvl6pPr>
+            <a:lvl7pPr marL="2971800" indent="-228600" algn="l" defTabSz="914400" rtl="0" eaLnBrk="1" latinLnBrk="0" hangingPunct="1">
+              <a:spcBef>
+                <a:spcPct val="20000"/>
+              </a:spcBef>
+              <a:buFont typeface="Arial" pitchFamily="34" charset="0"/>
+              <a:buChar char="•"/>
+              <a:defRPr sz="2000" kern="1200">
+                <a:solidFill>
+                  <a:schemeClr val="tx1"/>
+                </a:solidFill>
+                <a:latin typeface="+mn-lt"/>
+                <a:ea typeface="+mn-ea"/>
+                <a:cs typeface="+mn-cs"/>
+              </a:defRPr>
+            </a:lvl7pPr>
+            <a:lvl8pPr marL="3429000" indent="-228600" algn="l" defTabSz="914400" rtl="0" eaLnBrk="1" latinLnBrk="0" hangingPunct="1">
+              <a:spcBef>
+                <a:spcPct val="20000"/>
+              </a:spcBef>
+              <a:buFont typeface="Arial" pitchFamily="34" charset="0"/>
+              <a:buChar char="•"/>
+              <a:defRPr sz="2000" kern="1200">
+                <a:solidFill>
+                  <a:schemeClr val="tx1"/>
+                </a:solidFill>
+                <a:latin typeface="+mn-lt"/>
+                <a:ea typeface="+mn-ea"/>
+                <a:cs typeface="+mn-cs"/>
+              </a:defRPr>
+            </a:lvl8pPr>
+            <a:lvl9pPr marL="3886200" indent="-228600" algn="l" defTabSz="914400" rtl="0" eaLnBrk="1" latinLnBrk="0" hangingPunct="1">
+              <a:spcBef>
+                <a:spcPct val="20000"/>
+              </a:spcBef>
+              <a:buFont typeface="Arial" pitchFamily="34" charset="0"/>
+              <a:buChar char="•"/>
+              <a:defRPr sz="2000" kern="1200">
+                <a:solidFill>
+                  <a:schemeClr val="tx1"/>
+                </a:solidFill>
+                <a:latin typeface="+mn-lt"/>
+                <a:ea typeface="+mn-ea"/>
+                <a:cs typeface="+mn-cs"/>
+              </a:defRPr>
+            </a:lvl9pPr>
+          </a:lstStyle>
+          <a:p>
+            <a:pPr marL="0" indent="0" algn="ctr">
+              <a:buNone/>
+            </a:pPr>
+            <a:r>
+              <a:rPr lang="en-US" sz="2400" dirty="0">
+                <a:latin typeface="Comic Sans MS" panose="030F0702030302020204" pitchFamily="66" charset="0"/>
+              </a:rPr>
+              <a:t>￢ </a:t>
+            </a:r>
+            <a:r>
+              <a:rPr lang="en-US" sz="2400" dirty="0" smtClean="0">
+                <a:latin typeface="Comic Sans MS" panose="030F0702030302020204" pitchFamily="66" charset="0"/>
+              </a:rPr>
+              <a:t>a </a:t>
+            </a:r>
+            <a:r>
+              <a:rPr lang="en-US" sz="2400" dirty="0">
+                <a:latin typeface="Comic Sans MS" panose="030F0702030302020204" pitchFamily="66" charset="0"/>
+              </a:rPr>
+              <a:t>→ </a:t>
+            </a:r>
+            <a:r>
+              <a:rPr lang="en-US" sz="2400" dirty="0" smtClean="0">
+                <a:latin typeface="Comic Sans MS" panose="030F0702030302020204" pitchFamily="66" charset="0"/>
+              </a:rPr>
+              <a:t>b</a:t>
+            </a:r>
+            <a:endParaRPr lang="en-US" sz="2400" dirty="0">
+              <a:latin typeface="Comic Sans MS" panose="030F0702030302020204" pitchFamily="66" charset="0"/>
+            </a:endParaRPr>
+          </a:p>
+          <a:p>
+            <a:pPr marL="0" indent="0" algn="ctr">
+              <a:buFont typeface="Arial" pitchFamily="34" charset="0"/>
+              <a:buNone/>
+            </a:pPr>
+            <a:endParaRPr lang="en-US" sz="2400" dirty="0" smtClean="0">
+              <a:latin typeface="Comic Sans MS" pitchFamily="66" charset="0"/>
+            </a:endParaRPr>
+          </a:p>
+        </p:txBody>
+      </p:sp>
+    </p:spTree>
+    <p:extLst>
+      <p:ext uri="{BB962C8B-B14F-4D97-AF65-F5344CB8AC3E}">
+        <p14:creationId xmlns:p14="http://schemas.microsoft.com/office/powerpoint/2010/main" val="1959535062"/>
+      </p:ext>
+    </p:extLst>
+  </p:cSld>
+  <p:clrMapOvr>
+    <a:masterClrMapping/>
+  </p:clrMapOvr>
+  <p:timing>
+    <p:tnLst>
+      <p:par>
+        <p:cTn id="1" dur="indefinite" restart="never" nodeType="tmRoot">
+          <p:childTnLst>
+            <p:seq concurrent="1" nextAc="seek">
+              <p:cTn id="2" dur="indefinite" nodeType="mainSeq">
+                <p:childTnLst>
+                  <p:par>
+                    <p:cTn id="3" fill="hold">
+                      <p:stCondLst>
+                        <p:cond delay="indefinite"/>
+                      </p:stCondLst>
+                      <p:childTnLst>
+                        <p:par>
+                          <p:cTn id="4" fill="hold">
+                            <p:stCondLst>
+                              <p:cond delay="0"/>
+                            </p:stCondLst>
+                            <p:childTnLst>
+                              <p:par>
+                                <p:cTn id="5" presetID="1" presetClass="entr" presetSubtype="0" fill="hold" grpId="0" nodeType="clickEffect">
+                                  <p:stCondLst>
+                                    <p:cond delay="0"/>
+                                  </p:stCondLst>
+                                  <p:childTnLst>
+                                    <p:set>
+                                      <p:cBhvr>
+                                        <p:cTn id="6" dur="1" fill="hold">
+                                          <p:stCondLst>
+                                            <p:cond delay="0"/>
+                                          </p:stCondLst>
+                                        </p:cTn>
+                                        <p:tgtEl>
+                                          <p:spTgt spid="3">
+                                            <p:txEl>
+                                              <p:pRg st="0" end="0"/>
+                                            </p:txEl>
+                                          </p:spTgt>
+                                        </p:tgtEl>
+                                        <p:attrNameLst>
+                                          <p:attrName>style.visibility</p:attrName>
+                                        </p:attrNameLst>
+                                      </p:cBhvr>
+                                      <p:to>
+                                        <p:strVal val="visible"/>
+                                      </p:to>
+                                    </p:set>
+                                  </p:childTnLst>
+                                </p:cTn>
+                              </p:par>
+                            </p:childTnLst>
+                          </p:cTn>
+                        </p:par>
+                      </p:childTnLst>
+                    </p:cTn>
+                  </p:par>
+                  <p:par>
+                    <p:cTn id="7" fill="hold">
+                      <p:stCondLst>
+                        <p:cond delay="indefinite"/>
+                      </p:stCondLst>
+                      <p:childTnLst>
+                        <p:par>
+                          <p:cTn id="8" fill="hold">
+                            <p:stCondLst>
+                              <p:cond delay="0"/>
+                            </p:stCondLst>
+                            <p:childTnLst>
+                              <p:par>
+                                <p:cTn id="9" presetID="1" presetClass="entr" presetSubtype="0" fill="hold" grpId="0" nodeType="clickEffect">
+                                  <p:stCondLst>
+                                    <p:cond delay="0"/>
+                                  </p:stCondLst>
+                                  <p:childTnLst>
+                                    <p:set>
+                                      <p:cBhvr>
+                                        <p:cTn id="10" dur="1" fill="hold">
+                                          <p:stCondLst>
+                                            <p:cond delay="0"/>
+                                          </p:stCondLst>
+                                        </p:cTn>
+                                        <p:tgtEl>
+                                          <p:spTgt spid="3">
+                                            <p:txEl>
+                                              <p:pRg st="1" end="1"/>
+                                            </p:txEl>
+                                          </p:spTgt>
+                                        </p:tgtEl>
+                                        <p:attrNameLst>
+                                          <p:attrName>style.visibility</p:attrName>
+                                        </p:attrNameLst>
+                                      </p:cBhvr>
+                                      <p:to>
+                                        <p:strVal val="visible"/>
+                                      </p:to>
+                                    </p:set>
+                                  </p:childTnLst>
+                                </p:cTn>
+                              </p:par>
+                            </p:childTnLst>
+                          </p:cTn>
+                        </p:par>
+                      </p:childTnLst>
+                    </p:cTn>
+                  </p:par>
+                  <p:par>
+                    <p:cTn id="11" fill="hold">
+                      <p:stCondLst>
+                        <p:cond delay="indefinite"/>
+                      </p:stCondLst>
+                      <p:childTnLst>
+                        <p:par>
+                          <p:cTn id="12" fill="hold">
+                            <p:stCondLst>
+                              <p:cond delay="0"/>
+                            </p:stCondLst>
+                            <p:childTnLst>
+                              <p:par>
+                                <p:cTn id="13" presetID="1" presetClass="entr" presetSubtype="0" fill="hold" grpId="0" nodeType="clickEffect">
+                                  <p:stCondLst>
+                                    <p:cond delay="0"/>
+                                  </p:stCondLst>
+                                  <p:childTnLst>
+                                    <p:set>
+                                      <p:cBhvr>
+                                        <p:cTn id="14" dur="1" fill="hold">
+                                          <p:stCondLst>
+                                            <p:cond delay="0"/>
+                                          </p:stCondLst>
+                                        </p:cTn>
+                                        <p:tgtEl>
+                                          <p:spTgt spid="6"/>
+                                        </p:tgtEl>
+                                        <p:attrNameLst>
+                                          <p:attrName>style.visibility</p:attrName>
+                                        </p:attrNameLst>
+                                      </p:cBhvr>
+                                      <p:to>
+                                        <p:strVal val="visible"/>
+                                      </p:to>
+                                    </p:set>
+                                  </p:childTnLst>
+                                </p:cTn>
+                              </p:par>
+                            </p:childTnLst>
+                          </p:cTn>
+                        </p:par>
+                      </p:childTnLst>
+                    </p:cTn>
+                  </p:par>
+                </p:childTnLst>
+              </p:cTn>
+              <p:prevCondLst>
+                <p:cond evt="onPrev" delay="0">
+                  <p:tgtEl>
+                    <p:sldTgt/>
+                  </p:tgtEl>
+                </p:cond>
+              </p:prevCondLst>
+              <p:nextCondLst>
+                <p:cond evt="onNext" delay="0">
+                  <p:tgtEl>
+                    <p:sldTgt/>
+                  </p:tgtEl>
+                </p:cond>
+              </p:nextCondLst>
+            </p:seq>
+          </p:childTnLst>
+        </p:cTn>
+      </p:par>
+    </p:tnLst>
+    <p:bldLst>
+      <p:bldP spid="3" grpId="0" build="p"/>
+      <p:bldP spid="6" grpId="0"/>
+    </p:bldLst>
+  </p:timing>
+</p:sld>
+</file>
+
 <file path=ppt/slides/slide5.xml><?xml version="1.0" encoding="utf-8"?>
 <p:sld xmlns:a="http://schemas.openxmlformats.org/drawingml/2006/main" xmlns:r="http://schemas.openxmlformats.org/officeDocument/2006/relationships" xmlns:p="http://schemas.openxmlformats.org/presentationml/2006/main">
   <p:cSld>
@@ -23320,6 +24297,7932 @@
         <p:cTn id="1" dur="indefinite" restart="never" nodeType="tmRoot"/>
       </p:par>
     </p:tnLst>
+  </p:timing>
+</p:sld>
+</file>
+
+<file path=ppt/slides/slide50.xml><?xml version="1.0" encoding="utf-8"?>
+<p:sld xmlns:a="http://schemas.openxmlformats.org/drawingml/2006/main" xmlns:r="http://schemas.openxmlformats.org/officeDocument/2006/relationships" xmlns:p="http://schemas.openxmlformats.org/presentationml/2006/main">
+  <p:cSld>
+    <p:spTree>
+      <p:nvGrpSpPr>
+        <p:cNvPr id="1" name=""/>
+        <p:cNvGrpSpPr/>
+        <p:nvPr/>
+      </p:nvGrpSpPr>
+      <p:grpSpPr>
+        <a:xfrm>
+          <a:off x="0" y="0"/>
+          <a:ext cx="0" cy="0"/>
+          <a:chOff x="0" y="0"/>
+          <a:chExt cx="0" cy="0"/>
+        </a:xfrm>
+      </p:grpSpPr>
+      <p:sp>
+        <p:nvSpPr>
+          <p:cNvPr id="2" name="Title 1"/>
+          <p:cNvSpPr>
+            <a:spLocks noGrp="1"/>
+          </p:cNvSpPr>
+          <p:nvPr>
+            <p:ph type="title"/>
+          </p:nvPr>
+        </p:nvSpPr>
+        <p:spPr/>
+        <p:txBody>
+          <a:bodyPr>
+            <a:normAutofit/>
+          </a:bodyPr>
+          <a:lstStyle/>
+          <a:p>
+            <a:pPr algn="l"/>
+            <a:r>
+              <a:rPr lang="en-US" sz="2400" dirty="0">
+                <a:latin typeface="Comic Sans MS" panose="030F0702030302020204" pitchFamily="66" charset="0"/>
+              </a:rPr>
+              <a:t>Translating into propositional logic</a:t>
+            </a:r>
+            <a:endParaRPr lang="en-US" sz="2400" dirty="0">
+              <a:latin typeface="Comic Sans MS" pitchFamily="66" charset="0"/>
+            </a:endParaRPr>
+          </a:p>
+        </p:txBody>
+      </p:sp>
+      <p:sp>
+        <p:nvSpPr>
+          <p:cNvPr id="3" name="Content Placeholder 2"/>
+          <p:cNvSpPr>
+            <a:spLocks noGrp="1"/>
+          </p:cNvSpPr>
+          <p:nvPr>
+            <p:ph idx="1"/>
+          </p:nvPr>
+        </p:nvSpPr>
+        <p:spPr>
+          <a:xfrm>
+            <a:off x="1524000" y="3048000"/>
+            <a:ext cx="6172200" cy="1066799"/>
+          </a:xfrm>
+        </p:spPr>
+        <p:txBody>
+          <a:bodyPr>
+            <a:normAutofit fontScale="92500" lnSpcReduction="20000"/>
+          </a:bodyPr>
+          <a:lstStyle/>
+          <a:p>
+            <a:pPr marL="0" indent="0">
+              <a:buNone/>
+            </a:pPr>
+            <a:r>
+              <a:rPr lang="en-US" sz="2400" dirty="0">
+                <a:solidFill>
+                  <a:srgbClr val="00B0F0"/>
+                </a:solidFill>
+                <a:latin typeface="Comic Sans MS" panose="030F0702030302020204" pitchFamily="66" charset="0"/>
+              </a:rPr>
+              <a:t>a</a:t>
+            </a:r>
+            <a:r>
+              <a:rPr lang="en-US" sz="2400" dirty="0" smtClean="0">
+                <a:solidFill>
+                  <a:srgbClr val="00B0F0"/>
+                </a:solidFill>
+                <a:latin typeface="Comic Sans MS" panose="030F0702030302020204" pitchFamily="66" charset="0"/>
+              </a:rPr>
+              <a:t>: </a:t>
+            </a:r>
+            <a:r>
+              <a:rPr lang="en-US" sz="2400" dirty="0">
+                <a:latin typeface="Comic Sans MS" panose="030F0702030302020204" pitchFamily="66" charset="0"/>
+              </a:rPr>
+              <a:t>you are a computer science major </a:t>
+            </a:r>
+            <a:endParaRPr lang="en-US" sz="2400" dirty="0" smtClean="0">
+              <a:latin typeface="Comic Sans MS" panose="030F0702030302020204" pitchFamily="66" charset="0"/>
+            </a:endParaRPr>
+          </a:p>
+          <a:p>
+            <a:pPr marL="0" indent="0">
+              <a:buNone/>
+            </a:pPr>
+            <a:r>
+              <a:rPr lang="en-US" sz="2400" dirty="0" smtClean="0">
+                <a:solidFill>
+                  <a:srgbClr val="00B0F0"/>
+                </a:solidFill>
+                <a:latin typeface="Comic Sans MS" panose="030F0702030302020204" pitchFamily="66" charset="0"/>
+              </a:rPr>
+              <a:t>b: </a:t>
+            </a:r>
+            <a:r>
+              <a:rPr lang="en-US" sz="2400" dirty="0" smtClean="0">
+                <a:latin typeface="Comic Sans MS" panose="030F0702030302020204" pitchFamily="66" charset="0"/>
+              </a:rPr>
+              <a:t>you are a freshman</a:t>
+            </a:r>
+          </a:p>
+          <a:p>
+            <a:pPr marL="0" indent="0">
+              <a:buNone/>
+            </a:pPr>
+            <a:r>
+              <a:rPr lang="en-US" sz="2400" dirty="0" smtClean="0">
+                <a:solidFill>
+                  <a:srgbClr val="00B0F0"/>
+                </a:solidFill>
+                <a:latin typeface="Comic Sans MS" panose="030F0702030302020204" pitchFamily="66" charset="0"/>
+              </a:rPr>
+              <a:t>C:</a:t>
+            </a:r>
+            <a:r>
+              <a:rPr lang="en-US" sz="2400" dirty="0" smtClean="0">
+                <a:latin typeface="Comic Sans MS" panose="030F0702030302020204" pitchFamily="66" charset="0"/>
+              </a:rPr>
+              <a:t> you </a:t>
+            </a:r>
+            <a:r>
+              <a:rPr lang="en-US" sz="2400" dirty="0">
+                <a:latin typeface="Comic Sans MS" panose="030F0702030302020204" pitchFamily="66" charset="0"/>
+              </a:rPr>
+              <a:t>can access the Internet from </a:t>
+            </a:r>
+            <a:r>
+              <a:rPr lang="en-US" sz="2400" dirty="0" smtClean="0">
+                <a:latin typeface="Comic Sans MS" panose="030F0702030302020204" pitchFamily="66" charset="0"/>
+              </a:rPr>
+              <a:t>campus</a:t>
+            </a:r>
+            <a:endParaRPr lang="en-US" sz="2400" dirty="0">
+              <a:latin typeface="Comic Sans MS" panose="030F0702030302020204" pitchFamily="66" charset="0"/>
+            </a:endParaRPr>
+          </a:p>
+          <a:p>
+            <a:pPr marL="0" indent="0">
+              <a:buNone/>
+            </a:pPr>
+            <a:endParaRPr lang="en-US" sz="2400" dirty="0" smtClean="0">
+              <a:latin typeface="Comic Sans MS" panose="030F0702030302020204" pitchFamily="66" charset="0"/>
+            </a:endParaRPr>
+          </a:p>
+        </p:txBody>
+      </p:sp>
+      <p:sp>
+        <p:nvSpPr>
+          <p:cNvPr id="4" name="Content Placeholder 2"/>
+          <p:cNvSpPr txBox="1">
+            <a:spLocks/>
+          </p:cNvSpPr>
+          <p:nvPr/>
+        </p:nvSpPr>
+        <p:spPr>
+          <a:xfrm>
+            <a:off x="1219200" y="1371600"/>
+            <a:ext cx="7315200" cy="1447800"/>
+          </a:xfrm>
+          <a:prstGeom prst="rect">
+            <a:avLst/>
+          </a:prstGeom>
+        </p:spPr>
+        <p:txBody>
+          <a:bodyPr vert="horz" lIns="91440" tIns="45720" rIns="91440" bIns="45720" rtlCol="0">
+            <a:normAutofit/>
+          </a:bodyPr>
+          <a:lstStyle>
+            <a:lvl1pPr marL="342900" indent="-342900" algn="l" defTabSz="914400" rtl="0" eaLnBrk="1" latinLnBrk="0" hangingPunct="1">
+              <a:spcBef>
+                <a:spcPct val="20000"/>
+              </a:spcBef>
+              <a:buFont typeface="Arial" pitchFamily="34" charset="0"/>
+              <a:buChar char="•"/>
+              <a:defRPr sz="3200" kern="1200">
+                <a:solidFill>
+                  <a:schemeClr val="tx1"/>
+                </a:solidFill>
+                <a:latin typeface="+mn-lt"/>
+                <a:ea typeface="+mn-ea"/>
+                <a:cs typeface="+mn-cs"/>
+              </a:defRPr>
+            </a:lvl1pPr>
+            <a:lvl2pPr marL="742950" indent="-285750" algn="l" defTabSz="914400" rtl="0" eaLnBrk="1" latinLnBrk="0" hangingPunct="1">
+              <a:spcBef>
+                <a:spcPct val="20000"/>
+              </a:spcBef>
+              <a:buFont typeface="Arial" pitchFamily="34" charset="0"/>
+              <a:buChar char="–"/>
+              <a:defRPr sz="2800" kern="1200">
+                <a:solidFill>
+                  <a:schemeClr val="tx1"/>
+                </a:solidFill>
+                <a:latin typeface="+mn-lt"/>
+                <a:ea typeface="+mn-ea"/>
+                <a:cs typeface="+mn-cs"/>
+              </a:defRPr>
+            </a:lvl2pPr>
+            <a:lvl3pPr marL="1143000" indent="-228600" algn="l" defTabSz="914400" rtl="0" eaLnBrk="1" latinLnBrk="0" hangingPunct="1">
+              <a:spcBef>
+                <a:spcPct val="20000"/>
+              </a:spcBef>
+              <a:buFont typeface="Arial" pitchFamily="34" charset="0"/>
+              <a:buChar char="•"/>
+              <a:defRPr sz="2400" kern="1200">
+                <a:solidFill>
+                  <a:schemeClr val="tx1"/>
+                </a:solidFill>
+                <a:latin typeface="+mn-lt"/>
+                <a:ea typeface="+mn-ea"/>
+                <a:cs typeface="+mn-cs"/>
+              </a:defRPr>
+            </a:lvl3pPr>
+            <a:lvl4pPr marL="1600200" indent="-228600" algn="l" defTabSz="914400" rtl="0" eaLnBrk="1" latinLnBrk="0" hangingPunct="1">
+              <a:spcBef>
+                <a:spcPct val="20000"/>
+              </a:spcBef>
+              <a:buFont typeface="Arial" pitchFamily="34" charset="0"/>
+              <a:buChar char="–"/>
+              <a:defRPr sz="2000" kern="1200">
+                <a:solidFill>
+                  <a:schemeClr val="tx1"/>
+                </a:solidFill>
+                <a:latin typeface="+mn-lt"/>
+                <a:ea typeface="+mn-ea"/>
+                <a:cs typeface="+mn-cs"/>
+              </a:defRPr>
+            </a:lvl4pPr>
+            <a:lvl5pPr marL="2057400" indent="-228600" algn="l" defTabSz="914400" rtl="0" eaLnBrk="1" latinLnBrk="0" hangingPunct="1">
+              <a:spcBef>
+                <a:spcPct val="20000"/>
+              </a:spcBef>
+              <a:buFont typeface="Arial" pitchFamily="34" charset="0"/>
+              <a:buChar char="»"/>
+              <a:defRPr sz="2000" kern="1200">
+                <a:solidFill>
+                  <a:schemeClr val="tx1"/>
+                </a:solidFill>
+                <a:latin typeface="+mn-lt"/>
+                <a:ea typeface="+mn-ea"/>
+                <a:cs typeface="+mn-cs"/>
+              </a:defRPr>
+            </a:lvl5pPr>
+            <a:lvl6pPr marL="2514600" indent="-228600" algn="l" defTabSz="914400" rtl="0" eaLnBrk="1" latinLnBrk="0" hangingPunct="1">
+              <a:spcBef>
+                <a:spcPct val="20000"/>
+              </a:spcBef>
+              <a:buFont typeface="Arial" pitchFamily="34" charset="0"/>
+              <a:buChar char="•"/>
+              <a:defRPr sz="2000" kern="1200">
+                <a:solidFill>
+                  <a:schemeClr val="tx1"/>
+                </a:solidFill>
+                <a:latin typeface="+mn-lt"/>
+                <a:ea typeface="+mn-ea"/>
+                <a:cs typeface="+mn-cs"/>
+              </a:defRPr>
+            </a:lvl6pPr>
+            <a:lvl7pPr marL="2971800" indent="-228600" algn="l" defTabSz="914400" rtl="0" eaLnBrk="1" latinLnBrk="0" hangingPunct="1">
+              <a:spcBef>
+                <a:spcPct val="20000"/>
+              </a:spcBef>
+              <a:buFont typeface="Arial" pitchFamily="34" charset="0"/>
+              <a:buChar char="•"/>
+              <a:defRPr sz="2000" kern="1200">
+                <a:solidFill>
+                  <a:schemeClr val="tx1"/>
+                </a:solidFill>
+                <a:latin typeface="+mn-lt"/>
+                <a:ea typeface="+mn-ea"/>
+                <a:cs typeface="+mn-cs"/>
+              </a:defRPr>
+            </a:lvl7pPr>
+            <a:lvl8pPr marL="3429000" indent="-228600" algn="l" defTabSz="914400" rtl="0" eaLnBrk="1" latinLnBrk="0" hangingPunct="1">
+              <a:spcBef>
+                <a:spcPct val="20000"/>
+              </a:spcBef>
+              <a:buFont typeface="Arial" pitchFamily="34" charset="0"/>
+              <a:buChar char="•"/>
+              <a:defRPr sz="2000" kern="1200">
+                <a:solidFill>
+                  <a:schemeClr val="tx1"/>
+                </a:solidFill>
+                <a:latin typeface="+mn-lt"/>
+                <a:ea typeface="+mn-ea"/>
+                <a:cs typeface="+mn-cs"/>
+              </a:defRPr>
+            </a:lvl8pPr>
+            <a:lvl9pPr marL="3886200" indent="-228600" algn="l" defTabSz="914400" rtl="0" eaLnBrk="1" latinLnBrk="0" hangingPunct="1">
+              <a:spcBef>
+                <a:spcPct val="20000"/>
+              </a:spcBef>
+              <a:buFont typeface="Arial" pitchFamily="34" charset="0"/>
+              <a:buChar char="•"/>
+              <a:defRPr sz="2000" kern="1200">
+                <a:solidFill>
+                  <a:schemeClr val="tx1"/>
+                </a:solidFill>
+                <a:latin typeface="+mn-lt"/>
+                <a:ea typeface="+mn-ea"/>
+                <a:cs typeface="+mn-cs"/>
+              </a:defRPr>
+            </a:lvl9pPr>
+          </a:lstStyle>
+          <a:p>
+            <a:pPr marL="0" indent="0">
+              <a:buNone/>
+            </a:pPr>
+            <a:r>
+              <a:rPr lang="en-US" sz="2400" dirty="0" smtClean="0">
+                <a:latin typeface="Comic Sans MS" panose="030F0702030302020204" pitchFamily="66" charset="0"/>
+              </a:rPr>
+              <a:t>if </a:t>
+            </a:r>
+            <a:r>
+              <a:rPr lang="en-US" sz="2400" dirty="0">
+                <a:latin typeface="Comic Sans MS" panose="030F0702030302020204" pitchFamily="66" charset="0"/>
+              </a:rPr>
+              <a:t>you are a computer science major or you</a:t>
+            </a:r>
+          </a:p>
+          <a:p>
+            <a:pPr marL="0" indent="0">
+              <a:buNone/>
+            </a:pPr>
+            <a:r>
+              <a:rPr lang="en-US" sz="2400" dirty="0">
+                <a:latin typeface="Comic Sans MS" panose="030F0702030302020204" pitchFamily="66" charset="0"/>
+              </a:rPr>
+              <a:t>are not a </a:t>
+            </a:r>
+            <a:r>
+              <a:rPr lang="en-US" sz="2400" dirty="0" smtClean="0">
+                <a:latin typeface="Comic Sans MS" panose="030F0702030302020204" pitchFamily="66" charset="0"/>
+              </a:rPr>
+              <a:t>freshman, you </a:t>
+            </a:r>
+            <a:r>
+              <a:rPr lang="en-US" sz="2400" dirty="0">
+                <a:latin typeface="Comic Sans MS" panose="030F0702030302020204" pitchFamily="66" charset="0"/>
+              </a:rPr>
+              <a:t>can access the Internet from </a:t>
+            </a:r>
+            <a:r>
+              <a:rPr lang="en-US" sz="2400" dirty="0" smtClean="0">
+                <a:latin typeface="Comic Sans MS" panose="030F0702030302020204" pitchFamily="66" charset="0"/>
+              </a:rPr>
+              <a:t>campus</a:t>
+            </a:r>
+            <a:endParaRPr lang="en-US" sz="2400" dirty="0" smtClean="0">
+              <a:latin typeface="Comic Sans MS" pitchFamily="66" charset="0"/>
+            </a:endParaRPr>
+          </a:p>
+        </p:txBody>
+      </p:sp>
+      <p:sp>
+        <p:nvSpPr>
+          <p:cNvPr id="5" name="Content Placeholder 2"/>
+          <p:cNvSpPr txBox="1">
+            <a:spLocks/>
+          </p:cNvSpPr>
+          <p:nvPr/>
+        </p:nvSpPr>
+        <p:spPr>
+          <a:xfrm>
+            <a:off x="2438400" y="4724400"/>
+            <a:ext cx="4038600" cy="1752600"/>
+          </a:xfrm>
+          <a:prstGeom prst="rect">
+            <a:avLst/>
+          </a:prstGeom>
+        </p:spPr>
+        <p:txBody>
+          <a:bodyPr vert="horz" lIns="91440" tIns="45720" rIns="91440" bIns="45720" rtlCol="0">
+            <a:normAutofit/>
+          </a:bodyPr>
+          <a:lstStyle>
+            <a:lvl1pPr marL="342900" indent="-342900" algn="l" defTabSz="914400" rtl="0" eaLnBrk="1" latinLnBrk="0" hangingPunct="1">
+              <a:spcBef>
+                <a:spcPct val="20000"/>
+              </a:spcBef>
+              <a:buFont typeface="Arial" pitchFamily="34" charset="0"/>
+              <a:buChar char="•"/>
+              <a:defRPr sz="3200" kern="1200">
+                <a:solidFill>
+                  <a:schemeClr val="tx1"/>
+                </a:solidFill>
+                <a:latin typeface="+mn-lt"/>
+                <a:ea typeface="+mn-ea"/>
+                <a:cs typeface="+mn-cs"/>
+              </a:defRPr>
+            </a:lvl1pPr>
+            <a:lvl2pPr marL="742950" indent="-285750" algn="l" defTabSz="914400" rtl="0" eaLnBrk="1" latinLnBrk="0" hangingPunct="1">
+              <a:spcBef>
+                <a:spcPct val="20000"/>
+              </a:spcBef>
+              <a:buFont typeface="Arial" pitchFamily="34" charset="0"/>
+              <a:buChar char="–"/>
+              <a:defRPr sz="2800" kern="1200">
+                <a:solidFill>
+                  <a:schemeClr val="tx1"/>
+                </a:solidFill>
+                <a:latin typeface="+mn-lt"/>
+                <a:ea typeface="+mn-ea"/>
+                <a:cs typeface="+mn-cs"/>
+              </a:defRPr>
+            </a:lvl2pPr>
+            <a:lvl3pPr marL="1143000" indent="-228600" algn="l" defTabSz="914400" rtl="0" eaLnBrk="1" latinLnBrk="0" hangingPunct="1">
+              <a:spcBef>
+                <a:spcPct val="20000"/>
+              </a:spcBef>
+              <a:buFont typeface="Arial" pitchFamily="34" charset="0"/>
+              <a:buChar char="•"/>
+              <a:defRPr sz="2400" kern="1200">
+                <a:solidFill>
+                  <a:schemeClr val="tx1"/>
+                </a:solidFill>
+                <a:latin typeface="+mn-lt"/>
+                <a:ea typeface="+mn-ea"/>
+                <a:cs typeface="+mn-cs"/>
+              </a:defRPr>
+            </a:lvl3pPr>
+            <a:lvl4pPr marL="1600200" indent="-228600" algn="l" defTabSz="914400" rtl="0" eaLnBrk="1" latinLnBrk="0" hangingPunct="1">
+              <a:spcBef>
+                <a:spcPct val="20000"/>
+              </a:spcBef>
+              <a:buFont typeface="Arial" pitchFamily="34" charset="0"/>
+              <a:buChar char="–"/>
+              <a:defRPr sz="2000" kern="1200">
+                <a:solidFill>
+                  <a:schemeClr val="tx1"/>
+                </a:solidFill>
+                <a:latin typeface="+mn-lt"/>
+                <a:ea typeface="+mn-ea"/>
+                <a:cs typeface="+mn-cs"/>
+              </a:defRPr>
+            </a:lvl4pPr>
+            <a:lvl5pPr marL="2057400" indent="-228600" algn="l" defTabSz="914400" rtl="0" eaLnBrk="1" latinLnBrk="0" hangingPunct="1">
+              <a:spcBef>
+                <a:spcPct val="20000"/>
+              </a:spcBef>
+              <a:buFont typeface="Arial" pitchFamily="34" charset="0"/>
+              <a:buChar char="»"/>
+              <a:defRPr sz="2000" kern="1200">
+                <a:solidFill>
+                  <a:schemeClr val="tx1"/>
+                </a:solidFill>
+                <a:latin typeface="+mn-lt"/>
+                <a:ea typeface="+mn-ea"/>
+                <a:cs typeface="+mn-cs"/>
+              </a:defRPr>
+            </a:lvl5pPr>
+            <a:lvl6pPr marL="2514600" indent="-228600" algn="l" defTabSz="914400" rtl="0" eaLnBrk="1" latinLnBrk="0" hangingPunct="1">
+              <a:spcBef>
+                <a:spcPct val="20000"/>
+              </a:spcBef>
+              <a:buFont typeface="Arial" pitchFamily="34" charset="0"/>
+              <a:buChar char="•"/>
+              <a:defRPr sz="2000" kern="1200">
+                <a:solidFill>
+                  <a:schemeClr val="tx1"/>
+                </a:solidFill>
+                <a:latin typeface="+mn-lt"/>
+                <a:ea typeface="+mn-ea"/>
+                <a:cs typeface="+mn-cs"/>
+              </a:defRPr>
+            </a:lvl6pPr>
+            <a:lvl7pPr marL="2971800" indent="-228600" algn="l" defTabSz="914400" rtl="0" eaLnBrk="1" latinLnBrk="0" hangingPunct="1">
+              <a:spcBef>
+                <a:spcPct val="20000"/>
+              </a:spcBef>
+              <a:buFont typeface="Arial" pitchFamily="34" charset="0"/>
+              <a:buChar char="•"/>
+              <a:defRPr sz="2000" kern="1200">
+                <a:solidFill>
+                  <a:schemeClr val="tx1"/>
+                </a:solidFill>
+                <a:latin typeface="+mn-lt"/>
+                <a:ea typeface="+mn-ea"/>
+                <a:cs typeface="+mn-cs"/>
+              </a:defRPr>
+            </a:lvl7pPr>
+            <a:lvl8pPr marL="3429000" indent="-228600" algn="l" defTabSz="914400" rtl="0" eaLnBrk="1" latinLnBrk="0" hangingPunct="1">
+              <a:spcBef>
+                <a:spcPct val="20000"/>
+              </a:spcBef>
+              <a:buFont typeface="Arial" pitchFamily="34" charset="0"/>
+              <a:buChar char="•"/>
+              <a:defRPr sz="2000" kern="1200">
+                <a:solidFill>
+                  <a:schemeClr val="tx1"/>
+                </a:solidFill>
+                <a:latin typeface="+mn-lt"/>
+                <a:ea typeface="+mn-ea"/>
+                <a:cs typeface="+mn-cs"/>
+              </a:defRPr>
+            </a:lvl8pPr>
+            <a:lvl9pPr marL="3886200" indent="-228600" algn="l" defTabSz="914400" rtl="0" eaLnBrk="1" latinLnBrk="0" hangingPunct="1">
+              <a:spcBef>
+                <a:spcPct val="20000"/>
+              </a:spcBef>
+              <a:buFont typeface="Arial" pitchFamily="34" charset="0"/>
+              <a:buChar char="•"/>
+              <a:defRPr sz="2000" kern="1200">
+                <a:solidFill>
+                  <a:schemeClr val="tx1"/>
+                </a:solidFill>
+                <a:latin typeface="+mn-lt"/>
+                <a:ea typeface="+mn-ea"/>
+                <a:cs typeface="+mn-cs"/>
+              </a:defRPr>
+            </a:lvl9pPr>
+          </a:lstStyle>
+          <a:p>
+            <a:pPr marL="0" indent="0" algn="ctr">
+              <a:buFont typeface="Arial" pitchFamily="34" charset="0"/>
+              <a:buNone/>
+            </a:pPr>
+            <a:endParaRPr lang="en-US" sz="2400" dirty="0" smtClean="0">
+              <a:latin typeface="Comic Sans MS" panose="030F0702030302020204" pitchFamily="66" charset="0"/>
+            </a:endParaRPr>
+          </a:p>
+        </p:txBody>
+      </p:sp>
+      <p:sp>
+        <p:nvSpPr>
+          <p:cNvPr id="6" name="Content Placeholder 2"/>
+          <p:cNvSpPr txBox="1">
+            <a:spLocks/>
+          </p:cNvSpPr>
+          <p:nvPr/>
+        </p:nvSpPr>
+        <p:spPr>
+          <a:xfrm>
+            <a:off x="2362200" y="4800600"/>
+            <a:ext cx="4038600" cy="685800"/>
+          </a:xfrm>
+          <a:prstGeom prst="rect">
+            <a:avLst/>
+          </a:prstGeom>
+        </p:spPr>
+        <p:txBody>
+          <a:bodyPr vert="horz" lIns="91440" tIns="45720" rIns="91440" bIns="45720" rtlCol="0">
+            <a:normAutofit/>
+          </a:bodyPr>
+          <a:lstStyle>
+            <a:lvl1pPr marL="342900" indent="-342900" algn="l" defTabSz="914400" rtl="0" eaLnBrk="1" latinLnBrk="0" hangingPunct="1">
+              <a:spcBef>
+                <a:spcPct val="20000"/>
+              </a:spcBef>
+              <a:buFont typeface="Arial" pitchFamily="34" charset="0"/>
+              <a:buChar char="•"/>
+              <a:defRPr sz="3200" kern="1200">
+                <a:solidFill>
+                  <a:schemeClr val="tx1"/>
+                </a:solidFill>
+                <a:latin typeface="+mn-lt"/>
+                <a:ea typeface="+mn-ea"/>
+                <a:cs typeface="+mn-cs"/>
+              </a:defRPr>
+            </a:lvl1pPr>
+            <a:lvl2pPr marL="742950" indent="-285750" algn="l" defTabSz="914400" rtl="0" eaLnBrk="1" latinLnBrk="0" hangingPunct="1">
+              <a:spcBef>
+                <a:spcPct val="20000"/>
+              </a:spcBef>
+              <a:buFont typeface="Arial" pitchFamily="34" charset="0"/>
+              <a:buChar char="–"/>
+              <a:defRPr sz="2800" kern="1200">
+                <a:solidFill>
+                  <a:schemeClr val="tx1"/>
+                </a:solidFill>
+                <a:latin typeface="+mn-lt"/>
+                <a:ea typeface="+mn-ea"/>
+                <a:cs typeface="+mn-cs"/>
+              </a:defRPr>
+            </a:lvl2pPr>
+            <a:lvl3pPr marL="1143000" indent="-228600" algn="l" defTabSz="914400" rtl="0" eaLnBrk="1" latinLnBrk="0" hangingPunct="1">
+              <a:spcBef>
+                <a:spcPct val="20000"/>
+              </a:spcBef>
+              <a:buFont typeface="Arial" pitchFamily="34" charset="0"/>
+              <a:buChar char="•"/>
+              <a:defRPr sz="2400" kern="1200">
+                <a:solidFill>
+                  <a:schemeClr val="tx1"/>
+                </a:solidFill>
+                <a:latin typeface="+mn-lt"/>
+                <a:ea typeface="+mn-ea"/>
+                <a:cs typeface="+mn-cs"/>
+              </a:defRPr>
+            </a:lvl3pPr>
+            <a:lvl4pPr marL="1600200" indent="-228600" algn="l" defTabSz="914400" rtl="0" eaLnBrk="1" latinLnBrk="0" hangingPunct="1">
+              <a:spcBef>
+                <a:spcPct val="20000"/>
+              </a:spcBef>
+              <a:buFont typeface="Arial" pitchFamily="34" charset="0"/>
+              <a:buChar char="–"/>
+              <a:defRPr sz="2000" kern="1200">
+                <a:solidFill>
+                  <a:schemeClr val="tx1"/>
+                </a:solidFill>
+                <a:latin typeface="+mn-lt"/>
+                <a:ea typeface="+mn-ea"/>
+                <a:cs typeface="+mn-cs"/>
+              </a:defRPr>
+            </a:lvl4pPr>
+            <a:lvl5pPr marL="2057400" indent="-228600" algn="l" defTabSz="914400" rtl="0" eaLnBrk="1" latinLnBrk="0" hangingPunct="1">
+              <a:spcBef>
+                <a:spcPct val="20000"/>
+              </a:spcBef>
+              <a:buFont typeface="Arial" pitchFamily="34" charset="0"/>
+              <a:buChar char="»"/>
+              <a:defRPr sz="2000" kern="1200">
+                <a:solidFill>
+                  <a:schemeClr val="tx1"/>
+                </a:solidFill>
+                <a:latin typeface="+mn-lt"/>
+                <a:ea typeface="+mn-ea"/>
+                <a:cs typeface="+mn-cs"/>
+              </a:defRPr>
+            </a:lvl5pPr>
+            <a:lvl6pPr marL="2514600" indent="-228600" algn="l" defTabSz="914400" rtl="0" eaLnBrk="1" latinLnBrk="0" hangingPunct="1">
+              <a:spcBef>
+                <a:spcPct val="20000"/>
+              </a:spcBef>
+              <a:buFont typeface="Arial" pitchFamily="34" charset="0"/>
+              <a:buChar char="•"/>
+              <a:defRPr sz="2000" kern="1200">
+                <a:solidFill>
+                  <a:schemeClr val="tx1"/>
+                </a:solidFill>
+                <a:latin typeface="+mn-lt"/>
+                <a:ea typeface="+mn-ea"/>
+                <a:cs typeface="+mn-cs"/>
+              </a:defRPr>
+            </a:lvl6pPr>
+            <a:lvl7pPr marL="2971800" indent="-228600" algn="l" defTabSz="914400" rtl="0" eaLnBrk="1" latinLnBrk="0" hangingPunct="1">
+              <a:spcBef>
+                <a:spcPct val="20000"/>
+              </a:spcBef>
+              <a:buFont typeface="Arial" pitchFamily="34" charset="0"/>
+              <a:buChar char="•"/>
+              <a:defRPr sz="2000" kern="1200">
+                <a:solidFill>
+                  <a:schemeClr val="tx1"/>
+                </a:solidFill>
+                <a:latin typeface="+mn-lt"/>
+                <a:ea typeface="+mn-ea"/>
+                <a:cs typeface="+mn-cs"/>
+              </a:defRPr>
+            </a:lvl7pPr>
+            <a:lvl8pPr marL="3429000" indent="-228600" algn="l" defTabSz="914400" rtl="0" eaLnBrk="1" latinLnBrk="0" hangingPunct="1">
+              <a:spcBef>
+                <a:spcPct val="20000"/>
+              </a:spcBef>
+              <a:buFont typeface="Arial" pitchFamily="34" charset="0"/>
+              <a:buChar char="•"/>
+              <a:defRPr sz="2000" kern="1200">
+                <a:solidFill>
+                  <a:schemeClr val="tx1"/>
+                </a:solidFill>
+                <a:latin typeface="+mn-lt"/>
+                <a:ea typeface="+mn-ea"/>
+                <a:cs typeface="+mn-cs"/>
+              </a:defRPr>
+            </a:lvl8pPr>
+            <a:lvl9pPr marL="3886200" indent="-228600" algn="l" defTabSz="914400" rtl="0" eaLnBrk="1" latinLnBrk="0" hangingPunct="1">
+              <a:spcBef>
+                <a:spcPct val="20000"/>
+              </a:spcBef>
+              <a:buFont typeface="Arial" pitchFamily="34" charset="0"/>
+              <a:buChar char="•"/>
+              <a:defRPr sz="2000" kern="1200">
+                <a:solidFill>
+                  <a:schemeClr val="tx1"/>
+                </a:solidFill>
+                <a:latin typeface="+mn-lt"/>
+                <a:ea typeface="+mn-ea"/>
+                <a:cs typeface="+mn-cs"/>
+              </a:defRPr>
+            </a:lvl9pPr>
+          </a:lstStyle>
+          <a:p>
+            <a:pPr marL="0" indent="0" algn="ctr">
+              <a:buNone/>
+            </a:pPr>
+            <a:r>
+              <a:rPr lang="en-US" sz="2400" dirty="0" smtClean="0">
+                <a:latin typeface="Comic Sans MS" panose="030F0702030302020204" pitchFamily="66" charset="0"/>
+              </a:rPr>
+              <a:t>a V </a:t>
+            </a:r>
+            <a:r>
+              <a:rPr lang="en-US" sz="2400" dirty="0">
+                <a:latin typeface="Comic Sans MS" panose="030F0702030302020204" pitchFamily="66" charset="0"/>
+              </a:rPr>
+              <a:t>￢ </a:t>
+            </a:r>
+            <a:r>
+              <a:rPr lang="en-US" sz="2400" dirty="0" smtClean="0">
+                <a:latin typeface="Comic Sans MS" panose="030F0702030302020204" pitchFamily="66" charset="0"/>
+              </a:rPr>
+              <a:t>b → </a:t>
+            </a:r>
+            <a:r>
+              <a:rPr lang="en-US" sz="2400" dirty="0">
+                <a:latin typeface="Comic Sans MS" panose="030F0702030302020204" pitchFamily="66" charset="0"/>
+              </a:rPr>
+              <a:t>c</a:t>
+            </a:r>
+          </a:p>
+          <a:p>
+            <a:pPr marL="0" indent="0" algn="ctr">
+              <a:buFont typeface="Arial" pitchFamily="34" charset="0"/>
+              <a:buNone/>
+            </a:pPr>
+            <a:endParaRPr lang="en-US" sz="2400" dirty="0" smtClean="0">
+              <a:latin typeface="Comic Sans MS" pitchFamily="66" charset="0"/>
+            </a:endParaRPr>
+          </a:p>
+        </p:txBody>
+      </p:sp>
+    </p:spTree>
+    <p:extLst>
+      <p:ext uri="{BB962C8B-B14F-4D97-AF65-F5344CB8AC3E}">
+        <p14:creationId xmlns:p14="http://schemas.microsoft.com/office/powerpoint/2010/main" val="10200174"/>
+      </p:ext>
+    </p:extLst>
+  </p:cSld>
+  <p:clrMapOvr>
+    <a:masterClrMapping/>
+  </p:clrMapOvr>
+  <p:timing>
+    <p:tnLst>
+      <p:par>
+        <p:cTn id="1" dur="indefinite" restart="never" nodeType="tmRoot">
+          <p:childTnLst>
+            <p:seq concurrent="1" nextAc="seek">
+              <p:cTn id="2" dur="indefinite" nodeType="mainSeq">
+                <p:childTnLst>
+                  <p:par>
+                    <p:cTn id="3" fill="hold">
+                      <p:stCondLst>
+                        <p:cond delay="indefinite"/>
+                      </p:stCondLst>
+                      <p:childTnLst>
+                        <p:par>
+                          <p:cTn id="4" fill="hold">
+                            <p:stCondLst>
+                              <p:cond delay="0"/>
+                            </p:stCondLst>
+                            <p:childTnLst>
+                              <p:par>
+                                <p:cTn id="5" presetID="1" presetClass="entr" presetSubtype="0" fill="hold" grpId="0" nodeType="clickEffect">
+                                  <p:stCondLst>
+                                    <p:cond delay="0"/>
+                                  </p:stCondLst>
+                                  <p:childTnLst>
+                                    <p:set>
+                                      <p:cBhvr>
+                                        <p:cTn id="6" dur="1" fill="hold">
+                                          <p:stCondLst>
+                                            <p:cond delay="0"/>
+                                          </p:stCondLst>
+                                        </p:cTn>
+                                        <p:tgtEl>
+                                          <p:spTgt spid="3">
+                                            <p:txEl>
+                                              <p:pRg st="0" end="0"/>
+                                            </p:txEl>
+                                          </p:spTgt>
+                                        </p:tgtEl>
+                                        <p:attrNameLst>
+                                          <p:attrName>style.visibility</p:attrName>
+                                        </p:attrNameLst>
+                                      </p:cBhvr>
+                                      <p:to>
+                                        <p:strVal val="visible"/>
+                                      </p:to>
+                                    </p:set>
+                                  </p:childTnLst>
+                                </p:cTn>
+                              </p:par>
+                            </p:childTnLst>
+                          </p:cTn>
+                        </p:par>
+                      </p:childTnLst>
+                    </p:cTn>
+                  </p:par>
+                  <p:par>
+                    <p:cTn id="7" fill="hold">
+                      <p:stCondLst>
+                        <p:cond delay="indefinite"/>
+                      </p:stCondLst>
+                      <p:childTnLst>
+                        <p:par>
+                          <p:cTn id="8" fill="hold">
+                            <p:stCondLst>
+                              <p:cond delay="0"/>
+                            </p:stCondLst>
+                            <p:childTnLst>
+                              <p:par>
+                                <p:cTn id="9" presetID="1" presetClass="entr" presetSubtype="0" fill="hold" grpId="0" nodeType="clickEffect">
+                                  <p:stCondLst>
+                                    <p:cond delay="0"/>
+                                  </p:stCondLst>
+                                  <p:childTnLst>
+                                    <p:set>
+                                      <p:cBhvr>
+                                        <p:cTn id="10" dur="1" fill="hold">
+                                          <p:stCondLst>
+                                            <p:cond delay="0"/>
+                                          </p:stCondLst>
+                                        </p:cTn>
+                                        <p:tgtEl>
+                                          <p:spTgt spid="3">
+                                            <p:txEl>
+                                              <p:pRg st="1" end="1"/>
+                                            </p:txEl>
+                                          </p:spTgt>
+                                        </p:tgtEl>
+                                        <p:attrNameLst>
+                                          <p:attrName>style.visibility</p:attrName>
+                                        </p:attrNameLst>
+                                      </p:cBhvr>
+                                      <p:to>
+                                        <p:strVal val="visible"/>
+                                      </p:to>
+                                    </p:set>
+                                  </p:childTnLst>
+                                </p:cTn>
+                              </p:par>
+                            </p:childTnLst>
+                          </p:cTn>
+                        </p:par>
+                      </p:childTnLst>
+                    </p:cTn>
+                  </p:par>
+                  <p:par>
+                    <p:cTn id="11" fill="hold">
+                      <p:stCondLst>
+                        <p:cond delay="indefinite"/>
+                      </p:stCondLst>
+                      <p:childTnLst>
+                        <p:par>
+                          <p:cTn id="12" fill="hold">
+                            <p:stCondLst>
+                              <p:cond delay="0"/>
+                            </p:stCondLst>
+                            <p:childTnLst>
+                              <p:par>
+                                <p:cTn id="13" presetID="1" presetClass="entr" presetSubtype="0" fill="hold" grpId="0" nodeType="clickEffect">
+                                  <p:stCondLst>
+                                    <p:cond delay="0"/>
+                                  </p:stCondLst>
+                                  <p:childTnLst>
+                                    <p:set>
+                                      <p:cBhvr>
+                                        <p:cTn id="14" dur="1" fill="hold">
+                                          <p:stCondLst>
+                                            <p:cond delay="0"/>
+                                          </p:stCondLst>
+                                        </p:cTn>
+                                        <p:tgtEl>
+                                          <p:spTgt spid="3">
+                                            <p:txEl>
+                                              <p:pRg st="2" end="2"/>
+                                            </p:txEl>
+                                          </p:spTgt>
+                                        </p:tgtEl>
+                                        <p:attrNameLst>
+                                          <p:attrName>style.visibility</p:attrName>
+                                        </p:attrNameLst>
+                                      </p:cBhvr>
+                                      <p:to>
+                                        <p:strVal val="visible"/>
+                                      </p:to>
+                                    </p:set>
+                                  </p:childTnLst>
+                                </p:cTn>
+                              </p:par>
+                            </p:childTnLst>
+                          </p:cTn>
+                        </p:par>
+                      </p:childTnLst>
+                    </p:cTn>
+                  </p:par>
+                  <p:par>
+                    <p:cTn id="15" fill="hold">
+                      <p:stCondLst>
+                        <p:cond delay="indefinite"/>
+                      </p:stCondLst>
+                      <p:childTnLst>
+                        <p:par>
+                          <p:cTn id="16" fill="hold">
+                            <p:stCondLst>
+                              <p:cond delay="0"/>
+                            </p:stCondLst>
+                            <p:childTnLst>
+                              <p:par>
+                                <p:cTn id="17" presetID="1" presetClass="entr" presetSubtype="0" fill="hold" grpId="0" nodeType="clickEffect">
+                                  <p:stCondLst>
+                                    <p:cond delay="0"/>
+                                  </p:stCondLst>
+                                  <p:childTnLst>
+                                    <p:set>
+                                      <p:cBhvr>
+                                        <p:cTn id="18" dur="1" fill="hold">
+                                          <p:stCondLst>
+                                            <p:cond delay="0"/>
+                                          </p:stCondLst>
+                                        </p:cTn>
+                                        <p:tgtEl>
+                                          <p:spTgt spid="6"/>
+                                        </p:tgtEl>
+                                        <p:attrNameLst>
+                                          <p:attrName>style.visibility</p:attrName>
+                                        </p:attrNameLst>
+                                      </p:cBhvr>
+                                      <p:to>
+                                        <p:strVal val="visible"/>
+                                      </p:to>
+                                    </p:set>
+                                  </p:childTnLst>
+                                </p:cTn>
+                              </p:par>
+                            </p:childTnLst>
+                          </p:cTn>
+                        </p:par>
+                      </p:childTnLst>
+                    </p:cTn>
+                  </p:par>
+                </p:childTnLst>
+              </p:cTn>
+              <p:prevCondLst>
+                <p:cond evt="onPrev" delay="0">
+                  <p:tgtEl>
+                    <p:sldTgt/>
+                  </p:tgtEl>
+                </p:cond>
+              </p:prevCondLst>
+              <p:nextCondLst>
+                <p:cond evt="onNext" delay="0">
+                  <p:tgtEl>
+                    <p:sldTgt/>
+                  </p:tgtEl>
+                </p:cond>
+              </p:nextCondLst>
+            </p:seq>
+          </p:childTnLst>
+        </p:cTn>
+      </p:par>
+    </p:tnLst>
+    <p:bldLst>
+      <p:bldP spid="3" grpId="0" build="p"/>
+      <p:bldP spid="6" grpId="0"/>
+    </p:bldLst>
+  </p:timing>
+</p:sld>
+</file>
+
+<file path=ppt/slides/slide51.xml><?xml version="1.0" encoding="utf-8"?>
+<p:sld xmlns:a="http://schemas.openxmlformats.org/drawingml/2006/main" xmlns:r="http://schemas.openxmlformats.org/officeDocument/2006/relationships" xmlns:p="http://schemas.openxmlformats.org/presentationml/2006/main">
+  <p:cSld>
+    <p:spTree>
+      <p:nvGrpSpPr>
+        <p:cNvPr id="1" name=""/>
+        <p:cNvGrpSpPr/>
+        <p:nvPr/>
+      </p:nvGrpSpPr>
+      <p:grpSpPr>
+        <a:xfrm>
+          <a:off x="0" y="0"/>
+          <a:ext cx="0" cy="0"/>
+          <a:chOff x="0" y="0"/>
+          <a:chExt cx="0" cy="0"/>
+        </a:xfrm>
+      </p:grpSpPr>
+      <p:sp>
+        <p:nvSpPr>
+          <p:cNvPr id="2" name="Title 1"/>
+          <p:cNvSpPr>
+            <a:spLocks noGrp="1"/>
+          </p:cNvSpPr>
+          <p:nvPr>
+            <p:ph type="title"/>
+          </p:nvPr>
+        </p:nvSpPr>
+        <p:spPr/>
+        <p:txBody>
+          <a:bodyPr>
+            <a:normAutofit/>
+          </a:bodyPr>
+          <a:lstStyle/>
+          <a:p>
+            <a:pPr algn="l"/>
+            <a:r>
+              <a:rPr lang="en-US" sz="2400" dirty="0">
+                <a:latin typeface="Comic Sans MS" panose="030F0702030302020204" pitchFamily="66" charset="0"/>
+              </a:rPr>
+              <a:t>Translating into propositional logic</a:t>
+            </a:r>
+            <a:endParaRPr lang="en-US" sz="2400" dirty="0">
+              <a:latin typeface="Comic Sans MS" pitchFamily="66" charset="0"/>
+            </a:endParaRPr>
+          </a:p>
+        </p:txBody>
+      </p:sp>
+      <p:sp>
+        <p:nvSpPr>
+          <p:cNvPr id="3" name="Content Placeholder 2"/>
+          <p:cNvSpPr>
+            <a:spLocks noGrp="1"/>
+          </p:cNvSpPr>
+          <p:nvPr>
+            <p:ph idx="1"/>
+          </p:nvPr>
+        </p:nvSpPr>
+        <p:spPr>
+          <a:xfrm>
+            <a:off x="1524000" y="3048000"/>
+            <a:ext cx="6172200" cy="1066799"/>
+          </a:xfrm>
+        </p:spPr>
+        <p:txBody>
+          <a:bodyPr>
+            <a:normAutofit fontScale="92500" lnSpcReduction="20000"/>
+          </a:bodyPr>
+          <a:lstStyle/>
+          <a:p>
+            <a:pPr marL="0" indent="0">
+              <a:buNone/>
+            </a:pPr>
+            <a:r>
+              <a:rPr lang="en-US" sz="2400" dirty="0">
+                <a:solidFill>
+                  <a:srgbClr val="00B0F0"/>
+                </a:solidFill>
+                <a:latin typeface="Comic Sans MS" panose="030F0702030302020204" pitchFamily="66" charset="0"/>
+              </a:rPr>
+              <a:t>a</a:t>
+            </a:r>
+            <a:r>
+              <a:rPr lang="en-US" sz="2400" dirty="0" smtClean="0">
+                <a:solidFill>
+                  <a:srgbClr val="00B0F0"/>
+                </a:solidFill>
+                <a:latin typeface="Comic Sans MS" panose="030F0702030302020204" pitchFamily="66" charset="0"/>
+              </a:rPr>
+              <a:t>: </a:t>
+            </a:r>
+            <a:r>
+              <a:rPr lang="en-US" sz="2400" dirty="0">
+                <a:latin typeface="Comic Sans MS" panose="030F0702030302020204" pitchFamily="66" charset="0"/>
+              </a:rPr>
+              <a:t>you are a computer science major </a:t>
+            </a:r>
+            <a:endParaRPr lang="en-US" sz="2400" dirty="0" smtClean="0">
+              <a:latin typeface="Comic Sans MS" panose="030F0702030302020204" pitchFamily="66" charset="0"/>
+            </a:endParaRPr>
+          </a:p>
+          <a:p>
+            <a:pPr marL="0" indent="0">
+              <a:buNone/>
+            </a:pPr>
+            <a:r>
+              <a:rPr lang="en-US" sz="2400" dirty="0" smtClean="0">
+                <a:solidFill>
+                  <a:srgbClr val="00B0F0"/>
+                </a:solidFill>
+                <a:latin typeface="Comic Sans MS" panose="030F0702030302020204" pitchFamily="66" charset="0"/>
+              </a:rPr>
+              <a:t>b: </a:t>
+            </a:r>
+            <a:r>
+              <a:rPr lang="en-US" sz="2400" dirty="0" smtClean="0">
+                <a:latin typeface="Comic Sans MS" panose="030F0702030302020204" pitchFamily="66" charset="0"/>
+              </a:rPr>
+              <a:t>you are a freshman</a:t>
+            </a:r>
+          </a:p>
+          <a:p>
+            <a:pPr marL="0" indent="0">
+              <a:buNone/>
+            </a:pPr>
+            <a:r>
+              <a:rPr lang="en-US" sz="2400" dirty="0" smtClean="0">
+                <a:solidFill>
+                  <a:srgbClr val="00B0F0"/>
+                </a:solidFill>
+                <a:latin typeface="Comic Sans MS" panose="030F0702030302020204" pitchFamily="66" charset="0"/>
+              </a:rPr>
+              <a:t>C:</a:t>
+            </a:r>
+            <a:r>
+              <a:rPr lang="en-US" sz="2400" dirty="0" smtClean="0">
+                <a:latin typeface="Comic Sans MS" panose="030F0702030302020204" pitchFamily="66" charset="0"/>
+              </a:rPr>
+              <a:t> you </a:t>
+            </a:r>
+            <a:r>
+              <a:rPr lang="en-US" sz="2400" dirty="0">
+                <a:latin typeface="Comic Sans MS" panose="030F0702030302020204" pitchFamily="66" charset="0"/>
+              </a:rPr>
+              <a:t>can access the Internet from </a:t>
+            </a:r>
+            <a:r>
+              <a:rPr lang="en-US" sz="2400" dirty="0" smtClean="0">
+                <a:latin typeface="Comic Sans MS" panose="030F0702030302020204" pitchFamily="66" charset="0"/>
+              </a:rPr>
+              <a:t>campus</a:t>
+            </a:r>
+            <a:endParaRPr lang="en-US" sz="2400" dirty="0">
+              <a:latin typeface="Comic Sans MS" panose="030F0702030302020204" pitchFamily="66" charset="0"/>
+            </a:endParaRPr>
+          </a:p>
+          <a:p>
+            <a:pPr marL="0" indent="0">
+              <a:buNone/>
+            </a:pPr>
+            <a:endParaRPr lang="en-US" sz="2400" dirty="0" smtClean="0">
+              <a:latin typeface="Comic Sans MS" panose="030F0702030302020204" pitchFamily="66" charset="0"/>
+            </a:endParaRPr>
+          </a:p>
+        </p:txBody>
+      </p:sp>
+      <p:sp>
+        <p:nvSpPr>
+          <p:cNvPr id="4" name="Content Placeholder 2"/>
+          <p:cNvSpPr txBox="1">
+            <a:spLocks/>
+          </p:cNvSpPr>
+          <p:nvPr/>
+        </p:nvSpPr>
+        <p:spPr>
+          <a:xfrm>
+            <a:off x="1219200" y="1371600"/>
+            <a:ext cx="7315200" cy="1447800"/>
+          </a:xfrm>
+          <a:prstGeom prst="rect">
+            <a:avLst/>
+          </a:prstGeom>
+        </p:spPr>
+        <p:txBody>
+          <a:bodyPr vert="horz" lIns="91440" tIns="45720" rIns="91440" bIns="45720" rtlCol="0">
+            <a:normAutofit/>
+          </a:bodyPr>
+          <a:lstStyle>
+            <a:lvl1pPr marL="342900" indent="-342900" algn="l" defTabSz="914400" rtl="0" eaLnBrk="1" latinLnBrk="0" hangingPunct="1">
+              <a:spcBef>
+                <a:spcPct val="20000"/>
+              </a:spcBef>
+              <a:buFont typeface="Arial" pitchFamily="34" charset="0"/>
+              <a:buChar char="•"/>
+              <a:defRPr sz="3200" kern="1200">
+                <a:solidFill>
+                  <a:schemeClr val="tx1"/>
+                </a:solidFill>
+                <a:latin typeface="+mn-lt"/>
+                <a:ea typeface="+mn-ea"/>
+                <a:cs typeface="+mn-cs"/>
+              </a:defRPr>
+            </a:lvl1pPr>
+            <a:lvl2pPr marL="742950" indent="-285750" algn="l" defTabSz="914400" rtl="0" eaLnBrk="1" latinLnBrk="0" hangingPunct="1">
+              <a:spcBef>
+                <a:spcPct val="20000"/>
+              </a:spcBef>
+              <a:buFont typeface="Arial" pitchFamily="34" charset="0"/>
+              <a:buChar char="–"/>
+              <a:defRPr sz="2800" kern="1200">
+                <a:solidFill>
+                  <a:schemeClr val="tx1"/>
+                </a:solidFill>
+                <a:latin typeface="+mn-lt"/>
+                <a:ea typeface="+mn-ea"/>
+                <a:cs typeface="+mn-cs"/>
+              </a:defRPr>
+            </a:lvl2pPr>
+            <a:lvl3pPr marL="1143000" indent="-228600" algn="l" defTabSz="914400" rtl="0" eaLnBrk="1" latinLnBrk="0" hangingPunct="1">
+              <a:spcBef>
+                <a:spcPct val="20000"/>
+              </a:spcBef>
+              <a:buFont typeface="Arial" pitchFamily="34" charset="0"/>
+              <a:buChar char="•"/>
+              <a:defRPr sz="2400" kern="1200">
+                <a:solidFill>
+                  <a:schemeClr val="tx1"/>
+                </a:solidFill>
+                <a:latin typeface="+mn-lt"/>
+                <a:ea typeface="+mn-ea"/>
+                <a:cs typeface="+mn-cs"/>
+              </a:defRPr>
+            </a:lvl3pPr>
+            <a:lvl4pPr marL="1600200" indent="-228600" algn="l" defTabSz="914400" rtl="0" eaLnBrk="1" latinLnBrk="0" hangingPunct="1">
+              <a:spcBef>
+                <a:spcPct val="20000"/>
+              </a:spcBef>
+              <a:buFont typeface="Arial" pitchFamily="34" charset="0"/>
+              <a:buChar char="–"/>
+              <a:defRPr sz="2000" kern="1200">
+                <a:solidFill>
+                  <a:schemeClr val="tx1"/>
+                </a:solidFill>
+                <a:latin typeface="+mn-lt"/>
+                <a:ea typeface="+mn-ea"/>
+                <a:cs typeface="+mn-cs"/>
+              </a:defRPr>
+            </a:lvl4pPr>
+            <a:lvl5pPr marL="2057400" indent="-228600" algn="l" defTabSz="914400" rtl="0" eaLnBrk="1" latinLnBrk="0" hangingPunct="1">
+              <a:spcBef>
+                <a:spcPct val="20000"/>
+              </a:spcBef>
+              <a:buFont typeface="Arial" pitchFamily="34" charset="0"/>
+              <a:buChar char="»"/>
+              <a:defRPr sz="2000" kern="1200">
+                <a:solidFill>
+                  <a:schemeClr val="tx1"/>
+                </a:solidFill>
+                <a:latin typeface="+mn-lt"/>
+                <a:ea typeface="+mn-ea"/>
+                <a:cs typeface="+mn-cs"/>
+              </a:defRPr>
+            </a:lvl5pPr>
+            <a:lvl6pPr marL="2514600" indent="-228600" algn="l" defTabSz="914400" rtl="0" eaLnBrk="1" latinLnBrk="0" hangingPunct="1">
+              <a:spcBef>
+                <a:spcPct val="20000"/>
+              </a:spcBef>
+              <a:buFont typeface="Arial" pitchFamily="34" charset="0"/>
+              <a:buChar char="•"/>
+              <a:defRPr sz="2000" kern="1200">
+                <a:solidFill>
+                  <a:schemeClr val="tx1"/>
+                </a:solidFill>
+                <a:latin typeface="+mn-lt"/>
+                <a:ea typeface="+mn-ea"/>
+                <a:cs typeface="+mn-cs"/>
+              </a:defRPr>
+            </a:lvl6pPr>
+            <a:lvl7pPr marL="2971800" indent="-228600" algn="l" defTabSz="914400" rtl="0" eaLnBrk="1" latinLnBrk="0" hangingPunct="1">
+              <a:spcBef>
+                <a:spcPct val="20000"/>
+              </a:spcBef>
+              <a:buFont typeface="Arial" pitchFamily="34" charset="0"/>
+              <a:buChar char="•"/>
+              <a:defRPr sz="2000" kern="1200">
+                <a:solidFill>
+                  <a:schemeClr val="tx1"/>
+                </a:solidFill>
+                <a:latin typeface="+mn-lt"/>
+                <a:ea typeface="+mn-ea"/>
+                <a:cs typeface="+mn-cs"/>
+              </a:defRPr>
+            </a:lvl7pPr>
+            <a:lvl8pPr marL="3429000" indent="-228600" algn="l" defTabSz="914400" rtl="0" eaLnBrk="1" latinLnBrk="0" hangingPunct="1">
+              <a:spcBef>
+                <a:spcPct val="20000"/>
+              </a:spcBef>
+              <a:buFont typeface="Arial" pitchFamily="34" charset="0"/>
+              <a:buChar char="•"/>
+              <a:defRPr sz="2000" kern="1200">
+                <a:solidFill>
+                  <a:schemeClr val="tx1"/>
+                </a:solidFill>
+                <a:latin typeface="+mn-lt"/>
+                <a:ea typeface="+mn-ea"/>
+                <a:cs typeface="+mn-cs"/>
+              </a:defRPr>
+            </a:lvl8pPr>
+            <a:lvl9pPr marL="3886200" indent="-228600" algn="l" defTabSz="914400" rtl="0" eaLnBrk="1" latinLnBrk="0" hangingPunct="1">
+              <a:spcBef>
+                <a:spcPct val="20000"/>
+              </a:spcBef>
+              <a:buFont typeface="Arial" pitchFamily="34" charset="0"/>
+              <a:buChar char="•"/>
+              <a:defRPr sz="2000" kern="1200">
+                <a:solidFill>
+                  <a:schemeClr val="tx1"/>
+                </a:solidFill>
+                <a:latin typeface="+mn-lt"/>
+                <a:ea typeface="+mn-ea"/>
+                <a:cs typeface="+mn-cs"/>
+              </a:defRPr>
+            </a:lvl9pPr>
+          </a:lstStyle>
+          <a:p>
+            <a:pPr marL="0" indent="0">
+              <a:buNone/>
+            </a:pPr>
+            <a:r>
+              <a:rPr lang="en-US" sz="2400" dirty="0">
+                <a:latin typeface="Comic Sans MS" panose="030F0702030302020204" pitchFamily="66" charset="0"/>
+              </a:rPr>
+              <a:t>you can access the Internet from campus</a:t>
+            </a:r>
+          </a:p>
+          <a:p>
+            <a:pPr marL="0" indent="0">
+              <a:buNone/>
+            </a:pPr>
+            <a:r>
+              <a:rPr lang="en-US" sz="2400" dirty="0">
+                <a:latin typeface="Comic Sans MS" panose="030F0702030302020204" pitchFamily="66" charset="0"/>
+              </a:rPr>
+              <a:t>o</a:t>
+            </a:r>
+            <a:r>
+              <a:rPr lang="en-US" sz="2400" dirty="0" smtClean="0">
+                <a:latin typeface="Comic Sans MS" panose="030F0702030302020204" pitchFamily="66" charset="0"/>
+              </a:rPr>
+              <a:t>nly if </a:t>
+            </a:r>
+            <a:r>
+              <a:rPr lang="en-US" sz="2400" dirty="0">
+                <a:latin typeface="Comic Sans MS" panose="030F0702030302020204" pitchFamily="66" charset="0"/>
+              </a:rPr>
+              <a:t>you are a computer science major or you</a:t>
+            </a:r>
+          </a:p>
+          <a:p>
+            <a:pPr marL="0" indent="0">
+              <a:buNone/>
+            </a:pPr>
+            <a:r>
+              <a:rPr lang="en-US" sz="2400" dirty="0">
+                <a:latin typeface="Comic Sans MS" panose="030F0702030302020204" pitchFamily="66" charset="0"/>
+              </a:rPr>
+              <a:t>are not a </a:t>
+            </a:r>
+            <a:r>
+              <a:rPr lang="en-US" sz="2400" dirty="0" smtClean="0">
+                <a:latin typeface="Comic Sans MS" panose="030F0702030302020204" pitchFamily="66" charset="0"/>
+              </a:rPr>
+              <a:t>freshman, </a:t>
+            </a:r>
+            <a:endParaRPr lang="en-US" sz="2400" dirty="0" smtClean="0">
+              <a:latin typeface="Comic Sans MS" pitchFamily="66" charset="0"/>
+            </a:endParaRPr>
+          </a:p>
+        </p:txBody>
+      </p:sp>
+      <p:sp>
+        <p:nvSpPr>
+          <p:cNvPr id="5" name="Content Placeholder 2"/>
+          <p:cNvSpPr txBox="1">
+            <a:spLocks/>
+          </p:cNvSpPr>
+          <p:nvPr/>
+        </p:nvSpPr>
+        <p:spPr>
+          <a:xfrm>
+            <a:off x="2438400" y="4724400"/>
+            <a:ext cx="4038600" cy="1752600"/>
+          </a:xfrm>
+          <a:prstGeom prst="rect">
+            <a:avLst/>
+          </a:prstGeom>
+        </p:spPr>
+        <p:txBody>
+          <a:bodyPr vert="horz" lIns="91440" tIns="45720" rIns="91440" bIns="45720" rtlCol="0">
+            <a:normAutofit/>
+          </a:bodyPr>
+          <a:lstStyle>
+            <a:lvl1pPr marL="342900" indent="-342900" algn="l" defTabSz="914400" rtl="0" eaLnBrk="1" latinLnBrk="0" hangingPunct="1">
+              <a:spcBef>
+                <a:spcPct val="20000"/>
+              </a:spcBef>
+              <a:buFont typeface="Arial" pitchFamily="34" charset="0"/>
+              <a:buChar char="•"/>
+              <a:defRPr sz="3200" kern="1200">
+                <a:solidFill>
+                  <a:schemeClr val="tx1"/>
+                </a:solidFill>
+                <a:latin typeface="+mn-lt"/>
+                <a:ea typeface="+mn-ea"/>
+                <a:cs typeface="+mn-cs"/>
+              </a:defRPr>
+            </a:lvl1pPr>
+            <a:lvl2pPr marL="742950" indent="-285750" algn="l" defTabSz="914400" rtl="0" eaLnBrk="1" latinLnBrk="0" hangingPunct="1">
+              <a:spcBef>
+                <a:spcPct val="20000"/>
+              </a:spcBef>
+              <a:buFont typeface="Arial" pitchFamily="34" charset="0"/>
+              <a:buChar char="–"/>
+              <a:defRPr sz="2800" kern="1200">
+                <a:solidFill>
+                  <a:schemeClr val="tx1"/>
+                </a:solidFill>
+                <a:latin typeface="+mn-lt"/>
+                <a:ea typeface="+mn-ea"/>
+                <a:cs typeface="+mn-cs"/>
+              </a:defRPr>
+            </a:lvl2pPr>
+            <a:lvl3pPr marL="1143000" indent="-228600" algn="l" defTabSz="914400" rtl="0" eaLnBrk="1" latinLnBrk="0" hangingPunct="1">
+              <a:spcBef>
+                <a:spcPct val="20000"/>
+              </a:spcBef>
+              <a:buFont typeface="Arial" pitchFamily="34" charset="0"/>
+              <a:buChar char="•"/>
+              <a:defRPr sz="2400" kern="1200">
+                <a:solidFill>
+                  <a:schemeClr val="tx1"/>
+                </a:solidFill>
+                <a:latin typeface="+mn-lt"/>
+                <a:ea typeface="+mn-ea"/>
+                <a:cs typeface="+mn-cs"/>
+              </a:defRPr>
+            </a:lvl3pPr>
+            <a:lvl4pPr marL="1600200" indent="-228600" algn="l" defTabSz="914400" rtl="0" eaLnBrk="1" latinLnBrk="0" hangingPunct="1">
+              <a:spcBef>
+                <a:spcPct val="20000"/>
+              </a:spcBef>
+              <a:buFont typeface="Arial" pitchFamily="34" charset="0"/>
+              <a:buChar char="–"/>
+              <a:defRPr sz="2000" kern="1200">
+                <a:solidFill>
+                  <a:schemeClr val="tx1"/>
+                </a:solidFill>
+                <a:latin typeface="+mn-lt"/>
+                <a:ea typeface="+mn-ea"/>
+                <a:cs typeface="+mn-cs"/>
+              </a:defRPr>
+            </a:lvl4pPr>
+            <a:lvl5pPr marL="2057400" indent="-228600" algn="l" defTabSz="914400" rtl="0" eaLnBrk="1" latinLnBrk="0" hangingPunct="1">
+              <a:spcBef>
+                <a:spcPct val="20000"/>
+              </a:spcBef>
+              <a:buFont typeface="Arial" pitchFamily="34" charset="0"/>
+              <a:buChar char="»"/>
+              <a:defRPr sz="2000" kern="1200">
+                <a:solidFill>
+                  <a:schemeClr val="tx1"/>
+                </a:solidFill>
+                <a:latin typeface="+mn-lt"/>
+                <a:ea typeface="+mn-ea"/>
+                <a:cs typeface="+mn-cs"/>
+              </a:defRPr>
+            </a:lvl5pPr>
+            <a:lvl6pPr marL="2514600" indent="-228600" algn="l" defTabSz="914400" rtl="0" eaLnBrk="1" latinLnBrk="0" hangingPunct="1">
+              <a:spcBef>
+                <a:spcPct val="20000"/>
+              </a:spcBef>
+              <a:buFont typeface="Arial" pitchFamily="34" charset="0"/>
+              <a:buChar char="•"/>
+              <a:defRPr sz="2000" kern="1200">
+                <a:solidFill>
+                  <a:schemeClr val="tx1"/>
+                </a:solidFill>
+                <a:latin typeface="+mn-lt"/>
+                <a:ea typeface="+mn-ea"/>
+                <a:cs typeface="+mn-cs"/>
+              </a:defRPr>
+            </a:lvl6pPr>
+            <a:lvl7pPr marL="2971800" indent="-228600" algn="l" defTabSz="914400" rtl="0" eaLnBrk="1" latinLnBrk="0" hangingPunct="1">
+              <a:spcBef>
+                <a:spcPct val="20000"/>
+              </a:spcBef>
+              <a:buFont typeface="Arial" pitchFamily="34" charset="0"/>
+              <a:buChar char="•"/>
+              <a:defRPr sz="2000" kern="1200">
+                <a:solidFill>
+                  <a:schemeClr val="tx1"/>
+                </a:solidFill>
+                <a:latin typeface="+mn-lt"/>
+                <a:ea typeface="+mn-ea"/>
+                <a:cs typeface="+mn-cs"/>
+              </a:defRPr>
+            </a:lvl7pPr>
+            <a:lvl8pPr marL="3429000" indent="-228600" algn="l" defTabSz="914400" rtl="0" eaLnBrk="1" latinLnBrk="0" hangingPunct="1">
+              <a:spcBef>
+                <a:spcPct val="20000"/>
+              </a:spcBef>
+              <a:buFont typeface="Arial" pitchFamily="34" charset="0"/>
+              <a:buChar char="•"/>
+              <a:defRPr sz="2000" kern="1200">
+                <a:solidFill>
+                  <a:schemeClr val="tx1"/>
+                </a:solidFill>
+                <a:latin typeface="+mn-lt"/>
+                <a:ea typeface="+mn-ea"/>
+                <a:cs typeface="+mn-cs"/>
+              </a:defRPr>
+            </a:lvl8pPr>
+            <a:lvl9pPr marL="3886200" indent="-228600" algn="l" defTabSz="914400" rtl="0" eaLnBrk="1" latinLnBrk="0" hangingPunct="1">
+              <a:spcBef>
+                <a:spcPct val="20000"/>
+              </a:spcBef>
+              <a:buFont typeface="Arial" pitchFamily="34" charset="0"/>
+              <a:buChar char="•"/>
+              <a:defRPr sz="2000" kern="1200">
+                <a:solidFill>
+                  <a:schemeClr val="tx1"/>
+                </a:solidFill>
+                <a:latin typeface="+mn-lt"/>
+                <a:ea typeface="+mn-ea"/>
+                <a:cs typeface="+mn-cs"/>
+              </a:defRPr>
+            </a:lvl9pPr>
+          </a:lstStyle>
+          <a:p>
+            <a:pPr marL="0" indent="0" algn="ctr">
+              <a:buFont typeface="Arial" pitchFamily="34" charset="0"/>
+              <a:buNone/>
+            </a:pPr>
+            <a:endParaRPr lang="en-US" sz="2400" dirty="0" smtClean="0">
+              <a:latin typeface="Comic Sans MS" panose="030F0702030302020204" pitchFamily="66" charset="0"/>
+            </a:endParaRPr>
+          </a:p>
+        </p:txBody>
+      </p:sp>
+      <p:sp>
+        <p:nvSpPr>
+          <p:cNvPr id="6" name="Content Placeholder 2"/>
+          <p:cNvSpPr txBox="1">
+            <a:spLocks/>
+          </p:cNvSpPr>
+          <p:nvPr/>
+        </p:nvSpPr>
+        <p:spPr>
+          <a:xfrm>
+            <a:off x="2362200" y="4800600"/>
+            <a:ext cx="4038600" cy="685800"/>
+          </a:xfrm>
+          <a:prstGeom prst="rect">
+            <a:avLst/>
+          </a:prstGeom>
+        </p:spPr>
+        <p:txBody>
+          <a:bodyPr vert="horz" lIns="91440" tIns="45720" rIns="91440" bIns="45720" rtlCol="0">
+            <a:normAutofit/>
+          </a:bodyPr>
+          <a:lstStyle>
+            <a:lvl1pPr marL="342900" indent="-342900" algn="l" defTabSz="914400" rtl="0" eaLnBrk="1" latinLnBrk="0" hangingPunct="1">
+              <a:spcBef>
+                <a:spcPct val="20000"/>
+              </a:spcBef>
+              <a:buFont typeface="Arial" pitchFamily="34" charset="0"/>
+              <a:buChar char="•"/>
+              <a:defRPr sz="3200" kern="1200">
+                <a:solidFill>
+                  <a:schemeClr val="tx1"/>
+                </a:solidFill>
+                <a:latin typeface="+mn-lt"/>
+                <a:ea typeface="+mn-ea"/>
+                <a:cs typeface="+mn-cs"/>
+              </a:defRPr>
+            </a:lvl1pPr>
+            <a:lvl2pPr marL="742950" indent="-285750" algn="l" defTabSz="914400" rtl="0" eaLnBrk="1" latinLnBrk="0" hangingPunct="1">
+              <a:spcBef>
+                <a:spcPct val="20000"/>
+              </a:spcBef>
+              <a:buFont typeface="Arial" pitchFamily="34" charset="0"/>
+              <a:buChar char="–"/>
+              <a:defRPr sz="2800" kern="1200">
+                <a:solidFill>
+                  <a:schemeClr val="tx1"/>
+                </a:solidFill>
+                <a:latin typeface="+mn-lt"/>
+                <a:ea typeface="+mn-ea"/>
+                <a:cs typeface="+mn-cs"/>
+              </a:defRPr>
+            </a:lvl2pPr>
+            <a:lvl3pPr marL="1143000" indent="-228600" algn="l" defTabSz="914400" rtl="0" eaLnBrk="1" latinLnBrk="0" hangingPunct="1">
+              <a:spcBef>
+                <a:spcPct val="20000"/>
+              </a:spcBef>
+              <a:buFont typeface="Arial" pitchFamily="34" charset="0"/>
+              <a:buChar char="•"/>
+              <a:defRPr sz="2400" kern="1200">
+                <a:solidFill>
+                  <a:schemeClr val="tx1"/>
+                </a:solidFill>
+                <a:latin typeface="+mn-lt"/>
+                <a:ea typeface="+mn-ea"/>
+                <a:cs typeface="+mn-cs"/>
+              </a:defRPr>
+            </a:lvl3pPr>
+            <a:lvl4pPr marL="1600200" indent="-228600" algn="l" defTabSz="914400" rtl="0" eaLnBrk="1" latinLnBrk="0" hangingPunct="1">
+              <a:spcBef>
+                <a:spcPct val="20000"/>
+              </a:spcBef>
+              <a:buFont typeface="Arial" pitchFamily="34" charset="0"/>
+              <a:buChar char="–"/>
+              <a:defRPr sz="2000" kern="1200">
+                <a:solidFill>
+                  <a:schemeClr val="tx1"/>
+                </a:solidFill>
+                <a:latin typeface="+mn-lt"/>
+                <a:ea typeface="+mn-ea"/>
+                <a:cs typeface="+mn-cs"/>
+              </a:defRPr>
+            </a:lvl4pPr>
+            <a:lvl5pPr marL="2057400" indent="-228600" algn="l" defTabSz="914400" rtl="0" eaLnBrk="1" latinLnBrk="0" hangingPunct="1">
+              <a:spcBef>
+                <a:spcPct val="20000"/>
+              </a:spcBef>
+              <a:buFont typeface="Arial" pitchFamily="34" charset="0"/>
+              <a:buChar char="»"/>
+              <a:defRPr sz="2000" kern="1200">
+                <a:solidFill>
+                  <a:schemeClr val="tx1"/>
+                </a:solidFill>
+                <a:latin typeface="+mn-lt"/>
+                <a:ea typeface="+mn-ea"/>
+                <a:cs typeface="+mn-cs"/>
+              </a:defRPr>
+            </a:lvl5pPr>
+            <a:lvl6pPr marL="2514600" indent="-228600" algn="l" defTabSz="914400" rtl="0" eaLnBrk="1" latinLnBrk="0" hangingPunct="1">
+              <a:spcBef>
+                <a:spcPct val="20000"/>
+              </a:spcBef>
+              <a:buFont typeface="Arial" pitchFamily="34" charset="0"/>
+              <a:buChar char="•"/>
+              <a:defRPr sz="2000" kern="1200">
+                <a:solidFill>
+                  <a:schemeClr val="tx1"/>
+                </a:solidFill>
+                <a:latin typeface="+mn-lt"/>
+                <a:ea typeface="+mn-ea"/>
+                <a:cs typeface="+mn-cs"/>
+              </a:defRPr>
+            </a:lvl6pPr>
+            <a:lvl7pPr marL="2971800" indent="-228600" algn="l" defTabSz="914400" rtl="0" eaLnBrk="1" latinLnBrk="0" hangingPunct="1">
+              <a:spcBef>
+                <a:spcPct val="20000"/>
+              </a:spcBef>
+              <a:buFont typeface="Arial" pitchFamily="34" charset="0"/>
+              <a:buChar char="•"/>
+              <a:defRPr sz="2000" kern="1200">
+                <a:solidFill>
+                  <a:schemeClr val="tx1"/>
+                </a:solidFill>
+                <a:latin typeface="+mn-lt"/>
+                <a:ea typeface="+mn-ea"/>
+                <a:cs typeface="+mn-cs"/>
+              </a:defRPr>
+            </a:lvl7pPr>
+            <a:lvl8pPr marL="3429000" indent="-228600" algn="l" defTabSz="914400" rtl="0" eaLnBrk="1" latinLnBrk="0" hangingPunct="1">
+              <a:spcBef>
+                <a:spcPct val="20000"/>
+              </a:spcBef>
+              <a:buFont typeface="Arial" pitchFamily="34" charset="0"/>
+              <a:buChar char="•"/>
+              <a:defRPr sz="2000" kern="1200">
+                <a:solidFill>
+                  <a:schemeClr val="tx1"/>
+                </a:solidFill>
+                <a:latin typeface="+mn-lt"/>
+                <a:ea typeface="+mn-ea"/>
+                <a:cs typeface="+mn-cs"/>
+              </a:defRPr>
+            </a:lvl8pPr>
+            <a:lvl9pPr marL="3886200" indent="-228600" algn="l" defTabSz="914400" rtl="0" eaLnBrk="1" latinLnBrk="0" hangingPunct="1">
+              <a:spcBef>
+                <a:spcPct val="20000"/>
+              </a:spcBef>
+              <a:buFont typeface="Arial" pitchFamily="34" charset="0"/>
+              <a:buChar char="•"/>
+              <a:defRPr sz="2000" kern="1200">
+                <a:solidFill>
+                  <a:schemeClr val="tx1"/>
+                </a:solidFill>
+                <a:latin typeface="+mn-lt"/>
+                <a:ea typeface="+mn-ea"/>
+                <a:cs typeface="+mn-cs"/>
+              </a:defRPr>
+            </a:lvl9pPr>
+          </a:lstStyle>
+          <a:p>
+            <a:pPr marL="0" indent="0" algn="ctr">
+              <a:buNone/>
+            </a:pPr>
+            <a:r>
+              <a:rPr lang="en-US" sz="2400" dirty="0" smtClean="0">
+                <a:latin typeface="Comic Sans MS" panose="030F0702030302020204" pitchFamily="66" charset="0"/>
+              </a:rPr>
+              <a:t>a V </a:t>
+            </a:r>
+            <a:r>
+              <a:rPr lang="en-US" sz="2400" dirty="0">
+                <a:latin typeface="Comic Sans MS" panose="030F0702030302020204" pitchFamily="66" charset="0"/>
+              </a:rPr>
+              <a:t>￢ </a:t>
+            </a:r>
+            <a:r>
+              <a:rPr lang="en-US" sz="2400" dirty="0" smtClean="0">
+                <a:latin typeface="Comic Sans MS" panose="030F0702030302020204" pitchFamily="66" charset="0"/>
+              </a:rPr>
+              <a:t>b → </a:t>
+            </a:r>
+            <a:r>
+              <a:rPr lang="en-US" sz="2400" dirty="0">
+                <a:latin typeface="Comic Sans MS" panose="030F0702030302020204" pitchFamily="66" charset="0"/>
+              </a:rPr>
+              <a:t>c</a:t>
+            </a:r>
+          </a:p>
+          <a:p>
+            <a:pPr marL="0" indent="0" algn="ctr">
+              <a:buFont typeface="Arial" pitchFamily="34" charset="0"/>
+              <a:buNone/>
+            </a:pPr>
+            <a:endParaRPr lang="en-US" sz="2400" dirty="0" smtClean="0">
+              <a:latin typeface="Comic Sans MS" pitchFamily="66" charset="0"/>
+            </a:endParaRPr>
+          </a:p>
+        </p:txBody>
+      </p:sp>
+    </p:spTree>
+    <p:extLst>
+      <p:ext uri="{BB962C8B-B14F-4D97-AF65-F5344CB8AC3E}">
+        <p14:creationId xmlns:p14="http://schemas.microsoft.com/office/powerpoint/2010/main" val="1990178586"/>
+      </p:ext>
+    </p:extLst>
+  </p:cSld>
+  <p:clrMapOvr>
+    <a:masterClrMapping/>
+  </p:clrMapOvr>
+  <p:timing>
+    <p:tnLst>
+      <p:par>
+        <p:cTn id="1" dur="indefinite" restart="never" nodeType="tmRoot">
+          <p:childTnLst>
+            <p:seq concurrent="1" nextAc="seek">
+              <p:cTn id="2" dur="indefinite" nodeType="mainSeq">
+                <p:childTnLst>
+                  <p:par>
+                    <p:cTn id="3" fill="hold">
+                      <p:stCondLst>
+                        <p:cond delay="indefinite"/>
+                      </p:stCondLst>
+                      <p:childTnLst>
+                        <p:par>
+                          <p:cTn id="4" fill="hold">
+                            <p:stCondLst>
+                              <p:cond delay="0"/>
+                            </p:stCondLst>
+                            <p:childTnLst>
+                              <p:par>
+                                <p:cTn id="5" presetID="1" presetClass="entr" presetSubtype="0" fill="hold" grpId="0" nodeType="clickEffect">
+                                  <p:stCondLst>
+                                    <p:cond delay="0"/>
+                                  </p:stCondLst>
+                                  <p:childTnLst>
+                                    <p:set>
+                                      <p:cBhvr>
+                                        <p:cTn id="6" dur="1" fill="hold">
+                                          <p:stCondLst>
+                                            <p:cond delay="0"/>
+                                          </p:stCondLst>
+                                        </p:cTn>
+                                        <p:tgtEl>
+                                          <p:spTgt spid="3">
+                                            <p:txEl>
+                                              <p:pRg st="0" end="0"/>
+                                            </p:txEl>
+                                          </p:spTgt>
+                                        </p:tgtEl>
+                                        <p:attrNameLst>
+                                          <p:attrName>style.visibility</p:attrName>
+                                        </p:attrNameLst>
+                                      </p:cBhvr>
+                                      <p:to>
+                                        <p:strVal val="visible"/>
+                                      </p:to>
+                                    </p:set>
+                                  </p:childTnLst>
+                                </p:cTn>
+                              </p:par>
+                            </p:childTnLst>
+                          </p:cTn>
+                        </p:par>
+                      </p:childTnLst>
+                    </p:cTn>
+                  </p:par>
+                  <p:par>
+                    <p:cTn id="7" fill="hold">
+                      <p:stCondLst>
+                        <p:cond delay="indefinite"/>
+                      </p:stCondLst>
+                      <p:childTnLst>
+                        <p:par>
+                          <p:cTn id="8" fill="hold">
+                            <p:stCondLst>
+                              <p:cond delay="0"/>
+                            </p:stCondLst>
+                            <p:childTnLst>
+                              <p:par>
+                                <p:cTn id="9" presetID="1" presetClass="entr" presetSubtype="0" fill="hold" grpId="0" nodeType="clickEffect">
+                                  <p:stCondLst>
+                                    <p:cond delay="0"/>
+                                  </p:stCondLst>
+                                  <p:childTnLst>
+                                    <p:set>
+                                      <p:cBhvr>
+                                        <p:cTn id="10" dur="1" fill="hold">
+                                          <p:stCondLst>
+                                            <p:cond delay="0"/>
+                                          </p:stCondLst>
+                                        </p:cTn>
+                                        <p:tgtEl>
+                                          <p:spTgt spid="3">
+                                            <p:txEl>
+                                              <p:pRg st="1" end="1"/>
+                                            </p:txEl>
+                                          </p:spTgt>
+                                        </p:tgtEl>
+                                        <p:attrNameLst>
+                                          <p:attrName>style.visibility</p:attrName>
+                                        </p:attrNameLst>
+                                      </p:cBhvr>
+                                      <p:to>
+                                        <p:strVal val="visible"/>
+                                      </p:to>
+                                    </p:set>
+                                  </p:childTnLst>
+                                </p:cTn>
+                              </p:par>
+                            </p:childTnLst>
+                          </p:cTn>
+                        </p:par>
+                      </p:childTnLst>
+                    </p:cTn>
+                  </p:par>
+                  <p:par>
+                    <p:cTn id="11" fill="hold">
+                      <p:stCondLst>
+                        <p:cond delay="indefinite"/>
+                      </p:stCondLst>
+                      <p:childTnLst>
+                        <p:par>
+                          <p:cTn id="12" fill="hold">
+                            <p:stCondLst>
+                              <p:cond delay="0"/>
+                            </p:stCondLst>
+                            <p:childTnLst>
+                              <p:par>
+                                <p:cTn id="13" presetID="1" presetClass="entr" presetSubtype="0" fill="hold" grpId="0" nodeType="clickEffect">
+                                  <p:stCondLst>
+                                    <p:cond delay="0"/>
+                                  </p:stCondLst>
+                                  <p:childTnLst>
+                                    <p:set>
+                                      <p:cBhvr>
+                                        <p:cTn id="14" dur="1" fill="hold">
+                                          <p:stCondLst>
+                                            <p:cond delay="0"/>
+                                          </p:stCondLst>
+                                        </p:cTn>
+                                        <p:tgtEl>
+                                          <p:spTgt spid="3">
+                                            <p:txEl>
+                                              <p:pRg st="2" end="2"/>
+                                            </p:txEl>
+                                          </p:spTgt>
+                                        </p:tgtEl>
+                                        <p:attrNameLst>
+                                          <p:attrName>style.visibility</p:attrName>
+                                        </p:attrNameLst>
+                                      </p:cBhvr>
+                                      <p:to>
+                                        <p:strVal val="visible"/>
+                                      </p:to>
+                                    </p:set>
+                                  </p:childTnLst>
+                                </p:cTn>
+                              </p:par>
+                            </p:childTnLst>
+                          </p:cTn>
+                        </p:par>
+                      </p:childTnLst>
+                    </p:cTn>
+                  </p:par>
+                  <p:par>
+                    <p:cTn id="15" fill="hold">
+                      <p:stCondLst>
+                        <p:cond delay="indefinite"/>
+                      </p:stCondLst>
+                      <p:childTnLst>
+                        <p:par>
+                          <p:cTn id="16" fill="hold">
+                            <p:stCondLst>
+                              <p:cond delay="0"/>
+                            </p:stCondLst>
+                            <p:childTnLst>
+                              <p:par>
+                                <p:cTn id="17" presetID="1" presetClass="entr" presetSubtype="0" fill="hold" grpId="0" nodeType="clickEffect">
+                                  <p:stCondLst>
+                                    <p:cond delay="0"/>
+                                  </p:stCondLst>
+                                  <p:childTnLst>
+                                    <p:set>
+                                      <p:cBhvr>
+                                        <p:cTn id="18" dur="1" fill="hold">
+                                          <p:stCondLst>
+                                            <p:cond delay="0"/>
+                                          </p:stCondLst>
+                                        </p:cTn>
+                                        <p:tgtEl>
+                                          <p:spTgt spid="6"/>
+                                        </p:tgtEl>
+                                        <p:attrNameLst>
+                                          <p:attrName>style.visibility</p:attrName>
+                                        </p:attrNameLst>
+                                      </p:cBhvr>
+                                      <p:to>
+                                        <p:strVal val="visible"/>
+                                      </p:to>
+                                    </p:set>
+                                  </p:childTnLst>
+                                </p:cTn>
+                              </p:par>
+                            </p:childTnLst>
+                          </p:cTn>
+                        </p:par>
+                      </p:childTnLst>
+                    </p:cTn>
+                  </p:par>
+                </p:childTnLst>
+              </p:cTn>
+              <p:prevCondLst>
+                <p:cond evt="onPrev" delay="0">
+                  <p:tgtEl>
+                    <p:sldTgt/>
+                  </p:tgtEl>
+                </p:cond>
+              </p:prevCondLst>
+              <p:nextCondLst>
+                <p:cond evt="onNext" delay="0">
+                  <p:tgtEl>
+                    <p:sldTgt/>
+                  </p:tgtEl>
+                </p:cond>
+              </p:nextCondLst>
+            </p:seq>
+          </p:childTnLst>
+        </p:cTn>
+      </p:par>
+    </p:tnLst>
+    <p:bldLst>
+      <p:bldP spid="3" grpId="0" build="p"/>
+      <p:bldP spid="6" grpId="0"/>
+    </p:bldLst>
+  </p:timing>
+</p:sld>
+</file>
+
+<file path=ppt/slides/slide52.xml><?xml version="1.0" encoding="utf-8"?>
+<p:sld xmlns:a="http://schemas.openxmlformats.org/drawingml/2006/main" xmlns:r="http://schemas.openxmlformats.org/officeDocument/2006/relationships" xmlns:p="http://schemas.openxmlformats.org/presentationml/2006/main">
+  <p:cSld>
+    <p:spTree>
+      <p:nvGrpSpPr>
+        <p:cNvPr id="1" name=""/>
+        <p:cNvGrpSpPr/>
+        <p:nvPr/>
+      </p:nvGrpSpPr>
+      <p:grpSpPr>
+        <a:xfrm>
+          <a:off x="0" y="0"/>
+          <a:ext cx="0" cy="0"/>
+          <a:chOff x="0" y="0"/>
+          <a:chExt cx="0" cy="0"/>
+        </a:xfrm>
+      </p:grpSpPr>
+      <p:sp>
+        <p:nvSpPr>
+          <p:cNvPr id="2" name="Title 1"/>
+          <p:cNvSpPr>
+            <a:spLocks noGrp="1"/>
+          </p:cNvSpPr>
+          <p:nvPr>
+            <p:ph type="title"/>
+          </p:nvPr>
+        </p:nvSpPr>
+        <p:spPr/>
+        <p:txBody>
+          <a:bodyPr>
+            <a:normAutofit/>
+          </a:bodyPr>
+          <a:lstStyle/>
+          <a:p>
+            <a:pPr algn="l"/>
+            <a:r>
+              <a:rPr lang="en-US" sz="2400" dirty="0">
+                <a:latin typeface="Comic Sans MS" panose="030F0702030302020204" pitchFamily="66" charset="0"/>
+              </a:rPr>
+              <a:t>Translating into propositional logic</a:t>
+            </a:r>
+            <a:endParaRPr lang="en-US" sz="2400" dirty="0">
+              <a:latin typeface="Comic Sans MS" pitchFamily="66" charset="0"/>
+            </a:endParaRPr>
+          </a:p>
+        </p:txBody>
+      </p:sp>
+      <p:sp>
+        <p:nvSpPr>
+          <p:cNvPr id="3" name="Content Placeholder 2"/>
+          <p:cNvSpPr>
+            <a:spLocks noGrp="1"/>
+          </p:cNvSpPr>
+          <p:nvPr>
+            <p:ph idx="1"/>
+          </p:nvPr>
+        </p:nvSpPr>
+        <p:spPr>
+          <a:xfrm>
+            <a:off x="1524000" y="3048000"/>
+            <a:ext cx="6172200" cy="1066799"/>
+          </a:xfrm>
+        </p:spPr>
+        <p:txBody>
+          <a:bodyPr>
+            <a:normAutofit fontScale="92500" lnSpcReduction="20000"/>
+          </a:bodyPr>
+          <a:lstStyle/>
+          <a:p>
+            <a:pPr marL="0" indent="0">
+              <a:buNone/>
+            </a:pPr>
+            <a:r>
+              <a:rPr lang="en-US" sz="2400" dirty="0">
+                <a:solidFill>
+                  <a:srgbClr val="00B0F0"/>
+                </a:solidFill>
+                <a:latin typeface="Comic Sans MS" panose="030F0702030302020204" pitchFamily="66" charset="0"/>
+              </a:rPr>
+              <a:t>a</a:t>
+            </a:r>
+            <a:r>
+              <a:rPr lang="en-US" sz="2400" dirty="0" smtClean="0">
+                <a:solidFill>
+                  <a:srgbClr val="00B0F0"/>
+                </a:solidFill>
+                <a:latin typeface="Comic Sans MS" panose="030F0702030302020204" pitchFamily="66" charset="0"/>
+              </a:rPr>
+              <a:t>: </a:t>
+            </a:r>
+            <a:r>
+              <a:rPr lang="en-US" sz="2400" dirty="0">
+                <a:latin typeface="Comic Sans MS" panose="030F0702030302020204" pitchFamily="66" charset="0"/>
+              </a:rPr>
+              <a:t>you are a computer science major </a:t>
+            </a:r>
+            <a:endParaRPr lang="en-US" sz="2400" dirty="0" smtClean="0">
+              <a:latin typeface="Comic Sans MS" panose="030F0702030302020204" pitchFamily="66" charset="0"/>
+            </a:endParaRPr>
+          </a:p>
+          <a:p>
+            <a:pPr marL="0" indent="0">
+              <a:buNone/>
+            </a:pPr>
+            <a:r>
+              <a:rPr lang="en-US" sz="2400" dirty="0" smtClean="0">
+                <a:solidFill>
+                  <a:srgbClr val="00B0F0"/>
+                </a:solidFill>
+                <a:latin typeface="Comic Sans MS" panose="030F0702030302020204" pitchFamily="66" charset="0"/>
+              </a:rPr>
+              <a:t>b: </a:t>
+            </a:r>
+            <a:r>
+              <a:rPr lang="en-US" sz="2400" dirty="0" smtClean="0">
+                <a:latin typeface="Comic Sans MS" panose="030F0702030302020204" pitchFamily="66" charset="0"/>
+              </a:rPr>
+              <a:t>you are a freshman</a:t>
+            </a:r>
+          </a:p>
+          <a:p>
+            <a:pPr marL="0" indent="0">
+              <a:buNone/>
+            </a:pPr>
+            <a:r>
+              <a:rPr lang="en-US" sz="2400" dirty="0" smtClean="0">
+                <a:solidFill>
+                  <a:srgbClr val="00B0F0"/>
+                </a:solidFill>
+                <a:latin typeface="Comic Sans MS" panose="030F0702030302020204" pitchFamily="66" charset="0"/>
+              </a:rPr>
+              <a:t>C:</a:t>
+            </a:r>
+            <a:r>
+              <a:rPr lang="en-US" sz="2400" dirty="0" smtClean="0">
+                <a:latin typeface="Comic Sans MS" panose="030F0702030302020204" pitchFamily="66" charset="0"/>
+              </a:rPr>
+              <a:t> you </a:t>
+            </a:r>
+            <a:r>
+              <a:rPr lang="en-US" sz="2400" dirty="0">
+                <a:latin typeface="Comic Sans MS" panose="030F0702030302020204" pitchFamily="66" charset="0"/>
+              </a:rPr>
+              <a:t>can access the Internet from </a:t>
+            </a:r>
+            <a:r>
+              <a:rPr lang="en-US" sz="2400" dirty="0" smtClean="0">
+                <a:latin typeface="Comic Sans MS" panose="030F0702030302020204" pitchFamily="66" charset="0"/>
+              </a:rPr>
+              <a:t>campus</a:t>
+            </a:r>
+            <a:endParaRPr lang="en-US" sz="2400" dirty="0">
+              <a:latin typeface="Comic Sans MS" panose="030F0702030302020204" pitchFamily="66" charset="0"/>
+            </a:endParaRPr>
+          </a:p>
+          <a:p>
+            <a:pPr marL="0" indent="0">
+              <a:buNone/>
+            </a:pPr>
+            <a:endParaRPr lang="en-US" sz="2400" dirty="0" smtClean="0">
+              <a:latin typeface="Comic Sans MS" panose="030F0702030302020204" pitchFamily="66" charset="0"/>
+            </a:endParaRPr>
+          </a:p>
+        </p:txBody>
+      </p:sp>
+      <p:sp>
+        <p:nvSpPr>
+          <p:cNvPr id="4" name="Content Placeholder 2"/>
+          <p:cNvSpPr txBox="1">
+            <a:spLocks/>
+          </p:cNvSpPr>
+          <p:nvPr/>
+        </p:nvSpPr>
+        <p:spPr>
+          <a:xfrm>
+            <a:off x="1219200" y="1371600"/>
+            <a:ext cx="7315200" cy="1447800"/>
+          </a:xfrm>
+          <a:prstGeom prst="rect">
+            <a:avLst/>
+          </a:prstGeom>
+        </p:spPr>
+        <p:txBody>
+          <a:bodyPr vert="horz" lIns="91440" tIns="45720" rIns="91440" bIns="45720" rtlCol="0">
+            <a:normAutofit/>
+          </a:bodyPr>
+          <a:lstStyle>
+            <a:lvl1pPr marL="342900" indent="-342900" algn="l" defTabSz="914400" rtl="0" eaLnBrk="1" latinLnBrk="0" hangingPunct="1">
+              <a:spcBef>
+                <a:spcPct val="20000"/>
+              </a:spcBef>
+              <a:buFont typeface="Arial" pitchFamily="34" charset="0"/>
+              <a:buChar char="•"/>
+              <a:defRPr sz="3200" kern="1200">
+                <a:solidFill>
+                  <a:schemeClr val="tx1"/>
+                </a:solidFill>
+                <a:latin typeface="+mn-lt"/>
+                <a:ea typeface="+mn-ea"/>
+                <a:cs typeface="+mn-cs"/>
+              </a:defRPr>
+            </a:lvl1pPr>
+            <a:lvl2pPr marL="742950" indent="-285750" algn="l" defTabSz="914400" rtl="0" eaLnBrk="1" latinLnBrk="0" hangingPunct="1">
+              <a:spcBef>
+                <a:spcPct val="20000"/>
+              </a:spcBef>
+              <a:buFont typeface="Arial" pitchFamily="34" charset="0"/>
+              <a:buChar char="–"/>
+              <a:defRPr sz="2800" kern="1200">
+                <a:solidFill>
+                  <a:schemeClr val="tx1"/>
+                </a:solidFill>
+                <a:latin typeface="+mn-lt"/>
+                <a:ea typeface="+mn-ea"/>
+                <a:cs typeface="+mn-cs"/>
+              </a:defRPr>
+            </a:lvl2pPr>
+            <a:lvl3pPr marL="1143000" indent="-228600" algn="l" defTabSz="914400" rtl="0" eaLnBrk="1" latinLnBrk="0" hangingPunct="1">
+              <a:spcBef>
+                <a:spcPct val="20000"/>
+              </a:spcBef>
+              <a:buFont typeface="Arial" pitchFamily="34" charset="0"/>
+              <a:buChar char="•"/>
+              <a:defRPr sz="2400" kern="1200">
+                <a:solidFill>
+                  <a:schemeClr val="tx1"/>
+                </a:solidFill>
+                <a:latin typeface="+mn-lt"/>
+                <a:ea typeface="+mn-ea"/>
+                <a:cs typeface="+mn-cs"/>
+              </a:defRPr>
+            </a:lvl3pPr>
+            <a:lvl4pPr marL="1600200" indent="-228600" algn="l" defTabSz="914400" rtl="0" eaLnBrk="1" latinLnBrk="0" hangingPunct="1">
+              <a:spcBef>
+                <a:spcPct val="20000"/>
+              </a:spcBef>
+              <a:buFont typeface="Arial" pitchFamily="34" charset="0"/>
+              <a:buChar char="–"/>
+              <a:defRPr sz="2000" kern="1200">
+                <a:solidFill>
+                  <a:schemeClr val="tx1"/>
+                </a:solidFill>
+                <a:latin typeface="+mn-lt"/>
+                <a:ea typeface="+mn-ea"/>
+                <a:cs typeface="+mn-cs"/>
+              </a:defRPr>
+            </a:lvl4pPr>
+            <a:lvl5pPr marL="2057400" indent="-228600" algn="l" defTabSz="914400" rtl="0" eaLnBrk="1" latinLnBrk="0" hangingPunct="1">
+              <a:spcBef>
+                <a:spcPct val="20000"/>
+              </a:spcBef>
+              <a:buFont typeface="Arial" pitchFamily="34" charset="0"/>
+              <a:buChar char="»"/>
+              <a:defRPr sz="2000" kern="1200">
+                <a:solidFill>
+                  <a:schemeClr val="tx1"/>
+                </a:solidFill>
+                <a:latin typeface="+mn-lt"/>
+                <a:ea typeface="+mn-ea"/>
+                <a:cs typeface="+mn-cs"/>
+              </a:defRPr>
+            </a:lvl5pPr>
+            <a:lvl6pPr marL="2514600" indent="-228600" algn="l" defTabSz="914400" rtl="0" eaLnBrk="1" latinLnBrk="0" hangingPunct="1">
+              <a:spcBef>
+                <a:spcPct val="20000"/>
+              </a:spcBef>
+              <a:buFont typeface="Arial" pitchFamily="34" charset="0"/>
+              <a:buChar char="•"/>
+              <a:defRPr sz="2000" kern="1200">
+                <a:solidFill>
+                  <a:schemeClr val="tx1"/>
+                </a:solidFill>
+                <a:latin typeface="+mn-lt"/>
+                <a:ea typeface="+mn-ea"/>
+                <a:cs typeface="+mn-cs"/>
+              </a:defRPr>
+            </a:lvl6pPr>
+            <a:lvl7pPr marL="2971800" indent="-228600" algn="l" defTabSz="914400" rtl="0" eaLnBrk="1" latinLnBrk="0" hangingPunct="1">
+              <a:spcBef>
+                <a:spcPct val="20000"/>
+              </a:spcBef>
+              <a:buFont typeface="Arial" pitchFamily="34" charset="0"/>
+              <a:buChar char="•"/>
+              <a:defRPr sz="2000" kern="1200">
+                <a:solidFill>
+                  <a:schemeClr val="tx1"/>
+                </a:solidFill>
+                <a:latin typeface="+mn-lt"/>
+                <a:ea typeface="+mn-ea"/>
+                <a:cs typeface="+mn-cs"/>
+              </a:defRPr>
+            </a:lvl7pPr>
+            <a:lvl8pPr marL="3429000" indent="-228600" algn="l" defTabSz="914400" rtl="0" eaLnBrk="1" latinLnBrk="0" hangingPunct="1">
+              <a:spcBef>
+                <a:spcPct val="20000"/>
+              </a:spcBef>
+              <a:buFont typeface="Arial" pitchFamily="34" charset="0"/>
+              <a:buChar char="•"/>
+              <a:defRPr sz="2000" kern="1200">
+                <a:solidFill>
+                  <a:schemeClr val="tx1"/>
+                </a:solidFill>
+                <a:latin typeface="+mn-lt"/>
+                <a:ea typeface="+mn-ea"/>
+                <a:cs typeface="+mn-cs"/>
+              </a:defRPr>
+            </a:lvl8pPr>
+            <a:lvl9pPr marL="3886200" indent="-228600" algn="l" defTabSz="914400" rtl="0" eaLnBrk="1" latinLnBrk="0" hangingPunct="1">
+              <a:spcBef>
+                <a:spcPct val="20000"/>
+              </a:spcBef>
+              <a:buFont typeface="Arial" pitchFamily="34" charset="0"/>
+              <a:buChar char="•"/>
+              <a:defRPr sz="2000" kern="1200">
+                <a:solidFill>
+                  <a:schemeClr val="tx1"/>
+                </a:solidFill>
+                <a:latin typeface="+mn-lt"/>
+                <a:ea typeface="+mn-ea"/>
+                <a:cs typeface="+mn-cs"/>
+              </a:defRPr>
+            </a:lvl9pPr>
+          </a:lstStyle>
+          <a:p>
+            <a:pPr marL="0" indent="0">
+              <a:buNone/>
+            </a:pPr>
+            <a:r>
+              <a:rPr lang="en-US" sz="2400" dirty="0">
+                <a:latin typeface="Comic Sans MS" panose="030F0702030302020204" pitchFamily="66" charset="0"/>
+              </a:rPr>
+              <a:t>you can access the Internet from campus</a:t>
+            </a:r>
+          </a:p>
+          <a:p>
+            <a:pPr marL="0" indent="0">
+              <a:buNone/>
+            </a:pPr>
+            <a:r>
+              <a:rPr lang="en-US" sz="2400" dirty="0">
+                <a:latin typeface="Comic Sans MS" panose="030F0702030302020204" pitchFamily="66" charset="0"/>
+              </a:rPr>
+              <a:t>o</a:t>
+            </a:r>
+            <a:r>
+              <a:rPr lang="en-US" sz="2400" dirty="0" smtClean="0">
+                <a:latin typeface="Comic Sans MS" panose="030F0702030302020204" pitchFamily="66" charset="0"/>
+              </a:rPr>
+              <a:t>nly if </a:t>
+            </a:r>
+            <a:r>
+              <a:rPr lang="en-US" sz="2400" dirty="0">
+                <a:latin typeface="Comic Sans MS" panose="030F0702030302020204" pitchFamily="66" charset="0"/>
+              </a:rPr>
+              <a:t>you are a computer science major </a:t>
+            </a:r>
+            <a:r>
+              <a:rPr lang="en-US" sz="2400" dirty="0" smtClean="0">
+                <a:latin typeface="Comic Sans MS" panose="030F0702030302020204" pitchFamily="66" charset="0"/>
+              </a:rPr>
+              <a:t>but </a:t>
+            </a:r>
+            <a:r>
+              <a:rPr lang="en-US" sz="2400" dirty="0">
+                <a:latin typeface="Comic Sans MS" panose="030F0702030302020204" pitchFamily="66" charset="0"/>
+              </a:rPr>
+              <a:t>you</a:t>
+            </a:r>
+          </a:p>
+          <a:p>
+            <a:pPr marL="0" indent="0">
+              <a:buNone/>
+            </a:pPr>
+            <a:r>
+              <a:rPr lang="en-US" sz="2400" dirty="0">
+                <a:latin typeface="Comic Sans MS" panose="030F0702030302020204" pitchFamily="66" charset="0"/>
+              </a:rPr>
+              <a:t>are not a </a:t>
+            </a:r>
+            <a:r>
+              <a:rPr lang="en-US" sz="2400" dirty="0" smtClean="0">
+                <a:latin typeface="Comic Sans MS" panose="030F0702030302020204" pitchFamily="66" charset="0"/>
+              </a:rPr>
+              <a:t>freshman, </a:t>
+            </a:r>
+            <a:endParaRPr lang="en-US" sz="2400" dirty="0" smtClean="0">
+              <a:latin typeface="Comic Sans MS" pitchFamily="66" charset="0"/>
+            </a:endParaRPr>
+          </a:p>
+        </p:txBody>
+      </p:sp>
+      <p:sp>
+        <p:nvSpPr>
+          <p:cNvPr id="5" name="Content Placeholder 2"/>
+          <p:cNvSpPr txBox="1">
+            <a:spLocks/>
+          </p:cNvSpPr>
+          <p:nvPr/>
+        </p:nvSpPr>
+        <p:spPr>
+          <a:xfrm>
+            <a:off x="2438400" y="4724400"/>
+            <a:ext cx="4038600" cy="1752600"/>
+          </a:xfrm>
+          <a:prstGeom prst="rect">
+            <a:avLst/>
+          </a:prstGeom>
+        </p:spPr>
+        <p:txBody>
+          <a:bodyPr vert="horz" lIns="91440" tIns="45720" rIns="91440" bIns="45720" rtlCol="0">
+            <a:normAutofit/>
+          </a:bodyPr>
+          <a:lstStyle>
+            <a:lvl1pPr marL="342900" indent="-342900" algn="l" defTabSz="914400" rtl="0" eaLnBrk="1" latinLnBrk="0" hangingPunct="1">
+              <a:spcBef>
+                <a:spcPct val="20000"/>
+              </a:spcBef>
+              <a:buFont typeface="Arial" pitchFamily="34" charset="0"/>
+              <a:buChar char="•"/>
+              <a:defRPr sz="3200" kern="1200">
+                <a:solidFill>
+                  <a:schemeClr val="tx1"/>
+                </a:solidFill>
+                <a:latin typeface="+mn-lt"/>
+                <a:ea typeface="+mn-ea"/>
+                <a:cs typeface="+mn-cs"/>
+              </a:defRPr>
+            </a:lvl1pPr>
+            <a:lvl2pPr marL="742950" indent="-285750" algn="l" defTabSz="914400" rtl="0" eaLnBrk="1" latinLnBrk="0" hangingPunct="1">
+              <a:spcBef>
+                <a:spcPct val="20000"/>
+              </a:spcBef>
+              <a:buFont typeface="Arial" pitchFamily="34" charset="0"/>
+              <a:buChar char="–"/>
+              <a:defRPr sz="2800" kern="1200">
+                <a:solidFill>
+                  <a:schemeClr val="tx1"/>
+                </a:solidFill>
+                <a:latin typeface="+mn-lt"/>
+                <a:ea typeface="+mn-ea"/>
+                <a:cs typeface="+mn-cs"/>
+              </a:defRPr>
+            </a:lvl2pPr>
+            <a:lvl3pPr marL="1143000" indent="-228600" algn="l" defTabSz="914400" rtl="0" eaLnBrk="1" latinLnBrk="0" hangingPunct="1">
+              <a:spcBef>
+                <a:spcPct val="20000"/>
+              </a:spcBef>
+              <a:buFont typeface="Arial" pitchFamily="34" charset="0"/>
+              <a:buChar char="•"/>
+              <a:defRPr sz="2400" kern="1200">
+                <a:solidFill>
+                  <a:schemeClr val="tx1"/>
+                </a:solidFill>
+                <a:latin typeface="+mn-lt"/>
+                <a:ea typeface="+mn-ea"/>
+                <a:cs typeface="+mn-cs"/>
+              </a:defRPr>
+            </a:lvl3pPr>
+            <a:lvl4pPr marL="1600200" indent="-228600" algn="l" defTabSz="914400" rtl="0" eaLnBrk="1" latinLnBrk="0" hangingPunct="1">
+              <a:spcBef>
+                <a:spcPct val="20000"/>
+              </a:spcBef>
+              <a:buFont typeface="Arial" pitchFamily="34" charset="0"/>
+              <a:buChar char="–"/>
+              <a:defRPr sz="2000" kern="1200">
+                <a:solidFill>
+                  <a:schemeClr val="tx1"/>
+                </a:solidFill>
+                <a:latin typeface="+mn-lt"/>
+                <a:ea typeface="+mn-ea"/>
+                <a:cs typeface="+mn-cs"/>
+              </a:defRPr>
+            </a:lvl4pPr>
+            <a:lvl5pPr marL="2057400" indent="-228600" algn="l" defTabSz="914400" rtl="0" eaLnBrk="1" latinLnBrk="0" hangingPunct="1">
+              <a:spcBef>
+                <a:spcPct val="20000"/>
+              </a:spcBef>
+              <a:buFont typeface="Arial" pitchFamily="34" charset="0"/>
+              <a:buChar char="»"/>
+              <a:defRPr sz="2000" kern="1200">
+                <a:solidFill>
+                  <a:schemeClr val="tx1"/>
+                </a:solidFill>
+                <a:latin typeface="+mn-lt"/>
+                <a:ea typeface="+mn-ea"/>
+                <a:cs typeface="+mn-cs"/>
+              </a:defRPr>
+            </a:lvl5pPr>
+            <a:lvl6pPr marL="2514600" indent="-228600" algn="l" defTabSz="914400" rtl="0" eaLnBrk="1" latinLnBrk="0" hangingPunct="1">
+              <a:spcBef>
+                <a:spcPct val="20000"/>
+              </a:spcBef>
+              <a:buFont typeface="Arial" pitchFamily="34" charset="0"/>
+              <a:buChar char="•"/>
+              <a:defRPr sz="2000" kern="1200">
+                <a:solidFill>
+                  <a:schemeClr val="tx1"/>
+                </a:solidFill>
+                <a:latin typeface="+mn-lt"/>
+                <a:ea typeface="+mn-ea"/>
+                <a:cs typeface="+mn-cs"/>
+              </a:defRPr>
+            </a:lvl6pPr>
+            <a:lvl7pPr marL="2971800" indent="-228600" algn="l" defTabSz="914400" rtl="0" eaLnBrk="1" latinLnBrk="0" hangingPunct="1">
+              <a:spcBef>
+                <a:spcPct val="20000"/>
+              </a:spcBef>
+              <a:buFont typeface="Arial" pitchFamily="34" charset="0"/>
+              <a:buChar char="•"/>
+              <a:defRPr sz="2000" kern="1200">
+                <a:solidFill>
+                  <a:schemeClr val="tx1"/>
+                </a:solidFill>
+                <a:latin typeface="+mn-lt"/>
+                <a:ea typeface="+mn-ea"/>
+                <a:cs typeface="+mn-cs"/>
+              </a:defRPr>
+            </a:lvl7pPr>
+            <a:lvl8pPr marL="3429000" indent="-228600" algn="l" defTabSz="914400" rtl="0" eaLnBrk="1" latinLnBrk="0" hangingPunct="1">
+              <a:spcBef>
+                <a:spcPct val="20000"/>
+              </a:spcBef>
+              <a:buFont typeface="Arial" pitchFamily="34" charset="0"/>
+              <a:buChar char="•"/>
+              <a:defRPr sz="2000" kern="1200">
+                <a:solidFill>
+                  <a:schemeClr val="tx1"/>
+                </a:solidFill>
+                <a:latin typeface="+mn-lt"/>
+                <a:ea typeface="+mn-ea"/>
+                <a:cs typeface="+mn-cs"/>
+              </a:defRPr>
+            </a:lvl8pPr>
+            <a:lvl9pPr marL="3886200" indent="-228600" algn="l" defTabSz="914400" rtl="0" eaLnBrk="1" latinLnBrk="0" hangingPunct="1">
+              <a:spcBef>
+                <a:spcPct val="20000"/>
+              </a:spcBef>
+              <a:buFont typeface="Arial" pitchFamily="34" charset="0"/>
+              <a:buChar char="•"/>
+              <a:defRPr sz="2000" kern="1200">
+                <a:solidFill>
+                  <a:schemeClr val="tx1"/>
+                </a:solidFill>
+                <a:latin typeface="+mn-lt"/>
+                <a:ea typeface="+mn-ea"/>
+                <a:cs typeface="+mn-cs"/>
+              </a:defRPr>
+            </a:lvl9pPr>
+          </a:lstStyle>
+          <a:p>
+            <a:pPr marL="0" indent="0" algn="ctr">
+              <a:buFont typeface="Arial" pitchFamily="34" charset="0"/>
+              <a:buNone/>
+            </a:pPr>
+            <a:endParaRPr lang="en-US" sz="2400" dirty="0" smtClean="0">
+              <a:latin typeface="Comic Sans MS" panose="030F0702030302020204" pitchFamily="66" charset="0"/>
+            </a:endParaRPr>
+          </a:p>
+        </p:txBody>
+      </p:sp>
+      <p:sp>
+        <p:nvSpPr>
+          <p:cNvPr id="6" name="Content Placeholder 2"/>
+          <p:cNvSpPr txBox="1">
+            <a:spLocks/>
+          </p:cNvSpPr>
+          <p:nvPr/>
+        </p:nvSpPr>
+        <p:spPr>
+          <a:xfrm>
+            <a:off x="2362200" y="4800600"/>
+            <a:ext cx="4038600" cy="685800"/>
+          </a:xfrm>
+          <a:prstGeom prst="rect">
+            <a:avLst/>
+          </a:prstGeom>
+        </p:spPr>
+        <p:txBody>
+          <a:bodyPr vert="horz" lIns="91440" tIns="45720" rIns="91440" bIns="45720" rtlCol="0">
+            <a:normAutofit/>
+          </a:bodyPr>
+          <a:lstStyle>
+            <a:lvl1pPr marL="342900" indent="-342900" algn="l" defTabSz="914400" rtl="0" eaLnBrk="1" latinLnBrk="0" hangingPunct="1">
+              <a:spcBef>
+                <a:spcPct val="20000"/>
+              </a:spcBef>
+              <a:buFont typeface="Arial" pitchFamily="34" charset="0"/>
+              <a:buChar char="•"/>
+              <a:defRPr sz="3200" kern="1200">
+                <a:solidFill>
+                  <a:schemeClr val="tx1"/>
+                </a:solidFill>
+                <a:latin typeface="+mn-lt"/>
+                <a:ea typeface="+mn-ea"/>
+                <a:cs typeface="+mn-cs"/>
+              </a:defRPr>
+            </a:lvl1pPr>
+            <a:lvl2pPr marL="742950" indent="-285750" algn="l" defTabSz="914400" rtl="0" eaLnBrk="1" latinLnBrk="0" hangingPunct="1">
+              <a:spcBef>
+                <a:spcPct val="20000"/>
+              </a:spcBef>
+              <a:buFont typeface="Arial" pitchFamily="34" charset="0"/>
+              <a:buChar char="–"/>
+              <a:defRPr sz="2800" kern="1200">
+                <a:solidFill>
+                  <a:schemeClr val="tx1"/>
+                </a:solidFill>
+                <a:latin typeface="+mn-lt"/>
+                <a:ea typeface="+mn-ea"/>
+                <a:cs typeface="+mn-cs"/>
+              </a:defRPr>
+            </a:lvl2pPr>
+            <a:lvl3pPr marL="1143000" indent="-228600" algn="l" defTabSz="914400" rtl="0" eaLnBrk="1" latinLnBrk="0" hangingPunct="1">
+              <a:spcBef>
+                <a:spcPct val="20000"/>
+              </a:spcBef>
+              <a:buFont typeface="Arial" pitchFamily="34" charset="0"/>
+              <a:buChar char="•"/>
+              <a:defRPr sz="2400" kern="1200">
+                <a:solidFill>
+                  <a:schemeClr val="tx1"/>
+                </a:solidFill>
+                <a:latin typeface="+mn-lt"/>
+                <a:ea typeface="+mn-ea"/>
+                <a:cs typeface="+mn-cs"/>
+              </a:defRPr>
+            </a:lvl3pPr>
+            <a:lvl4pPr marL="1600200" indent="-228600" algn="l" defTabSz="914400" rtl="0" eaLnBrk="1" latinLnBrk="0" hangingPunct="1">
+              <a:spcBef>
+                <a:spcPct val="20000"/>
+              </a:spcBef>
+              <a:buFont typeface="Arial" pitchFamily="34" charset="0"/>
+              <a:buChar char="–"/>
+              <a:defRPr sz="2000" kern="1200">
+                <a:solidFill>
+                  <a:schemeClr val="tx1"/>
+                </a:solidFill>
+                <a:latin typeface="+mn-lt"/>
+                <a:ea typeface="+mn-ea"/>
+                <a:cs typeface="+mn-cs"/>
+              </a:defRPr>
+            </a:lvl4pPr>
+            <a:lvl5pPr marL="2057400" indent="-228600" algn="l" defTabSz="914400" rtl="0" eaLnBrk="1" latinLnBrk="0" hangingPunct="1">
+              <a:spcBef>
+                <a:spcPct val="20000"/>
+              </a:spcBef>
+              <a:buFont typeface="Arial" pitchFamily="34" charset="0"/>
+              <a:buChar char="»"/>
+              <a:defRPr sz="2000" kern="1200">
+                <a:solidFill>
+                  <a:schemeClr val="tx1"/>
+                </a:solidFill>
+                <a:latin typeface="+mn-lt"/>
+                <a:ea typeface="+mn-ea"/>
+                <a:cs typeface="+mn-cs"/>
+              </a:defRPr>
+            </a:lvl5pPr>
+            <a:lvl6pPr marL="2514600" indent="-228600" algn="l" defTabSz="914400" rtl="0" eaLnBrk="1" latinLnBrk="0" hangingPunct="1">
+              <a:spcBef>
+                <a:spcPct val="20000"/>
+              </a:spcBef>
+              <a:buFont typeface="Arial" pitchFamily="34" charset="0"/>
+              <a:buChar char="•"/>
+              <a:defRPr sz="2000" kern="1200">
+                <a:solidFill>
+                  <a:schemeClr val="tx1"/>
+                </a:solidFill>
+                <a:latin typeface="+mn-lt"/>
+                <a:ea typeface="+mn-ea"/>
+                <a:cs typeface="+mn-cs"/>
+              </a:defRPr>
+            </a:lvl6pPr>
+            <a:lvl7pPr marL="2971800" indent="-228600" algn="l" defTabSz="914400" rtl="0" eaLnBrk="1" latinLnBrk="0" hangingPunct="1">
+              <a:spcBef>
+                <a:spcPct val="20000"/>
+              </a:spcBef>
+              <a:buFont typeface="Arial" pitchFamily="34" charset="0"/>
+              <a:buChar char="•"/>
+              <a:defRPr sz="2000" kern="1200">
+                <a:solidFill>
+                  <a:schemeClr val="tx1"/>
+                </a:solidFill>
+                <a:latin typeface="+mn-lt"/>
+                <a:ea typeface="+mn-ea"/>
+                <a:cs typeface="+mn-cs"/>
+              </a:defRPr>
+            </a:lvl7pPr>
+            <a:lvl8pPr marL="3429000" indent="-228600" algn="l" defTabSz="914400" rtl="0" eaLnBrk="1" latinLnBrk="0" hangingPunct="1">
+              <a:spcBef>
+                <a:spcPct val="20000"/>
+              </a:spcBef>
+              <a:buFont typeface="Arial" pitchFamily="34" charset="0"/>
+              <a:buChar char="•"/>
+              <a:defRPr sz="2000" kern="1200">
+                <a:solidFill>
+                  <a:schemeClr val="tx1"/>
+                </a:solidFill>
+                <a:latin typeface="+mn-lt"/>
+                <a:ea typeface="+mn-ea"/>
+                <a:cs typeface="+mn-cs"/>
+              </a:defRPr>
+            </a:lvl8pPr>
+            <a:lvl9pPr marL="3886200" indent="-228600" algn="l" defTabSz="914400" rtl="0" eaLnBrk="1" latinLnBrk="0" hangingPunct="1">
+              <a:spcBef>
+                <a:spcPct val="20000"/>
+              </a:spcBef>
+              <a:buFont typeface="Arial" pitchFamily="34" charset="0"/>
+              <a:buChar char="•"/>
+              <a:defRPr sz="2000" kern="1200">
+                <a:solidFill>
+                  <a:schemeClr val="tx1"/>
+                </a:solidFill>
+                <a:latin typeface="+mn-lt"/>
+                <a:ea typeface="+mn-ea"/>
+                <a:cs typeface="+mn-cs"/>
+              </a:defRPr>
+            </a:lvl9pPr>
+          </a:lstStyle>
+          <a:p>
+            <a:pPr marL="0" indent="0" algn="ctr">
+              <a:buNone/>
+            </a:pPr>
+            <a:r>
+              <a:rPr lang="en-US" sz="2400" dirty="0" smtClean="0">
+                <a:latin typeface="Comic Sans MS" panose="030F0702030302020204" pitchFamily="66" charset="0"/>
+              </a:rPr>
+              <a:t>a </a:t>
+            </a:r>
+            <a:r>
+              <a:rPr lang="en-US" sz="2400" dirty="0">
+                <a:latin typeface="Comic Sans MS" panose="030F0702030302020204" pitchFamily="66" charset="0"/>
+              </a:rPr>
+              <a:t>∧ </a:t>
+            </a:r>
+            <a:r>
+              <a:rPr lang="en-US" sz="2400" dirty="0" smtClean="0">
+                <a:latin typeface="Comic Sans MS" panose="030F0702030302020204" pitchFamily="66" charset="0"/>
+              </a:rPr>
+              <a:t>￢ b → </a:t>
+            </a:r>
+            <a:r>
+              <a:rPr lang="en-US" sz="2400" dirty="0">
+                <a:latin typeface="Comic Sans MS" panose="030F0702030302020204" pitchFamily="66" charset="0"/>
+              </a:rPr>
+              <a:t>c</a:t>
+            </a:r>
+          </a:p>
+          <a:p>
+            <a:pPr marL="0" indent="0" algn="ctr">
+              <a:buFont typeface="Arial" pitchFamily="34" charset="0"/>
+              <a:buNone/>
+            </a:pPr>
+            <a:endParaRPr lang="en-US" sz="2400" dirty="0" smtClean="0">
+              <a:latin typeface="Comic Sans MS" pitchFamily="66" charset="0"/>
+            </a:endParaRPr>
+          </a:p>
+        </p:txBody>
+      </p:sp>
+    </p:spTree>
+    <p:extLst>
+      <p:ext uri="{BB962C8B-B14F-4D97-AF65-F5344CB8AC3E}">
+        <p14:creationId xmlns:p14="http://schemas.microsoft.com/office/powerpoint/2010/main" val="514764973"/>
+      </p:ext>
+    </p:extLst>
+  </p:cSld>
+  <p:clrMapOvr>
+    <a:masterClrMapping/>
+  </p:clrMapOvr>
+  <p:timing>
+    <p:tnLst>
+      <p:par>
+        <p:cTn id="1" dur="indefinite" restart="never" nodeType="tmRoot">
+          <p:childTnLst>
+            <p:seq concurrent="1" nextAc="seek">
+              <p:cTn id="2" dur="indefinite" nodeType="mainSeq">
+                <p:childTnLst>
+                  <p:par>
+                    <p:cTn id="3" fill="hold">
+                      <p:stCondLst>
+                        <p:cond delay="indefinite"/>
+                      </p:stCondLst>
+                      <p:childTnLst>
+                        <p:par>
+                          <p:cTn id="4" fill="hold">
+                            <p:stCondLst>
+                              <p:cond delay="0"/>
+                            </p:stCondLst>
+                            <p:childTnLst>
+                              <p:par>
+                                <p:cTn id="5" presetID="1" presetClass="entr" presetSubtype="0" fill="hold" grpId="0" nodeType="clickEffect">
+                                  <p:stCondLst>
+                                    <p:cond delay="0"/>
+                                  </p:stCondLst>
+                                  <p:childTnLst>
+                                    <p:set>
+                                      <p:cBhvr>
+                                        <p:cTn id="6" dur="1" fill="hold">
+                                          <p:stCondLst>
+                                            <p:cond delay="0"/>
+                                          </p:stCondLst>
+                                        </p:cTn>
+                                        <p:tgtEl>
+                                          <p:spTgt spid="3">
+                                            <p:txEl>
+                                              <p:pRg st="0" end="0"/>
+                                            </p:txEl>
+                                          </p:spTgt>
+                                        </p:tgtEl>
+                                        <p:attrNameLst>
+                                          <p:attrName>style.visibility</p:attrName>
+                                        </p:attrNameLst>
+                                      </p:cBhvr>
+                                      <p:to>
+                                        <p:strVal val="visible"/>
+                                      </p:to>
+                                    </p:set>
+                                  </p:childTnLst>
+                                </p:cTn>
+                              </p:par>
+                            </p:childTnLst>
+                          </p:cTn>
+                        </p:par>
+                      </p:childTnLst>
+                    </p:cTn>
+                  </p:par>
+                  <p:par>
+                    <p:cTn id="7" fill="hold">
+                      <p:stCondLst>
+                        <p:cond delay="indefinite"/>
+                      </p:stCondLst>
+                      <p:childTnLst>
+                        <p:par>
+                          <p:cTn id="8" fill="hold">
+                            <p:stCondLst>
+                              <p:cond delay="0"/>
+                            </p:stCondLst>
+                            <p:childTnLst>
+                              <p:par>
+                                <p:cTn id="9" presetID="1" presetClass="entr" presetSubtype="0" fill="hold" grpId="0" nodeType="clickEffect">
+                                  <p:stCondLst>
+                                    <p:cond delay="0"/>
+                                  </p:stCondLst>
+                                  <p:childTnLst>
+                                    <p:set>
+                                      <p:cBhvr>
+                                        <p:cTn id="10" dur="1" fill="hold">
+                                          <p:stCondLst>
+                                            <p:cond delay="0"/>
+                                          </p:stCondLst>
+                                        </p:cTn>
+                                        <p:tgtEl>
+                                          <p:spTgt spid="3">
+                                            <p:txEl>
+                                              <p:pRg st="1" end="1"/>
+                                            </p:txEl>
+                                          </p:spTgt>
+                                        </p:tgtEl>
+                                        <p:attrNameLst>
+                                          <p:attrName>style.visibility</p:attrName>
+                                        </p:attrNameLst>
+                                      </p:cBhvr>
+                                      <p:to>
+                                        <p:strVal val="visible"/>
+                                      </p:to>
+                                    </p:set>
+                                  </p:childTnLst>
+                                </p:cTn>
+                              </p:par>
+                            </p:childTnLst>
+                          </p:cTn>
+                        </p:par>
+                      </p:childTnLst>
+                    </p:cTn>
+                  </p:par>
+                  <p:par>
+                    <p:cTn id="11" fill="hold">
+                      <p:stCondLst>
+                        <p:cond delay="indefinite"/>
+                      </p:stCondLst>
+                      <p:childTnLst>
+                        <p:par>
+                          <p:cTn id="12" fill="hold">
+                            <p:stCondLst>
+                              <p:cond delay="0"/>
+                            </p:stCondLst>
+                            <p:childTnLst>
+                              <p:par>
+                                <p:cTn id="13" presetID="1" presetClass="entr" presetSubtype="0" fill="hold" grpId="0" nodeType="clickEffect">
+                                  <p:stCondLst>
+                                    <p:cond delay="0"/>
+                                  </p:stCondLst>
+                                  <p:childTnLst>
+                                    <p:set>
+                                      <p:cBhvr>
+                                        <p:cTn id="14" dur="1" fill="hold">
+                                          <p:stCondLst>
+                                            <p:cond delay="0"/>
+                                          </p:stCondLst>
+                                        </p:cTn>
+                                        <p:tgtEl>
+                                          <p:spTgt spid="3">
+                                            <p:txEl>
+                                              <p:pRg st="2" end="2"/>
+                                            </p:txEl>
+                                          </p:spTgt>
+                                        </p:tgtEl>
+                                        <p:attrNameLst>
+                                          <p:attrName>style.visibility</p:attrName>
+                                        </p:attrNameLst>
+                                      </p:cBhvr>
+                                      <p:to>
+                                        <p:strVal val="visible"/>
+                                      </p:to>
+                                    </p:set>
+                                  </p:childTnLst>
+                                </p:cTn>
+                              </p:par>
+                            </p:childTnLst>
+                          </p:cTn>
+                        </p:par>
+                      </p:childTnLst>
+                    </p:cTn>
+                  </p:par>
+                  <p:par>
+                    <p:cTn id="15" fill="hold">
+                      <p:stCondLst>
+                        <p:cond delay="indefinite"/>
+                      </p:stCondLst>
+                      <p:childTnLst>
+                        <p:par>
+                          <p:cTn id="16" fill="hold">
+                            <p:stCondLst>
+                              <p:cond delay="0"/>
+                            </p:stCondLst>
+                            <p:childTnLst>
+                              <p:par>
+                                <p:cTn id="17" presetID="1" presetClass="entr" presetSubtype="0" fill="hold" grpId="0" nodeType="clickEffect">
+                                  <p:stCondLst>
+                                    <p:cond delay="0"/>
+                                  </p:stCondLst>
+                                  <p:childTnLst>
+                                    <p:set>
+                                      <p:cBhvr>
+                                        <p:cTn id="18" dur="1" fill="hold">
+                                          <p:stCondLst>
+                                            <p:cond delay="0"/>
+                                          </p:stCondLst>
+                                        </p:cTn>
+                                        <p:tgtEl>
+                                          <p:spTgt spid="6"/>
+                                        </p:tgtEl>
+                                        <p:attrNameLst>
+                                          <p:attrName>style.visibility</p:attrName>
+                                        </p:attrNameLst>
+                                      </p:cBhvr>
+                                      <p:to>
+                                        <p:strVal val="visible"/>
+                                      </p:to>
+                                    </p:set>
+                                  </p:childTnLst>
+                                </p:cTn>
+                              </p:par>
+                            </p:childTnLst>
+                          </p:cTn>
+                        </p:par>
+                      </p:childTnLst>
+                    </p:cTn>
+                  </p:par>
+                </p:childTnLst>
+              </p:cTn>
+              <p:prevCondLst>
+                <p:cond evt="onPrev" delay="0">
+                  <p:tgtEl>
+                    <p:sldTgt/>
+                  </p:tgtEl>
+                </p:cond>
+              </p:prevCondLst>
+              <p:nextCondLst>
+                <p:cond evt="onNext" delay="0">
+                  <p:tgtEl>
+                    <p:sldTgt/>
+                  </p:tgtEl>
+                </p:cond>
+              </p:nextCondLst>
+            </p:seq>
+          </p:childTnLst>
+        </p:cTn>
+      </p:par>
+    </p:tnLst>
+    <p:bldLst>
+      <p:bldP spid="3" grpId="0" build="p"/>
+      <p:bldP spid="6" grpId="0"/>
+    </p:bldLst>
+  </p:timing>
+</p:sld>
+</file>
+
+<file path=ppt/slides/slide53.xml><?xml version="1.0" encoding="utf-8"?>
+<p:sld xmlns:a="http://schemas.openxmlformats.org/drawingml/2006/main" xmlns:r="http://schemas.openxmlformats.org/officeDocument/2006/relationships" xmlns:p="http://schemas.openxmlformats.org/presentationml/2006/main">
+  <p:cSld>
+    <p:spTree>
+      <p:nvGrpSpPr>
+        <p:cNvPr id="1" name=""/>
+        <p:cNvGrpSpPr/>
+        <p:nvPr/>
+      </p:nvGrpSpPr>
+      <p:grpSpPr>
+        <a:xfrm>
+          <a:off x="0" y="0"/>
+          <a:ext cx="0" cy="0"/>
+          <a:chOff x="0" y="0"/>
+          <a:chExt cx="0" cy="0"/>
+        </a:xfrm>
+      </p:grpSpPr>
+      <p:sp>
+        <p:nvSpPr>
+          <p:cNvPr id="2" name="Title 1"/>
+          <p:cNvSpPr>
+            <a:spLocks noGrp="1"/>
+          </p:cNvSpPr>
+          <p:nvPr>
+            <p:ph type="title"/>
+          </p:nvPr>
+        </p:nvSpPr>
+        <p:spPr/>
+        <p:txBody>
+          <a:bodyPr>
+            <a:normAutofit/>
+          </a:bodyPr>
+          <a:lstStyle/>
+          <a:p>
+            <a:pPr algn="l"/>
+            <a:r>
+              <a:rPr lang="en-US" sz="2400" dirty="0">
+                <a:latin typeface="Comic Sans MS" panose="030F0702030302020204" pitchFamily="66" charset="0"/>
+              </a:rPr>
+              <a:t>Translating into propositional logic</a:t>
+            </a:r>
+            <a:endParaRPr lang="en-US" sz="2400" dirty="0">
+              <a:latin typeface="Comic Sans MS" pitchFamily="66" charset="0"/>
+            </a:endParaRPr>
+          </a:p>
+        </p:txBody>
+      </p:sp>
+      <p:sp>
+        <p:nvSpPr>
+          <p:cNvPr id="3" name="Content Placeholder 2"/>
+          <p:cNvSpPr>
+            <a:spLocks noGrp="1"/>
+          </p:cNvSpPr>
+          <p:nvPr>
+            <p:ph idx="1"/>
+          </p:nvPr>
+        </p:nvSpPr>
+        <p:spPr>
+          <a:xfrm>
+            <a:off x="1524000" y="3048000"/>
+            <a:ext cx="6172200" cy="1066799"/>
+          </a:xfrm>
+        </p:spPr>
+        <p:txBody>
+          <a:bodyPr>
+            <a:normAutofit fontScale="92500" lnSpcReduction="20000"/>
+          </a:bodyPr>
+          <a:lstStyle/>
+          <a:p>
+            <a:pPr marL="0" indent="0">
+              <a:buNone/>
+            </a:pPr>
+            <a:r>
+              <a:rPr lang="en-US" sz="2400" dirty="0">
+                <a:solidFill>
+                  <a:srgbClr val="00B0F0"/>
+                </a:solidFill>
+                <a:latin typeface="Comic Sans MS" panose="030F0702030302020204" pitchFamily="66" charset="0"/>
+              </a:rPr>
+              <a:t>a</a:t>
+            </a:r>
+            <a:r>
+              <a:rPr lang="en-US" sz="2400" dirty="0" smtClean="0">
+                <a:solidFill>
+                  <a:srgbClr val="00B0F0"/>
+                </a:solidFill>
+                <a:latin typeface="Comic Sans MS" panose="030F0702030302020204" pitchFamily="66" charset="0"/>
+              </a:rPr>
+              <a:t>: </a:t>
+            </a:r>
+            <a:r>
+              <a:rPr lang="en-US" sz="2400" dirty="0">
+                <a:latin typeface="Comic Sans MS" panose="030F0702030302020204" pitchFamily="66" charset="0"/>
+              </a:rPr>
+              <a:t>you are a computer science major </a:t>
+            </a:r>
+            <a:endParaRPr lang="en-US" sz="2400" dirty="0" smtClean="0">
+              <a:latin typeface="Comic Sans MS" panose="030F0702030302020204" pitchFamily="66" charset="0"/>
+            </a:endParaRPr>
+          </a:p>
+          <a:p>
+            <a:pPr marL="0" indent="0">
+              <a:buNone/>
+            </a:pPr>
+            <a:r>
+              <a:rPr lang="en-US" sz="2400" dirty="0" smtClean="0">
+                <a:solidFill>
+                  <a:srgbClr val="00B0F0"/>
+                </a:solidFill>
+                <a:latin typeface="Comic Sans MS" panose="030F0702030302020204" pitchFamily="66" charset="0"/>
+              </a:rPr>
+              <a:t>b: </a:t>
+            </a:r>
+            <a:r>
+              <a:rPr lang="en-US" sz="2400" dirty="0" smtClean="0">
+                <a:latin typeface="Comic Sans MS" panose="030F0702030302020204" pitchFamily="66" charset="0"/>
+              </a:rPr>
+              <a:t>you are a freshman</a:t>
+            </a:r>
+          </a:p>
+          <a:p>
+            <a:pPr marL="0" indent="0">
+              <a:buNone/>
+            </a:pPr>
+            <a:r>
+              <a:rPr lang="en-US" sz="2400" dirty="0" smtClean="0">
+                <a:solidFill>
+                  <a:srgbClr val="00B0F0"/>
+                </a:solidFill>
+                <a:latin typeface="Comic Sans MS" panose="030F0702030302020204" pitchFamily="66" charset="0"/>
+              </a:rPr>
+              <a:t>C:</a:t>
+            </a:r>
+            <a:r>
+              <a:rPr lang="en-US" sz="2400" dirty="0" smtClean="0">
+                <a:latin typeface="Comic Sans MS" panose="030F0702030302020204" pitchFamily="66" charset="0"/>
+              </a:rPr>
+              <a:t> you </a:t>
+            </a:r>
+            <a:r>
+              <a:rPr lang="en-US" sz="2400" dirty="0">
+                <a:latin typeface="Comic Sans MS" panose="030F0702030302020204" pitchFamily="66" charset="0"/>
+              </a:rPr>
+              <a:t>can access the Internet from </a:t>
+            </a:r>
+            <a:r>
+              <a:rPr lang="en-US" sz="2400" dirty="0" smtClean="0">
+                <a:latin typeface="Comic Sans MS" panose="030F0702030302020204" pitchFamily="66" charset="0"/>
+              </a:rPr>
+              <a:t>campus</a:t>
+            </a:r>
+            <a:endParaRPr lang="en-US" sz="2400" dirty="0">
+              <a:latin typeface="Comic Sans MS" panose="030F0702030302020204" pitchFamily="66" charset="0"/>
+            </a:endParaRPr>
+          </a:p>
+          <a:p>
+            <a:pPr marL="0" indent="0">
+              <a:buNone/>
+            </a:pPr>
+            <a:endParaRPr lang="en-US" sz="2400" dirty="0" smtClean="0">
+              <a:latin typeface="Comic Sans MS" panose="030F0702030302020204" pitchFamily="66" charset="0"/>
+            </a:endParaRPr>
+          </a:p>
+        </p:txBody>
+      </p:sp>
+      <p:sp>
+        <p:nvSpPr>
+          <p:cNvPr id="4" name="Content Placeholder 2"/>
+          <p:cNvSpPr txBox="1">
+            <a:spLocks/>
+          </p:cNvSpPr>
+          <p:nvPr/>
+        </p:nvSpPr>
+        <p:spPr>
+          <a:xfrm>
+            <a:off x="1219200" y="1371600"/>
+            <a:ext cx="7315200" cy="1447800"/>
+          </a:xfrm>
+          <a:prstGeom prst="rect">
+            <a:avLst/>
+          </a:prstGeom>
+        </p:spPr>
+        <p:txBody>
+          <a:bodyPr vert="horz" lIns="91440" tIns="45720" rIns="91440" bIns="45720" rtlCol="0">
+            <a:normAutofit/>
+          </a:bodyPr>
+          <a:lstStyle>
+            <a:lvl1pPr marL="342900" indent="-342900" algn="l" defTabSz="914400" rtl="0" eaLnBrk="1" latinLnBrk="0" hangingPunct="1">
+              <a:spcBef>
+                <a:spcPct val="20000"/>
+              </a:spcBef>
+              <a:buFont typeface="Arial" pitchFamily="34" charset="0"/>
+              <a:buChar char="•"/>
+              <a:defRPr sz="3200" kern="1200">
+                <a:solidFill>
+                  <a:schemeClr val="tx1"/>
+                </a:solidFill>
+                <a:latin typeface="+mn-lt"/>
+                <a:ea typeface="+mn-ea"/>
+                <a:cs typeface="+mn-cs"/>
+              </a:defRPr>
+            </a:lvl1pPr>
+            <a:lvl2pPr marL="742950" indent="-285750" algn="l" defTabSz="914400" rtl="0" eaLnBrk="1" latinLnBrk="0" hangingPunct="1">
+              <a:spcBef>
+                <a:spcPct val="20000"/>
+              </a:spcBef>
+              <a:buFont typeface="Arial" pitchFamily="34" charset="0"/>
+              <a:buChar char="–"/>
+              <a:defRPr sz="2800" kern="1200">
+                <a:solidFill>
+                  <a:schemeClr val="tx1"/>
+                </a:solidFill>
+                <a:latin typeface="+mn-lt"/>
+                <a:ea typeface="+mn-ea"/>
+                <a:cs typeface="+mn-cs"/>
+              </a:defRPr>
+            </a:lvl2pPr>
+            <a:lvl3pPr marL="1143000" indent="-228600" algn="l" defTabSz="914400" rtl="0" eaLnBrk="1" latinLnBrk="0" hangingPunct="1">
+              <a:spcBef>
+                <a:spcPct val="20000"/>
+              </a:spcBef>
+              <a:buFont typeface="Arial" pitchFamily="34" charset="0"/>
+              <a:buChar char="•"/>
+              <a:defRPr sz="2400" kern="1200">
+                <a:solidFill>
+                  <a:schemeClr val="tx1"/>
+                </a:solidFill>
+                <a:latin typeface="+mn-lt"/>
+                <a:ea typeface="+mn-ea"/>
+                <a:cs typeface="+mn-cs"/>
+              </a:defRPr>
+            </a:lvl3pPr>
+            <a:lvl4pPr marL="1600200" indent="-228600" algn="l" defTabSz="914400" rtl="0" eaLnBrk="1" latinLnBrk="0" hangingPunct="1">
+              <a:spcBef>
+                <a:spcPct val="20000"/>
+              </a:spcBef>
+              <a:buFont typeface="Arial" pitchFamily="34" charset="0"/>
+              <a:buChar char="–"/>
+              <a:defRPr sz="2000" kern="1200">
+                <a:solidFill>
+                  <a:schemeClr val="tx1"/>
+                </a:solidFill>
+                <a:latin typeface="+mn-lt"/>
+                <a:ea typeface="+mn-ea"/>
+                <a:cs typeface="+mn-cs"/>
+              </a:defRPr>
+            </a:lvl4pPr>
+            <a:lvl5pPr marL="2057400" indent="-228600" algn="l" defTabSz="914400" rtl="0" eaLnBrk="1" latinLnBrk="0" hangingPunct="1">
+              <a:spcBef>
+                <a:spcPct val="20000"/>
+              </a:spcBef>
+              <a:buFont typeface="Arial" pitchFamily="34" charset="0"/>
+              <a:buChar char="»"/>
+              <a:defRPr sz="2000" kern="1200">
+                <a:solidFill>
+                  <a:schemeClr val="tx1"/>
+                </a:solidFill>
+                <a:latin typeface="+mn-lt"/>
+                <a:ea typeface="+mn-ea"/>
+                <a:cs typeface="+mn-cs"/>
+              </a:defRPr>
+            </a:lvl5pPr>
+            <a:lvl6pPr marL="2514600" indent="-228600" algn="l" defTabSz="914400" rtl="0" eaLnBrk="1" latinLnBrk="0" hangingPunct="1">
+              <a:spcBef>
+                <a:spcPct val="20000"/>
+              </a:spcBef>
+              <a:buFont typeface="Arial" pitchFamily="34" charset="0"/>
+              <a:buChar char="•"/>
+              <a:defRPr sz="2000" kern="1200">
+                <a:solidFill>
+                  <a:schemeClr val="tx1"/>
+                </a:solidFill>
+                <a:latin typeface="+mn-lt"/>
+                <a:ea typeface="+mn-ea"/>
+                <a:cs typeface="+mn-cs"/>
+              </a:defRPr>
+            </a:lvl6pPr>
+            <a:lvl7pPr marL="2971800" indent="-228600" algn="l" defTabSz="914400" rtl="0" eaLnBrk="1" latinLnBrk="0" hangingPunct="1">
+              <a:spcBef>
+                <a:spcPct val="20000"/>
+              </a:spcBef>
+              <a:buFont typeface="Arial" pitchFamily="34" charset="0"/>
+              <a:buChar char="•"/>
+              <a:defRPr sz="2000" kern="1200">
+                <a:solidFill>
+                  <a:schemeClr val="tx1"/>
+                </a:solidFill>
+                <a:latin typeface="+mn-lt"/>
+                <a:ea typeface="+mn-ea"/>
+                <a:cs typeface="+mn-cs"/>
+              </a:defRPr>
+            </a:lvl7pPr>
+            <a:lvl8pPr marL="3429000" indent="-228600" algn="l" defTabSz="914400" rtl="0" eaLnBrk="1" latinLnBrk="0" hangingPunct="1">
+              <a:spcBef>
+                <a:spcPct val="20000"/>
+              </a:spcBef>
+              <a:buFont typeface="Arial" pitchFamily="34" charset="0"/>
+              <a:buChar char="•"/>
+              <a:defRPr sz="2000" kern="1200">
+                <a:solidFill>
+                  <a:schemeClr val="tx1"/>
+                </a:solidFill>
+                <a:latin typeface="+mn-lt"/>
+                <a:ea typeface="+mn-ea"/>
+                <a:cs typeface="+mn-cs"/>
+              </a:defRPr>
+            </a:lvl8pPr>
+            <a:lvl9pPr marL="3886200" indent="-228600" algn="l" defTabSz="914400" rtl="0" eaLnBrk="1" latinLnBrk="0" hangingPunct="1">
+              <a:spcBef>
+                <a:spcPct val="20000"/>
+              </a:spcBef>
+              <a:buFont typeface="Arial" pitchFamily="34" charset="0"/>
+              <a:buChar char="•"/>
+              <a:defRPr sz="2000" kern="1200">
+                <a:solidFill>
+                  <a:schemeClr val="tx1"/>
+                </a:solidFill>
+                <a:latin typeface="+mn-lt"/>
+                <a:ea typeface="+mn-ea"/>
+                <a:cs typeface="+mn-cs"/>
+              </a:defRPr>
+            </a:lvl9pPr>
+          </a:lstStyle>
+          <a:p>
+            <a:pPr marL="0" indent="0">
+              <a:buNone/>
+            </a:pPr>
+            <a:r>
+              <a:rPr lang="en-US" sz="2400" dirty="0">
+                <a:latin typeface="Comic Sans MS" panose="030F0702030302020204" pitchFamily="66" charset="0"/>
+              </a:rPr>
+              <a:t>you can access the Internet from campus</a:t>
+            </a:r>
+          </a:p>
+          <a:p>
+            <a:pPr marL="0" indent="0">
+              <a:buNone/>
+            </a:pPr>
+            <a:r>
+              <a:rPr lang="en-US" sz="2400" dirty="0" err="1" smtClean="0">
+                <a:latin typeface="Comic Sans MS" panose="030F0702030302020204" pitchFamily="66" charset="0"/>
+              </a:rPr>
+              <a:t>iff</a:t>
+            </a:r>
+            <a:r>
+              <a:rPr lang="en-US" sz="2400" dirty="0" smtClean="0">
+                <a:latin typeface="Comic Sans MS" panose="030F0702030302020204" pitchFamily="66" charset="0"/>
+              </a:rPr>
+              <a:t> </a:t>
+            </a:r>
+            <a:r>
+              <a:rPr lang="en-US" sz="2400" dirty="0">
+                <a:latin typeface="Comic Sans MS" panose="030F0702030302020204" pitchFamily="66" charset="0"/>
+              </a:rPr>
+              <a:t>you are a computer science major </a:t>
+            </a:r>
+            <a:r>
+              <a:rPr lang="en-US" sz="2400" dirty="0" smtClean="0">
+                <a:latin typeface="Comic Sans MS" panose="030F0702030302020204" pitchFamily="66" charset="0"/>
+              </a:rPr>
+              <a:t>but </a:t>
+            </a:r>
+            <a:r>
+              <a:rPr lang="en-US" sz="2400" dirty="0">
+                <a:latin typeface="Comic Sans MS" panose="030F0702030302020204" pitchFamily="66" charset="0"/>
+              </a:rPr>
+              <a:t>you</a:t>
+            </a:r>
+          </a:p>
+          <a:p>
+            <a:pPr marL="0" indent="0">
+              <a:buNone/>
+            </a:pPr>
+            <a:r>
+              <a:rPr lang="en-US" sz="2400" dirty="0">
+                <a:latin typeface="Comic Sans MS" panose="030F0702030302020204" pitchFamily="66" charset="0"/>
+              </a:rPr>
+              <a:t>are not a </a:t>
+            </a:r>
+            <a:r>
+              <a:rPr lang="en-US" sz="2400" dirty="0" smtClean="0">
+                <a:latin typeface="Comic Sans MS" panose="030F0702030302020204" pitchFamily="66" charset="0"/>
+              </a:rPr>
+              <a:t>freshman, </a:t>
+            </a:r>
+            <a:endParaRPr lang="en-US" sz="2400" dirty="0" smtClean="0">
+              <a:latin typeface="Comic Sans MS" pitchFamily="66" charset="0"/>
+            </a:endParaRPr>
+          </a:p>
+        </p:txBody>
+      </p:sp>
+      <p:sp>
+        <p:nvSpPr>
+          <p:cNvPr id="5" name="Content Placeholder 2"/>
+          <p:cNvSpPr txBox="1">
+            <a:spLocks/>
+          </p:cNvSpPr>
+          <p:nvPr/>
+        </p:nvSpPr>
+        <p:spPr>
+          <a:xfrm>
+            <a:off x="2438400" y="4724400"/>
+            <a:ext cx="4038600" cy="1752600"/>
+          </a:xfrm>
+          <a:prstGeom prst="rect">
+            <a:avLst/>
+          </a:prstGeom>
+        </p:spPr>
+        <p:txBody>
+          <a:bodyPr vert="horz" lIns="91440" tIns="45720" rIns="91440" bIns="45720" rtlCol="0">
+            <a:normAutofit/>
+          </a:bodyPr>
+          <a:lstStyle>
+            <a:lvl1pPr marL="342900" indent="-342900" algn="l" defTabSz="914400" rtl="0" eaLnBrk="1" latinLnBrk="0" hangingPunct="1">
+              <a:spcBef>
+                <a:spcPct val="20000"/>
+              </a:spcBef>
+              <a:buFont typeface="Arial" pitchFamily="34" charset="0"/>
+              <a:buChar char="•"/>
+              <a:defRPr sz="3200" kern="1200">
+                <a:solidFill>
+                  <a:schemeClr val="tx1"/>
+                </a:solidFill>
+                <a:latin typeface="+mn-lt"/>
+                <a:ea typeface="+mn-ea"/>
+                <a:cs typeface="+mn-cs"/>
+              </a:defRPr>
+            </a:lvl1pPr>
+            <a:lvl2pPr marL="742950" indent="-285750" algn="l" defTabSz="914400" rtl="0" eaLnBrk="1" latinLnBrk="0" hangingPunct="1">
+              <a:spcBef>
+                <a:spcPct val="20000"/>
+              </a:spcBef>
+              <a:buFont typeface="Arial" pitchFamily="34" charset="0"/>
+              <a:buChar char="–"/>
+              <a:defRPr sz="2800" kern="1200">
+                <a:solidFill>
+                  <a:schemeClr val="tx1"/>
+                </a:solidFill>
+                <a:latin typeface="+mn-lt"/>
+                <a:ea typeface="+mn-ea"/>
+                <a:cs typeface="+mn-cs"/>
+              </a:defRPr>
+            </a:lvl2pPr>
+            <a:lvl3pPr marL="1143000" indent="-228600" algn="l" defTabSz="914400" rtl="0" eaLnBrk="1" latinLnBrk="0" hangingPunct="1">
+              <a:spcBef>
+                <a:spcPct val="20000"/>
+              </a:spcBef>
+              <a:buFont typeface="Arial" pitchFamily="34" charset="0"/>
+              <a:buChar char="•"/>
+              <a:defRPr sz="2400" kern="1200">
+                <a:solidFill>
+                  <a:schemeClr val="tx1"/>
+                </a:solidFill>
+                <a:latin typeface="+mn-lt"/>
+                <a:ea typeface="+mn-ea"/>
+                <a:cs typeface="+mn-cs"/>
+              </a:defRPr>
+            </a:lvl3pPr>
+            <a:lvl4pPr marL="1600200" indent="-228600" algn="l" defTabSz="914400" rtl="0" eaLnBrk="1" latinLnBrk="0" hangingPunct="1">
+              <a:spcBef>
+                <a:spcPct val="20000"/>
+              </a:spcBef>
+              <a:buFont typeface="Arial" pitchFamily="34" charset="0"/>
+              <a:buChar char="–"/>
+              <a:defRPr sz="2000" kern="1200">
+                <a:solidFill>
+                  <a:schemeClr val="tx1"/>
+                </a:solidFill>
+                <a:latin typeface="+mn-lt"/>
+                <a:ea typeface="+mn-ea"/>
+                <a:cs typeface="+mn-cs"/>
+              </a:defRPr>
+            </a:lvl4pPr>
+            <a:lvl5pPr marL="2057400" indent="-228600" algn="l" defTabSz="914400" rtl="0" eaLnBrk="1" latinLnBrk="0" hangingPunct="1">
+              <a:spcBef>
+                <a:spcPct val="20000"/>
+              </a:spcBef>
+              <a:buFont typeface="Arial" pitchFamily="34" charset="0"/>
+              <a:buChar char="»"/>
+              <a:defRPr sz="2000" kern="1200">
+                <a:solidFill>
+                  <a:schemeClr val="tx1"/>
+                </a:solidFill>
+                <a:latin typeface="+mn-lt"/>
+                <a:ea typeface="+mn-ea"/>
+                <a:cs typeface="+mn-cs"/>
+              </a:defRPr>
+            </a:lvl5pPr>
+            <a:lvl6pPr marL="2514600" indent="-228600" algn="l" defTabSz="914400" rtl="0" eaLnBrk="1" latinLnBrk="0" hangingPunct="1">
+              <a:spcBef>
+                <a:spcPct val="20000"/>
+              </a:spcBef>
+              <a:buFont typeface="Arial" pitchFamily="34" charset="0"/>
+              <a:buChar char="•"/>
+              <a:defRPr sz="2000" kern="1200">
+                <a:solidFill>
+                  <a:schemeClr val="tx1"/>
+                </a:solidFill>
+                <a:latin typeface="+mn-lt"/>
+                <a:ea typeface="+mn-ea"/>
+                <a:cs typeface="+mn-cs"/>
+              </a:defRPr>
+            </a:lvl6pPr>
+            <a:lvl7pPr marL="2971800" indent="-228600" algn="l" defTabSz="914400" rtl="0" eaLnBrk="1" latinLnBrk="0" hangingPunct="1">
+              <a:spcBef>
+                <a:spcPct val="20000"/>
+              </a:spcBef>
+              <a:buFont typeface="Arial" pitchFamily="34" charset="0"/>
+              <a:buChar char="•"/>
+              <a:defRPr sz="2000" kern="1200">
+                <a:solidFill>
+                  <a:schemeClr val="tx1"/>
+                </a:solidFill>
+                <a:latin typeface="+mn-lt"/>
+                <a:ea typeface="+mn-ea"/>
+                <a:cs typeface="+mn-cs"/>
+              </a:defRPr>
+            </a:lvl7pPr>
+            <a:lvl8pPr marL="3429000" indent="-228600" algn="l" defTabSz="914400" rtl="0" eaLnBrk="1" latinLnBrk="0" hangingPunct="1">
+              <a:spcBef>
+                <a:spcPct val="20000"/>
+              </a:spcBef>
+              <a:buFont typeface="Arial" pitchFamily="34" charset="0"/>
+              <a:buChar char="•"/>
+              <a:defRPr sz="2000" kern="1200">
+                <a:solidFill>
+                  <a:schemeClr val="tx1"/>
+                </a:solidFill>
+                <a:latin typeface="+mn-lt"/>
+                <a:ea typeface="+mn-ea"/>
+                <a:cs typeface="+mn-cs"/>
+              </a:defRPr>
+            </a:lvl8pPr>
+            <a:lvl9pPr marL="3886200" indent="-228600" algn="l" defTabSz="914400" rtl="0" eaLnBrk="1" latinLnBrk="0" hangingPunct="1">
+              <a:spcBef>
+                <a:spcPct val="20000"/>
+              </a:spcBef>
+              <a:buFont typeface="Arial" pitchFamily="34" charset="0"/>
+              <a:buChar char="•"/>
+              <a:defRPr sz="2000" kern="1200">
+                <a:solidFill>
+                  <a:schemeClr val="tx1"/>
+                </a:solidFill>
+                <a:latin typeface="+mn-lt"/>
+                <a:ea typeface="+mn-ea"/>
+                <a:cs typeface="+mn-cs"/>
+              </a:defRPr>
+            </a:lvl9pPr>
+          </a:lstStyle>
+          <a:p>
+            <a:pPr marL="0" indent="0" algn="ctr">
+              <a:buFont typeface="Arial" pitchFamily="34" charset="0"/>
+              <a:buNone/>
+            </a:pPr>
+            <a:endParaRPr lang="en-US" sz="2400" dirty="0" smtClean="0">
+              <a:latin typeface="Comic Sans MS" panose="030F0702030302020204" pitchFamily="66" charset="0"/>
+            </a:endParaRPr>
+          </a:p>
+        </p:txBody>
+      </p:sp>
+      <p:sp>
+        <p:nvSpPr>
+          <p:cNvPr id="6" name="Content Placeholder 2"/>
+          <p:cNvSpPr txBox="1">
+            <a:spLocks/>
+          </p:cNvSpPr>
+          <p:nvPr/>
+        </p:nvSpPr>
+        <p:spPr>
+          <a:xfrm>
+            <a:off x="2362200" y="4800600"/>
+            <a:ext cx="4038600" cy="685800"/>
+          </a:xfrm>
+          <a:prstGeom prst="rect">
+            <a:avLst/>
+          </a:prstGeom>
+        </p:spPr>
+        <p:txBody>
+          <a:bodyPr vert="horz" lIns="91440" tIns="45720" rIns="91440" bIns="45720" rtlCol="0">
+            <a:normAutofit/>
+          </a:bodyPr>
+          <a:lstStyle>
+            <a:lvl1pPr marL="342900" indent="-342900" algn="l" defTabSz="914400" rtl="0" eaLnBrk="1" latinLnBrk="0" hangingPunct="1">
+              <a:spcBef>
+                <a:spcPct val="20000"/>
+              </a:spcBef>
+              <a:buFont typeface="Arial" pitchFamily="34" charset="0"/>
+              <a:buChar char="•"/>
+              <a:defRPr sz="3200" kern="1200">
+                <a:solidFill>
+                  <a:schemeClr val="tx1"/>
+                </a:solidFill>
+                <a:latin typeface="+mn-lt"/>
+                <a:ea typeface="+mn-ea"/>
+                <a:cs typeface="+mn-cs"/>
+              </a:defRPr>
+            </a:lvl1pPr>
+            <a:lvl2pPr marL="742950" indent="-285750" algn="l" defTabSz="914400" rtl="0" eaLnBrk="1" latinLnBrk="0" hangingPunct="1">
+              <a:spcBef>
+                <a:spcPct val="20000"/>
+              </a:spcBef>
+              <a:buFont typeface="Arial" pitchFamily="34" charset="0"/>
+              <a:buChar char="–"/>
+              <a:defRPr sz="2800" kern="1200">
+                <a:solidFill>
+                  <a:schemeClr val="tx1"/>
+                </a:solidFill>
+                <a:latin typeface="+mn-lt"/>
+                <a:ea typeface="+mn-ea"/>
+                <a:cs typeface="+mn-cs"/>
+              </a:defRPr>
+            </a:lvl2pPr>
+            <a:lvl3pPr marL="1143000" indent="-228600" algn="l" defTabSz="914400" rtl="0" eaLnBrk="1" latinLnBrk="0" hangingPunct="1">
+              <a:spcBef>
+                <a:spcPct val="20000"/>
+              </a:spcBef>
+              <a:buFont typeface="Arial" pitchFamily="34" charset="0"/>
+              <a:buChar char="•"/>
+              <a:defRPr sz="2400" kern="1200">
+                <a:solidFill>
+                  <a:schemeClr val="tx1"/>
+                </a:solidFill>
+                <a:latin typeface="+mn-lt"/>
+                <a:ea typeface="+mn-ea"/>
+                <a:cs typeface="+mn-cs"/>
+              </a:defRPr>
+            </a:lvl3pPr>
+            <a:lvl4pPr marL="1600200" indent="-228600" algn="l" defTabSz="914400" rtl="0" eaLnBrk="1" latinLnBrk="0" hangingPunct="1">
+              <a:spcBef>
+                <a:spcPct val="20000"/>
+              </a:spcBef>
+              <a:buFont typeface="Arial" pitchFamily="34" charset="0"/>
+              <a:buChar char="–"/>
+              <a:defRPr sz="2000" kern="1200">
+                <a:solidFill>
+                  <a:schemeClr val="tx1"/>
+                </a:solidFill>
+                <a:latin typeface="+mn-lt"/>
+                <a:ea typeface="+mn-ea"/>
+                <a:cs typeface="+mn-cs"/>
+              </a:defRPr>
+            </a:lvl4pPr>
+            <a:lvl5pPr marL="2057400" indent="-228600" algn="l" defTabSz="914400" rtl="0" eaLnBrk="1" latinLnBrk="0" hangingPunct="1">
+              <a:spcBef>
+                <a:spcPct val="20000"/>
+              </a:spcBef>
+              <a:buFont typeface="Arial" pitchFamily="34" charset="0"/>
+              <a:buChar char="»"/>
+              <a:defRPr sz="2000" kern="1200">
+                <a:solidFill>
+                  <a:schemeClr val="tx1"/>
+                </a:solidFill>
+                <a:latin typeface="+mn-lt"/>
+                <a:ea typeface="+mn-ea"/>
+                <a:cs typeface="+mn-cs"/>
+              </a:defRPr>
+            </a:lvl5pPr>
+            <a:lvl6pPr marL="2514600" indent="-228600" algn="l" defTabSz="914400" rtl="0" eaLnBrk="1" latinLnBrk="0" hangingPunct="1">
+              <a:spcBef>
+                <a:spcPct val="20000"/>
+              </a:spcBef>
+              <a:buFont typeface="Arial" pitchFamily="34" charset="0"/>
+              <a:buChar char="•"/>
+              <a:defRPr sz="2000" kern="1200">
+                <a:solidFill>
+                  <a:schemeClr val="tx1"/>
+                </a:solidFill>
+                <a:latin typeface="+mn-lt"/>
+                <a:ea typeface="+mn-ea"/>
+                <a:cs typeface="+mn-cs"/>
+              </a:defRPr>
+            </a:lvl6pPr>
+            <a:lvl7pPr marL="2971800" indent="-228600" algn="l" defTabSz="914400" rtl="0" eaLnBrk="1" latinLnBrk="0" hangingPunct="1">
+              <a:spcBef>
+                <a:spcPct val="20000"/>
+              </a:spcBef>
+              <a:buFont typeface="Arial" pitchFamily="34" charset="0"/>
+              <a:buChar char="•"/>
+              <a:defRPr sz="2000" kern="1200">
+                <a:solidFill>
+                  <a:schemeClr val="tx1"/>
+                </a:solidFill>
+                <a:latin typeface="+mn-lt"/>
+                <a:ea typeface="+mn-ea"/>
+                <a:cs typeface="+mn-cs"/>
+              </a:defRPr>
+            </a:lvl7pPr>
+            <a:lvl8pPr marL="3429000" indent="-228600" algn="l" defTabSz="914400" rtl="0" eaLnBrk="1" latinLnBrk="0" hangingPunct="1">
+              <a:spcBef>
+                <a:spcPct val="20000"/>
+              </a:spcBef>
+              <a:buFont typeface="Arial" pitchFamily="34" charset="0"/>
+              <a:buChar char="•"/>
+              <a:defRPr sz="2000" kern="1200">
+                <a:solidFill>
+                  <a:schemeClr val="tx1"/>
+                </a:solidFill>
+                <a:latin typeface="+mn-lt"/>
+                <a:ea typeface="+mn-ea"/>
+                <a:cs typeface="+mn-cs"/>
+              </a:defRPr>
+            </a:lvl8pPr>
+            <a:lvl9pPr marL="3886200" indent="-228600" algn="l" defTabSz="914400" rtl="0" eaLnBrk="1" latinLnBrk="0" hangingPunct="1">
+              <a:spcBef>
+                <a:spcPct val="20000"/>
+              </a:spcBef>
+              <a:buFont typeface="Arial" pitchFamily="34" charset="0"/>
+              <a:buChar char="•"/>
+              <a:defRPr sz="2000" kern="1200">
+                <a:solidFill>
+                  <a:schemeClr val="tx1"/>
+                </a:solidFill>
+                <a:latin typeface="+mn-lt"/>
+                <a:ea typeface="+mn-ea"/>
+                <a:cs typeface="+mn-cs"/>
+              </a:defRPr>
+            </a:lvl9pPr>
+          </a:lstStyle>
+          <a:p>
+            <a:pPr marL="0" indent="0" algn="ctr">
+              <a:buNone/>
+            </a:pPr>
+            <a:r>
+              <a:rPr lang="en-US" sz="2400" dirty="0" smtClean="0">
+                <a:latin typeface="Comic Sans MS" panose="030F0702030302020204" pitchFamily="66" charset="0"/>
+              </a:rPr>
+              <a:t>a </a:t>
+            </a:r>
+            <a:r>
+              <a:rPr lang="en-US" sz="2400" dirty="0">
+                <a:latin typeface="Comic Sans MS" panose="030F0702030302020204" pitchFamily="66" charset="0"/>
+              </a:rPr>
+              <a:t>∧ </a:t>
+            </a:r>
+            <a:r>
+              <a:rPr lang="en-US" sz="2400" dirty="0" smtClean="0">
+                <a:latin typeface="Comic Sans MS" panose="030F0702030302020204" pitchFamily="66" charset="0"/>
+              </a:rPr>
+              <a:t>￢ b </a:t>
+            </a:r>
+            <a:r>
+              <a:rPr lang="en-US" sz="2400" dirty="0">
+                <a:latin typeface="Comic Sans MS" panose="030F0702030302020204" pitchFamily="66" charset="0"/>
+              </a:rPr>
+              <a:t>↔</a:t>
+            </a:r>
+            <a:r>
+              <a:rPr lang="en-US" sz="2400" dirty="0" smtClean="0">
+                <a:latin typeface="Comic Sans MS" panose="030F0702030302020204" pitchFamily="66" charset="0"/>
+              </a:rPr>
+              <a:t> </a:t>
+            </a:r>
+            <a:r>
+              <a:rPr lang="en-US" sz="2400" dirty="0">
+                <a:latin typeface="Comic Sans MS" panose="030F0702030302020204" pitchFamily="66" charset="0"/>
+              </a:rPr>
+              <a:t>c</a:t>
+            </a:r>
+          </a:p>
+          <a:p>
+            <a:pPr marL="0" indent="0" algn="ctr">
+              <a:buFont typeface="Arial" pitchFamily="34" charset="0"/>
+              <a:buNone/>
+            </a:pPr>
+            <a:endParaRPr lang="en-US" sz="2400" dirty="0" smtClean="0">
+              <a:latin typeface="Comic Sans MS" pitchFamily="66" charset="0"/>
+            </a:endParaRPr>
+          </a:p>
+        </p:txBody>
+      </p:sp>
+    </p:spTree>
+    <p:extLst>
+      <p:ext uri="{BB962C8B-B14F-4D97-AF65-F5344CB8AC3E}">
+        <p14:creationId xmlns:p14="http://schemas.microsoft.com/office/powerpoint/2010/main" val="2677761839"/>
+      </p:ext>
+    </p:extLst>
+  </p:cSld>
+  <p:clrMapOvr>
+    <a:masterClrMapping/>
+  </p:clrMapOvr>
+  <p:timing>
+    <p:tnLst>
+      <p:par>
+        <p:cTn id="1" dur="indefinite" restart="never" nodeType="tmRoot">
+          <p:childTnLst>
+            <p:seq concurrent="1" nextAc="seek">
+              <p:cTn id="2" dur="indefinite" nodeType="mainSeq">
+                <p:childTnLst>
+                  <p:par>
+                    <p:cTn id="3" fill="hold">
+                      <p:stCondLst>
+                        <p:cond delay="indefinite"/>
+                      </p:stCondLst>
+                      <p:childTnLst>
+                        <p:par>
+                          <p:cTn id="4" fill="hold">
+                            <p:stCondLst>
+                              <p:cond delay="0"/>
+                            </p:stCondLst>
+                            <p:childTnLst>
+                              <p:par>
+                                <p:cTn id="5" presetID="1" presetClass="entr" presetSubtype="0" fill="hold" grpId="0" nodeType="clickEffect">
+                                  <p:stCondLst>
+                                    <p:cond delay="0"/>
+                                  </p:stCondLst>
+                                  <p:childTnLst>
+                                    <p:set>
+                                      <p:cBhvr>
+                                        <p:cTn id="6" dur="1" fill="hold">
+                                          <p:stCondLst>
+                                            <p:cond delay="0"/>
+                                          </p:stCondLst>
+                                        </p:cTn>
+                                        <p:tgtEl>
+                                          <p:spTgt spid="3">
+                                            <p:txEl>
+                                              <p:pRg st="0" end="0"/>
+                                            </p:txEl>
+                                          </p:spTgt>
+                                        </p:tgtEl>
+                                        <p:attrNameLst>
+                                          <p:attrName>style.visibility</p:attrName>
+                                        </p:attrNameLst>
+                                      </p:cBhvr>
+                                      <p:to>
+                                        <p:strVal val="visible"/>
+                                      </p:to>
+                                    </p:set>
+                                  </p:childTnLst>
+                                </p:cTn>
+                              </p:par>
+                            </p:childTnLst>
+                          </p:cTn>
+                        </p:par>
+                      </p:childTnLst>
+                    </p:cTn>
+                  </p:par>
+                  <p:par>
+                    <p:cTn id="7" fill="hold">
+                      <p:stCondLst>
+                        <p:cond delay="indefinite"/>
+                      </p:stCondLst>
+                      <p:childTnLst>
+                        <p:par>
+                          <p:cTn id="8" fill="hold">
+                            <p:stCondLst>
+                              <p:cond delay="0"/>
+                            </p:stCondLst>
+                            <p:childTnLst>
+                              <p:par>
+                                <p:cTn id="9" presetID="1" presetClass="entr" presetSubtype="0" fill="hold" grpId="0" nodeType="clickEffect">
+                                  <p:stCondLst>
+                                    <p:cond delay="0"/>
+                                  </p:stCondLst>
+                                  <p:childTnLst>
+                                    <p:set>
+                                      <p:cBhvr>
+                                        <p:cTn id="10" dur="1" fill="hold">
+                                          <p:stCondLst>
+                                            <p:cond delay="0"/>
+                                          </p:stCondLst>
+                                        </p:cTn>
+                                        <p:tgtEl>
+                                          <p:spTgt spid="3">
+                                            <p:txEl>
+                                              <p:pRg st="1" end="1"/>
+                                            </p:txEl>
+                                          </p:spTgt>
+                                        </p:tgtEl>
+                                        <p:attrNameLst>
+                                          <p:attrName>style.visibility</p:attrName>
+                                        </p:attrNameLst>
+                                      </p:cBhvr>
+                                      <p:to>
+                                        <p:strVal val="visible"/>
+                                      </p:to>
+                                    </p:set>
+                                  </p:childTnLst>
+                                </p:cTn>
+                              </p:par>
+                            </p:childTnLst>
+                          </p:cTn>
+                        </p:par>
+                      </p:childTnLst>
+                    </p:cTn>
+                  </p:par>
+                  <p:par>
+                    <p:cTn id="11" fill="hold">
+                      <p:stCondLst>
+                        <p:cond delay="indefinite"/>
+                      </p:stCondLst>
+                      <p:childTnLst>
+                        <p:par>
+                          <p:cTn id="12" fill="hold">
+                            <p:stCondLst>
+                              <p:cond delay="0"/>
+                            </p:stCondLst>
+                            <p:childTnLst>
+                              <p:par>
+                                <p:cTn id="13" presetID="1" presetClass="entr" presetSubtype="0" fill="hold" grpId="0" nodeType="clickEffect">
+                                  <p:stCondLst>
+                                    <p:cond delay="0"/>
+                                  </p:stCondLst>
+                                  <p:childTnLst>
+                                    <p:set>
+                                      <p:cBhvr>
+                                        <p:cTn id="14" dur="1" fill="hold">
+                                          <p:stCondLst>
+                                            <p:cond delay="0"/>
+                                          </p:stCondLst>
+                                        </p:cTn>
+                                        <p:tgtEl>
+                                          <p:spTgt spid="3">
+                                            <p:txEl>
+                                              <p:pRg st="2" end="2"/>
+                                            </p:txEl>
+                                          </p:spTgt>
+                                        </p:tgtEl>
+                                        <p:attrNameLst>
+                                          <p:attrName>style.visibility</p:attrName>
+                                        </p:attrNameLst>
+                                      </p:cBhvr>
+                                      <p:to>
+                                        <p:strVal val="visible"/>
+                                      </p:to>
+                                    </p:set>
+                                  </p:childTnLst>
+                                </p:cTn>
+                              </p:par>
+                            </p:childTnLst>
+                          </p:cTn>
+                        </p:par>
+                      </p:childTnLst>
+                    </p:cTn>
+                  </p:par>
+                  <p:par>
+                    <p:cTn id="15" fill="hold">
+                      <p:stCondLst>
+                        <p:cond delay="indefinite"/>
+                      </p:stCondLst>
+                      <p:childTnLst>
+                        <p:par>
+                          <p:cTn id="16" fill="hold">
+                            <p:stCondLst>
+                              <p:cond delay="0"/>
+                            </p:stCondLst>
+                            <p:childTnLst>
+                              <p:par>
+                                <p:cTn id="17" presetID="1" presetClass="entr" presetSubtype="0" fill="hold" grpId="0" nodeType="clickEffect">
+                                  <p:stCondLst>
+                                    <p:cond delay="0"/>
+                                  </p:stCondLst>
+                                  <p:childTnLst>
+                                    <p:set>
+                                      <p:cBhvr>
+                                        <p:cTn id="18" dur="1" fill="hold">
+                                          <p:stCondLst>
+                                            <p:cond delay="0"/>
+                                          </p:stCondLst>
+                                        </p:cTn>
+                                        <p:tgtEl>
+                                          <p:spTgt spid="6"/>
+                                        </p:tgtEl>
+                                        <p:attrNameLst>
+                                          <p:attrName>style.visibility</p:attrName>
+                                        </p:attrNameLst>
+                                      </p:cBhvr>
+                                      <p:to>
+                                        <p:strVal val="visible"/>
+                                      </p:to>
+                                    </p:set>
+                                  </p:childTnLst>
+                                </p:cTn>
+                              </p:par>
+                            </p:childTnLst>
+                          </p:cTn>
+                        </p:par>
+                      </p:childTnLst>
+                    </p:cTn>
+                  </p:par>
+                </p:childTnLst>
+              </p:cTn>
+              <p:prevCondLst>
+                <p:cond evt="onPrev" delay="0">
+                  <p:tgtEl>
+                    <p:sldTgt/>
+                  </p:tgtEl>
+                </p:cond>
+              </p:prevCondLst>
+              <p:nextCondLst>
+                <p:cond evt="onNext" delay="0">
+                  <p:tgtEl>
+                    <p:sldTgt/>
+                  </p:tgtEl>
+                </p:cond>
+              </p:nextCondLst>
+            </p:seq>
+          </p:childTnLst>
+        </p:cTn>
+      </p:par>
+    </p:tnLst>
+    <p:bldLst>
+      <p:bldP spid="3" grpId="0" build="p"/>
+      <p:bldP spid="6" grpId="0"/>
+    </p:bldLst>
+  </p:timing>
+</p:sld>
+</file>
+
+<file path=ppt/slides/slide54.xml><?xml version="1.0" encoding="utf-8"?>
+<p:sld xmlns:a="http://schemas.openxmlformats.org/drawingml/2006/main" xmlns:r="http://schemas.openxmlformats.org/officeDocument/2006/relationships" xmlns:p="http://schemas.openxmlformats.org/presentationml/2006/main">
+  <p:cSld>
+    <p:spTree>
+      <p:nvGrpSpPr>
+        <p:cNvPr id="1" name=""/>
+        <p:cNvGrpSpPr/>
+        <p:nvPr/>
+      </p:nvGrpSpPr>
+      <p:grpSpPr>
+        <a:xfrm>
+          <a:off x="0" y="0"/>
+          <a:ext cx="0" cy="0"/>
+          <a:chOff x="0" y="0"/>
+          <a:chExt cx="0" cy="0"/>
+        </a:xfrm>
+      </p:grpSpPr>
+      <p:sp>
+        <p:nvSpPr>
+          <p:cNvPr id="2" name="Title 1"/>
+          <p:cNvSpPr>
+            <a:spLocks noGrp="1"/>
+          </p:cNvSpPr>
+          <p:nvPr>
+            <p:ph type="title"/>
+          </p:nvPr>
+        </p:nvSpPr>
+        <p:spPr/>
+        <p:txBody>
+          <a:bodyPr>
+            <a:normAutofit/>
+          </a:bodyPr>
+          <a:lstStyle/>
+          <a:p>
+            <a:pPr algn="l"/>
+            <a:r>
+              <a:rPr lang="en-US" sz="2400" dirty="0">
+                <a:latin typeface="Comic Sans MS" panose="030F0702030302020204" pitchFamily="66" charset="0"/>
+              </a:rPr>
+              <a:t>Translating into propositional logic</a:t>
+            </a:r>
+            <a:endParaRPr lang="en-US" sz="2400" dirty="0">
+              <a:latin typeface="Comic Sans MS" pitchFamily="66" charset="0"/>
+            </a:endParaRPr>
+          </a:p>
+        </p:txBody>
+      </p:sp>
+      <p:sp>
+        <p:nvSpPr>
+          <p:cNvPr id="3" name="Content Placeholder 2"/>
+          <p:cNvSpPr>
+            <a:spLocks noGrp="1"/>
+          </p:cNvSpPr>
+          <p:nvPr>
+            <p:ph idx="1"/>
+          </p:nvPr>
+        </p:nvSpPr>
+        <p:spPr>
+          <a:xfrm>
+            <a:off x="1524000" y="3048000"/>
+            <a:ext cx="6172200" cy="1066799"/>
+          </a:xfrm>
+        </p:spPr>
+        <p:txBody>
+          <a:bodyPr>
+            <a:normAutofit fontScale="92500" lnSpcReduction="20000"/>
+          </a:bodyPr>
+          <a:lstStyle/>
+          <a:p>
+            <a:pPr marL="0" indent="0">
+              <a:buNone/>
+            </a:pPr>
+            <a:r>
+              <a:rPr lang="en-US" sz="2400" dirty="0">
+                <a:solidFill>
+                  <a:srgbClr val="00B0F0"/>
+                </a:solidFill>
+                <a:latin typeface="Comic Sans MS" panose="030F0702030302020204" pitchFamily="66" charset="0"/>
+              </a:rPr>
+              <a:t>a</a:t>
+            </a:r>
+            <a:r>
+              <a:rPr lang="en-US" sz="2400" dirty="0" smtClean="0">
+                <a:solidFill>
+                  <a:srgbClr val="00B0F0"/>
+                </a:solidFill>
+                <a:latin typeface="Comic Sans MS" panose="030F0702030302020204" pitchFamily="66" charset="0"/>
+              </a:rPr>
+              <a:t>: </a:t>
+            </a:r>
+            <a:r>
+              <a:rPr lang="en-US" sz="2400" dirty="0">
+                <a:latin typeface="Comic Sans MS" panose="030F0702030302020204" pitchFamily="66" charset="0"/>
+              </a:rPr>
+              <a:t>you are a computer science major </a:t>
+            </a:r>
+            <a:endParaRPr lang="en-US" sz="2400" dirty="0" smtClean="0">
+              <a:latin typeface="Comic Sans MS" panose="030F0702030302020204" pitchFamily="66" charset="0"/>
+            </a:endParaRPr>
+          </a:p>
+          <a:p>
+            <a:pPr marL="0" indent="0">
+              <a:buNone/>
+            </a:pPr>
+            <a:r>
+              <a:rPr lang="en-US" sz="2400" dirty="0" smtClean="0">
+                <a:solidFill>
+                  <a:srgbClr val="00B0F0"/>
+                </a:solidFill>
+                <a:latin typeface="Comic Sans MS" panose="030F0702030302020204" pitchFamily="66" charset="0"/>
+              </a:rPr>
+              <a:t>b: </a:t>
+            </a:r>
+            <a:r>
+              <a:rPr lang="en-US" sz="2400" dirty="0" smtClean="0">
+                <a:latin typeface="Comic Sans MS" panose="030F0702030302020204" pitchFamily="66" charset="0"/>
+              </a:rPr>
+              <a:t>you are a freshman</a:t>
+            </a:r>
+          </a:p>
+          <a:p>
+            <a:pPr marL="0" indent="0">
+              <a:buNone/>
+            </a:pPr>
+            <a:r>
+              <a:rPr lang="en-US" sz="2400" dirty="0" smtClean="0">
+                <a:solidFill>
+                  <a:srgbClr val="00B0F0"/>
+                </a:solidFill>
+                <a:latin typeface="Comic Sans MS" panose="030F0702030302020204" pitchFamily="66" charset="0"/>
+              </a:rPr>
+              <a:t>C:</a:t>
+            </a:r>
+            <a:r>
+              <a:rPr lang="en-US" sz="2400" dirty="0" smtClean="0">
+                <a:latin typeface="Comic Sans MS" panose="030F0702030302020204" pitchFamily="66" charset="0"/>
+              </a:rPr>
+              <a:t> you </a:t>
+            </a:r>
+            <a:r>
+              <a:rPr lang="en-US" sz="2400" dirty="0">
+                <a:latin typeface="Comic Sans MS" panose="030F0702030302020204" pitchFamily="66" charset="0"/>
+              </a:rPr>
+              <a:t>can access the Internet from </a:t>
+            </a:r>
+            <a:r>
+              <a:rPr lang="en-US" sz="2400" dirty="0" smtClean="0">
+                <a:latin typeface="Comic Sans MS" panose="030F0702030302020204" pitchFamily="66" charset="0"/>
+              </a:rPr>
+              <a:t>campus</a:t>
+            </a:r>
+            <a:endParaRPr lang="en-US" sz="2400" dirty="0">
+              <a:latin typeface="Comic Sans MS" panose="030F0702030302020204" pitchFamily="66" charset="0"/>
+            </a:endParaRPr>
+          </a:p>
+          <a:p>
+            <a:pPr marL="0" indent="0">
+              <a:buNone/>
+            </a:pPr>
+            <a:endParaRPr lang="en-US" sz="2400" dirty="0" smtClean="0">
+              <a:latin typeface="Comic Sans MS" panose="030F0702030302020204" pitchFamily="66" charset="0"/>
+            </a:endParaRPr>
+          </a:p>
+        </p:txBody>
+      </p:sp>
+      <p:sp>
+        <p:nvSpPr>
+          <p:cNvPr id="4" name="Content Placeholder 2"/>
+          <p:cNvSpPr txBox="1">
+            <a:spLocks/>
+          </p:cNvSpPr>
+          <p:nvPr/>
+        </p:nvSpPr>
+        <p:spPr>
+          <a:xfrm>
+            <a:off x="1219200" y="1371600"/>
+            <a:ext cx="7315200" cy="1447800"/>
+          </a:xfrm>
+          <a:prstGeom prst="rect">
+            <a:avLst/>
+          </a:prstGeom>
+        </p:spPr>
+        <p:txBody>
+          <a:bodyPr vert="horz" lIns="91440" tIns="45720" rIns="91440" bIns="45720" rtlCol="0">
+            <a:normAutofit/>
+          </a:bodyPr>
+          <a:lstStyle>
+            <a:lvl1pPr marL="342900" indent="-342900" algn="l" defTabSz="914400" rtl="0" eaLnBrk="1" latinLnBrk="0" hangingPunct="1">
+              <a:spcBef>
+                <a:spcPct val="20000"/>
+              </a:spcBef>
+              <a:buFont typeface="Arial" pitchFamily="34" charset="0"/>
+              <a:buChar char="•"/>
+              <a:defRPr sz="3200" kern="1200">
+                <a:solidFill>
+                  <a:schemeClr val="tx1"/>
+                </a:solidFill>
+                <a:latin typeface="+mn-lt"/>
+                <a:ea typeface="+mn-ea"/>
+                <a:cs typeface="+mn-cs"/>
+              </a:defRPr>
+            </a:lvl1pPr>
+            <a:lvl2pPr marL="742950" indent="-285750" algn="l" defTabSz="914400" rtl="0" eaLnBrk="1" latinLnBrk="0" hangingPunct="1">
+              <a:spcBef>
+                <a:spcPct val="20000"/>
+              </a:spcBef>
+              <a:buFont typeface="Arial" pitchFamily="34" charset="0"/>
+              <a:buChar char="–"/>
+              <a:defRPr sz="2800" kern="1200">
+                <a:solidFill>
+                  <a:schemeClr val="tx1"/>
+                </a:solidFill>
+                <a:latin typeface="+mn-lt"/>
+                <a:ea typeface="+mn-ea"/>
+                <a:cs typeface="+mn-cs"/>
+              </a:defRPr>
+            </a:lvl2pPr>
+            <a:lvl3pPr marL="1143000" indent="-228600" algn="l" defTabSz="914400" rtl="0" eaLnBrk="1" latinLnBrk="0" hangingPunct="1">
+              <a:spcBef>
+                <a:spcPct val="20000"/>
+              </a:spcBef>
+              <a:buFont typeface="Arial" pitchFamily="34" charset="0"/>
+              <a:buChar char="•"/>
+              <a:defRPr sz="2400" kern="1200">
+                <a:solidFill>
+                  <a:schemeClr val="tx1"/>
+                </a:solidFill>
+                <a:latin typeface="+mn-lt"/>
+                <a:ea typeface="+mn-ea"/>
+                <a:cs typeface="+mn-cs"/>
+              </a:defRPr>
+            </a:lvl3pPr>
+            <a:lvl4pPr marL="1600200" indent="-228600" algn="l" defTabSz="914400" rtl="0" eaLnBrk="1" latinLnBrk="0" hangingPunct="1">
+              <a:spcBef>
+                <a:spcPct val="20000"/>
+              </a:spcBef>
+              <a:buFont typeface="Arial" pitchFamily="34" charset="0"/>
+              <a:buChar char="–"/>
+              <a:defRPr sz="2000" kern="1200">
+                <a:solidFill>
+                  <a:schemeClr val="tx1"/>
+                </a:solidFill>
+                <a:latin typeface="+mn-lt"/>
+                <a:ea typeface="+mn-ea"/>
+                <a:cs typeface="+mn-cs"/>
+              </a:defRPr>
+            </a:lvl4pPr>
+            <a:lvl5pPr marL="2057400" indent="-228600" algn="l" defTabSz="914400" rtl="0" eaLnBrk="1" latinLnBrk="0" hangingPunct="1">
+              <a:spcBef>
+                <a:spcPct val="20000"/>
+              </a:spcBef>
+              <a:buFont typeface="Arial" pitchFamily="34" charset="0"/>
+              <a:buChar char="»"/>
+              <a:defRPr sz="2000" kern="1200">
+                <a:solidFill>
+                  <a:schemeClr val="tx1"/>
+                </a:solidFill>
+                <a:latin typeface="+mn-lt"/>
+                <a:ea typeface="+mn-ea"/>
+                <a:cs typeface="+mn-cs"/>
+              </a:defRPr>
+            </a:lvl5pPr>
+            <a:lvl6pPr marL="2514600" indent="-228600" algn="l" defTabSz="914400" rtl="0" eaLnBrk="1" latinLnBrk="0" hangingPunct="1">
+              <a:spcBef>
+                <a:spcPct val="20000"/>
+              </a:spcBef>
+              <a:buFont typeface="Arial" pitchFamily="34" charset="0"/>
+              <a:buChar char="•"/>
+              <a:defRPr sz="2000" kern="1200">
+                <a:solidFill>
+                  <a:schemeClr val="tx1"/>
+                </a:solidFill>
+                <a:latin typeface="+mn-lt"/>
+                <a:ea typeface="+mn-ea"/>
+                <a:cs typeface="+mn-cs"/>
+              </a:defRPr>
+            </a:lvl6pPr>
+            <a:lvl7pPr marL="2971800" indent="-228600" algn="l" defTabSz="914400" rtl="0" eaLnBrk="1" latinLnBrk="0" hangingPunct="1">
+              <a:spcBef>
+                <a:spcPct val="20000"/>
+              </a:spcBef>
+              <a:buFont typeface="Arial" pitchFamily="34" charset="0"/>
+              <a:buChar char="•"/>
+              <a:defRPr sz="2000" kern="1200">
+                <a:solidFill>
+                  <a:schemeClr val="tx1"/>
+                </a:solidFill>
+                <a:latin typeface="+mn-lt"/>
+                <a:ea typeface="+mn-ea"/>
+                <a:cs typeface="+mn-cs"/>
+              </a:defRPr>
+            </a:lvl7pPr>
+            <a:lvl8pPr marL="3429000" indent="-228600" algn="l" defTabSz="914400" rtl="0" eaLnBrk="1" latinLnBrk="0" hangingPunct="1">
+              <a:spcBef>
+                <a:spcPct val="20000"/>
+              </a:spcBef>
+              <a:buFont typeface="Arial" pitchFamily="34" charset="0"/>
+              <a:buChar char="•"/>
+              <a:defRPr sz="2000" kern="1200">
+                <a:solidFill>
+                  <a:schemeClr val="tx1"/>
+                </a:solidFill>
+                <a:latin typeface="+mn-lt"/>
+                <a:ea typeface="+mn-ea"/>
+                <a:cs typeface="+mn-cs"/>
+              </a:defRPr>
+            </a:lvl8pPr>
+            <a:lvl9pPr marL="3886200" indent="-228600" algn="l" defTabSz="914400" rtl="0" eaLnBrk="1" latinLnBrk="0" hangingPunct="1">
+              <a:spcBef>
+                <a:spcPct val="20000"/>
+              </a:spcBef>
+              <a:buFont typeface="Arial" pitchFamily="34" charset="0"/>
+              <a:buChar char="•"/>
+              <a:defRPr sz="2000" kern="1200">
+                <a:solidFill>
+                  <a:schemeClr val="tx1"/>
+                </a:solidFill>
+                <a:latin typeface="+mn-lt"/>
+                <a:ea typeface="+mn-ea"/>
+                <a:cs typeface="+mn-cs"/>
+              </a:defRPr>
+            </a:lvl9pPr>
+          </a:lstStyle>
+          <a:p>
+            <a:pPr marL="0" indent="0">
+              <a:buNone/>
+            </a:pPr>
+            <a:r>
+              <a:rPr lang="en-US" sz="2400" dirty="0">
+                <a:latin typeface="Comic Sans MS" panose="030F0702030302020204" pitchFamily="66" charset="0"/>
+              </a:rPr>
+              <a:t>you can access the Internet from campus</a:t>
+            </a:r>
+          </a:p>
+          <a:p>
+            <a:pPr marL="0" indent="0">
+              <a:buNone/>
+            </a:pPr>
+            <a:r>
+              <a:rPr lang="en-US" sz="2400" dirty="0">
+                <a:latin typeface="Comic Sans MS" panose="030F0702030302020204" pitchFamily="66" charset="0"/>
+              </a:rPr>
+              <a:t>i</a:t>
+            </a:r>
+            <a:r>
+              <a:rPr lang="en-US" sz="2400" dirty="0" smtClean="0">
+                <a:latin typeface="Comic Sans MS" panose="030F0702030302020204" pitchFamily="66" charset="0"/>
+              </a:rPr>
+              <a:t>f and only if you </a:t>
+            </a:r>
+            <a:r>
+              <a:rPr lang="en-US" sz="2400" dirty="0">
+                <a:latin typeface="Comic Sans MS" panose="030F0702030302020204" pitchFamily="66" charset="0"/>
+              </a:rPr>
+              <a:t>are a computer science major </a:t>
+            </a:r>
+            <a:r>
+              <a:rPr lang="en-US" sz="2400" dirty="0" smtClean="0">
+                <a:latin typeface="Comic Sans MS" panose="030F0702030302020204" pitchFamily="66" charset="0"/>
+              </a:rPr>
+              <a:t>but you are </a:t>
+            </a:r>
+            <a:r>
+              <a:rPr lang="en-US" sz="2400" dirty="0">
+                <a:latin typeface="Comic Sans MS" panose="030F0702030302020204" pitchFamily="66" charset="0"/>
+              </a:rPr>
+              <a:t>not a </a:t>
+            </a:r>
+            <a:r>
+              <a:rPr lang="en-US" sz="2400" dirty="0" smtClean="0">
+                <a:latin typeface="Comic Sans MS" panose="030F0702030302020204" pitchFamily="66" charset="0"/>
+              </a:rPr>
+              <a:t>freshman, </a:t>
+            </a:r>
+            <a:endParaRPr lang="en-US" sz="2400" dirty="0" smtClean="0">
+              <a:latin typeface="Comic Sans MS" pitchFamily="66" charset="0"/>
+            </a:endParaRPr>
+          </a:p>
+        </p:txBody>
+      </p:sp>
+      <p:sp>
+        <p:nvSpPr>
+          <p:cNvPr id="5" name="Content Placeholder 2"/>
+          <p:cNvSpPr txBox="1">
+            <a:spLocks/>
+          </p:cNvSpPr>
+          <p:nvPr/>
+        </p:nvSpPr>
+        <p:spPr>
+          <a:xfrm>
+            <a:off x="2438400" y="4724400"/>
+            <a:ext cx="4038600" cy="1752600"/>
+          </a:xfrm>
+          <a:prstGeom prst="rect">
+            <a:avLst/>
+          </a:prstGeom>
+        </p:spPr>
+        <p:txBody>
+          <a:bodyPr vert="horz" lIns="91440" tIns="45720" rIns="91440" bIns="45720" rtlCol="0">
+            <a:normAutofit/>
+          </a:bodyPr>
+          <a:lstStyle>
+            <a:lvl1pPr marL="342900" indent="-342900" algn="l" defTabSz="914400" rtl="0" eaLnBrk="1" latinLnBrk="0" hangingPunct="1">
+              <a:spcBef>
+                <a:spcPct val="20000"/>
+              </a:spcBef>
+              <a:buFont typeface="Arial" pitchFamily="34" charset="0"/>
+              <a:buChar char="•"/>
+              <a:defRPr sz="3200" kern="1200">
+                <a:solidFill>
+                  <a:schemeClr val="tx1"/>
+                </a:solidFill>
+                <a:latin typeface="+mn-lt"/>
+                <a:ea typeface="+mn-ea"/>
+                <a:cs typeface="+mn-cs"/>
+              </a:defRPr>
+            </a:lvl1pPr>
+            <a:lvl2pPr marL="742950" indent="-285750" algn="l" defTabSz="914400" rtl="0" eaLnBrk="1" latinLnBrk="0" hangingPunct="1">
+              <a:spcBef>
+                <a:spcPct val="20000"/>
+              </a:spcBef>
+              <a:buFont typeface="Arial" pitchFamily="34" charset="0"/>
+              <a:buChar char="–"/>
+              <a:defRPr sz="2800" kern="1200">
+                <a:solidFill>
+                  <a:schemeClr val="tx1"/>
+                </a:solidFill>
+                <a:latin typeface="+mn-lt"/>
+                <a:ea typeface="+mn-ea"/>
+                <a:cs typeface="+mn-cs"/>
+              </a:defRPr>
+            </a:lvl2pPr>
+            <a:lvl3pPr marL="1143000" indent="-228600" algn="l" defTabSz="914400" rtl="0" eaLnBrk="1" latinLnBrk="0" hangingPunct="1">
+              <a:spcBef>
+                <a:spcPct val="20000"/>
+              </a:spcBef>
+              <a:buFont typeface="Arial" pitchFamily="34" charset="0"/>
+              <a:buChar char="•"/>
+              <a:defRPr sz="2400" kern="1200">
+                <a:solidFill>
+                  <a:schemeClr val="tx1"/>
+                </a:solidFill>
+                <a:latin typeface="+mn-lt"/>
+                <a:ea typeface="+mn-ea"/>
+                <a:cs typeface="+mn-cs"/>
+              </a:defRPr>
+            </a:lvl3pPr>
+            <a:lvl4pPr marL="1600200" indent="-228600" algn="l" defTabSz="914400" rtl="0" eaLnBrk="1" latinLnBrk="0" hangingPunct="1">
+              <a:spcBef>
+                <a:spcPct val="20000"/>
+              </a:spcBef>
+              <a:buFont typeface="Arial" pitchFamily="34" charset="0"/>
+              <a:buChar char="–"/>
+              <a:defRPr sz="2000" kern="1200">
+                <a:solidFill>
+                  <a:schemeClr val="tx1"/>
+                </a:solidFill>
+                <a:latin typeface="+mn-lt"/>
+                <a:ea typeface="+mn-ea"/>
+                <a:cs typeface="+mn-cs"/>
+              </a:defRPr>
+            </a:lvl4pPr>
+            <a:lvl5pPr marL="2057400" indent="-228600" algn="l" defTabSz="914400" rtl="0" eaLnBrk="1" latinLnBrk="0" hangingPunct="1">
+              <a:spcBef>
+                <a:spcPct val="20000"/>
+              </a:spcBef>
+              <a:buFont typeface="Arial" pitchFamily="34" charset="0"/>
+              <a:buChar char="»"/>
+              <a:defRPr sz="2000" kern="1200">
+                <a:solidFill>
+                  <a:schemeClr val="tx1"/>
+                </a:solidFill>
+                <a:latin typeface="+mn-lt"/>
+                <a:ea typeface="+mn-ea"/>
+                <a:cs typeface="+mn-cs"/>
+              </a:defRPr>
+            </a:lvl5pPr>
+            <a:lvl6pPr marL="2514600" indent="-228600" algn="l" defTabSz="914400" rtl="0" eaLnBrk="1" latinLnBrk="0" hangingPunct="1">
+              <a:spcBef>
+                <a:spcPct val="20000"/>
+              </a:spcBef>
+              <a:buFont typeface="Arial" pitchFamily="34" charset="0"/>
+              <a:buChar char="•"/>
+              <a:defRPr sz="2000" kern="1200">
+                <a:solidFill>
+                  <a:schemeClr val="tx1"/>
+                </a:solidFill>
+                <a:latin typeface="+mn-lt"/>
+                <a:ea typeface="+mn-ea"/>
+                <a:cs typeface="+mn-cs"/>
+              </a:defRPr>
+            </a:lvl6pPr>
+            <a:lvl7pPr marL="2971800" indent="-228600" algn="l" defTabSz="914400" rtl="0" eaLnBrk="1" latinLnBrk="0" hangingPunct="1">
+              <a:spcBef>
+                <a:spcPct val="20000"/>
+              </a:spcBef>
+              <a:buFont typeface="Arial" pitchFamily="34" charset="0"/>
+              <a:buChar char="•"/>
+              <a:defRPr sz="2000" kern="1200">
+                <a:solidFill>
+                  <a:schemeClr val="tx1"/>
+                </a:solidFill>
+                <a:latin typeface="+mn-lt"/>
+                <a:ea typeface="+mn-ea"/>
+                <a:cs typeface="+mn-cs"/>
+              </a:defRPr>
+            </a:lvl7pPr>
+            <a:lvl8pPr marL="3429000" indent="-228600" algn="l" defTabSz="914400" rtl="0" eaLnBrk="1" latinLnBrk="0" hangingPunct="1">
+              <a:spcBef>
+                <a:spcPct val="20000"/>
+              </a:spcBef>
+              <a:buFont typeface="Arial" pitchFamily="34" charset="0"/>
+              <a:buChar char="•"/>
+              <a:defRPr sz="2000" kern="1200">
+                <a:solidFill>
+                  <a:schemeClr val="tx1"/>
+                </a:solidFill>
+                <a:latin typeface="+mn-lt"/>
+                <a:ea typeface="+mn-ea"/>
+                <a:cs typeface="+mn-cs"/>
+              </a:defRPr>
+            </a:lvl8pPr>
+            <a:lvl9pPr marL="3886200" indent="-228600" algn="l" defTabSz="914400" rtl="0" eaLnBrk="1" latinLnBrk="0" hangingPunct="1">
+              <a:spcBef>
+                <a:spcPct val="20000"/>
+              </a:spcBef>
+              <a:buFont typeface="Arial" pitchFamily="34" charset="0"/>
+              <a:buChar char="•"/>
+              <a:defRPr sz="2000" kern="1200">
+                <a:solidFill>
+                  <a:schemeClr val="tx1"/>
+                </a:solidFill>
+                <a:latin typeface="+mn-lt"/>
+                <a:ea typeface="+mn-ea"/>
+                <a:cs typeface="+mn-cs"/>
+              </a:defRPr>
+            </a:lvl9pPr>
+          </a:lstStyle>
+          <a:p>
+            <a:pPr marL="0" indent="0" algn="ctr">
+              <a:buFont typeface="Arial" pitchFamily="34" charset="0"/>
+              <a:buNone/>
+            </a:pPr>
+            <a:endParaRPr lang="en-US" sz="2400" dirty="0" smtClean="0">
+              <a:latin typeface="Comic Sans MS" panose="030F0702030302020204" pitchFamily="66" charset="0"/>
+            </a:endParaRPr>
+          </a:p>
+        </p:txBody>
+      </p:sp>
+      <p:sp>
+        <p:nvSpPr>
+          <p:cNvPr id="6" name="Content Placeholder 2"/>
+          <p:cNvSpPr txBox="1">
+            <a:spLocks/>
+          </p:cNvSpPr>
+          <p:nvPr/>
+        </p:nvSpPr>
+        <p:spPr>
+          <a:xfrm>
+            <a:off x="2362200" y="4800600"/>
+            <a:ext cx="4038600" cy="685800"/>
+          </a:xfrm>
+          <a:prstGeom prst="rect">
+            <a:avLst/>
+          </a:prstGeom>
+        </p:spPr>
+        <p:txBody>
+          <a:bodyPr vert="horz" lIns="91440" tIns="45720" rIns="91440" bIns="45720" rtlCol="0">
+            <a:normAutofit/>
+          </a:bodyPr>
+          <a:lstStyle>
+            <a:lvl1pPr marL="342900" indent="-342900" algn="l" defTabSz="914400" rtl="0" eaLnBrk="1" latinLnBrk="0" hangingPunct="1">
+              <a:spcBef>
+                <a:spcPct val="20000"/>
+              </a:spcBef>
+              <a:buFont typeface="Arial" pitchFamily="34" charset="0"/>
+              <a:buChar char="•"/>
+              <a:defRPr sz="3200" kern="1200">
+                <a:solidFill>
+                  <a:schemeClr val="tx1"/>
+                </a:solidFill>
+                <a:latin typeface="+mn-lt"/>
+                <a:ea typeface="+mn-ea"/>
+                <a:cs typeface="+mn-cs"/>
+              </a:defRPr>
+            </a:lvl1pPr>
+            <a:lvl2pPr marL="742950" indent="-285750" algn="l" defTabSz="914400" rtl="0" eaLnBrk="1" latinLnBrk="0" hangingPunct="1">
+              <a:spcBef>
+                <a:spcPct val="20000"/>
+              </a:spcBef>
+              <a:buFont typeface="Arial" pitchFamily="34" charset="0"/>
+              <a:buChar char="–"/>
+              <a:defRPr sz="2800" kern="1200">
+                <a:solidFill>
+                  <a:schemeClr val="tx1"/>
+                </a:solidFill>
+                <a:latin typeface="+mn-lt"/>
+                <a:ea typeface="+mn-ea"/>
+                <a:cs typeface="+mn-cs"/>
+              </a:defRPr>
+            </a:lvl2pPr>
+            <a:lvl3pPr marL="1143000" indent="-228600" algn="l" defTabSz="914400" rtl="0" eaLnBrk="1" latinLnBrk="0" hangingPunct="1">
+              <a:spcBef>
+                <a:spcPct val="20000"/>
+              </a:spcBef>
+              <a:buFont typeface="Arial" pitchFamily="34" charset="0"/>
+              <a:buChar char="•"/>
+              <a:defRPr sz="2400" kern="1200">
+                <a:solidFill>
+                  <a:schemeClr val="tx1"/>
+                </a:solidFill>
+                <a:latin typeface="+mn-lt"/>
+                <a:ea typeface="+mn-ea"/>
+                <a:cs typeface="+mn-cs"/>
+              </a:defRPr>
+            </a:lvl3pPr>
+            <a:lvl4pPr marL="1600200" indent="-228600" algn="l" defTabSz="914400" rtl="0" eaLnBrk="1" latinLnBrk="0" hangingPunct="1">
+              <a:spcBef>
+                <a:spcPct val="20000"/>
+              </a:spcBef>
+              <a:buFont typeface="Arial" pitchFamily="34" charset="0"/>
+              <a:buChar char="–"/>
+              <a:defRPr sz="2000" kern="1200">
+                <a:solidFill>
+                  <a:schemeClr val="tx1"/>
+                </a:solidFill>
+                <a:latin typeface="+mn-lt"/>
+                <a:ea typeface="+mn-ea"/>
+                <a:cs typeface="+mn-cs"/>
+              </a:defRPr>
+            </a:lvl4pPr>
+            <a:lvl5pPr marL="2057400" indent="-228600" algn="l" defTabSz="914400" rtl="0" eaLnBrk="1" latinLnBrk="0" hangingPunct="1">
+              <a:spcBef>
+                <a:spcPct val="20000"/>
+              </a:spcBef>
+              <a:buFont typeface="Arial" pitchFamily="34" charset="0"/>
+              <a:buChar char="»"/>
+              <a:defRPr sz="2000" kern="1200">
+                <a:solidFill>
+                  <a:schemeClr val="tx1"/>
+                </a:solidFill>
+                <a:latin typeface="+mn-lt"/>
+                <a:ea typeface="+mn-ea"/>
+                <a:cs typeface="+mn-cs"/>
+              </a:defRPr>
+            </a:lvl5pPr>
+            <a:lvl6pPr marL="2514600" indent="-228600" algn="l" defTabSz="914400" rtl="0" eaLnBrk="1" latinLnBrk="0" hangingPunct="1">
+              <a:spcBef>
+                <a:spcPct val="20000"/>
+              </a:spcBef>
+              <a:buFont typeface="Arial" pitchFamily="34" charset="0"/>
+              <a:buChar char="•"/>
+              <a:defRPr sz="2000" kern="1200">
+                <a:solidFill>
+                  <a:schemeClr val="tx1"/>
+                </a:solidFill>
+                <a:latin typeface="+mn-lt"/>
+                <a:ea typeface="+mn-ea"/>
+                <a:cs typeface="+mn-cs"/>
+              </a:defRPr>
+            </a:lvl6pPr>
+            <a:lvl7pPr marL="2971800" indent="-228600" algn="l" defTabSz="914400" rtl="0" eaLnBrk="1" latinLnBrk="0" hangingPunct="1">
+              <a:spcBef>
+                <a:spcPct val="20000"/>
+              </a:spcBef>
+              <a:buFont typeface="Arial" pitchFamily="34" charset="0"/>
+              <a:buChar char="•"/>
+              <a:defRPr sz="2000" kern="1200">
+                <a:solidFill>
+                  <a:schemeClr val="tx1"/>
+                </a:solidFill>
+                <a:latin typeface="+mn-lt"/>
+                <a:ea typeface="+mn-ea"/>
+                <a:cs typeface="+mn-cs"/>
+              </a:defRPr>
+            </a:lvl7pPr>
+            <a:lvl8pPr marL="3429000" indent="-228600" algn="l" defTabSz="914400" rtl="0" eaLnBrk="1" latinLnBrk="0" hangingPunct="1">
+              <a:spcBef>
+                <a:spcPct val="20000"/>
+              </a:spcBef>
+              <a:buFont typeface="Arial" pitchFamily="34" charset="0"/>
+              <a:buChar char="•"/>
+              <a:defRPr sz="2000" kern="1200">
+                <a:solidFill>
+                  <a:schemeClr val="tx1"/>
+                </a:solidFill>
+                <a:latin typeface="+mn-lt"/>
+                <a:ea typeface="+mn-ea"/>
+                <a:cs typeface="+mn-cs"/>
+              </a:defRPr>
+            </a:lvl8pPr>
+            <a:lvl9pPr marL="3886200" indent="-228600" algn="l" defTabSz="914400" rtl="0" eaLnBrk="1" latinLnBrk="0" hangingPunct="1">
+              <a:spcBef>
+                <a:spcPct val="20000"/>
+              </a:spcBef>
+              <a:buFont typeface="Arial" pitchFamily="34" charset="0"/>
+              <a:buChar char="•"/>
+              <a:defRPr sz="2000" kern="1200">
+                <a:solidFill>
+                  <a:schemeClr val="tx1"/>
+                </a:solidFill>
+                <a:latin typeface="+mn-lt"/>
+                <a:ea typeface="+mn-ea"/>
+                <a:cs typeface="+mn-cs"/>
+              </a:defRPr>
+            </a:lvl9pPr>
+          </a:lstStyle>
+          <a:p>
+            <a:pPr marL="0" indent="0" algn="ctr">
+              <a:buNone/>
+            </a:pPr>
+            <a:r>
+              <a:rPr lang="en-US" sz="2400" dirty="0" smtClean="0">
+                <a:latin typeface="Comic Sans MS" panose="030F0702030302020204" pitchFamily="66" charset="0"/>
+              </a:rPr>
+              <a:t>a </a:t>
+            </a:r>
+            <a:r>
+              <a:rPr lang="en-US" sz="2400" dirty="0">
+                <a:latin typeface="Comic Sans MS" panose="030F0702030302020204" pitchFamily="66" charset="0"/>
+              </a:rPr>
+              <a:t>∧ </a:t>
+            </a:r>
+            <a:r>
+              <a:rPr lang="en-US" sz="2400" dirty="0" smtClean="0">
+                <a:latin typeface="Comic Sans MS" panose="030F0702030302020204" pitchFamily="66" charset="0"/>
+              </a:rPr>
+              <a:t>￢ b </a:t>
+            </a:r>
+            <a:r>
+              <a:rPr lang="en-US" sz="2400" dirty="0">
+                <a:latin typeface="Comic Sans MS" panose="030F0702030302020204" pitchFamily="66" charset="0"/>
+              </a:rPr>
+              <a:t>↔</a:t>
+            </a:r>
+            <a:r>
+              <a:rPr lang="en-US" sz="2400" dirty="0" smtClean="0">
+                <a:latin typeface="Comic Sans MS" panose="030F0702030302020204" pitchFamily="66" charset="0"/>
+              </a:rPr>
+              <a:t> </a:t>
+            </a:r>
+            <a:r>
+              <a:rPr lang="en-US" sz="2400" dirty="0">
+                <a:latin typeface="Comic Sans MS" panose="030F0702030302020204" pitchFamily="66" charset="0"/>
+              </a:rPr>
+              <a:t>c</a:t>
+            </a:r>
+          </a:p>
+          <a:p>
+            <a:pPr marL="0" indent="0" algn="ctr">
+              <a:buFont typeface="Arial" pitchFamily="34" charset="0"/>
+              <a:buNone/>
+            </a:pPr>
+            <a:endParaRPr lang="en-US" sz="2400" dirty="0" smtClean="0">
+              <a:latin typeface="Comic Sans MS" pitchFamily="66" charset="0"/>
+            </a:endParaRPr>
+          </a:p>
+        </p:txBody>
+      </p:sp>
+    </p:spTree>
+    <p:extLst>
+      <p:ext uri="{BB962C8B-B14F-4D97-AF65-F5344CB8AC3E}">
+        <p14:creationId xmlns:p14="http://schemas.microsoft.com/office/powerpoint/2010/main" val="970049864"/>
+      </p:ext>
+    </p:extLst>
+  </p:cSld>
+  <p:clrMapOvr>
+    <a:masterClrMapping/>
+  </p:clrMapOvr>
+  <p:timing>
+    <p:tnLst>
+      <p:par>
+        <p:cTn id="1" dur="indefinite" restart="never" nodeType="tmRoot">
+          <p:childTnLst>
+            <p:seq concurrent="1" nextAc="seek">
+              <p:cTn id="2" dur="indefinite" nodeType="mainSeq">
+                <p:childTnLst>
+                  <p:par>
+                    <p:cTn id="3" fill="hold">
+                      <p:stCondLst>
+                        <p:cond delay="indefinite"/>
+                      </p:stCondLst>
+                      <p:childTnLst>
+                        <p:par>
+                          <p:cTn id="4" fill="hold">
+                            <p:stCondLst>
+                              <p:cond delay="0"/>
+                            </p:stCondLst>
+                            <p:childTnLst>
+                              <p:par>
+                                <p:cTn id="5" presetID="1" presetClass="entr" presetSubtype="0" fill="hold" grpId="0" nodeType="clickEffect">
+                                  <p:stCondLst>
+                                    <p:cond delay="0"/>
+                                  </p:stCondLst>
+                                  <p:childTnLst>
+                                    <p:set>
+                                      <p:cBhvr>
+                                        <p:cTn id="6" dur="1" fill="hold">
+                                          <p:stCondLst>
+                                            <p:cond delay="0"/>
+                                          </p:stCondLst>
+                                        </p:cTn>
+                                        <p:tgtEl>
+                                          <p:spTgt spid="3">
+                                            <p:txEl>
+                                              <p:pRg st="0" end="0"/>
+                                            </p:txEl>
+                                          </p:spTgt>
+                                        </p:tgtEl>
+                                        <p:attrNameLst>
+                                          <p:attrName>style.visibility</p:attrName>
+                                        </p:attrNameLst>
+                                      </p:cBhvr>
+                                      <p:to>
+                                        <p:strVal val="visible"/>
+                                      </p:to>
+                                    </p:set>
+                                  </p:childTnLst>
+                                </p:cTn>
+                              </p:par>
+                            </p:childTnLst>
+                          </p:cTn>
+                        </p:par>
+                      </p:childTnLst>
+                    </p:cTn>
+                  </p:par>
+                  <p:par>
+                    <p:cTn id="7" fill="hold">
+                      <p:stCondLst>
+                        <p:cond delay="indefinite"/>
+                      </p:stCondLst>
+                      <p:childTnLst>
+                        <p:par>
+                          <p:cTn id="8" fill="hold">
+                            <p:stCondLst>
+                              <p:cond delay="0"/>
+                            </p:stCondLst>
+                            <p:childTnLst>
+                              <p:par>
+                                <p:cTn id="9" presetID="1" presetClass="entr" presetSubtype="0" fill="hold" grpId="0" nodeType="clickEffect">
+                                  <p:stCondLst>
+                                    <p:cond delay="0"/>
+                                  </p:stCondLst>
+                                  <p:childTnLst>
+                                    <p:set>
+                                      <p:cBhvr>
+                                        <p:cTn id="10" dur="1" fill="hold">
+                                          <p:stCondLst>
+                                            <p:cond delay="0"/>
+                                          </p:stCondLst>
+                                        </p:cTn>
+                                        <p:tgtEl>
+                                          <p:spTgt spid="3">
+                                            <p:txEl>
+                                              <p:pRg st="1" end="1"/>
+                                            </p:txEl>
+                                          </p:spTgt>
+                                        </p:tgtEl>
+                                        <p:attrNameLst>
+                                          <p:attrName>style.visibility</p:attrName>
+                                        </p:attrNameLst>
+                                      </p:cBhvr>
+                                      <p:to>
+                                        <p:strVal val="visible"/>
+                                      </p:to>
+                                    </p:set>
+                                  </p:childTnLst>
+                                </p:cTn>
+                              </p:par>
+                            </p:childTnLst>
+                          </p:cTn>
+                        </p:par>
+                      </p:childTnLst>
+                    </p:cTn>
+                  </p:par>
+                  <p:par>
+                    <p:cTn id="11" fill="hold">
+                      <p:stCondLst>
+                        <p:cond delay="indefinite"/>
+                      </p:stCondLst>
+                      <p:childTnLst>
+                        <p:par>
+                          <p:cTn id="12" fill="hold">
+                            <p:stCondLst>
+                              <p:cond delay="0"/>
+                            </p:stCondLst>
+                            <p:childTnLst>
+                              <p:par>
+                                <p:cTn id="13" presetID="1" presetClass="entr" presetSubtype="0" fill="hold" grpId="0" nodeType="clickEffect">
+                                  <p:stCondLst>
+                                    <p:cond delay="0"/>
+                                  </p:stCondLst>
+                                  <p:childTnLst>
+                                    <p:set>
+                                      <p:cBhvr>
+                                        <p:cTn id="14" dur="1" fill="hold">
+                                          <p:stCondLst>
+                                            <p:cond delay="0"/>
+                                          </p:stCondLst>
+                                        </p:cTn>
+                                        <p:tgtEl>
+                                          <p:spTgt spid="3">
+                                            <p:txEl>
+                                              <p:pRg st="2" end="2"/>
+                                            </p:txEl>
+                                          </p:spTgt>
+                                        </p:tgtEl>
+                                        <p:attrNameLst>
+                                          <p:attrName>style.visibility</p:attrName>
+                                        </p:attrNameLst>
+                                      </p:cBhvr>
+                                      <p:to>
+                                        <p:strVal val="visible"/>
+                                      </p:to>
+                                    </p:set>
+                                  </p:childTnLst>
+                                </p:cTn>
+                              </p:par>
+                            </p:childTnLst>
+                          </p:cTn>
+                        </p:par>
+                      </p:childTnLst>
+                    </p:cTn>
+                  </p:par>
+                  <p:par>
+                    <p:cTn id="15" fill="hold">
+                      <p:stCondLst>
+                        <p:cond delay="indefinite"/>
+                      </p:stCondLst>
+                      <p:childTnLst>
+                        <p:par>
+                          <p:cTn id="16" fill="hold">
+                            <p:stCondLst>
+                              <p:cond delay="0"/>
+                            </p:stCondLst>
+                            <p:childTnLst>
+                              <p:par>
+                                <p:cTn id="17" presetID="1" presetClass="entr" presetSubtype="0" fill="hold" grpId="0" nodeType="clickEffect">
+                                  <p:stCondLst>
+                                    <p:cond delay="0"/>
+                                  </p:stCondLst>
+                                  <p:childTnLst>
+                                    <p:set>
+                                      <p:cBhvr>
+                                        <p:cTn id="18" dur="1" fill="hold">
+                                          <p:stCondLst>
+                                            <p:cond delay="0"/>
+                                          </p:stCondLst>
+                                        </p:cTn>
+                                        <p:tgtEl>
+                                          <p:spTgt spid="6"/>
+                                        </p:tgtEl>
+                                        <p:attrNameLst>
+                                          <p:attrName>style.visibility</p:attrName>
+                                        </p:attrNameLst>
+                                      </p:cBhvr>
+                                      <p:to>
+                                        <p:strVal val="visible"/>
+                                      </p:to>
+                                    </p:set>
+                                  </p:childTnLst>
+                                </p:cTn>
+                              </p:par>
+                            </p:childTnLst>
+                          </p:cTn>
+                        </p:par>
+                      </p:childTnLst>
+                    </p:cTn>
+                  </p:par>
+                </p:childTnLst>
+              </p:cTn>
+              <p:prevCondLst>
+                <p:cond evt="onPrev" delay="0">
+                  <p:tgtEl>
+                    <p:sldTgt/>
+                  </p:tgtEl>
+                </p:cond>
+              </p:prevCondLst>
+              <p:nextCondLst>
+                <p:cond evt="onNext" delay="0">
+                  <p:tgtEl>
+                    <p:sldTgt/>
+                  </p:tgtEl>
+                </p:cond>
+              </p:nextCondLst>
+            </p:seq>
+          </p:childTnLst>
+        </p:cTn>
+      </p:par>
+    </p:tnLst>
+    <p:bldLst>
+      <p:bldP spid="3" grpId="0" build="p"/>
+      <p:bldP spid="6" grpId="0"/>
+    </p:bldLst>
+  </p:timing>
+</p:sld>
+</file>
+
+<file path=ppt/slides/slide55.xml><?xml version="1.0" encoding="utf-8"?>
+<p:sld xmlns:a="http://schemas.openxmlformats.org/drawingml/2006/main" xmlns:r="http://schemas.openxmlformats.org/officeDocument/2006/relationships" xmlns:p="http://schemas.openxmlformats.org/presentationml/2006/main">
+  <p:cSld>
+    <p:spTree>
+      <p:nvGrpSpPr>
+        <p:cNvPr id="1" name=""/>
+        <p:cNvGrpSpPr/>
+        <p:nvPr/>
+      </p:nvGrpSpPr>
+      <p:grpSpPr>
+        <a:xfrm>
+          <a:off x="0" y="0"/>
+          <a:ext cx="0" cy="0"/>
+          <a:chOff x="0" y="0"/>
+          <a:chExt cx="0" cy="0"/>
+        </a:xfrm>
+      </p:grpSpPr>
+      <p:sp>
+        <p:nvSpPr>
+          <p:cNvPr id="2" name="Title 1"/>
+          <p:cNvSpPr>
+            <a:spLocks noGrp="1"/>
+          </p:cNvSpPr>
+          <p:nvPr>
+            <p:ph type="ctrTitle"/>
+          </p:nvPr>
+        </p:nvSpPr>
+        <p:spPr/>
+        <p:txBody>
+          <a:bodyPr/>
+          <a:lstStyle/>
+          <a:p>
+            <a:r>
+              <a:rPr lang="en-US" dirty="0" smtClean="0">
+                <a:latin typeface="Comic Sans MS" pitchFamily="66" charset="0"/>
+              </a:rPr>
+              <a:t>Negation of </a:t>
+            </a:r>
+            <a:br>
+              <a:rPr lang="en-US" dirty="0" smtClean="0">
+                <a:latin typeface="Comic Sans MS" pitchFamily="66" charset="0"/>
+              </a:rPr>
+            </a:br>
+            <a:r>
+              <a:rPr lang="en-US" dirty="0" smtClean="0">
+                <a:latin typeface="Comic Sans MS" pitchFamily="66" charset="0"/>
+              </a:rPr>
+              <a:t>propositional logic</a:t>
+            </a:r>
+            <a:endParaRPr lang="en-US" dirty="0">
+              <a:latin typeface="Comic Sans MS" pitchFamily="66" charset="0"/>
+            </a:endParaRPr>
+          </a:p>
+        </p:txBody>
+      </p:sp>
+    </p:spTree>
+    <p:extLst>
+      <p:ext uri="{BB962C8B-B14F-4D97-AF65-F5344CB8AC3E}">
+        <p14:creationId xmlns:p14="http://schemas.microsoft.com/office/powerpoint/2010/main" val="3814790467"/>
+      </p:ext>
+    </p:extLst>
+  </p:cSld>
+  <p:clrMapOvr>
+    <a:masterClrMapping/>
+  </p:clrMapOvr>
+  <p:timing>
+    <p:tnLst>
+      <p:par>
+        <p:cTn id="1" dur="indefinite" restart="never" nodeType="tmRoot"/>
+      </p:par>
+    </p:tnLst>
+  </p:timing>
+</p:sld>
+</file>
+
+<file path=ppt/slides/slide56.xml><?xml version="1.0" encoding="utf-8"?>
+<p:sld xmlns:a="http://schemas.openxmlformats.org/drawingml/2006/main" xmlns:r="http://schemas.openxmlformats.org/officeDocument/2006/relationships" xmlns:p="http://schemas.openxmlformats.org/presentationml/2006/main">
+  <p:cSld>
+    <p:spTree>
+      <p:nvGrpSpPr>
+        <p:cNvPr id="1" name=""/>
+        <p:cNvGrpSpPr/>
+        <p:nvPr/>
+      </p:nvGrpSpPr>
+      <p:grpSpPr>
+        <a:xfrm>
+          <a:off x="0" y="0"/>
+          <a:ext cx="0" cy="0"/>
+          <a:chOff x="0" y="0"/>
+          <a:chExt cx="0" cy="0"/>
+        </a:xfrm>
+      </p:grpSpPr>
+      <p:sp>
+        <p:nvSpPr>
+          <p:cNvPr id="2" name="Title 1"/>
+          <p:cNvSpPr>
+            <a:spLocks noGrp="1"/>
+          </p:cNvSpPr>
+          <p:nvPr>
+            <p:ph type="title"/>
+          </p:nvPr>
+        </p:nvSpPr>
+        <p:spPr/>
+        <p:txBody>
+          <a:bodyPr>
+            <a:normAutofit/>
+          </a:bodyPr>
+          <a:lstStyle/>
+          <a:p>
+            <a:pPr algn="l"/>
+            <a:r>
+              <a:rPr lang="en-US" sz="2400" dirty="0" smtClean="0">
+                <a:latin typeface="Comic Sans MS" panose="030F0702030302020204" pitchFamily="66" charset="0"/>
+              </a:rPr>
+              <a:t>De Morgan’s Las</a:t>
+            </a:r>
+            <a:endParaRPr lang="en-US" sz="2400" dirty="0">
+              <a:latin typeface="Comic Sans MS" pitchFamily="66" charset="0"/>
+            </a:endParaRPr>
+          </a:p>
+        </p:txBody>
+      </p:sp>
+      <p:sp>
+        <p:nvSpPr>
+          <p:cNvPr id="4" name="Content Placeholder 2"/>
+          <p:cNvSpPr txBox="1">
+            <a:spLocks/>
+          </p:cNvSpPr>
+          <p:nvPr/>
+        </p:nvSpPr>
+        <p:spPr>
+          <a:xfrm>
+            <a:off x="2286000" y="1981200"/>
+            <a:ext cx="4724400" cy="1905000"/>
+          </a:xfrm>
+          <a:prstGeom prst="rect">
+            <a:avLst/>
+          </a:prstGeom>
+        </p:spPr>
+        <p:txBody>
+          <a:bodyPr vert="horz" lIns="91440" tIns="45720" rIns="91440" bIns="45720" rtlCol="0">
+            <a:normAutofit/>
+          </a:bodyPr>
+          <a:lstStyle>
+            <a:lvl1pPr marL="342900" indent="-342900" algn="l" defTabSz="914400" rtl="0" eaLnBrk="1" latinLnBrk="0" hangingPunct="1">
+              <a:spcBef>
+                <a:spcPct val="20000"/>
+              </a:spcBef>
+              <a:buFont typeface="Arial" pitchFamily="34" charset="0"/>
+              <a:buChar char="•"/>
+              <a:defRPr sz="3200" kern="1200">
+                <a:solidFill>
+                  <a:schemeClr val="tx1"/>
+                </a:solidFill>
+                <a:latin typeface="+mn-lt"/>
+                <a:ea typeface="+mn-ea"/>
+                <a:cs typeface="+mn-cs"/>
+              </a:defRPr>
+            </a:lvl1pPr>
+            <a:lvl2pPr marL="742950" indent="-285750" algn="l" defTabSz="914400" rtl="0" eaLnBrk="1" latinLnBrk="0" hangingPunct="1">
+              <a:spcBef>
+                <a:spcPct val="20000"/>
+              </a:spcBef>
+              <a:buFont typeface="Arial" pitchFamily="34" charset="0"/>
+              <a:buChar char="–"/>
+              <a:defRPr sz="2800" kern="1200">
+                <a:solidFill>
+                  <a:schemeClr val="tx1"/>
+                </a:solidFill>
+                <a:latin typeface="+mn-lt"/>
+                <a:ea typeface="+mn-ea"/>
+                <a:cs typeface="+mn-cs"/>
+              </a:defRPr>
+            </a:lvl2pPr>
+            <a:lvl3pPr marL="1143000" indent="-228600" algn="l" defTabSz="914400" rtl="0" eaLnBrk="1" latinLnBrk="0" hangingPunct="1">
+              <a:spcBef>
+                <a:spcPct val="20000"/>
+              </a:spcBef>
+              <a:buFont typeface="Arial" pitchFamily="34" charset="0"/>
+              <a:buChar char="•"/>
+              <a:defRPr sz="2400" kern="1200">
+                <a:solidFill>
+                  <a:schemeClr val="tx1"/>
+                </a:solidFill>
+                <a:latin typeface="+mn-lt"/>
+                <a:ea typeface="+mn-ea"/>
+                <a:cs typeface="+mn-cs"/>
+              </a:defRPr>
+            </a:lvl3pPr>
+            <a:lvl4pPr marL="1600200" indent="-228600" algn="l" defTabSz="914400" rtl="0" eaLnBrk="1" latinLnBrk="0" hangingPunct="1">
+              <a:spcBef>
+                <a:spcPct val="20000"/>
+              </a:spcBef>
+              <a:buFont typeface="Arial" pitchFamily="34" charset="0"/>
+              <a:buChar char="–"/>
+              <a:defRPr sz="2000" kern="1200">
+                <a:solidFill>
+                  <a:schemeClr val="tx1"/>
+                </a:solidFill>
+                <a:latin typeface="+mn-lt"/>
+                <a:ea typeface="+mn-ea"/>
+                <a:cs typeface="+mn-cs"/>
+              </a:defRPr>
+            </a:lvl4pPr>
+            <a:lvl5pPr marL="2057400" indent="-228600" algn="l" defTabSz="914400" rtl="0" eaLnBrk="1" latinLnBrk="0" hangingPunct="1">
+              <a:spcBef>
+                <a:spcPct val="20000"/>
+              </a:spcBef>
+              <a:buFont typeface="Arial" pitchFamily="34" charset="0"/>
+              <a:buChar char="»"/>
+              <a:defRPr sz="2000" kern="1200">
+                <a:solidFill>
+                  <a:schemeClr val="tx1"/>
+                </a:solidFill>
+                <a:latin typeface="+mn-lt"/>
+                <a:ea typeface="+mn-ea"/>
+                <a:cs typeface="+mn-cs"/>
+              </a:defRPr>
+            </a:lvl5pPr>
+            <a:lvl6pPr marL="2514600" indent="-228600" algn="l" defTabSz="914400" rtl="0" eaLnBrk="1" latinLnBrk="0" hangingPunct="1">
+              <a:spcBef>
+                <a:spcPct val="20000"/>
+              </a:spcBef>
+              <a:buFont typeface="Arial" pitchFamily="34" charset="0"/>
+              <a:buChar char="•"/>
+              <a:defRPr sz="2000" kern="1200">
+                <a:solidFill>
+                  <a:schemeClr val="tx1"/>
+                </a:solidFill>
+                <a:latin typeface="+mn-lt"/>
+                <a:ea typeface="+mn-ea"/>
+                <a:cs typeface="+mn-cs"/>
+              </a:defRPr>
+            </a:lvl6pPr>
+            <a:lvl7pPr marL="2971800" indent="-228600" algn="l" defTabSz="914400" rtl="0" eaLnBrk="1" latinLnBrk="0" hangingPunct="1">
+              <a:spcBef>
+                <a:spcPct val="20000"/>
+              </a:spcBef>
+              <a:buFont typeface="Arial" pitchFamily="34" charset="0"/>
+              <a:buChar char="•"/>
+              <a:defRPr sz="2000" kern="1200">
+                <a:solidFill>
+                  <a:schemeClr val="tx1"/>
+                </a:solidFill>
+                <a:latin typeface="+mn-lt"/>
+                <a:ea typeface="+mn-ea"/>
+                <a:cs typeface="+mn-cs"/>
+              </a:defRPr>
+            </a:lvl7pPr>
+            <a:lvl8pPr marL="3429000" indent="-228600" algn="l" defTabSz="914400" rtl="0" eaLnBrk="1" latinLnBrk="0" hangingPunct="1">
+              <a:spcBef>
+                <a:spcPct val="20000"/>
+              </a:spcBef>
+              <a:buFont typeface="Arial" pitchFamily="34" charset="0"/>
+              <a:buChar char="•"/>
+              <a:defRPr sz="2000" kern="1200">
+                <a:solidFill>
+                  <a:schemeClr val="tx1"/>
+                </a:solidFill>
+                <a:latin typeface="+mn-lt"/>
+                <a:ea typeface="+mn-ea"/>
+                <a:cs typeface="+mn-cs"/>
+              </a:defRPr>
+            </a:lvl8pPr>
+            <a:lvl9pPr marL="3886200" indent="-228600" algn="l" defTabSz="914400" rtl="0" eaLnBrk="1" latinLnBrk="0" hangingPunct="1">
+              <a:spcBef>
+                <a:spcPct val="20000"/>
+              </a:spcBef>
+              <a:buFont typeface="Arial" pitchFamily="34" charset="0"/>
+              <a:buChar char="•"/>
+              <a:defRPr sz="2000" kern="1200">
+                <a:solidFill>
+                  <a:schemeClr val="tx1"/>
+                </a:solidFill>
+                <a:latin typeface="+mn-lt"/>
+                <a:ea typeface="+mn-ea"/>
+                <a:cs typeface="+mn-cs"/>
+              </a:defRPr>
+            </a:lvl9pPr>
+          </a:lstStyle>
+          <a:p>
+            <a:pPr marL="0" indent="0">
+              <a:buNone/>
+            </a:pPr>
+            <a:r>
+              <a:rPr lang="en-US" dirty="0">
+                <a:latin typeface="Comic Sans MS" panose="030F0702030302020204" pitchFamily="66" charset="0"/>
+              </a:rPr>
+              <a:t>￢</a:t>
+            </a:r>
+            <a:r>
+              <a:rPr lang="en-US" dirty="0" smtClean="0">
+                <a:latin typeface="Comic Sans MS" panose="030F0702030302020204" pitchFamily="66" charset="0"/>
+              </a:rPr>
+              <a:t>(p V q) ≡ </a:t>
+            </a:r>
+            <a:r>
+              <a:rPr lang="en-US" dirty="0">
+                <a:latin typeface="Comic Sans MS" panose="030F0702030302020204" pitchFamily="66" charset="0"/>
+              </a:rPr>
+              <a:t>￢ </a:t>
+            </a:r>
+            <a:r>
+              <a:rPr lang="en-US" dirty="0" smtClean="0">
+                <a:latin typeface="Comic Sans MS" panose="030F0702030302020204" pitchFamily="66" charset="0"/>
+              </a:rPr>
+              <a:t>p ∧ </a:t>
+            </a:r>
+            <a:r>
+              <a:rPr lang="en-US" dirty="0">
+                <a:latin typeface="Comic Sans MS" panose="030F0702030302020204" pitchFamily="66" charset="0"/>
+              </a:rPr>
+              <a:t>￢ </a:t>
+            </a:r>
+            <a:r>
+              <a:rPr lang="en-US" dirty="0" smtClean="0">
+                <a:latin typeface="Comic Sans MS" panose="030F0702030302020204" pitchFamily="66" charset="0"/>
+              </a:rPr>
+              <a:t>q</a:t>
+            </a:r>
+          </a:p>
+          <a:p>
+            <a:pPr marL="0" indent="0">
+              <a:buNone/>
+            </a:pPr>
+            <a:r>
+              <a:rPr lang="en-US" dirty="0">
+                <a:latin typeface="Comic Sans MS" panose="030F0702030302020204" pitchFamily="66" charset="0"/>
+              </a:rPr>
+              <a:t>￢(p ∧</a:t>
+            </a:r>
+            <a:r>
+              <a:rPr lang="en-US" dirty="0" smtClean="0">
+                <a:latin typeface="Comic Sans MS" panose="030F0702030302020204" pitchFamily="66" charset="0"/>
+              </a:rPr>
+              <a:t> </a:t>
+            </a:r>
+            <a:r>
+              <a:rPr lang="en-US" dirty="0">
+                <a:latin typeface="Comic Sans MS" panose="030F0702030302020204" pitchFamily="66" charset="0"/>
+              </a:rPr>
+              <a:t>q) ≡ ￢ p </a:t>
+            </a:r>
+            <a:r>
+              <a:rPr lang="en-US" dirty="0" smtClean="0">
+                <a:latin typeface="Comic Sans MS" panose="030F0702030302020204" pitchFamily="66" charset="0"/>
+              </a:rPr>
+              <a:t>V ￢ </a:t>
+            </a:r>
+            <a:r>
+              <a:rPr lang="en-US" dirty="0">
+                <a:latin typeface="Comic Sans MS" panose="030F0702030302020204" pitchFamily="66" charset="0"/>
+              </a:rPr>
+              <a:t>q</a:t>
+            </a:r>
+          </a:p>
+          <a:p>
+            <a:pPr marL="0" indent="0">
+              <a:buNone/>
+            </a:pPr>
+            <a:endParaRPr lang="en-US" dirty="0" smtClean="0">
+              <a:latin typeface="Comic Sans MS" panose="030F0702030302020204" pitchFamily="66" charset="0"/>
+            </a:endParaRPr>
+          </a:p>
+        </p:txBody>
+      </p:sp>
+      <p:sp>
+        <p:nvSpPr>
+          <p:cNvPr id="5" name="Content Placeholder 2"/>
+          <p:cNvSpPr txBox="1">
+            <a:spLocks/>
+          </p:cNvSpPr>
+          <p:nvPr/>
+        </p:nvSpPr>
+        <p:spPr>
+          <a:xfrm>
+            <a:off x="2438400" y="4724400"/>
+            <a:ext cx="4038600" cy="1752600"/>
+          </a:xfrm>
+          <a:prstGeom prst="rect">
+            <a:avLst/>
+          </a:prstGeom>
+        </p:spPr>
+        <p:txBody>
+          <a:bodyPr vert="horz" lIns="91440" tIns="45720" rIns="91440" bIns="45720" rtlCol="0">
+            <a:normAutofit/>
+          </a:bodyPr>
+          <a:lstStyle>
+            <a:lvl1pPr marL="342900" indent="-342900" algn="l" defTabSz="914400" rtl="0" eaLnBrk="1" latinLnBrk="0" hangingPunct="1">
+              <a:spcBef>
+                <a:spcPct val="20000"/>
+              </a:spcBef>
+              <a:buFont typeface="Arial" pitchFamily="34" charset="0"/>
+              <a:buChar char="•"/>
+              <a:defRPr sz="3200" kern="1200">
+                <a:solidFill>
+                  <a:schemeClr val="tx1"/>
+                </a:solidFill>
+                <a:latin typeface="+mn-lt"/>
+                <a:ea typeface="+mn-ea"/>
+                <a:cs typeface="+mn-cs"/>
+              </a:defRPr>
+            </a:lvl1pPr>
+            <a:lvl2pPr marL="742950" indent="-285750" algn="l" defTabSz="914400" rtl="0" eaLnBrk="1" latinLnBrk="0" hangingPunct="1">
+              <a:spcBef>
+                <a:spcPct val="20000"/>
+              </a:spcBef>
+              <a:buFont typeface="Arial" pitchFamily="34" charset="0"/>
+              <a:buChar char="–"/>
+              <a:defRPr sz="2800" kern="1200">
+                <a:solidFill>
+                  <a:schemeClr val="tx1"/>
+                </a:solidFill>
+                <a:latin typeface="+mn-lt"/>
+                <a:ea typeface="+mn-ea"/>
+                <a:cs typeface="+mn-cs"/>
+              </a:defRPr>
+            </a:lvl2pPr>
+            <a:lvl3pPr marL="1143000" indent="-228600" algn="l" defTabSz="914400" rtl="0" eaLnBrk="1" latinLnBrk="0" hangingPunct="1">
+              <a:spcBef>
+                <a:spcPct val="20000"/>
+              </a:spcBef>
+              <a:buFont typeface="Arial" pitchFamily="34" charset="0"/>
+              <a:buChar char="•"/>
+              <a:defRPr sz="2400" kern="1200">
+                <a:solidFill>
+                  <a:schemeClr val="tx1"/>
+                </a:solidFill>
+                <a:latin typeface="+mn-lt"/>
+                <a:ea typeface="+mn-ea"/>
+                <a:cs typeface="+mn-cs"/>
+              </a:defRPr>
+            </a:lvl3pPr>
+            <a:lvl4pPr marL="1600200" indent="-228600" algn="l" defTabSz="914400" rtl="0" eaLnBrk="1" latinLnBrk="0" hangingPunct="1">
+              <a:spcBef>
+                <a:spcPct val="20000"/>
+              </a:spcBef>
+              <a:buFont typeface="Arial" pitchFamily="34" charset="0"/>
+              <a:buChar char="–"/>
+              <a:defRPr sz="2000" kern="1200">
+                <a:solidFill>
+                  <a:schemeClr val="tx1"/>
+                </a:solidFill>
+                <a:latin typeface="+mn-lt"/>
+                <a:ea typeface="+mn-ea"/>
+                <a:cs typeface="+mn-cs"/>
+              </a:defRPr>
+            </a:lvl4pPr>
+            <a:lvl5pPr marL="2057400" indent="-228600" algn="l" defTabSz="914400" rtl="0" eaLnBrk="1" latinLnBrk="0" hangingPunct="1">
+              <a:spcBef>
+                <a:spcPct val="20000"/>
+              </a:spcBef>
+              <a:buFont typeface="Arial" pitchFamily="34" charset="0"/>
+              <a:buChar char="»"/>
+              <a:defRPr sz="2000" kern="1200">
+                <a:solidFill>
+                  <a:schemeClr val="tx1"/>
+                </a:solidFill>
+                <a:latin typeface="+mn-lt"/>
+                <a:ea typeface="+mn-ea"/>
+                <a:cs typeface="+mn-cs"/>
+              </a:defRPr>
+            </a:lvl5pPr>
+            <a:lvl6pPr marL="2514600" indent="-228600" algn="l" defTabSz="914400" rtl="0" eaLnBrk="1" latinLnBrk="0" hangingPunct="1">
+              <a:spcBef>
+                <a:spcPct val="20000"/>
+              </a:spcBef>
+              <a:buFont typeface="Arial" pitchFamily="34" charset="0"/>
+              <a:buChar char="•"/>
+              <a:defRPr sz="2000" kern="1200">
+                <a:solidFill>
+                  <a:schemeClr val="tx1"/>
+                </a:solidFill>
+                <a:latin typeface="+mn-lt"/>
+                <a:ea typeface="+mn-ea"/>
+                <a:cs typeface="+mn-cs"/>
+              </a:defRPr>
+            </a:lvl6pPr>
+            <a:lvl7pPr marL="2971800" indent="-228600" algn="l" defTabSz="914400" rtl="0" eaLnBrk="1" latinLnBrk="0" hangingPunct="1">
+              <a:spcBef>
+                <a:spcPct val="20000"/>
+              </a:spcBef>
+              <a:buFont typeface="Arial" pitchFamily="34" charset="0"/>
+              <a:buChar char="•"/>
+              <a:defRPr sz="2000" kern="1200">
+                <a:solidFill>
+                  <a:schemeClr val="tx1"/>
+                </a:solidFill>
+                <a:latin typeface="+mn-lt"/>
+                <a:ea typeface="+mn-ea"/>
+                <a:cs typeface="+mn-cs"/>
+              </a:defRPr>
+            </a:lvl7pPr>
+            <a:lvl8pPr marL="3429000" indent="-228600" algn="l" defTabSz="914400" rtl="0" eaLnBrk="1" latinLnBrk="0" hangingPunct="1">
+              <a:spcBef>
+                <a:spcPct val="20000"/>
+              </a:spcBef>
+              <a:buFont typeface="Arial" pitchFamily="34" charset="0"/>
+              <a:buChar char="•"/>
+              <a:defRPr sz="2000" kern="1200">
+                <a:solidFill>
+                  <a:schemeClr val="tx1"/>
+                </a:solidFill>
+                <a:latin typeface="+mn-lt"/>
+                <a:ea typeface="+mn-ea"/>
+                <a:cs typeface="+mn-cs"/>
+              </a:defRPr>
+            </a:lvl8pPr>
+            <a:lvl9pPr marL="3886200" indent="-228600" algn="l" defTabSz="914400" rtl="0" eaLnBrk="1" latinLnBrk="0" hangingPunct="1">
+              <a:spcBef>
+                <a:spcPct val="20000"/>
+              </a:spcBef>
+              <a:buFont typeface="Arial" pitchFamily="34" charset="0"/>
+              <a:buChar char="•"/>
+              <a:defRPr sz="2000" kern="1200">
+                <a:solidFill>
+                  <a:schemeClr val="tx1"/>
+                </a:solidFill>
+                <a:latin typeface="+mn-lt"/>
+                <a:ea typeface="+mn-ea"/>
+                <a:cs typeface="+mn-cs"/>
+              </a:defRPr>
+            </a:lvl9pPr>
+          </a:lstStyle>
+          <a:p>
+            <a:pPr marL="0" indent="0" algn="ctr">
+              <a:buFont typeface="Arial" pitchFamily="34" charset="0"/>
+              <a:buNone/>
+            </a:pPr>
+            <a:endParaRPr lang="en-US" sz="2400" dirty="0" smtClean="0">
+              <a:latin typeface="Comic Sans MS" panose="030F0702030302020204" pitchFamily="66" charset="0"/>
+            </a:endParaRPr>
+          </a:p>
+        </p:txBody>
+      </p:sp>
+    </p:spTree>
+    <p:extLst>
+      <p:ext uri="{BB962C8B-B14F-4D97-AF65-F5344CB8AC3E}">
+        <p14:creationId xmlns:p14="http://schemas.microsoft.com/office/powerpoint/2010/main" val="87199343"/>
+      </p:ext>
+    </p:extLst>
+  </p:cSld>
+  <p:clrMapOvr>
+    <a:masterClrMapping/>
+  </p:clrMapOvr>
+  <p:timing>
+    <p:tnLst>
+      <p:par>
+        <p:cTn id="1" dur="indefinite" restart="never" nodeType="tmRoot"/>
+      </p:par>
+    </p:tnLst>
+  </p:timing>
+</p:sld>
+</file>
+
+<file path=ppt/slides/slide57.xml><?xml version="1.0" encoding="utf-8"?>
+<p:sld xmlns:a="http://schemas.openxmlformats.org/drawingml/2006/main" xmlns:r="http://schemas.openxmlformats.org/officeDocument/2006/relationships" xmlns:p="http://schemas.openxmlformats.org/presentationml/2006/main">
+  <p:cSld>
+    <p:spTree>
+      <p:nvGrpSpPr>
+        <p:cNvPr id="1" name=""/>
+        <p:cNvGrpSpPr/>
+        <p:nvPr/>
+      </p:nvGrpSpPr>
+      <p:grpSpPr>
+        <a:xfrm>
+          <a:off x="0" y="0"/>
+          <a:ext cx="0" cy="0"/>
+          <a:chOff x="0" y="0"/>
+          <a:chExt cx="0" cy="0"/>
+        </a:xfrm>
+      </p:grpSpPr>
+      <p:sp>
+        <p:nvSpPr>
+          <p:cNvPr id="2" name="Title 1">
+            <a:extLst>
+              <a:ext uri="{FF2B5EF4-FFF2-40B4-BE49-F238E27FC236}">
+                <a16:creationId xmlns="" xmlns:a16="http://schemas.microsoft.com/office/drawing/2014/main" id="{64FC46BD-FCD3-4070-A2FE-CF068D21089D}"/>
+              </a:ext>
+            </a:extLst>
+          </p:cNvPr>
+          <p:cNvSpPr>
+            <a:spLocks noGrp="1"/>
+          </p:cNvSpPr>
+          <p:nvPr>
+            <p:ph type="title"/>
+          </p:nvPr>
+        </p:nvSpPr>
+        <p:spPr/>
+        <p:txBody>
+          <a:bodyPr/>
+          <a:lstStyle/>
+          <a:p>
+            <a:r>
+              <a:rPr lang="en-US" dirty="0">
+                <a:latin typeface="Comic Sans MS" panose="030F0702030302020204" pitchFamily="66" charset="0"/>
+              </a:rPr>
+              <a:t>Negating </a:t>
+            </a:r>
+            <a:r>
+              <a:rPr lang="en-US" dirty="0" smtClean="0">
+                <a:latin typeface="Comic Sans MS" panose="030F0702030302020204" pitchFamily="66" charset="0"/>
+              </a:rPr>
+              <a:t>propositions</a:t>
+            </a:r>
+            <a:endParaRPr lang="en-US" dirty="0">
+              <a:latin typeface="Comic Sans MS" panose="030F0702030302020204" pitchFamily="66" charset="0"/>
+            </a:endParaRPr>
+          </a:p>
+        </p:txBody>
+      </p:sp>
+      <mc:AlternateContent xmlns:mc="http://schemas.openxmlformats.org/markup-compatibility/2006" xmlns:a14="http://schemas.microsoft.com/office/drawing/2010/main">
+        <mc:Choice Requires="a14">
+          <p:sp>
+            <p:nvSpPr>
+              <p:cNvPr id="3" name="Content Placeholder 2">
+                <a:extLst>
+                  <a:ext uri="{FF2B5EF4-FFF2-40B4-BE49-F238E27FC236}">
+                    <a16:creationId xmlns="" xmlns:a16="http://schemas.microsoft.com/office/drawing/2014/main" id="{8FD3E7E3-6406-4C87-9E06-5BA40AA66E22}"/>
+                  </a:ext>
+                </a:extLst>
+              </p:cNvPr>
+              <p:cNvSpPr>
+                <a:spLocks noGrp="1"/>
+              </p:cNvSpPr>
+              <p:nvPr>
+                <p:ph idx="1"/>
+              </p:nvPr>
+            </p:nvSpPr>
+            <p:spPr>
+              <a:xfrm>
+                <a:off x="669593" y="2646138"/>
+                <a:ext cx="7886700" cy="534644"/>
+              </a:xfrm>
+            </p:spPr>
+            <p:txBody>
+              <a:bodyPr>
+                <a:normAutofit/>
+              </a:bodyPr>
+              <a:lstStyle/>
+              <a:p>
+                <a:pPr marL="0" indent="0">
+                  <a:buNone/>
+                </a:pPr>
+                <a:r>
+                  <a:rPr lang="en-US" sz="2400" dirty="0">
+                    <a:latin typeface="Comic Sans MS" panose="030F0702030302020204" pitchFamily="66" charset="0"/>
+                  </a:rPr>
+                  <a:t>￢ (p </a:t>
+                </a:r>
+                <a:r>
+                  <a:rPr lang="en-US" sz="2400" dirty="0">
+                    <a:latin typeface="Comic Sans MS" panose="030F0702030302020204" pitchFamily="66" charset="0"/>
+                  </a:rPr>
+                  <a:t>∨</a:t>
+                </a:r>
+                <a:r>
+                  <a:rPr lang="en-US" sz="2400" dirty="0">
+                    <a:latin typeface="Comic Sans MS" panose="030F0702030302020204" pitchFamily="66" charset="0"/>
+                  </a:rPr>
+                  <a:t> (￢p</a:t>
+                </a:r>
+                <a14:m>
+                  <m:oMath xmlns:m="http://schemas.openxmlformats.org/officeDocument/2006/math">
+                    <m:r>
+                      <a:rPr lang="en-US" sz="2400">
+                        <a:latin typeface="Cambria Math" panose="02040503050406030204" pitchFamily="18" charset="0"/>
+                        <a:ea typeface="Cambria Math" panose="02040503050406030204" pitchFamily="18" charset="0"/>
+                      </a:rPr>
+                      <m:t> </m:t>
+                    </m:r>
+                    <m:r>
+                      <a:rPr lang="en-US" sz="2400" i="1">
+                        <a:latin typeface="Cambria Math" panose="02040503050406030204" pitchFamily="18" charset="0"/>
+                        <a:ea typeface="Cambria Math" panose="02040503050406030204" pitchFamily="18" charset="0"/>
+                      </a:rPr>
+                      <m:t>⋀</m:t>
+                    </m:r>
+                  </m:oMath>
+                </a14:m>
+                <a:r>
+                  <a:rPr lang="en-US" sz="2400" dirty="0">
+                    <a:latin typeface="Comic Sans MS" panose="030F0702030302020204" pitchFamily="66" charset="0"/>
+                  </a:rPr>
+                  <a:t> </a:t>
+                </a:r>
+                <a:r>
+                  <a:rPr lang="en-US" sz="2400" dirty="0">
+                    <a:latin typeface="Comic Sans MS" panose="030F0702030302020204" pitchFamily="66" charset="0"/>
+                  </a:rPr>
+                  <a:t>q)) </a:t>
+                </a:r>
+                <a:endParaRPr lang="en-US" sz="2400" dirty="0">
+                  <a:latin typeface="Comic Sans MS" panose="030F0702030302020204" pitchFamily="66" charset="0"/>
+                </a:endParaRPr>
+              </a:p>
+            </p:txBody>
+          </p:sp>
+        </mc:Choice>
+        <mc:Fallback xmlns="">
+          <p:sp>
+            <p:nvSpPr>
+              <p:cNvPr id="3" name="Content Placeholder 2">
+                <a:extLst>
+                  <a:ext uri="{FF2B5EF4-FFF2-40B4-BE49-F238E27FC236}">
+                    <a16:creationId xmlns="" xmlns:a16="http://schemas.microsoft.com/office/drawing/2014/main" xmlns:a14="http://schemas.microsoft.com/office/drawing/2010/main" id="{8FD3E7E3-6406-4C87-9E06-5BA40AA66E22}"/>
+                  </a:ext>
+                </a:extLst>
+              </p:cNvPr>
+              <p:cNvSpPr>
+                <a:spLocks noGrp="1" noRot="1" noChangeAspect="1" noMove="1" noResize="1" noEditPoints="1" noAdjustHandles="1" noChangeArrowheads="1" noChangeShapeType="1" noTextEdit="1"/>
+              </p:cNvSpPr>
+              <p:nvPr>
+                <p:ph idx="1"/>
+              </p:nvPr>
+            </p:nvSpPr>
+            <p:spPr>
+              <a:xfrm>
+                <a:off x="892791" y="2385183"/>
+                <a:ext cx="10515600" cy="712859"/>
+              </a:xfrm>
+              <a:blipFill rotWithShape="0">
+                <a:blip r:embed="rId2"/>
+                <a:stretch>
+                  <a:fillRect l="-1449" t="-22222" b="-3419"/>
+                </a:stretch>
+              </a:blipFill>
+            </p:spPr>
+            <p:txBody>
+              <a:bodyPr/>
+              <a:lstStyle/>
+              <a:p>
+                <a:r>
+                  <a:rPr lang="en-US">
+                    <a:noFill/>
+                  </a:rPr>
+                  <a:t> </a:t>
+                </a:r>
+              </a:p>
+            </p:txBody>
+          </p:sp>
+        </mc:Fallback>
+      </mc:AlternateContent>
+      <mc:AlternateContent xmlns:mc="http://schemas.openxmlformats.org/markup-compatibility/2006" xmlns:a14="http://schemas.microsoft.com/office/drawing/2010/main">
+        <mc:Choice Requires="a14">
+          <p:sp>
+            <p:nvSpPr>
+              <p:cNvPr id="4" name="Content Placeholder 2">
+                <a:extLst>
+                  <a:ext uri="{FF2B5EF4-FFF2-40B4-BE49-F238E27FC236}">
+                    <a16:creationId xmlns="" xmlns:a16="http://schemas.microsoft.com/office/drawing/2014/main" id="{8FD3E7E3-6406-4C87-9E06-5BA40AA66E22}"/>
+                  </a:ext>
+                </a:extLst>
+              </p:cNvPr>
+              <p:cNvSpPr txBox="1">
+                <a:spLocks/>
+              </p:cNvSpPr>
+              <p:nvPr/>
+            </p:nvSpPr>
+            <p:spPr>
+              <a:xfrm>
+                <a:off x="624386" y="3238802"/>
+                <a:ext cx="7400498" cy="525422"/>
+              </a:xfrm>
+              <a:prstGeom prst="rect">
+                <a:avLst/>
+              </a:prstGeom>
+            </p:spPr>
+            <p:txBody>
+              <a:bodyPr vert="horz" lIns="68580" tIns="34290" rIns="68580" bIns="34290" rtlCol="0">
+                <a:normAutofit/>
+              </a:bodyPr>
+              <a:lstStyle>
+                <a:lvl1pPr marL="228600" indent="-228600" algn="l" defTabSz="914400" rtl="0" eaLnBrk="1" latinLnBrk="0" hangingPunct="1">
+                  <a:lnSpc>
+                    <a:spcPct val="90000"/>
+                  </a:lnSpc>
+                  <a:spcBef>
+                    <a:spcPts val="1000"/>
+                  </a:spcBef>
+                  <a:buFont typeface="Arial" panose="020B0604020202020204" pitchFamily="34" charset="0"/>
+                  <a:buChar char="•"/>
+                  <a:defRPr sz="2800" kern="1200">
+                    <a:solidFill>
+                      <a:schemeClr val="tx1"/>
+                    </a:solidFill>
+                    <a:latin typeface="+mn-lt"/>
+                    <a:ea typeface="+mn-ea"/>
+                    <a:cs typeface="+mn-cs"/>
+                  </a:defRPr>
+                </a:lvl1pPr>
+                <a:lvl2pPr marL="685800" indent="-228600" algn="l" defTabSz="914400" rtl="0" eaLnBrk="1" latinLnBrk="0" hangingPunct="1">
+                  <a:lnSpc>
+                    <a:spcPct val="90000"/>
+                  </a:lnSpc>
+                  <a:spcBef>
+                    <a:spcPts val="500"/>
+                  </a:spcBef>
+                  <a:buFont typeface="Arial" panose="020B0604020202020204" pitchFamily="34" charset="0"/>
+                  <a:buChar char="•"/>
+                  <a:defRPr sz="2400" kern="1200">
+                    <a:solidFill>
+                      <a:schemeClr val="tx1"/>
+                    </a:solidFill>
+                    <a:latin typeface="+mn-lt"/>
+                    <a:ea typeface="+mn-ea"/>
+                    <a:cs typeface="+mn-cs"/>
+                  </a:defRPr>
+                </a:lvl2pPr>
+                <a:lvl3pPr marL="1143000" indent="-228600" algn="l" defTabSz="914400" rtl="0" eaLnBrk="1" latinLnBrk="0" hangingPunct="1">
+                  <a:lnSpc>
+                    <a:spcPct val="90000"/>
+                  </a:lnSpc>
+                  <a:spcBef>
+                    <a:spcPts val="500"/>
+                  </a:spcBef>
+                  <a:buFont typeface="Arial" panose="020B0604020202020204" pitchFamily="34" charset="0"/>
+                  <a:buChar char="•"/>
+                  <a:defRPr sz="2000" kern="1200">
+                    <a:solidFill>
+                      <a:schemeClr val="tx1"/>
+                    </a:solidFill>
+                    <a:latin typeface="+mn-lt"/>
+                    <a:ea typeface="+mn-ea"/>
+                    <a:cs typeface="+mn-cs"/>
+                  </a:defRPr>
+                </a:lvl3pPr>
+                <a:lvl4pPr marL="1600200" indent="-228600" algn="l" defTabSz="914400" rtl="0" eaLnBrk="1" latinLnBrk="0" hangingPunct="1">
+                  <a:lnSpc>
+                    <a:spcPct val="90000"/>
+                  </a:lnSpc>
+                  <a:spcBef>
+                    <a:spcPts val="500"/>
+                  </a:spcBef>
+                  <a:buFont typeface="Arial" panose="020B0604020202020204" pitchFamily="34" charset="0"/>
+                  <a:buChar char="•"/>
+                  <a:defRPr sz="1800" kern="1200">
+                    <a:solidFill>
+                      <a:schemeClr val="tx1"/>
+                    </a:solidFill>
+                    <a:latin typeface="+mn-lt"/>
+                    <a:ea typeface="+mn-ea"/>
+                    <a:cs typeface="+mn-cs"/>
+                  </a:defRPr>
+                </a:lvl4pPr>
+                <a:lvl5pPr marL="2057400" indent="-228600" algn="l" defTabSz="914400" rtl="0" eaLnBrk="1" latinLnBrk="0" hangingPunct="1">
+                  <a:lnSpc>
+                    <a:spcPct val="90000"/>
+                  </a:lnSpc>
+                  <a:spcBef>
+                    <a:spcPts val="500"/>
+                  </a:spcBef>
+                  <a:buFont typeface="Arial" panose="020B0604020202020204" pitchFamily="34" charset="0"/>
+                  <a:buChar char="•"/>
+                  <a:defRPr sz="1800" kern="1200">
+                    <a:solidFill>
+                      <a:schemeClr val="tx1"/>
+                    </a:solidFill>
+                    <a:latin typeface="+mn-lt"/>
+                    <a:ea typeface="+mn-ea"/>
+                    <a:cs typeface="+mn-cs"/>
+                  </a:defRPr>
+                </a:lvl5pPr>
+                <a:lvl6pPr marL="2514600" indent="-228600" algn="l" defTabSz="914400" rtl="0" eaLnBrk="1" latinLnBrk="0" hangingPunct="1">
+                  <a:lnSpc>
+                    <a:spcPct val="90000"/>
+                  </a:lnSpc>
+                  <a:spcBef>
+                    <a:spcPts val="500"/>
+                  </a:spcBef>
+                  <a:buFont typeface="Arial" panose="020B0604020202020204" pitchFamily="34" charset="0"/>
+                  <a:buChar char="•"/>
+                  <a:defRPr sz="1800" kern="1200">
+                    <a:solidFill>
+                      <a:schemeClr val="tx1"/>
+                    </a:solidFill>
+                    <a:latin typeface="+mn-lt"/>
+                    <a:ea typeface="+mn-ea"/>
+                    <a:cs typeface="+mn-cs"/>
+                  </a:defRPr>
+                </a:lvl6pPr>
+                <a:lvl7pPr marL="2971800" indent="-228600" algn="l" defTabSz="914400" rtl="0" eaLnBrk="1" latinLnBrk="0" hangingPunct="1">
+                  <a:lnSpc>
+                    <a:spcPct val="90000"/>
+                  </a:lnSpc>
+                  <a:spcBef>
+                    <a:spcPts val="500"/>
+                  </a:spcBef>
+                  <a:buFont typeface="Arial" panose="020B0604020202020204" pitchFamily="34" charset="0"/>
+                  <a:buChar char="•"/>
+                  <a:defRPr sz="1800" kern="1200">
+                    <a:solidFill>
+                      <a:schemeClr val="tx1"/>
+                    </a:solidFill>
+                    <a:latin typeface="+mn-lt"/>
+                    <a:ea typeface="+mn-ea"/>
+                    <a:cs typeface="+mn-cs"/>
+                  </a:defRPr>
+                </a:lvl7pPr>
+                <a:lvl8pPr marL="3429000" indent="-228600" algn="l" defTabSz="914400" rtl="0" eaLnBrk="1" latinLnBrk="0" hangingPunct="1">
+                  <a:lnSpc>
+                    <a:spcPct val="90000"/>
+                  </a:lnSpc>
+                  <a:spcBef>
+                    <a:spcPts val="500"/>
+                  </a:spcBef>
+                  <a:buFont typeface="Arial" panose="020B0604020202020204" pitchFamily="34" charset="0"/>
+                  <a:buChar char="•"/>
+                  <a:defRPr sz="1800" kern="1200">
+                    <a:solidFill>
+                      <a:schemeClr val="tx1"/>
+                    </a:solidFill>
+                    <a:latin typeface="+mn-lt"/>
+                    <a:ea typeface="+mn-ea"/>
+                    <a:cs typeface="+mn-cs"/>
+                  </a:defRPr>
+                </a:lvl8pPr>
+                <a:lvl9pPr marL="3886200" indent="-228600" algn="l" defTabSz="914400" rtl="0" eaLnBrk="1" latinLnBrk="0" hangingPunct="1">
+                  <a:lnSpc>
+                    <a:spcPct val="90000"/>
+                  </a:lnSpc>
+                  <a:spcBef>
+                    <a:spcPts val="500"/>
+                  </a:spcBef>
+                  <a:buFont typeface="Arial" panose="020B0604020202020204" pitchFamily="34" charset="0"/>
+                  <a:buChar char="•"/>
+                  <a:defRPr sz="1800" kern="1200">
+                    <a:solidFill>
+                      <a:schemeClr val="tx1"/>
+                    </a:solidFill>
+                    <a:latin typeface="+mn-lt"/>
+                    <a:ea typeface="+mn-ea"/>
+                    <a:cs typeface="+mn-cs"/>
+                  </a:defRPr>
+                </a:lvl9pPr>
+              </a:lstStyle>
+              <a:p>
+                <a:pPr marL="0" indent="0">
+                  <a:buNone/>
+                </a:pPr>
+                <a:r>
+                  <a:rPr lang="en-US" sz="2400" dirty="0">
+                    <a:latin typeface="Comic Sans MS" panose="030F0702030302020204" pitchFamily="66" charset="0"/>
+                  </a:rPr>
+                  <a:t>≡ </a:t>
+                </a:r>
+                <a:r>
+                  <a:rPr lang="en-US" sz="2400" dirty="0">
+                    <a:latin typeface="Comic Sans MS" panose="030F0702030302020204" pitchFamily="66" charset="0"/>
+                  </a:rPr>
+                  <a:t>￢ </a:t>
+                </a:r>
+                <a:r>
+                  <a:rPr lang="en-US" sz="2400" dirty="0">
+                    <a:latin typeface="Comic Sans MS" panose="030F0702030302020204" pitchFamily="66" charset="0"/>
+                  </a:rPr>
+                  <a:t>p </a:t>
+                </a:r>
+                <a14:m>
+                  <m:oMath xmlns:m="http://schemas.openxmlformats.org/officeDocument/2006/math">
+                    <m:r>
+                      <a:rPr lang="en-US" sz="2400" i="1">
+                        <a:latin typeface="Cambria Math" panose="02040503050406030204" pitchFamily="18" charset="0"/>
+                        <a:ea typeface="Cambria Math" panose="02040503050406030204" pitchFamily="18" charset="0"/>
+                      </a:rPr>
+                      <m:t>⋀</m:t>
+                    </m:r>
+                  </m:oMath>
+                </a14:m>
+                <a:r>
+                  <a:rPr lang="en-US" sz="2400" dirty="0">
+                    <a:latin typeface="Comic Sans MS" panose="030F0702030302020204" pitchFamily="66" charset="0"/>
+                  </a:rPr>
+                  <a:t> </a:t>
+                </a:r>
+                <a:r>
+                  <a:rPr lang="en-US" sz="2400" dirty="0">
+                    <a:latin typeface="Comic Sans MS" panose="030F0702030302020204" pitchFamily="66" charset="0"/>
+                  </a:rPr>
+                  <a:t>￢ (￢p</a:t>
+                </a:r>
+                <a14:m>
+                  <m:oMath xmlns:m="http://schemas.openxmlformats.org/officeDocument/2006/math">
+                    <m:r>
+                      <a:rPr lang="en-US" sz="2400">
+                        <a:latin typeface="Cambria Math" panose="02040503050406030204" pitchFamily="18" charset="0"/>
+                        <a:ea typeface="Cambria Math" panose="02040503050406030204" pitchFamily="18" charset="0"/>
+                      </a:rPr>
+                      <m:t> </m:t>
+                    </m:r>
+                    <m:r>
+                      <a:rPr lang="en-US" sz="2400" i="1">
+                        <a:latin typeface="Cambria Math" panose="02040503050406030204" pitchFamily="18" charset="0"/>
+                        <a:ea typeface="Cambria Math" panose="02040503050406030204" pitchFamily="18" charset="0"/>
+                      </a:rPr>
+                      <m:t>⋀</m:t>
+                    </m:r>
+                  </m:oMath>
+                </a14:m>
+                <a:r>
+                  <a:rPr lang="en-US" sz="2400" dirty="0">
+                    <a:latin typeface="Comic Sans MS" panose="030F0702030302020204" pitchFamily="66" charset="0"/>
+                  </a:rPr>
+                  <a:t> </a:t>
+                </a:r>
+                <a:r>
+                  <a:rPr lang="en-US" sz="2400" dirty="0">
+                    <a:latin typeface="Comic Sans MS" panose="030F0702030302020204" pitchFamily="66" charset="0"/>
+                  </a:rPr>
+                  <a:t>q)</a:t>
+                </a:r>
+                <a:endParaRPr lang="en-US" sz="2400" dirty="0">
+                  <a:latin typeface="Comic Sans MS" panose="030F0702030302020204" pitchFamily="66" charset="0"/>
+                </a:endParaRPr>
+              </a:p>
+            </p:txBody>
+          </p:sp>
+        </mc:Choice>
+        <mc:Fallback xmlns="">
+          <p:sp>
+            <p:nvSpPr>
+              <p:cNvPr id="4" name="Content Placeholder 2">
+                <a:extLst>
+                  <a:ext uri="{FF2B5EF4-FFF2-40B4-BE49-F238E27FC236}">
+                    <a16:creationId xmlns="" xmlns:a16="http://schemas.microsoft.com/office/drawing/2014/main" xmlns:a14="http://schemas.microsoft.com/office/drawing/2010/main" id="{8FD3E7E3-6406-4C87-9E06-5BA40AA66E22}"/>
+                  </a:ext>
+                </a:extLst>
+              </p:cNvPr>
+              <p:cNvSpPr txBox="1">
+                <a:spLocks noRot="1" noChangeAspect="1" noMove="1" noResize="1" noEditPoints="1" noAdjustHandles="1" noChangeArrowheads="1" noChangeShapeType="1" noTextEdit="1"/>
+              </p:cNvSpPr>
+              <p:nvPr/>
+            </p:nvSpPr>
+            <p:spPr>
+              <a:xfrm>
+                <a:off x="832514" y="3175403"/>
+                <a:ext cx="9867331" cy="700562"/>
+              </a:xfrm>
+              <a:prstGeom prst="rect">
+                <a:avLst/>
+              </a:prstGeom>
+              <a:blipFill rotWithShape="0">
+                <a:blip r:embed="rId3"/>
+                <a:stretch>
+                  <a:fillRect l="-1607" t="-22609" b="-5217"/>
+                </a:stretch>
+              </a:blipFill>
+            </p:spPr>
+            <p:txBody>
+              <a:bodyPr/>
+              <a:lstStyle/>
+              <a:p>
+                <a:r>
+                  <a:rPr lang="en-US">
+                    <a:noFill/>
+                  </a:rPr>
+                  <a:t> </a:t>
+                </a:r>
+              </a:p>
+            </p:txBody>
+          </p:sp>
+        </mc:Fallback>
+      </mc:AlternateContent>
+      <mc:AlternateContent xmlns:mc="http://schemas.openxmlformats.org/markup-compatibility/2006" xmlns:a14="http://schemas.microsoft.com/office/drawing/2010/main">
+        <mc:Choice Requires="a14">
+          <p:sp>
+            <p:nvSpPr>
+              <p:cNvPr id="5" name="Content Placeholder 2">
+                <a:extLst>
+                  <a:ext uri="{FF2B5EF4-FFF2-40B4-BE49-F238E27FC236}">
+                    <a16:creationId xmlns="" xmlns:a16="http://schemas.microsoft.com/office/drawing/2014/main" id="{8FD3E7E3-6406-4C87-9E06-5BA40AA66E22}"/>
+                  </a:ext>
+                </a:extLst>
+              </p:cNvPr>
+              <p:cNvSpPr txBox="1">
+                <a:spLocks/>
+              </p:cNvSpPr>
+              <p:nvPr/>
+            </p:nvSpPr>
+            <p:spPr>
+              <a:xfrm>
+                <a:off x="646564" y="3772771"/>
+                <a:ext cx="7400498" cy="525422"/>
+              </a:xfrm>
+              <a:prstGeom prst="rect">
+                <a:avLst/>
+              </a:prstGeom>
+            </p:spPr>
+            <p:txBody>
+              <a:bodyPr vert="horz" lIns="68580" tIns="34290" rIns="68580" bIns="34290" rtlCol="0">
+                <a:normAutofit/>
+              </a:bodyPr>
+              <a:lstStyle>
+                <a:lvl1pPr marL="228600" indent="-228600" algn="l" defTabSz="914400" rtl="0" eaLnBrk="1" latinLnBrk="0" hangingPunct="1">
+                  <a:lnSpc>
+                    <a:spcPct val="90000"/>
+                  </a:lnSpc>
+                  <a:spcBef>
+                    <a:spcPts val="1000"/>
+                  </a:spcBef>
+                  <a:buFont typeface="Arial" panose="020B0604020202020204" pitchFamily="34" charset="0"/>
+                  <a:buChar char="•"/>
+                  <a:defRPr sz="2800" kern="1200">
+                    <a:solidFill>
+                      <a:schemeClr val="tx1"/>
+                    </a:solidFill>
+                    <a:latin typeface="+mn-lt"/>
+                    <a:ea typeface="+mn-ea"/>
+                    <a:cs typeface="+mn-cs"/>
+                  </a:defRPr>
+                </a:lvl1pPr>
+                <a:lvl2pPr marL="685800" indent="-228600" algn="l" defTabSz="914400" rtl="0" eaLnBrk="1" latinLnBrk="0" hangingPunct="1">
+                  <a:lnSpc>
+                    <a:spcPct val="90000"/>
+                  </a:lnSpc>
+                  <a:spcBef>
+                    <a:spcPts val="500"/>
+                  </a:spcBef>
+                  <a:buFont typeface="Arial" panose="020B0604020202020204" pitchFamily="34" charset="0"/>
+                  <a:buChar char="•"/>
+                  <a:defRPr sz="2400" kern="1200">
+                    <a:solidFill>
+                      <a:schemeClr val="tx1"/>
+                    </a:solidFill>
+                    <a:latin typeface="+mn-lt"/>
+                    <a:ea typeface="+mn-ea"/>
+                    <a:cs typeface="+mn-cs"/>
+                  </a:defRPr>
+                </a:lvl2pPr>
+                <a:lvl3pPr marL="1143000" indent="-228600" algn="l" defTabSz="914400" rtl="0" eaLnBrk="1" latinLnBrk="0" hangingPunct="1">
+                  <a:lnSpc>
+                    <a:spcPct val="90000"/>
+                  </a:lnSpc>
+                  <a:spcBef>
+                    <a:spcPts val="500"/>
+                  </a:spcBef>
+                  <a:buFont typeface="Arial" panose="020B0604020202020204" pitchFamily="34" charset="0"/>
+                  <a:buChar char="•"/>
+                  <a:defRPr sz="2000" kern="1200">
+                    <a:solidFill>
+                      <a:schemeClr val="tx1"/>
+                    </a:solidFill>
+                    <a:latin typeface="+mn-lt"/>
+                    <a:ea typeface="+mn-ea"/>
+                    <a:cs typeface="+mn-cs"/>
+                  </a:defRPr>
+                </a:lvl3pPr>
+                <a:lvl4pPr marL="1600200" indent="-228600" algn="l" defTabSz="914400" rtl="0" eaLnBrk="1" latinLnBrk="0" hangingPunct="1">
+                  <a:lnSpc>
+                    <a:spcPct val="90000"/>
+                  </a:lnSpc>
+                  <a:spcBef>
+                    <a:spcPts val="500"/>
+                  </a:spcBef>
+                  <a:buFont typeface="Arial" panose="020B0604020202020204" pitchFamily="34" charset="0"/>
+                  <a:buChar char="•"/>
+                  <a:defRPr sz="1800" kern="1200">
+                    <a:solidFill>
+                      <a:schemeClr val="tx1"/>
+                    </a:solidFill>
+                    <a:latin typeface="+mn-lt"/>
+                    <a:ea typeface="+mn-ea"/>
+                    <a:cs typeface="+mn-cs"/>
+                  </a:defRPr>
+                </a:lvl4pPr>
+                <a:lvl5pPr marL="2057400" indent="-228600" algn="l" defTabSz="914400" rtl="0" eaLnBrk="1" latinLnBrk="0" hangingPunct="1">
+                  <a:lnSpc>
+                    <a:spcPct val="90000"/>
+                  </a:lnSpc>
+                  <a:spcBef>
+                    <a:spcPts val="500"/>
+                  </a:spcBef>
+                  <a:buFont typeface="Arial" panose="020B0604020202020204" pitchFamily="34" charset="0"/>
+                  <a:buChar char="•"/>
+                  <a:defRPr sz="1800" kern="1200">
+                    <a:solidFill>
+                      <a:schemeClr val="tx1"/>
+                    </a:solidFill>
+                    <a:latin typeface="+mn-lt"/>
+                    <a:ea typeface="+mn-ea"/>
+                    <a:cs typeface="+mn-cs"/>
+                  </a:defRPr>
+                </a:lvl5pPr>
+                <a:lvl6pPr marL="2514600" indent="-228600" algn="l" defTabSz="914400" rtl="0" eaLnBrk="1" latinLnBrk="0" hangingPunct="1">
+                  <a:lnSpc>
+                    <a:spcPct val="90000"/>
+                  </a:lnSpc>
+                  <a:spcBef>
+                    <a:spcPts val="500"/>
+                  </a:spcBef>
+                  <a:buFont typeface="Arial" panose="020B0604020202020204" pitchFamily="34" charset="0"/>
+                  <a:buChar char="•"/>
+                  <a:defRPr sz="1800" kern="1200">
+                    <a:solidFill>
+                      <a:schemeClr val="tx1"/>
+                    </a:solidFill>
+                    <a:latin typeface="+mn-lt"/>
+                    <a:ea typeface="+mn-ea"/>
+                    <a:cs typeface="+mn-cs"/>
+                  </a:defRPr>
+                </a:lvl6pPr>
+                <a:lvl7pPr marL="2971800" indent="-228600" algn="l" defTabSz="914400" rtl="0" eaLnBrk="1" latinLnBrk="0" hangingPunct="1">
+                  <a:lnSpc>
+                    <a:spcPct val="90000"/>
+                  </a:lnSpc>
+                  <a:spcBef>
+                    <a:spcPts val="500"/>
+                  </a:spcBef>
+                  <a:buFont typeface="Arial" panose="020B0604020202020204" pitchFamily="34" charset="0"/>
+                  <a:buChar char="•"/>
+                  <a:defRPr sz="1800" kern="1200">
+                    <a:solidFill>
+                      <a:schemeClr val="tx1"/>
+                    </a:solidFill>
+                    <a:latin typeface="+mn-lt"/>
+                    <a:ea typeface="+mn-ea"/>
+                    <a:cs typeface="+mn-cs"/>
+                  </a:defRPr>
+                </a:lvl7pPr>
+                <a:lvl8pPr marL="3429000" indent="-228600" algn="l" defTabSz="914400" rtl="0" eaLnBrk="1" latinLnBrk="0" hangingPunct="1">
+                  <a:lnSpc>
+                    <a:spcPct val="90000"/>
+                  </a:lnSpc>
+                  <a:spcBef>
+                    <a:spcPts val="500"/>
+                  </a:spcBef>
+                  <a:buFont typeface="Arial" panose="020B0604020202020204" pitchFamily="34" charset="0"/>
+                  <a:buChar char="•"/>
+                  <a:defRPr sz="1800" kern="1200">
+                    <a:solidFill>
+                      <a:schemeClr val="tx1"/>
+                    </a:solidFill>
+                    <a:latin typeface="+mn-lt"/>
+                    <a:ea typeface="+mn-ea"/>
+                    <a:cs typeface="+mn-cs"/>
+                  </a:defRPr>
+                </a:lvl8pPr>
+                <a:lvl9pPr marL="3886200" indent="-228600" algn="l" defTabSz="914400" rtl="0" eaLnBrk="1" latinLnBrk="0" hangingPunct="1">
+                  <a:lnSpc>
+                    <a:spcPct val="90000"/>
+                  </a:lnSpc>
+                  <a:spcBef>
+                    <a:spcPts val="500"/>
+                  </a:spcBef>
+                  <a:buFont typeface="Arial" panose="020B0604020202020204" pitchFamily="34" charset="0"/>
+                  <a:buChar char="•"/>
+                  <a:defRPr sz="1800" kern="1200">
+                    <a:solidFill>
+                      <a:schemeClr val="tx1"/>
+                    </a:solidFill>
+                    <a:latin typeface="+mn-lt"/>
+                    <a:ea typeface="+mn-ea"/>
+                    <a:cs typeface="+mn-cs"/>
+                  </a:defRPr>
+                </a:lvl9pPr>
+              </a:lstStyle>
+              <a:p>
+                <a:pPr marL="0" indent="0">
+                  <a:buNone/>
+                </a:pPr>
+                <a:r>
+                  <a:rPr lang="en-US" sz="2400" dirty="0">
+                    <a:latin typeface="Comic Sans MS" panose="030F0702030302020204" pitchFamily="66" charset="0"/>
+                  </a:rPr>
+                  <a:t>≡ </a:t>
+                </a:r>
+                <a:r>
+                  <a:rPr lang="en-US" sz="2400" dirty="0">
+                    <a:latin typeface="Comic Sans MS" panose="030F0702030302020204" pitchFamily="66" charset="0"/>
+                  </a:rPr>
+                  <a:t>￢ </a:t>
+                </a:r>
+                <a:r>
+                  <a:rPr lang="en-US" sz="2400" dirty="0">
+                    <a:latin typeface="Comic Sans MS" panose="030F0702030302020204" pitchFamily="66" charset="0"/>
+                  </a:rPr>
+                  <a:t>p </a:t>
+                </a:r>
+                <a14:m>
+                  <m:oMath xmlns:m="http://schemas.openxmlformats.org/officeDocument/2006/math">
+                    <m:r>
+                      <a:rPr lang="en-US" sz="2400" i="1">
+                        <a:latin typeface="Cambria Math" panose="02040503050406030204" pitchFamily="18" charset="0"/>
+                        <a:ea typeface="Cambria Math" panose="02040503050406030204" pitchFamily="18" charset="0"/>
+                      </a:rPr>
+                      <m:t>⋀</m:t>
+                    </m:r>
+                  </m:oMath>
+                </a14:m>
+                <a:r>
+                  <a:rPr lang="en-US" sz="2400" dirty="0">
+                    <a:latin typeface="Comic Sans MS" panose="030F0702030302020204" pitchFamily="66" charset="0"/>
+                  </a:rPr>
+                  <a:t> (￢ </a:t>
+                </a:r>
+                <a:r>
+                  <a:rPr lang="en-US" sz="2400" dirty="0">
+                    <a:latin typeface="Comic Sans MS" panose="030F0702030302020204" pitchFamily="66" charset="0"/>
+                  </a:rPr>
+                  <a:t>(￢p</a:t>
+                </a:r>
+                <a14:m>
+                  <m:oMath xmlns:m="http://schemas.openxmlformats.org/officeDocument/2006/math">
+                    <m:r>
+                      <a:rPr lang="en-US" sz="2400">
+                        <a:latin typeface="Cambria Math" panose="02040503050406030204" pitchFamily="18" charset="0"/>
+                        <a:ea typeface="Cambria Math" panose="02040503050406030204" pitchFamily="18" charset="0"/>
+                      </a:rPr>
+                      <m:t>) </m:t>
+                    </m:r>
+                    <m:r>
+                      <m:rPr>
+                        <m:nor/>
+                      </m:rPr>
+                      <a:rPr lang="en-US" sz="2400" dirty="0">
+                        <a:latin typeface="Comic Sans MS" panose="030F0702030302020204" pitchFamily="66" charset="0"/>
+                      </a:rPr>
+                      <m:t>∨</m:t>
+                    </m:r>
+                  </m:oMath>
+                </a14:m>
+                <a:r>
+                  <a:rPr lang="en-US" sz="2400" dirty="0">
+                    <a:latin typeface="Comic Sans MS" panose="030F0702030302020204" pitchFamily="66" charset="0"/>
+                  </a:rPr>
+                  <a:t> </a:t>
+                </a:r>
+                <a:r>
+                  <a:rPr lang="en-US" sz="2400" dirty="0">
+                    <a:latin typeface="Comic Sans MS" panose="030F0702030302020204" pitchFamily="66" charset="0"/>
+                  </a:rPr>
+                  <a:t>￢ </a:t>
+                </a:r>
+                <a:r>
+                  <a:rPr lang="en-US" sz="2400" dirty="0">
+                    <a:latin typeface="Comic Sans MS" panose="030F0702030302020204" pitchFamily="66" charset="0"/>
+                  </a:rPr>
+                  <a:t>q))</a:t>
+                </a:r>
+                <a:endParaRPr lang="en-US" sz="2400" dirty="0">
+                  <a:latin typeface="Comic Sans MS" panose="030F0702030302020204" pitchFamily="66" charset="0"/>
+                </a:endParaRPr>
+              </a:p>
+            </p:txBody>
+          </p:sp>
+        </mc:Choice>
+        <mc:Fallback xmlns="">
+          <p:sp>
+            <p:nvSpPr>
+              <p:cNvPr id="5" name="Content Placeholder 2">
+                <a:extLst>
+                  <a:ext uri="{FF2B5EF4-FFF2-40B4-BE49-F238E27FC236}">
+                    <a16:creationId xmlns="" xmlns:a16="http://schemas.microsoft.com/office/drawing/2014/main" xmlns:a14="http://schemas.microsoft.com/office/drawing/2010/main" id="{8FD3E7E3-6406-4C87-9E06-5BA40AA66E22}"/>
+                  </a:ext>
+                </a:extLst>
+              </p:cNvPr>
+              <p:cNvSpPr txBox="1">
+                <a:spLocks noRot="1" noChangeAspect="1" noMove="1" noResize="1" noEditPoints="1" noAdjustHandles="1" noChangeArrowheads="1" noChangeShapeType="1" noTextEdit="1"/>
+              </p:cNvSpPr>
+              <p:nvPr/>
+            </p:nvSpPr>
+            <p:spPr>
+              <a:xfrm>
+                <a:off x="862084" y="3887362"/>
+                <a:ext cx="9867331" cy="700562"/>
+              </a:xfrm>
+              <a:prstGeom prst="rect">
+                <a:avLst/>
+              </a:prstGeom>
+              <a:blipFill rotWithShape="0">
+                <a:blip r:embed="rId4"/>
+                <a:stretch>
+                  <a:fillRect l="-1544" t="-22609" b="-5217"/>
+                </a:stretch>
+              </a:blipFill>
+            </p:spPr>
+            <p:txBody>
+              <a:bodyPr/>
+              <a:lstStyle/>
+              <a:p>
+                <a:r>
+                  <a:rPr lang="en-US">
+                    <a:noFill/>
+                  </a:rPr>
+                  <a:t> </a:t>
+                </a:r>
+              </a:p>
+            </p:txBody>
+          </p:sp>
+        </mc:Fallback>
+      </mc:AlternateContent>
+      <mc:AlternateContent xmlns:mc="http://schemas.openxmlformats.org/markup-compatibility/2006" xmlns:a14="http://schemas.microsoft.com/office/drawing/2010/main">
+        <mc:Choice Requires="a14">
+          <p:sp>
+            <p:nvSpPr>
+              <p:cNvPr id="6" name="Content Placeholder 2">
+                <a:extLst>
+                  <a:ext uri="{FF2B5EF4-FFF2-40B4-BE49-F238E27FC236}">
+                    <a16:creationId xmlns="" xmlns:a16="http://schemas.microsoft.com/office/drawing/2014/main" id="{8FD3E7E3-6406-4C87-9E06-5BA40AA66E22}"/>
+                  </a:ext>
+                </a:extLst>
+              </p:cNvPr>
+              <p:cNvSpPr txBox="1">
+                <a:spLocks/>
+              </p:cNvSpPr>
+              <p:nvPr/>
+            </p:nvSpPr>
+            <p:spPr>
+              <a:xfrm>
+                <a:off x="638034" y="4286268"/>
+                <a:ext cx="7400498" cy="525422"/>
+              </a:xfrm>
+              <a:prstGeom prst="rect">
+                <a:avLst/>
+              </a:prstGeom>
+            </p:spPr>
+            <p:txBody>
+              <a:bodyPr vert="horz" lIns="68580" tIns="34290" rIns="68580" bIns="34290" rtlCol="0">
+                <a:normAutofit/>
+              </a:bodyPr>
+              <a:lstStyle>
+                <a:lvl1pPr marL="228600" indent="-228600" algn="l" defTabSz="914400" rtl="0" eaLnBrk="1" latinLnBrk="0" hangingPunct="1">
+                  <a:lnSpc>
+                    <a:spcPct val="90000"/>
+                  </a:lnSpc>
+                  <a:spcBef>
+                    <a:spcPts val="1000"/>
+                  </a:spcBef>
+                  <a:buFont typeface="Arial" panose="020B0604020202020204" pitchFamily="34" charset="0"/>
+                  <a:buChar char="•"/>
+                  <a:defRPr sz="2800" kern="1200">
+                    <a:solidFill>
+                      <a:schemeClr val="tx1"/>
+                    </a:solidFill>
+                    <a:latin typeface="+mn-lt"/>
+                    <a:ea typeface="+mn-ea"/>
+                    <a:cs typeface="+mn-cs"/>
+                  </a:defRPr>
+                </a:lvl1pPr>
+                <a:lvl2pPr marL="685800" indent="-228600" algn="l" defTabSz="914400" rtl="0" eaLnBrk="1" latinLnBrk="0" hangingPunct="1">
+                  <a:lnSpc>
+                    <a:spcPct val="90000"/>
+                  </a:lnSpc>
+                  <a:spcBef>
+                    <a:spcPts val="500"/>
+                  </a:spcBef>
+                  <a:buFont typeface="Arial" panose="020B0604020202020204" pitchFamily="34" charset="0"/>
+                  <a:buChar char="•"/>
+                  <a:defRPr sz="2400" kern="1200">
+                    <a:solidFill>
+                      <a:schemeClr val="tx1"/>
+                    </a:solidFill>
+                    <a:latin typeface="+mn-lt"/>
+                    <a:ea typeface="+mn-ea"/>
+                    <a:cs typeface="+mn-cs"/>
+                  </a:defRPr>
+                </a:lvl2pPr>
+                <a:lvl3pPr marL="1143000" indent="-228600" algn="l" defTabSz="914400" rtl="0" eaLnBrk="1" latinLnBrk="0" hangingPunct="1">
+                  <a:lnSpc>
+                    <a:spcPct val="90000"/>
+                  </a:lnSpc>
+                  <a:spcBef>
+                    <a:spcPts val="500"/>
+                  </a:spcBef>
+                  <a:buFont typeface="Arial" panose="020B0604020202020204" pitchFamily="34" charset="0"/>
+                  <a:buChar char="•"/>
+                  <a:defRPr sz="2000" kern="1200">
+                    <a:solidFill>
+                      <a:schemeClr val="tx1"/>
+                    </a:solidFill>
+                    <a:latin typeface="+mn-lt"/>
+                    <a:ea typeface="+mn-ea"/>
+                    <a:cs typeface="+mn-cs"/>
+                  </a:defRPr>
+                </a:lvl3pPr>
+                <a:lvl4pPr marL="1600200" indent="-228600" algn="l" defTabSz="914400" rtl="0" eaLnBrk="1" latinLnBrk="0" hangingPunct="1">
+                  <a:lnSpc>
+                    <a:spcPct val="90000"/>
+                  </a:lnSpc>
+                  <a:spcBef>
+                    <a:spcPts val="500"/>
+                  </a:spcBef>
+                  <a:buFont typeface="Arial" panose="020B0604020202020204" pitchFamily="34" charset="0"/>
+                  <a:buChar char="•"/>
+                  <a:defRPr sz="1800" kern="1200">
+                    <a:solidFill>
+                      <a:schemeClr val="tx1"/>
+                    </a:solidFill>
+                    <a:latin typeface="+mn-lt"/>
+                    <a:ea typeface="+mn-ea"/>
+                    <a:cs typeface="+mn-cs"/>
+                  </a:defRPr>
+                </a:lvl4pPr>
+                <a:lvl5pPr marL="2057400" indent="-228600" algn="l" defTabSz="914400" rtl="0" eaLnBrk="1" latinLnBrk="0" hangingPunct="1">
+                  <a:lnSpc>
+                    <a:spcPct val="90000"/>
+                  </a:lnSpc>
+                  <a:spcBef>
+                    <a:spcPts val="500"/>
+                  </a:spcBef>
+                  <a:buFont typeface="Arial" panose="020B0604020202020204" pitchFamily="34" charset="0"/>
+                  <a:buChar char="•"/>
+                  <a:defRPr sz="1800" kern="1200">
+                    <a:solidFill>
+                      <a:schemeClr val="tx1"/>
+                    </a:solidFill>
+                    <a:latin typeface="+mn-lt"/>
+                    <a:ea typeface="+mn-ea"/>
+                    <a:cs typeface="+mn-cs"/>
+                  </a:defRPr>
+                </a:lvl5pPr>
+                <a:lvl6pPr marL="2514600" indent="-228600" algn="l" defTabSz="914400" rtl="0" eaLnBrk="1" latinLnBrk="0" hangingPunct="1">
+                  <a:lnSpc>
+                    <a:spcPct val="90000"/>
+                  </a:lnSpc>
+                  <a:spcBef>
+                    <a:spcPts val="500"/>
+                  </a:spcBef>
+                  <a:buFont typeface="Arial" panose="020B0604020202020204" pitchFamily="34" charset="0"/>
+                  <a:buChar char="•"/>
+                  <a:defRPr sz="1800" kern="1200">
+                    <a:solidFill>
+                      <a:schemeClr val="tx1"/>
+                    </a:solidFill>
+                    <a:latin typeface="+mn-lt"/>
+                    <a:ea typeface="+mn-ea"/>
+                    <a:cs typeface="+mn-cs"/>
+                  </a:defRPr>
+                </a:lvl6pPr>
+                <a:lvl7pPr marL="2971800" indent="-228600" algn="l" defTabSz="914400" rtl="0" eaLnBrk="1" latinLnBrk="0" hangingPunct="1">
+                  <a:lnSpc>
+                    <a:spcPct val="90000"/>
+                  </a:lnSpc>
+                  <a:spcBef>
+                    <a:spcPts val="500"/>
+                  </a:spcBef>
+                  <a:buFont typeface="Arial" panose="020B0604020202020204" pitchFamily="34" charset="0"/>
+                  <a:buChar char="•"/>
+                  <a:defRPr sz="1800" kern="1200">
+                    <a:solidFill>
+                      <a:schemeClr val="tx1"/>
+                    </a:solidFill>
+                    <a:latin typeface="+mn-lt"/>
+                    <a:ea typeface="+mn-ea"/>
+                    <a:cs typeface="+mn-cs"/>
+                  </a:defRPr>
+                </a:lvl7pPr>
+                <a:lvl8pPr marL="3429000" indent="-228600" algn="l" defTabSz="914400" rtl="0" eaLnBrk="1" latinLnBrk="0" hangingPunct="1">
+                  <a:lnSpc>
+                    <a:spcPct val="90000"/>
+                  </a:lnSpc>
+                  <a:spcBef>
+                    <a:spcPts val="500"/>
+                  </a:spcBef>
+                  <a:buFont typeface="Arial" panose="020B0604020202020204" pitchFamily="34" charset="0"/>
+                  <a:buChar char="•"/>
+                  <a:defRPr sz="1800" kern="1200">
+                    <a:solidFill>
+                      <a:schemeClr val="tx1"/>
+                    </a:solidFill>
+                    <a:latin typeface="+mn-lt"/>
+                    <a:ea typeface="+mn-ea"/>
+                    <a:cs typeface="+mn-cs"/>
+                  </a:defRPr>
+                </a:lvl8pPr>
+                <a:lvl9pPr marL="3886200" indent="-228600" algn="l" defTabSz="914400" rtl="0" eaLnBrk="1" latinLnBrk="0" hangingPunct="1">
+                  <a:lnSpc>
+                    <a:spcPct val="90000"/>
+                  </a:lnSpc>
+                  <a:spcBef>
+                    <a:spcPts val="500"/>
+                  </a:spcBef>
+                  <a:buFont typeface="Arial" panose="020B0604020202020204" pitchFamily="34" charset="0"/>
+                  <a:buChar char="•"/>
+                  <a:defRPr sz="1800" kern="1200">
+                    <a:solidFill>
+                      <a:schemeClr val="tx1"/>
+                    </a:solidFill>
+                    <a:latin typeface="+mn-lt"/>
+                    <a:ea typeface="+mn-ea"/>
+                    <a:cs typeface="+mn-cs"/>
+                  </a:defRPr>
+                </a:lvl9pPr>
+              </a:lstStyle>
+              <a:p>
+                <a:pPr marL="0" indent="0">
+                  <a:buNone/>
+                </a:pPr>
+                <a:r>
+                  <a:rPr lang="en-US" sz="2400" dirty="0">
+                    <a:latin typeface="Comic Sans MS" panose="030F0702030302020204" pitchFamily="66" charset="0"/>
+                  </a:rPr>
+                  <a:t>≡ </a:t>
+                </a:r>
+                <a:r>
+                  <a:rPr lang="en-US" sz="2400" dirty="0">
+                    <a:latin typeface="Comic Sans MS" panose="030F0702030302020204" pitchFamily="66" charset="0"/>
+                  </a:rPr>
+                  <a:t>￢ </a:t>
+                </a:r>
+                <a:r>
+                  <a:rPr lang="en-US" sz="2400" dirty="0">
+                    <a:latin typeface="Comic Sans MS" panose="030F0702030302020204" pitchFamily="66" charset="0"/>
+                  </a:rPr>
+                  <a:t>p </a:t>
+                </a:r>
+                <a14:m>
+                  <m:oMath xmlns:m="http://schemas.openxmlformats.org/officeDocument/2006/math">
+                    <m:r>
+                      <a:rPr lang="en-US" sz="2400" i="1">
+                        <a:latin typeface="Cambria Math" panose="02040503050406030204" pitchFamily="18" charset="0"/>
+                        <a:ea typeface="Cambria Math" panose="02040503050406030204" pitchFamily="18" charset="0"/>
+                      </a:rPr>
+                      <m:t>⋀</m:t>
+                    </m:r>
+                  </m:oMath>
+                </a14:m>
+                <a:r>
+                  <a:rPr lang="en-US" sz="2400" dirty="0">
+                    <a:latin typeface="Comic Sans MS" panose="030F0702030302020204" pitchFamily="66" charset="0"/>
+                  </a:rPr>
+                  <a:t> (p</a:t>
+                </a:r>
+                <a14:m>
+                  <m:oMath xmlns:m="http://schemas.openxmlformats.org/officeDocument/2006/math">
+                    <m:r>
+                      <a:rPr lang="en-US" sz="2400">
+                        <a:latin typeface="Cambria Math" panose="02040503050406030204" pitchFamily="18" charset="0"/>
+                        <a:ea typeface="Cambria Math" panose="02040503050406030204" pitchFamily="18" charset="0"/>
+                      </a:rPr>
+                      <m:t> </m:t>
+                    </m:r>
+                    <m:r>
+                      <m:rPr>
+                        <m:nor/>
+                      </m:rPr>
+                      <a:rPr lang="en-US" sz="2400" dirty="0">
+                        <a:latin typeface="Comic Sans MS" panose="030F0702030302020204" pitchFamily="66" charset="0"/>
+                      </a:rPr>
+                      <m:t>∨</m:t>
+                    </m:r>
+                  </m:oMath>
+                </a14:m>
+                <a:r>
+                  <a:rPr lang="en-US" sz="2400" dirty="0">
+                    <a:latin typeface="Comic Sans MS" panose="030F0702030302020204" pitchFamily="66" charset="0"/>
+                  </a:rPr>
+                  <a:t> </a:t>
+                </a:r>
+                <a:r>
+                  <a:rPr lang="en-US" sz="2400" dirty="0">
+                    <a:latin typeface="Comic Sans MS" panose="030F0702030302020204" pitchFamily="66" charset="0"/>
+                  </a:rPr>
+                  <a:t>￢ </a:t>
+                </a:r>
+                <a:r>
+                  <a:rPr lang="en-US" sz="2400" dirty="0">
+                    <a:latin typeface="Comic Sans MS" panose="030F0702030302020204" pitchFamily="66" charset="0"/>
+                  </a:rPr>
+                  <a:t>q)</a:t>
+                </a:r>
+                <a:endParaRPr lang="en-US" sz="2400" dirty="0">
+                  <a:latin typeface="Comic Sans MS" panose="030F0702030302020204" pitchFamily="66" charset="0"/>
+                </a:endParaRPr>
+              </a:p>
+            </p:txBody>
+          </p:sp>
+        </mc:Choice>
+        <mc:Fallback xmlns="">
+          <p:sp>
+            <p:nvSpPr>
+              <p:cNvPr id="6" name="Content Placeholder 2">
+                <a:extLst>
+                  <a:ext uri="{FF2B5EF4-FFF2-40B4-BE49-F238E27FC236}">
+                    <a16:creationId xmlns="" xmlns:a16="http://schemas.microsoft.com/office/drawing/2014/main" xmlns:a14="http://schemas.microsoft.com/office/drawing/2010/main" id="{8FD3E7E3-6406-4C87-9E06-5BA40AA66E22}"/>
+                  </a:ext>
+                </a:extLst>
+              </p:cNvPr>
+              <p:cNvSpPr txBox="1">
+                <a:spLocks noRot="1" noChangeAspect="1" noMove="1" noResize="1" noEditPoints="1" noAdjustHandles="1" noChangeArrowheads="1" noChangeShapeType="1" noTextEdit="1"/>
+              </p:cNvSpPr>
+              <p:nvPr/>
+            </p:nvSpPr>
+            <p:spPr>
+              <a:xfrm>
+                <a:off x="850711" y="4572024"/>
+                <a:ext cx="9867331" cy="700562"/>
+              </a:xfrm>
+              <a:prstGeom prst="rect">
+                <a:avLst/>
+              </a:prstGeom>
+              <a:blipFill rotWithShape="0">
+                <a:blip r:embed="rId5"/>
+                <a:stretch>
+                  <a:fillRect l="-1607" t="-22609" b="-5217"/>
+                </a:stretch>
+              </a:blipFill>
+            </p:spPr>
+            <p:txBody>
+              <a:bodyPr/>
+              <a:lstStyle/>
+              <a:p>
+                <a:r>
+                  <a:rPr lang="en-US">
+                    <a:noFill/>
+                  </a:rPr>
+                  <a:t> </a:t>
+                </a:r>
+              </a:p>
+            </p:txBody>
+          </p:sp>
+        </mc:Fallback>
+      </mc:AlternateContent>
+      <mc:AlternateContent xmlns:mc="http://schemas.openxmlformats.org/markup-compatibility/2006">
+        <mc:Choice xmlns:a14="http://schemas.microsoft.com/office/drawing/2010/main" Requires="a14">
+          <p:sp>
+            <p:nvSpPr>
+              <p:cNvPr id="7" name="Content Placeholder 2">
+                <a:extLst>
+                  <a:ext uri="{FF2B5EF4-FFF2-40B4-BE49-F238E27FC236}">
+                    <a16:creationId xmlns="" xmlns:a16="http://schemas.microsoft.com/office/drawing/2014/main" id="{8FD3E7E3-6406-4C87-9E06-5BA40AA66E22}"/>
+                  </a:ext>
+                </a:extLst>
+              </p:cNvPr>
+              <p:cNvSpPr txBox="1">
+                <a:spLocks/>
+              </p:cNvSpPr>
+              <p:nvPr/>
+            </p:nvSpPr>
+            <p:spPr>
+              <a:xfrm>
+                <a:off x="609600" y="1828800"/>
+                <a:ext cx="7886700" cy="534644"/>
+              </a:xfrm>
+              <a:prstGeom prst="rect">
+                <a:avLst/>
+              </a:prstGeom>
+            </p:spPr>
+            <p:txBody>
+              <a:bodyPr vert="horz" lIns="68580" tIns="34290" rIns="68580" bIns="34290" rtlCol="0">
+                <a:normAutofit/>
+              </a:bodyPr>
+              <a:lstStyle>
+                <a:lvl1pPr marL="228600" indent="-228600" algn="l" defTabSz="914400" rtl="0" eaLnBrk="1" latinLnBrk="0" hangingPunct="1">
+                  <a:lnSpc>
+                    <a:spcPct val="90000"/>
+                  </a:lnSpc>
+                  <a:spcBef>
+                    <a:spcPts val="1000"/>
+                  </a:spcBef>
+                  <a:buFont typeface="Arial" panose="020B0604020202020204" pitchFamily="34" charset="0"/>
+                  <a:buChar char="•"/>
+                  <a:defRPr sz="2800" kern="1200">
+                    <a:solidFill>
+                      <a:schemeClr val="tx1"/>
+                    </a:solidFill>
+                    <a:latin typeface="+mn-lt"/>
+                    <a:ea typeface="+mn-ea"/>
+                    <a:cs typeface="+mn-cs"/>
+                  </a:defRPr>
+                </a:lvl1pPr>
+                <a:lvl2pPr marL="685800" indent="-228600" algn="l" defTabSz="914400" rtl="0" eaLnBrk="1" latinLnBrk="0" hangingPunct="1">
+                  <a:lnSpc>
+                    <a:spcPct val="90000"/>
+                  </a:lnSpc>
+                  <a:spcBef>
+                    <a:spcPts val="500"/>
+                  </a:spcBef>
+                  <a:buFont typeface="Arial" panose="020B0604020202020204" pitchFamily="34" charset="0"/>
+                  <a:buChar char="•"/>
+                  <a:defRPr sz="2400" kern="1200">
+                    <a:solidFill>
+                      <a:schemeClr val="tx1"/>
+                    </a:solidFill>
+                    <a:latin typeface="+mn-lt"/>
+                    <a:ea typeface="+mn-ea"/>
+                    <a:cs typeface="+mn-cs"/>
+                  </a:defRPr>
+                </a:lvl2pPr>
+                <a:lvl3pPr marL="1143000" indent="-228600" algn="l" defTabSz="914400" rtl="0" eaLnBrk="1" latinLnBrk="0" hangingPunct="1">
+                  <a:lnSpc>
+                    <a:spcPct val="90000"/>
+                  </a:lnSpc>
+                  <a:spcBef>
+                    <a:spcPts val="500"/>
+                  </a:spcBef>
+                  <a:buFont typeface="Arial" panose="020B0604020202020204" pitchFamily="34" charset="0"/>
+                  <a:buChar char="•"/>
+                  <a:defRPr sz="2000" kern="1200">
+                    <a:solidFill>
+                      <a:schemeClr val="tx1"/>
+                    </a:solidFill>
+                    <a:latin typeface="+mn-lt"/>
+                    <a:ea typeface="+mn-ea"/>
+                    <a:cs typeface="+mn-cs"/>
+                  </a:defRPr>
+                </a:lvl3pPr>
+                <a:lvl4pPr marL="1600200" indent="-228600" algn="l" defTabSz="914400" rtl="0" eaLnBrk="1" latinLnBrk="0" hangingPunct="1">
+                  <a:lnSpc>
+                    <a:spcPct val="90000"/>
+                  </a:lnSpc>
+                  <a:spcBef>
+                    <a:spcPts val="500"/>
+                  </a:spcBef>
+                  <a:buFont typeface="Arial" panose="020B0604020202020204" pitchFamily="34" charset="0"/>
+                  <a:buChar char="•"/>
+                  <a:defRPr sz="1800" kern="1200">
+                    <a:solidFill>
+                      <a:schemeClr val="tx1"/>
+                    </a:solidFill>
+                    <a:latin typeface="+mn-lt"/>
+                    <a:ea typeface="+mn-ea"/>
+                    <a:cs typeface="+mn-cs"/>
+                  </a:defRPr>
+                </a:lvl4pPr>
+                <a:lvl5pPr marL="2057400" indent="-228600" algn="l" defTabSz="914400" rtl="0" eaLnBrk="1" latinLnBrk="0" hangingPunct="1">
+                  <a:lnSpc>
+                    <a:spcPct val="90000"/>
+                  </a:lnSpc>
+                  <a:spcBef>
+                    <a:spcPts val="500"/>
+                  </a:spcBef>
+                  <a:buFont typeface="Arial" panose="020B0604020202020204" pitchFamily="34" charset="0"/>
+                  <a:buChar char="•"/>
+                  <a:defRPr sz="1800" kern="1200">
+                    <a:solidFill>
+                      <a:schemeClr val="tx1"/>
+                    </a:solidFill>
+                    <a:latin typeface="+mn-lt"/>
+                    <a:ea typeface="+mn-ea"/>
+                    <a:cs typeface="+mn-cs"/>
+                  </a:defRPr>
+                </a:lvl5pPr>
+                <a:lvl6pPr marL="2514600" indent="-228600" algn="l" defTabSz="914400" rtl="0" eaLnBrk="1" latinLnBrk="0" hangingPunct="1">
+                  <a:lnSpc>
+                    <a:spcPct val="90000"/>
+                  </a:lnSpc>
+                  <a:spcBef>
+                    <a:spcPts val="500"/>
+                  </a:spcBef>
+                  <a:buFont typeface="Arial" panose="020B0604020202020204" pitchFamily="34" charset="0"/>
+                  <a:buChar char="•"/>
+                  <a:defRPr sz="1800" kern="1200">
+                    <a:solidFill>
+                      <a:schemeClr val="tx1"/>
+                    </a:solidFill>
+                    <a:latin typeface="+mn-lt"/>
+                    <a:ea typeface="+mn-ea"/>
+                    <a:cs typeface="+mn-cs"/>
+                  </a:defRPr>
+                </a:lvl6pPr>
+                <a:lvl7pPr marL="2971800" indent="-228600" algn="l" defTabSz="914400" rtl="0" eaLnBrk="1" latinLnBrk="0" hangingPunct="1">
+                  <a:lnSpc>
+                    <a:spcPct val="90000"/>
+                  </a:lnSpc>
+                  <a:spcBef>
+                    <a:spcPts val="500"/>
+                  </a:spcBef>
+                  <a:buFont typeface="Arial" panose="020B0604020202020204" pitchFamily="34" charset="0"/>
+                  <a:buChar char="•"/>
+                  <a:defRPr sz="1800" kern="1200">
+                    <a:solidFill>
+                      <a:schemeClr val="tx1"/>
+                    </a:solidFill>
+                    <a:latin typeface="+mn-lt"/>
+                    <a:ea typeface="+mn-ea"/>
+                    <a:cs typeface="+mn-cs"/>
+                  </a:defRPr>
+                </a:lvl7pPr>
+                <a:lvl8pPr marL="3429000" indent="-228600" algn="l" defTabSz="914400" rtl="0" eaLnBrk="1" latinLnBrk="0" hangingPunct="1">
+                  <a:lnSpc>
+                    <a:spcPct val="90000"/>
+                  </a:lnSpc>
+                  <a:spcBef>
+                    <a:spcPts val="500"/>
+                  </a:spcBef>
+                  <a:buFont typeface="Arial" panose="020B0604020202020204" pitchFamily="34" charset="0"/>
+                  <a:buChar char="•"/>
+                  <a:defRPr sz="1800" kern="1200">
+                    <a:solidFill>
+                      <a:schemeClr val="tx1"/>
+                    </a:solidFill>
+                    <a:latin typeface="+mn-lt"/>
+                    <a:ea typeface="+mn-ea"/>
+                    <a:cs typeface="+mn-cs"/>
+                  </a:defRPr>
+                </a:lvl8pPr>
+                <a:lvl9pPr marL="3886200" indent="-228600" algn="l" defTabSz="914400" rtl="0" eaLnBrk="1" latinLnBrk="0" hangingPunct="1">
+                  <a:lnSpc>
+                    <a:spcPct val="90000"/>
+                  </a:lnSpc>
+                  <a:spcBef>
+                    <a:spcPts val="500"/>
+                  </a:spcBef>
+                  <a:buFont typeface="Arial" panose="020B0604020202020204" pitchFamily="34" charset="0"/>
+                  <a:buChar char="•"/>
+                  <a:defRPr sz="1800" kern="1200">
+                    <a:solidFill>
+                      <a:schemeClr val="tx1"/>
+                    </a:solidFill>
+                    <a:latin typeface="+mn-lt"/>
+                    <a:ea typeface="+mn-ea"/>
+                    <a:cs typeface="+mn-cs"/>
+                  </a:defRPr>
+                </a:lvl9pPr>
+              </a:lstStyle>
+              <a:p>
+                <a:pPr marL="0" indent="0">
+                  <a:buNone/>
+                </a:pPr>
+                <a:r>
+                  <a:rPr lang="en-US" sz="2400" dirty="0">
+                    <a:latin typeface="Comic Sans MS" panose="030F0702030302020204" pitchFamily="66" charset="0"/>
+                  </a:rPr>
+                  <a:t>Find the negation of (p </a:t>
+                </a:r>
+                <a:r>
+                  <a:rPr lang="en-US" sz="2400" dirty="0">
+                    <a:latin typeface="Comic Sans MS" panose="030F0702030302020204" pitchFamily="66" charset="0"/>
+                  </a:rPr>
+                  <a:t>∨</a:t>
+                </a:r>
+                <a:r>
+                  <a:rPr lang="en-US" sz="2400" dirty="0">
+                    <a:latin typeface="Comic Sans MS" panose="030F0702030302020204" pitchFamily="66" charset="0"/>
+                  </a:rPr>
+                  <a:t> (￢p</a:t>
+                </a:r>
+                <a14:m>
+                  <m:oMath xmlns:m="http://schemas.openxmlformats.org/officeDocument/2006/math">
+                    <m:r>
+                      <a:rPr lang="en-US" sz="2400">
+                        <a:latin typeface="Cambria Math" panose="02040503050406030204" pitchFamily="18" charset="0"/>
+                        <a:ea typeface="Cambria Math" panose="02040503050406030204" pitchFamily="18" charset="0"/>
+                      </a:rPr>
+                      <m:t> </m:t>
+                    </m:r>
+                    <m:r>
+                      <a:rPr lang="en-US" sz="2400" i="1">
+                        <a:latin typeface="Cambria Math" panose="02040503050406030204" pitchFamily="18" charset="0"/>
+                        <a:ea typeface="Cambria Math" panose="02040503050406030204" pitchFamily="18" charset="0"/>
+                      </a:rPr>
+                      <m:t>⋀</m:t>
+                    </m:r>
+                  </m:oMath>
+                </a14:m>
+                <a:r>
+                  <a:rPr lang="en-US" sz="2400" dirty="0">
+                    <a:latin typeface="Comic Sans MS" panose="030F0702030302020204" pitchFamily="66" charset="0"/>
+                  </a:rPr>
+                  <a:t> </a:t>
+                </a:r>
+                <a:r>
+                  <a:rPr lang="en-US" sz="2400" dirty="0">
+                    <a:latin typeface="Comic Sans MS" panose="030F0702030302020204" pitchFamily="66" charset="0"/>
+                  </a:rPr>
+                  <a:t>q)) </a:t>
+                </a:r>
+                <a:endParaRPr lang="en-US" sz="2400" dirty="0">
+                  <a:latin typeface="Comic Sans MS" panose="030F0702030302020204" pitchFamily="66" charset="0"/>
+                </a:endParaRPr>
+              </a:p>
+            </p:txBody>
+          </p:sp>
+        </mc:Choice>
+        <mc:Fallback>
+          <p:sp>
+            <p:nvSpPr>
+              <p:cNvPr id="7" name="Content Placeholder 2">
+                <a:extLst>
+                  <a:ext uri="{FF2B5EF4-FFF2-40B4-BE49-F238E27FC236}">
+                    <a16:creationId xmlns="" xmlns:a16="http://schemas.microsoft.com/office/drawing/2014/main" xmlns:a14="http://schemas.microsoft.com/office/drawing/2010/main" id="{8FD3E7E3-6406-4C87-9E06-5BA40AA66E22}"/>
+                  </a:ext>
+                </a:extLst>
+              </p:cNvPr>
+              <p:cNvSpPr txBox="1">
+                <a:spLocks noRot="1" noChangeAspect="1" noMove="1" noResize="1" noEditPoints="1" noAdjustHandles="1" noChangeArrowheads="1" noChangeShapeType="1" noTextEdit="1"/>
+              </p:cNvSpPr>
+              <p:nvPr/>
+            </p:nvSpPr>
+            <p:spPr>
+              <a:xfrm>
+                <a:off x="609600" y="1828800"/>
+                <a:ext cx="7886700" cy="534644"/>
+              </a:xfrm>
+              <a:prstGeom prst="rect">
+                <a:avLst/>
+              </a:prstGeom>
+              <a:blipFill rotWithShape="0">
+                <a:blip r:embed="rId6"/>
+                <a:stretch>
+                  <a:fillRect l="-1468" t="-22727" b="-3409"/>
+                </a:stretch>
+              </a:blipFill>
+            </p:spPr>
+            <p:txBody>
+              <a:bodyPr/>
+              <a:lstStyle/>
+              <a:p>
+                <a:r>
+                  <a:rPr lang="en-US">
+                    <a:noFill/>
+                  </a:rPr>
+                  <a:t> </a:t>
+                </a:r>
+              </a:p>
+            </p:txBody>
+          </p:sp>
+        </mc:Fallback>
+      </mc:AlternateContent>
+    </p:spTree>
+    <p:extLst>
+      <p:ext uri="{BB962C8B-B14F-4D97-AF65-F5344CB8AC3E}">
+        <p14:creationId xmlns:p14="http://schemas.microsoft.com/office/powerpoint/2010/main" val="2161454145"/>
+      </p:ext>
+    </p:extLst>
+  </p:cSld>
+  <p:clrMapOvr>
+    <a:masterClrMapping/>
+  </p:clrMapOvr>
+  <p:timing>
+    <p:tnLst>
+      <p:par>
+        <p:cTn id="1" dur="indefinite" restart="never" nodeType="tmRoot">
+          <p:childTnLst>
+            <p:seq concurrent="1" nextAc="seek">
+              <p:cTn id="2" dur="indefinite" nodeType="mainSeq">
+                <p:childTnLst>
+                  <p:par>
+                    <p:cTn id="3" fill="hold">
+                      <p:stCondLst>
+                        <p:cond delay="indefinite"/>
+                      </p:stCondLst>
+                      <p:childTnLst>
+                        <p:par>
+                          <p:cTn id="4" fill="hold">
+                            <p:stCondLst>
+                              <p:cond delay="0"/>
+                            </p:stCondLst>
+                            <p:childTnLst>
+                              <p:par>
+                                <p:cTn id="5" presetID="1" presetClass="entr" presetSubtype="0" fill="hold" grpId="0" nodeType="clickEffect">
+                                  <p:stCondLst>
+                                    <p:cond delay="0"/>
+                                  </p:stCondLst>
+                                  <p:childTnLst>
+                                    <p:set>
+                                      <p:cBhvr>
+                                        <p:cTn id="6" dur="1" fill="hold">
+                                          <p:stCondLst>
+                                            <p:cond delay="0"/>
+                                          </p:stCondLst>
+                                        </p:cTn>
+                                        <p:tgtEl>
+                                          <p:spTgt spid="3">
+                                            <p:txEl>
+                                              <p:pRg st="0" end="0"/>
+                                            </p:txEl>
+                                          </p:spTgt>
+                                        </p:tgtEl>
+                                        <p:attrNameLst>
+                                          <p:attrName>style.visibility</p:attrName>
+                                        </p:attrNameLst>
+                                      </p:cBhvr>
+                                      <p:to>
+                                        <p:strVal val="visible"/>
+                                      </p:to>
+                                    </p:set>
+                                  </p:childTnLst>
+                                </p:cTn>
+                              </p:par>
+                            </p:childTnLst>
+                          </p:cTn>
+                        </p:par>
+                      </p:childTnLst>
+                    </p:cTn>
+                  </p:par>
+                  <p:par>
+                    <p:cTn id="7" fill="hold">
+                      <p:stCondLst>
+                        <p:cond delay="indefinite"/>
+                      </p:stCondLst>
+                      <p:childTnLst>
+                        <p:par>
+                          <p:cTn id="8" fill="hold">
+                            <p:stCondLst>
+                              <p:cond delay="0"/>
+                            </p:stCondLst>
+                            <p:childTnLst>
+                              <p:par>
+                                <p:cTn id="9" presetID="1" presetClass="entr" presetSubtype="0" fill="hold" grpId="0" nodeType="clickEffect">
+                                  <p:stCondLst>
+                                    <p:cond delay="0"/>
+                                  </p:stCondLst>
+                                  <p:childTnLst>
+                                    <p:set>
+                                      <p:cBhvr>
+                                        <p:cTn id="10" dur="1" fill="hold">
+                                          <p:stCondLst>
+                                            <p:cond delay="0"/>
+                                          </p:stCondLst>
+                                        </p:cTn>
+                                        <p:tgtEl>
+                                          <p:spTgt spid="4"/>
+                                        </p:tgtEl>
+                                        <p:attrNameLst>
+                                          <p:attrName>style.visibility</p:attrName>
+                                        </p:attrNameLst>
+                                      </p:cBhvr>
+                                      <p:to>
+                                        <p:strVal val="visible"/>
+                                      </p:to>
+                                    </p:set>
+                                  </p:childTnLst>
+                                </p:cTn>
+                              </p:par>
+                            </p:childTnLst>
+                          </p:cTn>
+                        </p:par>
+                      </p:childTnLst>
+                    </p:cTn>
+                  </p:par>
+                  <p:par>
+                    <p:cTn id="11" fill="hold">
+                      <p:stCondLst>
+                        <p:cond delay="indefinite"/>
+                      </p:stCondLst>
+                      <p:childTnLst>
+                        <p:par>
+                          <p:cTn id="12" fill="hold">
+                            <p:stCondLst>
+                              <p:cond delay="0"/>
+                            </p:stCondLst>
+                            <p:childTnLst>
+                              <p:par>
+                                <p:cTn id="13" presetID="1" presetClass="entr" presetSubtype="0" fill="hold" grpId="0" nodeType="clickEffect">
+                                  <p:stCondLst>
+                                    <p:cond delay="0"/>
+                                  </p:stCondLst>
+                                  <p:childTnLst>
+                                    <p:set>
+                                      <p:cBhvr>
+                                        <p:cTn id="14" dur="1" fill="hold">
+                                          <p:stCondLst>
+                                            <p:cond delay="0"/>
+                                          </p:stCondLst>
+                                        </p:cTn>
+                                        <p:tgtEl>
+                                          <p:spTgt spid="5"/>
+                                        </p:tgtEl>
+                                        <p:attrNameLst>
+                                          <p:attrName>style.visibility</p:attrName>
+                                        </p:attrNameLst>
+                                      </p:cBhvr>
+                                      <p:to>
+                                        <p:strVal val="visible"/>
+                                      </p:to>
+                                    </p:set>
+                                  </p:childTnLst>
+                                </p:cTn>
+                              </p:par>
+                            </p:childTnLst>
+                          </p:cTn>
+                        </p:par>
+                      </p:childTnLst>
+                    </p:cTn>
+                  </p:par>
+                  <p:par>
+                    <p:cTn id="15" fill="hold">
+                      <p:stCondLst>
+                        <p:cond delay="indefinite"/>
+                      </p:stCondLst>
+                      <p:childTnLst>
+                        <p:par>
+                          <p:cTn id="16" fill="hold">
+                            <p:stCondLst>
+                              <p:cond delay="0"/>
+                            </p:stCondLst>
+                            <p:childTnLst>
+                              <p:par>
+                                <p:cTn id="17" presetID="1" presetClass="entr" presetSubtype="0" fill="hold" grpId="0" nodeType="clickEffect">
+                                  <p:stCondLst>
+                                    <p:cond delay="0"/>
+                                  </p:stCondLst>
+                                  <p:childTnLst>
+                                    <p:set>
+                                      <p:cBhvr>
+                                        <p:cTn id="18" dur="1" fill="hold">
+                                          <p:stCondLst>
+                                            <p:cond delay="0"/>
+                                          </p:stCondLst>
+                                        </p:cTn>
+                                        <p:tgtEl>
+                                          <p:spTgt spid="6"/>
+                                        </p:tgtEl>
+                                        <p:attrNameLst>
+                                          <p:attrName>style.visibility</p:attrName>
+                                        </p:attrNameLst>
+                                      </p:cBhvr>
+                                      <p:to>
+                                        <p:strVal val="visible"/>
+                                      </p:to>
+                                    </p:set>
+                                  </p:childTnLst>
+                                </p:cTn>
+                              </p:par>
+                            </p:childTnLst>
+                          </p:cTn>
+                        </p:par>
+                      </p:childTnLst>
+                    </p:cTn>
+                  </p:par>
+                </p:childTnLst>
+              </p:cTn>
+              <p:prevCondLst>
+                <p:cond evt="onPrev" delay="0">
+                  <p:tgtEl>
+                    <p:sldTgt/>
+                  </p:tgtEl>
+                </p:cond>
+              </p:prevCondLst>
+              <p:nextCondLst>
+                <p:cond evt="onNext" delay="0">
+                  <p:tgtEl>
+                    <p:sldTgt/>
+                  </p:tgtEl>
+                </p:cond>
+              </p:nextCondLst>
+            </p:seq>
+          </p:childTnLst>
+        </p:cTn>
+      </p:par>
+    </p:tnLst>
+    <p:bldLst>
+      <p:bldP spid="3" grpId="0" build="p"/>
+      <p:bldP spid="4" grpId="0"/>
+      <p:bldP spid="5" grpId="0"/>
+      <p:bldP spid="6" grpId="0"/>
+    </p:bldLst>
+  </p:timing>
+</p:sld>
+</file>
+
+<file path=ppt/slides/slide58.xml><?xml version="1.0" encoding="utf-8"?>
+<p:sld xmlns:a="http://schemas.openxmlformats.org/drawingml/2006/main" xmlns:r="http://schemas.openxmlformats.org/officeDocument/2006/relationships" xmlns:p="http://schemas.openxmlformats.org/presentationml/2006/main">
+  <p:cSld>
+    <p:spTree>
+      <p:nvGrpSpPr>
+        <p:cNvPr id="1" name=""/>
+        <p:cNvGrpSpPr/>
+        <p:nvPr/>
+      </p:nvGrpSpPr>
+      <p:grpSpPr>
+        <a:xfrm>
+          <a:off x="0" y="0"/>
+          <a:ext cx="0" cy="0"/>
+          <a:chOff x="0" y="0"/>
+          <a:chExt cx="0" cy="0"/>
+        </a:xfrm>
+      </p:grpSpPr>
+      <p:sp>
+        <p:nvSpPr>
+          <p:cNvPr id="2" name="Title 1">
+            <a:extLst>
+              <a:ext uri="{FF2B5EF4-FFF2-40B4-BE49-F238E27FC236}">
+                <a16:creationId xmlns="" xmlns:a16="http://schemas.microsoft.com/office/drawing/2014/main" id="{64FC46BD-FCD3-4070-A2FE-CF068D21089D}"/>
+              </a:ext>
+            </a:extLst>
+          </p:cNvPr>
+          <p:cNvSpPr>
+            <a:spLocks noGrp="1"/>
+          </p:cNvSpPr>
+          <p:nvPr>
+            <p:ph type="title"/>
+          </p:nvPr>
+        </p:nvSpPr>
+        <p:spPr/>
+        <p:txBody>
+          <a:bodyPr/>
+          <a:lstStyle/>
+          <a:p>
+            <a:r>
+              <a:rPr lang="en-US" dirty="0">
+                <a:latin typeface="Comic Sans MS" panose="030F0702030302020204" pitchFamily="66" charset="0"/>
+              </a:rPr>
+              <a:t>Negating </a:t>
+            </a:r>
+            <a:r>
+              <a:rPr lang="en-US" dirty="0" smtClean="0">
+                <a:latin typeface="Comic Sans MS" panose="030F0702030302020204" pitchFamily="66" charset="0"/>
+              </a:rPr>
+              <a:t>propositions</a:t>
+            </a:r>
+            <a:endParaRPr lang="en-US" dirty="0">
+              <a:latin typeface="Comic Sans MS" panose="030F0702030302020204" pitchFamily="66" charset="0"/>
+            </a:endParaRPr>
+          </a:p>
+        </p:txBody>
+      </p:sp>
+      <p:sp>
+        <p:nvSpPr>
+          <p:cNvPr id="3" name="Content Placeholder 2">
+            <a:extLst>
+              <a:ext uri="{FF2B5EF4-FFF2-40B4-BE49-F238E27FC236}">
+                <a16:creationId xmlns="" xmlns:a16="http://schemas.microsoft.com/office/drawing/2014/main" xmlns:a14="http://schemas.microsoft.com/office/drawing/2010/main" xmlns:mc="http://schemas.openxmlformats.org/markup-compatibility/2006" id="{8FD3E7E3-6406-4C87-9E06-5BA40AA66E22}"/>
+              </a:ext>
+            </a:extLst>
+          </p:cNvPr>
+          <p:cNvSpPr>
+            <a:spLocks noGrp="1"/>
+          </p:cNvSpPr>
+          <p:nvPr>
+            <p:ph idx="1"/>
+          </p:nvPr>
+        </p:nvSpPr>
+        <p:spPr>
+          <a:xfrm>
+            <a:off x="669593" y="2646138"/>
+            <a:ext cx="7886700" cy="534644"/>
+          </a:xfrm>
+        </p:spPr>
+        <p:txBody>
+          <a:bodyPr>
+            <a:normAutofit/>
+          </a:bodyPr>
+          <a:lstStyle/>
+          <a:p>
+            <a:pPr marL="0" indent="0">
+              <a:buNone/>
+            </a:pPr>
+            <a:r>
+              <a:rPr lang="en-US" sz="2400" dirty="0">
+                <a:latin typeface="Comic Sans MS" panose="030F0702030302020204" pitchFamily="66" charset="0"/>
+              </a:rPr>
+              <a:t>￢ </a:t>
+            </a:r>
+            <a:r>
+              <a:rPr lang="en-US" sz="2400" dirty="0" smtClean="0">
+                <a:latin typeface="Comic Sans MS" panose="030F0702030302020204" pitchFamily="66" charset="0"/>
+              </a:rPr>
+              <a:t>(</a:t>
+            </a:r>
+            <a:r>
+              <a:rPr lang="en-US" sz="2400" dirty="0">
+                <a:latin typeface="Comic Sans MS" panose="030F0702030302020204" pitchFamily="66" charset="0"/>
+              </a:rPr>
+              <a:t>p ↔ </a:t>
+            </a:r>
+            <a:r>
+              <a:rPr lang="en-US" sz="2400" dirty="0" smtClean="0">
+                <a:latin typeface="Comic Sans MS" panose="030F0702030302020204" pitchFamily="66" charset="0"/>
+              </a:rPr>
+              <a:t>q) </a:t>
+            </a:r>
+            <a:endParaRPr lang="en-US" sz="2400" dirty="0">
+              <a:latin typeface="Comic Sans MS" panose="030F0702030302020204" pitchFamily="66" charset="0"/>
+            </a:endParaRPr>
+          </a:p>
+        </p:txBody>
+      </p:sp>
+      <p:sp>
+        <p:nvSpPr>
+          <p:cNvPr id="4" name="Content Placeholder 2">
+            <a:extLst>
+              <a:ext uri="{FF2B5EF4-FFF2-40B4-BE49-F238E27FC236}">
+                <a16:creationId xmlns="" xmlns:a16="http://schemas.microsoft.com/office/drawing/2014/main" xmlns:a14="http://schemas.microsoft.com/office/drawing/2010/main" xmlns:mc="http://schemas.openxmlformats.org/markup-compatibility/2006" id="{8FD3E7E3-6406-4C87-9E06-5BA40AA66E22}"/>
+              </a:ext>
+            </a:extLst>
+          </p:cNvPr>
+          <p:cNvSpPr txBox="1">
+            <a:spLocks/>
+          </p:cNvSpPr>
+          <p:nvPr/>
+        </p:nvSpPr>
+        <p:spPr>
+          <a:xfrm>
+            <a:off x="624386" y="3238802"/>
+            <a:ext cx="7400498" cy="525422"/>
+          </a:xfrm>
+          <a:prstGeom prst="rect">
+            <a:avLst/>
+          </a:prstGeom>
+        </p:spPr>
+        <p:txBody>
+          <a:bodyPr vert="horz" lIns="68580" tIns="34290" rIns="68580" bIns="34290" rtlCol="0">
+            <a:normAutofit/>
+          </a:bodyPr>
+          <a:lstStyle>
+            <a:lvl1pPr marL="228600" indent="-228600" algn="l" defTabSz="914400" rtl="0" eaLnBrk="1" latinLnBrk="0" hangingPunct="1">
+              <a:lnSpc>
+                <a:spcPct val="90000"/>
+              </a:lnSpc>
+              <a:spcBef>
+                <a:spcPts val="1000"/>
+              </a:spcBef>
+              <a:buFont typeface="Arial" panose="020B0604020202020204" pitchFamily="34" charset="0"/>
+              <a:buChar char="•"/>
+              <a:defRPr sz="2800" kern="1200">
+                <a:solidFill>
+                  <a:schemeClr val="tx1"/>
+                </a:solidFill>
+                <a:latin typeface="+mn-lt"/>
+                <a:ea typeface="+mn-ea"/>
+                <a:cs typeface="+mn-cs"/>
+              </a:defRPr>
+            </a:lvl1pPr>
+            <a:lvl2pPr marL="685800" indent="-228600" algn="l" defTabSz="914400" rtl="0" eaLnBrk="1" latinLnBrk="0" hangingPunct="1">
+              <a:lnSpc>
+                <a:spcPct val="90000"/>
+              </a:lnSpc>
+              <a:spcBef>
+                <a:spcPts val="500"/>
+              </a:spcBef>
+              <a:buFont typeface="Arial" panose="020B0604020202020204" pitchFamily="34" charset="0"/>
+              <a:buChar char="•"/>
+              <a:defRPr sz="2400" kern="1200">
+                <a:solidFill>
+                  <a:schemeClr val="tx1"/>
+                </a:solidFill>
+                <a:latin typeface="+mn-lt"/>
+                <a:ea typeface="+mn-ea"/>
+                <a:cs typeface="+mn-cs"/>
+              </a:defRPr>
+            </a:lvl2pPr>
+            <a:lvl3pPr marL="1143000" indent="-228600" algn="l" defTabSz="914400" rtl="0" eaLnBrk="1" latinLnBrk="0" hangingPunct="1">
+              <a:lnSpc>
+                <a:spcPct val="90000"/>
+              </a:lnSpc>
+              <a:spcBef>
+                <a:spcPts val="500"/>
+              </a:spcBef>
+              <a:buFont typeface="Arial" panose="020B0604020202020204" pitchFamily="34" charset="0"/>
+              <a:buChar char="•"/>
+              <a:defRPr sz="2000" kern="1200">
+                <a:solidFill>
+                  <a:schemeClr val="tx1"/>
+                </a:solidFill>
+                <a:latin typeface="+mn-lt"/>
+                <a:ea typeface="+mn-ea"/>
+                <a:cs typeface="+mn-cs"/>
+              </a:defRPr>
+            </a:lvl3pPr>
+            <a:lvl4pPr marL="1600200" indent="-228600" algn="l" defTabSz="914400" rtl="0" eaLnBrk="1" latinLnBrk="0" hangingPunct="1">
+              <a:lnSpc>
+                <a:spcPct val="90000"/>
+              </a:lnSpc>
+              <a:spcBef>
+                <a:spcPts val="500"/>
+              </a:spcBef>
+              <a:buFont typeface="Arial" panose="020B0604020202020204" pitchFamily="34" charset="0"/>
+              <a:buChar char="•"/>
+              <a:defRPr sz="1800" kern="1200">
+                <a:solidFill>
+                  <a:schemeClr val="tx1"/>
+                </a:solidFill>
+                <a:latin typeface="+mn-lt"/>
+                <a:ea typeface="+mn-ea"/>
+                <a:cs typeface="+mn-cs"/>
+              </a:defRPr>
+            </a:lvl4pPr>
+            <a:lvl5pPr marL="2057400" indent="-228600" algn="l" defTabSz="914400" rtl="0" eaLnBrk="1" latinLnBrk="0" hangingPunct="1">
+              <a:lnSpc>
+                <a:spcPct val="90000"/>
+              </a:lnSpc>
+              <a:spcBef>
+                <a:spcPts val="500"/>
+              </a:spcBef>
+              <a:buFont typeface="Arial" panose="020B0604020202020204" pitchFamily="34" charset="0"/>
+              <a:buChar char="•"/>
+              <a:defRPr sz="1800" kern="1200">
+                <a:solidFill>
+                  <a:schemeClr val="tx1"/>
+                </a:solidFill>
+                <a:latin typeface="+mn-lt"/>
+                <a:ea typeface="+mn-ea"/>
+                <a:cs typeface="+mn-cs"/>
+              </a:defRPr>
+            </a:lvl5pPr>
+            <a:lvl6pPr marL="2514600" indent="-228600" algn="l" defTabSz="914400" rtl="0" eaLnBrk="1" latinLnBrk="0" hangingPunct="1">
+              <a:lnSpc>
+                <a:spcPct val="90000"/>
+              </a:lnSpc>
+              <a:spcBef>
+                <a:spcPts val="500"/>
+              </a:spcBef>
+              <a:buFont typeface="Arial" panose="020B0604020202020204" pitchFamily="34" charset="0"/>
+              <a:buChar char="•"/>
+              <a:defRPr sz="1800" kern="1200">
+                <a:solidFill>
+                  <a:schemeClr val="tx1"/>
+                </a:solidFill>
+                <a:latin typeface="+mn-lt"/>
+                <a:ea typeface="+mn-ea"/>
+                <a:cs typeface="+mn-cs"/>
+              </a:defRPr>
+            </a:lvl6pPr>
+            <a:lvl7pPr marL="2971800" indent="-228600" algn="l" defTabSz="914400" rtl="0" eaLnBrk="1" latinLnBrk="0" hangingPunct="1">
+              <a:lnSpc>
+                <a:spcPct val="90000"/>
+              </a:lnSpc>
+              <a:spcBef>
+                <a:spcPts val="500"/>
+              </a:spcBef>
+              <a:buFont typeface="Arial" panose="020B0604020202020204" pitchFamily="34" charset="0"/>
+              <a:buChar char="•"/>
+              <a:defRPr sz="1800" kern="1200">
+                <a:solidFill>
+                  <a:schemeClr val="tx1"/>
+                </a:solidFill>
+                <a:latin typeface="+mn-lt"/>
+                <a:ea typeface="+mn-ea"/>
+                <a:cs typeface="+mn-cs"/>
+              </a:defRPr>
+            </a:lvl7pPr>
+            <a:lvl8pPr marL="3429000" indent="-228600" algn="l" defTabSz="914400" rtl="0" eaLnBrk="1" latinLnBrk="0" hangingPunct="1">
+              <a:lnSpc>
+                <a:spcPct val="90000"/>
+              </a:lnSpc>
+              <a:spcBef>
+                <a:spcPts val="500"/>
+              </a:spcBef>
+              <a:buFont typeface="Arial" panose="020B0604020202020204" pitchFamily="34" charset="0"/>
+              <a:buChar char="•"/>
+              <a:defRPr sz="1800" kern="1200">
+                <a:solidFill>
+                  <a:schemeClr val="tx1"/>
+                </a:solidFill>
+                <a:latin typeface="+mn-lt"/>
+                <a:ea typeface="+mn-ea"/>
+                <a:cs typeface="+mn-cs"/>
+              </a:defRPr>
+            </a:lvl8pPr>
+            <a:lvl9pPr marL="3886200" indent="-228600" algn="l" defTabSz="914400" rtl="0" eaLnBrk="1" latinLnBrk="0" hangingPunct="1">
+              <a:lnSpc>
+                <a:spcPct val="90000"/>
+              </a:lnSpc>
+              <a:spcBef>
+                <a:spcPts val="500"/>
+              </a:spcBef>
+              <a:buFont typeface="Arial" panose="020B0604020202020204" pitchFamily="34" charset="0"/>
+              <a:buChar char="•"/>
+              <a:defRPr sz="1800" kern="1200">
+                <a:solidFill>
+                  <a:schemeClr val="tx1"/>
+                </a:solidFill>
+                <a:latin typeface="+mn-lt"/>
+                <a:ea typeface="+mn-ea"/>
+                <a:cs typeface="+mn-cs"/>
+              </a:defRPr>
+            </a:lvl9pPr>
+          </a:lstStyle>
+          <a:p>
+            <a:pPr marL="0" indent="0">
+              <a:buNone/>
+            </a:pPr>
+            <a:r>
+              <a:rPr lang="en-US" sz="2400" dirty="0">
+                <a:latin typeface="Comic Sans MS" panose="030F0702030302020204" pitchFamily="66" charset="0"/>
+              </a:rPr>
+              <a:t>≡ </a:t>
+            </a:r>
+            <a:r>
+              <a:rPr lang="en-US" sz="2400" dirty="0">
+                <a:latin typeface="Comic Sans MS" panose="030F0702030302020204" pitchFamily="66" charset="0"/>
+              </a:rPr>
+              <a:t>￢ </a:t>
+            </a:r>
+            <a:r>
+              <a:rPr lang="en-US" sz="2400" dirty="0" smtClean="0">
+                <a:latin typeface="Comic Sans MS" panose="030F0702030302020204" pitchFamily="66" charset="0"/>
+              </a:rPr>
+              <a:t>(p </a:t>
+            </a:r>
+            <a:r>
+              <a:rPr lang="en-US" sz="2400" dirty="0">
+                <a:latin typeface="Comic Sans MS" panose="030F0702030302020204" pitchFamily="66" charset="0"/>
+              </a:rPr>
+              <a:t>→ </a:t>
+            </a:r>
+            <a:r>
+              <a:rPr lang="en-US" sz="2400" dirty="0" smtClean="0">
+                <a:latin typeface="Comic Sans MS" panose="030F0702030302020204" pitchFamily="66" charset="0"/>
+              </a:rPr>
+              <a:t>q ∧ (q </a:t>
+            </a:r>
+            <a:r>
+              <a:rPr lang="en-US" sz="2400" dirty="0">
+                <a:latin typeface="Comic Sans MS" panose="030F0702030302020204" pitchFamily="66" charset="0"/>
+              </a:rPr>
+              <a:t>→ </a:t>
+            </a:r>
+            <a:r>
+              <a:rPr lang="en-US" sz="2400" dirty="0" smtClean="0">
+                <a:latin typeface="Comic Sans MS" panose="030F0702030302020204" pitchFamily="66" charset="0"/>
+              </a:rPr>
+              <a:t>p))</a:t>
+            </a:r>
+            <a:endParaRPr lang="en-US" sz="2400" dirty="0">
+              <a:latin typeface="Comic Sans MS" panose="030F0702030302020204" pitchFamily="66" charset="0"/>
+            </a:endParaRPr>
+          </a:p>
+        </p:txBody>
+      </p:sp>
+      <p:sp>
+        <p:nvSpPr>
+          <p:cNvPr id="7" name="Content Placeholder 2">
+            <a:extLst>
+              <a:ext uri="{FF2B5EF4-FFF2-40B4-BE49-F238E27FC236}">
+                <a16:creationId xmlns="" xmlns:a16="http://schemas.microsoft.com/office/drawing/2014/main" xmlns:a14="http://schemas.microsoft.com/office/drawing/2010/main" xmlns:mc="http://schemas.openxmlformats.org/markup-compatibility/2006" id="{8FD3E7E3-6406-4C87-9E06-5BA40AA66E22}"/>
+              </a:ext>
+            </a:extLst>
+          </p:cNvPr>
+          <p:cNvSpPr txBox="1">
+            <a:spLocks/>
+          </p:cNvSpPr>
+          <p:nvPr/>
+        </p:nvSpPr>
+        <p:spPr>
+          <a:xfrm>
+            <a:off x="609600" y="1828800"/>
+            <a:ext cx="7886700" cy="534644"/>
+          </a:xfrm>
+          <a:prstGeom prst="rect">
+            <a:avLst/>
+          </a:prstGeom>
+        </p:spPr>
+        <p:txBody>
+          <a:bodyPr vert="horz" lIns="68580" tIns="34290" rIns="68580" bIns="34290" rtlCol="0">
+            <a:normAutofit/>
+          </a:bodyPr>
+          <a:lstStyle>
+            <a:lvl1pPr marL="228600" indent="-228600" algn="l" defTabSz="914400" rtl="0" eaLnBrk="1" latinLnBrk="0" hangingPunct="1">
+              <a:lnSpc>
+                <a:spcPct val="90000"/>
+              </a:lnSpc>
+              <a:spcBef>
+                <a:spcPts val="1000"/>
+              </a:spcBef>
+              <a:buFont typeface="Arial" panose="020B0604020202020204" pitchFamily="34" charset="0"/>
+              <a:buChar char="•"/>
+              <a:defRPr sz="2800" kern="1200">
+                <a:solidFill>
+                  <a:schemeClr val="tx1"/>
+                </a:solidFill>
+                <a:latin typeface="+mn-lt"/>
+                <a:ea typeface="+mn-ea"/>
+                <a:cs typeface="+mn-cs"/>
+              </a:defRPr>
+            </a:lvl1pPr>
+            <a:lvl2pPr marL="685800" indent="-228600" algn="l" defTabSz="914400" rtl="0" eaLnBrk="1" latinLnBrk="0" hangingPunct="1">
+              <a:lnSpc>
+                <a:spcPct val="90000"/>
+              </a:lnSpc>
+              <a:spcBef>
+                <a:spcPts val="500"/>
+              </a:spcBef>
+              <a:buFont typeface="Arial" panose="020B0604020202020204" pitchFamily="34" charset="0"/>
+              <a:buChar char="•"/>
+              <a:defRPr sz="2400" kern="1200">
+                <a:solidFill>
+                  <a:schemeClr val="tx1"/>
+                </a:solidFill>
+                <a:latin typeface="+mn-lt"/>
+                <a:ea typeface="+mn-ea"/>
+                <a:cs typeface="+mn-cs"/>
+              </a:defRPr>
+            </a:lvl2pPr>
+            <a:lvl3pPr marL="1143000" indent="-228600" algn="l" defTabSz="914400" rtl="0" eaLnBrk="1" latinLnBrk="0" hangingPunct="1">
+              <a:lnSpc>
+                <a:spcPct val="90000"/>
+              </a:lnSpc>
+              <a:spcBef>
+                <a:spcPts val="500"/>
+              </a:spcBef>
+              <a:buFont typeface="Arial" panose="020B0604020202020204" pitchFamily="34" charset="0"/>
+              <a:buChar char="•"/>
+              <a:defRPr sz="2000" kern="1200">
+                <a:solidFill>
+                  <a:schemeClr val="tx1"/>
+                </a:solidFill>
+                <a:latin typeface="+mn-lt"/>
+                <a:ea typeface="+mn-ea"/>
+                <a:cs typeface="+mn-cs"/>
+              </a:defRPr>
+            </a:lvl3pPr>
+            <a:lvl4pPr marL="1600200" indent="-228600" algn="l" defTabSz="914400" rtl="0" eaLnBrk="1" latinLnBrk="0" hangingPunct="1">
+              <a:lnSpc>
+                <a:spcPct val="90000"/>
+              </a:lnSpc>
+              <a:spcBef>
+                <a:spcPts val="500"/>
+              </a:spcBef>
+              <a:buFont typeface="Arial" panose="020B0604020202020204" pitchFamily="34" charset="0"/>
+              <a:buChar char="•"/>
+              <a:defRPr sz="1800" kern="1200">
+                <a:solidFill>
+                  <a:schemeClr val="tx1"/>
+                </a:solidFill>
+                <a:latin typeface="+mn-lt"/>
+                <a:ea typeface="+mn-ea"/>
+                <a:cs typeface="+mn-cs"/>
+              </a:defRPr>
+            </a:lvl4pPr>
+            <a:lvl5pPr marL="2057400" indent="-228600" algn="l" defTabSz="914400" rtl="0" eaLnBrk="1" latinLnBrk="0" hangingPunct="1">
+              <a:lnSpc>
+                <a:spcPct val="90000"/>
+              </a:lnSpc>
+              <a:spcBef>
+                <a:spcPts val="500"/>
+              </a:spcBef>
+              <a:buFont typeface="Arial" panose="020B0604020202020204" pitchFamily="34" charset="0"/>
+              <a:buChar char="•"/>
+              <a:defRPr sz="1800" kern="1200">
+                <a:solidFill>
+                  <a:schemeClr val="tx1"/>
+                </a:solidFill>
+                <a:latin typeface="+mn-lt"/>
+                <a:ea typeface="+mn-ea"/>
+                <a:cs typeface="+mn-cs"/>
+              </a:defRPr>
+            </a:lvl5pPr>
+            <a:lvl6pPr marL="2514600" indent="-228600" algn="l" defTabSz="914400" rtl="0" eaLnBrk="1" latinLnBrk="0" hangingPunct="1">
+              <a:lnSpc>
+                <a:spcPct val="90000"/>
+              </a:lnSpc>
+              <a:spcBef>
+                <a:spcPts val="500"/>
+              </a:spcBef>
+              <a:buFont typeface="Arial" panose="020B0604020202020204" pitchFamily="34" charset="0"/>
+              <a:buChar char="•"/>
+              <a:defRPr sz="1800" kern="1200">
+                <a:solidFill>
+                  <a:schemeClr val="tx1"/>
+                </a:solidFill>
+                <a:latin typeface="+mn-lt"/>
+                <a:ea typeface="+mn-ea"/>
+                <a:cs typeface="+mn-cs"/>
+              </a:defRPr>
+            </a:lvl6pPr>
+            <a:lvl7pPr marL="2971800" indent="-228600" algn="l" defTabSz="914400" rtl="0" eaLnBrk="1" latinLnBrk="0" hangingPunct="1">
+              <a:lnSpc>
+                <a:spcPct val="90000"/>
+              </a:lnSpc>
+              <a:spcBef>
+                <a:spcPts val="500"/>
+              </a:spcBef>
+              <a:buFont typeface="Arial" panose="020B0604020202020204" pitchFamily="34" charset="0"/>
+              <a:buChar char="•"/>
+              <a:defRPr sz="1800" kern="1200">
+                <a:solidFill>
+                  <a:schemeClr val="tx1"/>
+                </a:solidFill>
+                <a:latin typeface="+mn-lt"/>
+                <a:ea typeface="+mn-ea"/>
+                <a:cs typeface="+mn-cs"/>
+              </a:defRPr>
+            </a:lvl7pPr>
+            <a:lvl8pPr marL="3429000" indent="-228600" algn="l" defTabSz="914400" rtl="0" eaLnBrk="1" latinLnBrk="0" hangingPunct="1">
+              <a:lnSpc>
+                <a:spcPct val="90000"/>
+              </a:lnSpc>
+              <a:spcBef>
+                <a:spcPts val="500"/>
+              </a:spcBef>
+              <a:buFont typeface="Arial" panose="020B0604020202020204" pitchFamily="34" charset="0"/>
+              <a:buChar char="•"/>
+              <a:defRPr sz="1800" kern="1200">
+                <a:solidFill>
+                  <a:schemeClr val="tx1"/>
+                </a:solidFill>
+                <a:latin typeface="+mn-lt"/>
+                <a:ea typeface="+mn-ea"/>
+                <a:cs typeface="+mn-cs"/>
+              </a:defRPr>
+            </a:lvl8pPr>
+            <a:lvl9pPr marL="3886200" indent="-228600" algn="l" defTabSz="914400" rtl="0" eaLnBrk="1" latinLnBrk="0" hangingPunct="1">
+              <a:lnSpc>
+                <a:spcPct val="90000"/>
+              </a:lnSpc>
+              <a:spcBef>
+                <a:spcPts val="500"/>
+              </a:spcBef>
+              <a:buFont typeface="Arial" panose="020B0604020202020204" pitchFamily="34" charset="0"/>
+              <a:buChar char="•"/>
+              <a:defRPr sz="1800" kern="1200">
+                <a:solidFill>
+                  <a:schemeClr val="tx1"/>
+                </a:solidFill>
+                <a:latin typeface="+mn-lt"/>
+                <a:ea typeface="+mn-ea"/>
+                <a:cs typeface="+mn-cs"/>
+              </a:defRPr>
+            </a:lvl9pPr>
+          </a:lstStyle>
+          <a:p>
+            <a:pPr marL="0" indent="0">
+              <a:buNone/>
+            </a:pPr>
+            <a:r>
+              <a:rPr lang="en-US" sz="2400" dirty="0">
+                <a:latin typeface="Comic Sans MS" panose="030F0702030302020204" pitchFamily="66" charset="0"/>
+              </a:rPr>
+              <a:t>Find the negation of </a:t>
+            </a:r>
+            <a:r>
+              <a:rPr lang="en-US" sz="2400" dirty="0" smtClean="0">
+                <a:latin typeface="Comic Sans MS" panose="030F0702030302020204" pitchFamily="66" charset="0"/>
+              </a:rPr>
+              <a:t>p ↔ q</a:t>
+            </a:r>
+            <a:endParaRPr lang="en-US" sz="2400" dirty="0">
+              <a:latin typeface="Comic Sans MS" panose="030F0702030302020204" pitchFamily="66" charset="0"/>
+            </a:endParaRPr>
+          </a:p>
+        </p:txBody>
+      </p:sp>
+    </p:spTree>
+    <p:extLst>
+      <p:ext uri="{BB962C8B-B14F-4D97-AF65-F5344CB8AC3E}">
+        <p14:creationId xmlns:p14="http://schemas.microsoft.com/office/powerpoint/2010/main" val="831005029"/>
+      </p:ext>
+    </p:extLst>
+  </p:cSld>
+  <p:clrMapOvr>
+    <a:masterClrMapping/>
+  </p:clrMapOvr>
+  <p:timing>
+    <p:tnLst>
+      <p:par>
+        <p:cTn id="1" dur="indefinite" restart="never" nodeType="tmRoot">
+          <p:childTnLst>
+            <p:seq concurrent="1" nextAc="seek">
+              <p:cTn id="2" dur="indefinite" nodeType="mainSeq">
+                <p:childTnLst>
+                  <p:par>
+                    <p:cTn id="3" fill="hold">
+                      <p:stCondLst>
+                        <p:cond delay="indefinite"/>
+                      </p:stCondLst>
+                      <p:childTnLst>
+                        <p:par>
+                          <p:cTn id="4" fill="hold">
+                            <p:stCondLst>
+                              <p:cond delay="0"/>
+                            </p:stCondLst>
+                            <p:childTnLst>
+                              <p:par>
+                                <p:cTn id="5" presetID="1" presetClass="entr" presetSubtype="0" fill="hold" grpId="0" nodeType="clickEffect">
+                                  <p:stCondLst>
+                                    <p:cond delay="0"/>
+                                  </p:stCondLst>
+                                  <p:childTnLst>
+                                    <p:set>
+                                      <p:cBhvr>
+                                        <p:cTn id="6" dur="1" fill="hold">
+                                          <p:stCondLst>
+                                            <p:cond delay="0"/>
+                                          </p:stCondLst>
+                                        </p:cTn>
+                                        <p:tgtEl>
+                                          <p:spTgt spid="3">
+                                            <p:txEl>
+                                              <p:pRg st="0" end="0"/>
+                                            </p:txEl>
+                                          </p:spTgt>
+                                        </p:tgtEl>
+                                        <p:attrNameLst>
+                                          <p:attrName>style.visibility</p:attrName>
+                                        </p:attrNameLst>
+                                      </p:cBhvr>
+                                      <p:to>
+                                        <p:strVal val="visible"/>
+                                      </p:to>
+                                    </p:set>
+                                  </p:childTnLst>
+                                </p:cTn>
+                              </p:par>
+                            </p:childTnLst>
+                          </p:cTn>
+                        </p:par>
+                      </p:childTnLst>
+                    </p:cTn>
+                  </p:par>
+                  <p:par>
+                    <p:cTn id="7" fill="hold">
+                      <p:stCondLst>
+                        <p:cond delay="indefinite"/>
+                      </p:stCondLst>
+                      <p:childTnLst>
+                        <p:par>
+                          <p:cTn id="8" fill="hold">
+                            <p:stCondLst>
+                              <p:cond delay="0"/>
+                            </p:stCondLst>
+                            <p:childTnLst>
+                              <p:par>
+                                <p:cTn id="9" presetID="1" presetClass="entr" presetSubtype="0" fill="hold" grpId="0" nodeType="clickEffect">
+                                  <p:stCondLst>
+                                    <p:cond delay="0"/>
+                                  </p:stCondLst>
+                                  <p:childTnLst>
+                                    <p:set>
+                                      <p:cBhvr>
+                                        <p:cTn id="10" dur="1" fill="hold">
+                                          <p:stCondLst>
+                                            <p:cond delay="0"/>
+                                          </p:stCondLst>
+                                        </p:cTn>
+                                        <p:tgtEl>
+                                          <p:spTgt spid="4"/>
+                                        </p:tgtEl>
+                                        <p:attrNameLst>
+                                          <p:attrName>style.visibility</p:attrName>
+                                        </p:attrNameLst>
+                                      </p:cBhvr>
+                                      <p:to>
+                                        <p:strVal val="visible"/>
+                                      </p:to>
+                                    </p:set>
+                                  </p:childTnLst>
+                                </p:cTn>
+                              </p:par>
+                            </p:childTnLst>
+                          </p:cTn>
+                        </p:par>
+                      </p:childTnLst>
+                    </p:cTn>
+                  </p:par>
+                </p:childTnLst>
+              </p:cTn>
+              <p:prevCondLst>
+                <p:cond evt="onPrev" delay="0">
+                  <p:tgtEl>
+                    <p:sldTgt/>
+                  </p:tgtEl>
+                </p:cond>
+              </p:prevCondLst>
+              <p:nextCondLst>
+                <p:cond evt="onNext" delay="0">
+                  <p:tgtEl>
+                    <p:sldTgt/>
+                  </p:tgtEl>
+                </p:cond>
+              </p:nextCondLst>
+            </p:seq>
+          </p:childTnLst>
+        </p:cTn>
+      </p:par>
+    </p:tnLst>
+    <p:bldLst>
+      <p:bldP spid="3" grpId="0" build="p"/>
+      <p:bldP spid="4" grpId="0"/>
+    </p:bldLst>
   </p:timing>
 </p:sld>
 </file>
